--- a/typescript/typescript_mixins.pptx
+++ b/typescript/typescript_mixins.pptx
@@ -1,12 +1,23 @@
 
 <file path=ppt/presentation.xml><?xml version="1.0" encoding="utf-8"?>
-<p:presentation xmlns:a="http://schemas.openxmlformats.org/drawingml/2006/main" xmlns:r="http://schemas.openxmlformats.org/officeDocument/2006/relationships" xmlns:p="http://schemas.openxmlformats.org/presentationml/2006/main" saveSubsetFonts="1">
+<p:presentation xmlns:a="http://schemas.openxmlformats.org/drawingml/2006/main" xmlns:r="http://schemas.openxmlformats.org/officeDocument/2006/relationships" xmlns:p="http://schemas.openxmlformats.org/presentationml/2006/main" showSpecialPlsOnTitleSld="0" saveSubsetFonts="1">
   <p:sldMasterIdLst>
     <p:sldMasterId id="2147483661" r:id="rId1"/>
     <p:sldMasterId id="2147483674" r:id="rId2"/>
   </p:sldMasterIdLst>
+  <p:notesMasterIdLst>
+    <p:notesMasterId r:id="rId12"/>
+  </p:notesMasterIdLst>
   <p:sldIdLst>
     <p:sldId id="263" r:id="rId3"/>
+    <p:sldId id="282" r:id="rId4"/>
+    <p:sldId id="270" r:id="rId5"/>
+    <p:sldId id="278" r:id="rId6"/>
+    <p:sldId id="279" r:id="rId7"/>
+    <p:sldId id="265" r:id="rId8"/>
+    <p:sldId id="280" r:id="rId9"/>
+    <p:sldId id="281" r:id="rId10"/>
+    <p:sldId id="276" r:id="rId11"/>
   </p:sldIdLst>
   <p:sldSz cx="9144000" cy="6858000" type="screen4x3"/>
   <p:notesSz cx="6858000" cy="9144000"/>
@@ -124,6 +135,388 @@
 </p:presentation>
 </file>
 
+<file path=ppt/notesMasters/notesMaster1.xml><?xml version="1.0" encoding="utf-8"?>
+<p:notesMaster xmlns:a="http://schemas.openxmlformats.org/drawingml/2006/main" xmlns:r="http://schemas.openxmlformats.org/officeDocument/2006/relationships" xmlns:p="http://schemas.openxmlformats.org/presentationml/2006/main">
+  <p:cSld>
+    <p:bg>
+      <p:bgRef idx="1001">
+        <a:schemeClr val="bg1"/>
+      </p:bgRef>
+    </p:bg>
+    <p:spTree>
+      <p:nvGrpSpPr>
+        <p:cNvPr id="1" name=""/>
+        <p:cNvGrpSpPr/>
+        <p:nvPr/>
+      </p:nvGrpSpPr>
+      <p:grpSpPr>
+        <a:xfrm>
+          <a:off x="0" y="0"/>
+          <a:ext cx="0" cy="0"/>
+          <a:chOff x="0" y="0"/>
+          <a:chExt cx="0" cy="0"/>
+        </a:xfrm>
+      </p:grpSpPr>
+      <p:sp>
+        <p:nvSpPr>
+          <p:cNvPr id="2" name="ヘッダー プレースホルダー 1"/>
+          <p:cNvSpPr>
+            <a:spLocks noGrp="1"/>
+          </p:cNvSpPr>
+          <p:nvPr>
+            <p:ph type="hdr" sz="quarter"/>
+          </p:nvPr>
+        </p:nvSpPr>
+        <p:spPr>
+          <a:xfrm>
+            <a:off x="0" y="0"/>
+            <a:ext cx="2971800" cy="458788"/>
+          </a:xfrm>
+          <a:prstGeom prst="rect">
+            <a:avLst/>
+          </a:prstGeom>
+        </p:spPr>
+        <p:txBody>
+          <a:bodyPr vert="horz" lIns="91440" tIns="45720" rIns="91440" bIns="45720" rtlCol="0"/>
+          <a:lstStyle>
+            <a:lvl1pPr algn="l">
+              <a:defRPr sz="1200"/>
+            </a:lvl1pPr>
+          </a:lstStyle>
+          <a:p>
+            <a:endParaRPr kumimoji="1" lang="ja-JP" altLang="en-US"/>
+          </a:p>
+        </p:txBody>
+      </p:sp>
+      <p:sp>
+        <p:nvSpPr>
+          <p:cNvPr id="3" name="日付プレースホルダー 2"/>
+          <p:cNvSpPr>
+            <a:spLocks noGrp="1"/>
+          </p:cNvSpPr>
+          <p:nvPr>
+            <p:ph type="dt" idx="1"/>
+          </p:nvPr>
+        </p:nvSpPr>
+        <p:spPr>
+          <a:xfrm>
+            <a:off x="3884613" y="0"/>
+            <a:ext cx="2971800" cy="458788"/>
+          </a:xfrm>
+          <a:prstGeom prst="rect">
+            <a:avLst/>
+          </a:prstGeom>
+        </p:spPr>
+        <p:txBody>
+          <a:bodyPr vert="horz" lIns="91440" tIns="45720" rIns="91440" bIns="45720" rtlCol="0"/>
+          <a:lstStyle>
+            <a:lvl1pPr algn="r">
+              <a:defRPr sz="1200"/>
+            </a:lvl1pPr>
+          </a:lstStyle>
+          <a:p>
+            <a:fld id="{AB59D074-2320-B644-8AE3-FA8F898BC08A}" type="datetimeFigureOut">
+              <a:rPr kumimoji="1" lang="ja-JP" altLang="en-US" smtClean="0"/>
+              <a:t>2016/4/22</a:t>
+            </a:fld>
+            <a:endParaRPr kumimoji="1" lang="ja-JP" altLang="en-US"/>
+          </a:p>
+        </p:txBody>
+      </p:sp>
+      <p:sp>
+        <p:nvSpPr>
+          <p:cNvPr id="4" name="スライド イメージ プレースホルダー 3"/>
+          <p:cNvSpPr>
+            <a:spLocks noGrp="1" noRot="1" noChangeAspect="1"/>
+          </p:cNvSpPr>
+          <p:nvPr>
+            <p:ph type="sldImg" idx="2"/>
+          </p:nvPr>
+        </p:nvSpPr>
+        <p:spPr>
+          <a:xfrm>
+            <a:off x="1371600" y="1143000"/>
+            <a:ext cx="4114800" cy="3086100"/>
+          </a:xfrm>
+          <a:prstGeom prst="rect">
+            <a:avLst/>
+          </a:prstGeom>
+          <a:noFill/>
+          <a:ln w="12700">
+            <a:solidFill>
+              <a:prstClr val="black"/>
+            </a:solidFill>
+          </a:ln>
+        </p:spPr>
+        <p:txBody>
+          <a:bodyPr vert="horz" lIns="91440" tIns="45720" rIns="91440" bIns="45720" rtlCol="0" anchor="ctr"/>
+          <a:lstStyle/>
+          <a:p>
+            <a:endParaRPr lang="ja-JP" altLang="en-US"/>
+          </a:p>
+        </p:txBody>
+      </p:sp>
+      <p:sp>
+        <p:nvSpPr>
+          <p:cNvPr id="5" name="ノート プレースホルダー 4"/>
+          <p:cNvSpPr>
+            <a:spLocks noGrp="1"/>
+          </p:cNvSpPr>
+          <p:nvPr>
+            <p:ph type="body" sz="quarter" idx="3"/>
+          </p:nvPr>
+        </p:nvSpPr>
+        <p:spPr>
+          <a:xfrm>
+            <a:off x="685800" y="4400550"/>
+            <a:ext cx="5486400" cy="3600450"/>
+          </a:xfrm>
+          <a:prstGeom prst="rect">
+            <a:avLst/>
+          </a:prstGeom>
+        </p:spPr>
+        <p:txBody>
+          <a:bodyPr vert="horz" lIns="91440" tIns="45720" rIns="91440" bIns="45720" rtlCol="0"/>
+          <a:lstStyle/>
+          <a:p>
+            <a:pPr lvl="0"/>
+            <a:r>
+              <a:rPr kumimoji="1" lang="ja-JP" altLang="en-US" smtClean="0"/>
+              <a:t>マスター テキストの書式設定</a:t>
+            </a:r>
+          </a:p>
+          <a:p>
+            <a:pPr lvl="1"/>
+            <a:r>
+              <a:rPr kumimoji="1" lang="ja-JP" altLang="en-US" smtClean="0"/>
+              <a:t>第 </a:t>
+            </a:r>
+            <a:r>
+              <a:rPr kumimoji="1" lang="en-US" altLang="ja-JP" smtClean="0"/>
+              <a:t>2 </a:t>
+            </a:r>
+            <a:r>
+              <a:rPr kumimoji="1" lang="ja-JP" altLang="en-US" smtClean="0"/>
+              <a:t>レベル</a:t>
+            </a:r>
+          </a:p>
+          <a:p>
+            <a:pPr lvl="2"/>
+            <a:r>
+              <a:rPr kumimoji="1" lang="ja-JP" altLang="en-US" smtClean="0"/>
+              <a:t>第 </a:t>
+            </a:r>
+            <a:r>
+              <a:rPr kumimoji="1" lang="en-US" altLang="ja-JP" smtClean="0"/>
+              <a:t>3 </a:t>
+            </a:r>
+            <a:r>
+              <a:rPr kumimoji="1" lang="ja-JP" altLang="en-US" smtClean="0"/>
+              <a:t>レベル</a:t>
+            </a:r>
+          </a:p>
+          <a:p>
+            <a:pPr lvl="3"/>
+            <a:r>
+              <a:rPr kumimoji="1" lang="ja-JP" altLang="en-US" smtClean="0"/>
+              <a:t>第 </a:t>
+            </a:r>
+            <a:r>
+              <a:rPr kumimoji="1" lang="en-US" altLang="ja-JP" smtClean="0"/>
+              <a:t>4 </a:t>
+            </a:r>
+            <a:r>
+              <a:rPr kumimoji="1" lang="ja-JP" altLang="en-US" smtClean="0"/>
+              <a:t>レベル</a:t>
+            </a:r>
+          </a:p>
+          <a:p>
+            <a:pPr lvl="4"/>
+            <a:r>
+              <a:rPr kumimoji="1" lang="ja-JP" altLang="en-US" smtClean="0"/>
+              <a:t>第 </a:t>
+            </a:r>
+            <a:r>
+              <a:rPr kumimoji="1" lang="en-US" altLang="ja-JP" smtClean="0"/>
+              <a:t>5 </a:t>
+            </a:r>
+            <a:r>
+              <a:rPr kumimoji="1" lang="ja-JP" altLang="en-US" smtClean="0"/>
+              <a:t>レベル</a:t>
+            </a:r>
+            <a:endParaRPr kumimoji="1" lang="ja-JP" altLang="en-US"/>
+          </a:p>
+        </p:txBody>
+      </p:sp>
+      <p:sp>
+        <p:nvSpPr>
+          <p:cNvPr id="6" name="フッター プレースホルダー 5"/>
+          <p:cNvSpPr>
+            <a:spLocks noGrp="1"/>
+          </p:cNvSpPr>
+          <p:nvPr>
+            <p:ph type="ftr" sz="quarter" idx="4"/>
+          </p:nvPr>
+        </p:nvSpPr>
+        <p:spPr>
+          <a:xfrm>
+            <a:off x="0" y="8685213"/>
+            <a:ext cx="2971800" cy="458787"/>
+          </a:xfrm>
+          <a:prstGeom prst="rect">
+            <a:avLst/>
+          </a:prstGeom>
+        </p:spPr>
+        <p:txBody>
+          <a:bodyPr vert="horz" lIns="91440" tIns="45720" rIns="91440" bIns="45720" rtlCol="0" anchor="b"/>
+          <a:lstStyle>
+            <a:lvl1pPr algn="l">
+              <a:defRPr sz="1200"/>
+            </a:lvl1pPr>
+          </a:lstStyle>
+          <a:p>
+            <a:endParaRPr kumimoji="1" lang="ja-JP" altLang="en-US"/>
+          </a:p>
+        </p:txBody>
+      </p:sp>
+      <p:sp>
+        <p:nvSpPr>
+          <p:cNvPr id="7" name="スライド番号プレースホルダー 6"/>
+          <p:cNvSpPr>
+            <a:spLocks noGrp="1"/>
+          </p:cNvSpPr>
+          <p:nvPr>
+            <p:ph type="sldNum" sz="quarter" idx="5"/>
+          </p:nvPr>
+        </p:nvSpPr>
+        <p:spPr>
+          <a:xfrm>
+            <a:off x="3884613" y="8685213"/>
+            <a:ext cx="2971800" cy="458787"/>
+          </a:xfrm>
+          <a:prstGeom prst="rect">
+            <a:avLst/>
+          </a:prstGeom>
+        </p:spPr>
+        <p:txBody>
+          <a:bodyPr vert="horz" lIns="91440" tIns="45720" rIns="91440" bIns="45720" rtlCol="0" anchor="b"/>
+          <a:lstStyle>
+            <a:lvl1pPr algn="r">
+              <a:defRPr sz="1200"/>
+            </a:lvl1pPr>
+          </a:lstStyle>
+          <a:p>
+            <a:fld id="{9E2E891F-855B-184B-AE40-6CD3B187B741}" type="slidenum">
+              <a:rPr kumimoji="1" lang="ja-JP" altLang="en-US" smtClean="0"/>
+              <a:t>‹#›</a:t>
+            </a:fld>
+            <a:endParaRPr kumimoji="1" lang="ja-JP" altLang="en-US"/>
+          </a:p>
+        </p:txBody>
+      </p:sp>
+    </p:spTree>
+    <p:extLst>
+      <p:ext uri="{BB962C8B-B14F-4D97-AF65-F5344CB8AC3E}">
+        <p14:creationId xmlns:p14="http://schemas.microsoft.com/office/powerpoint/2010/main" val="993617242"/>
+      </p:ext>
+    </p:extLst>
+  </p:cSld>
+  <p:clrMap bg1="lt1" tx1="dk1" bg2="lt2" tx2="dk2" accent1="accent1" accent2="accent2" accent3="accent3" accent4="accent4" accent5="accent5" accent6="accent6" hlink="hlink" folHlink="folHlink"/>
+  <p:notesStyle>
+    <a:lvl1pPr marL="0" algn="l" defTabSz="914400" rtl="0" eaLnBrk="1" latinLnBrk="0" hangingPunct="1">
+      <a:defRPr kumimoji="1" sz="1200" kern="1200">
+        <a:solidFill>
+          <a:schemeClr val="tx1"/>
+        </a:solidFill>
+        <a:latin typeface="+mn-lt"/>
+        <a:ea typeface="+mn-ea"/>
+        <a:cs typeface="+mn-cs"/>
+      </a:defRPr>
+    </a:lvl1pPr>
+    <a:lvl2pPr marL="457200" algn="l" defTabSz="914400" rtl="0" eaLnBrk="1" latinLnBrk="0" hangingPunct="1">
+      <a:defRPr kumimoji="1" sz="1200" kern="1200">
+        <a:solidFill>
+          <a:schemeClr val="tx1"/>
+        </a:solidFill>
+        <a:latin typeface="+mn-lt"/>
+        <a:ea typeface="+mn-ea"/>
+        <a:cs typeface="+mn-cs"/>
+      </a:defRPr>
+    </a:lvl2pPr>
+    <a:lvl3pPr marL="914400" algn="l" defTabSz="914400" rtl="0" eaLnBrk="1" latinLnBrk="0" hangingPunct="1">
+      <a:defRPr kumimoji="1" sz="1200" kern="1200">
+        <a:solidFill>
+          <a:schemeClr val="tx1"/>
+        </a:solidFill>
+        <a:latin typeface="+mn-lt"/>
+        <a:ea typeface="+mn-ea"/>
+        <a:cs typeface="+mn-cs"/>
+      </a:defRPr>
+    </a:lvl3pPr>
+    <a:lvl4pPr marL="1371600" algn="l" defTabSz="914400" rtl="0" eaLnBrk="1" latinLnBrk="0" hangingPunct="1">
+      <a:defRPr kumimoji="1" sz="1200" kern="1200">
+        <a:solidFill>
+          <a:schemeClr val="tx1"/>
+        </a:solidFill>
+        <a:latin typeface="+mn-lt"/>
+        <a:ea typeface="+mn-ea"/>
+        <a:cs typeface="+mn-cs"/>
+      </a:defRPr>
+    </a:lvl4pPr>
+    <a:lvl5pPr marL="1828800" algn="l" defTabSz="914400" rtl="0" eaLnBrk="1" latinLnBrk="0" hangingPunct="1">
+      <a:defRPr kumimoji="1" sz="1200" kern="1200">
+        <a:solidFill>
+          <a:schemeClr val="tx1"/>
+        </a:solidFill>
+        <a:latin typeface="+mn-lt"/>
+        <a:ea typeface="+mn-ea"/>
+        <a:cs typeface="+mn-cs"/>
+      </a:defRPr>
+    </a:lvl5pPr>
+    <a:lvl6pPr marL="2286000" algn="l" defTabSz="914400" rtl="0" eaLnBrk="1" latinLnBrk="0" hangingPunct="1">
+      <a:defRPr kumimoji="1" sz="1200" kern="1200">
+        <a:solidFill>
+          <a:schemeClr val="tx1"/>
+        </a:solidFill>
+        <a:latin typeface="+mn-lt"/>
+        <a:ea typeface="+mn-ea"/>
+        <a:cs typeface="+mn-cs"/>
+      </a:defRPr>
+    </a:lvl6pPr>
+    <a:lvl7pPr marL="2743200" algn="l" defTabSz="914400" rtl="0" eaLnBrk="1" latinLnBrk="0" hangingPunct="1">
+      <a:defRPr kumimoji="1" sz="1200" kern="1200">
+        <a:solidFill>
+          <a:schemeClr val="tx1"/>
+        </a:solidFill>
+        <a:latin typeface="+mn-lt"/>
+        <a:ea typeface="+mn-ea"/>
+        <a:cs typeface="+mn-cs"/>
+      </a:defRPr>
+    </a:lvl7pPr>
+    <a:lvl8pPr marL="3200400" algn="l" defTabSz="914400" rtl="0" eaLnBrk="1" latinLnBrk="0" hangingPunct="1">
+      <a:defRPr kumimoji="1" sz="1200" kern="1200">
+        <a:solidFill>
+          <a:schemeClr val="tx1"/>
+        </a:solidFill>
+        <a:latin typeface="+mn-lt"/>
+        <a:ea typeface="+mn-ea"/>
+        <a:cs typeface="+mn-cs"/>
+      </a:defRPr>
+    </a:lvl8pPr>
+    <a:lvl9pPr marL="3657600" algn="l" defTabSz="914400" rtl="0" eaLnBrk="1" latinLnBrk="0" hangingPunct="1">
+      <a:defRPr kumimoji="1" sz="1200" kern="1200">
+        <a:solidFill>
+          <a:schemeClr val="tx1"/>
+        </a:solidFill>
+        <a:latin typeface="+mn-lt"/>
+        <a:ea typeface="+mn-ea"/>
+        <a:cs typeface="+mn-cs"/>
+      </a:defRPr>
+    </a:lvl9pPr>
+  </p:notesStyle>
+</p:notesMaster>
+</file>
+
 <file path=ppt/slideLayouts/slideLayout1.xml><?xml version="1.0" encoding="utf-8"?>
 <p:sldLayout xmlns:a="http://schemas.openxmlformats.org/drawingml/2006/main" xmlns:r="http://schemas.openxmlformats.org/officeDocument/2006/relationships" xmlns:p="http://schemas.openxmlformats.org/presentationml/2006/main" type="title" preserve="1">
   <p:cSld name="タイトル スライド">
@@ -329,9 +722,9 @@
           <a:bodyPr/>
           <a:lstStyle/>
           <a:p>
-            <a:fld id="{DA188784-5B0E-4B92-B3B5-33ACF578010C}" type="datetimeFigureOut">
-              <a:rPr kumimoji="1" lang="ja-JP" altLang="en-US" smtClean="0"/>
-              <a:t>2016/4/21</a:t>
+            <a:fld id="{88637A72-D36E-0F43-9C03-86A92E67AF1A}" type="datetime1">
+              <a:rPr kumimoji="1" lang="ja-JP" altLang="en-US" smtClean="0"/>
+              <a:t>2016/4/22</a:t>
             </a:fld>
             <a:endParaRPr kumimoji="1" lang="ja-JP" altLang="en-US"/>
           </a:p>
@@ -538,9 +931,9 @@
           <a:bodyPr/>
           <a:lstStyle/>
           <a:p>
-            <a:fld id="{DA188784-5B0E-4B92-B3B5-33ACF578010C}" type="datetimeFigureOut">
-              <a:rPr kumimoji="1" lang="ja-JP" altLang="en-US" smtClean="0"/>
-              <a:t>2016/4/21</a:t>
+            <a:fld id="{A81DCAB0-111C-3449-B2B3-593591191F54}" type="datetime1">
+              <a:rPr kumimoji="1" lang="ja-JP" altLang="en-US" smtClean="0"/>
+              <a:t>2016/4/22</a:t>
             </a:fld>
             <a:endParaRPr kumimoji="1" lang="ja-JP" altLang="en-US"/>
           </a:p>
@@ -750,9 +1143,9 @@
           <a:bodyPr/>
           <a:lstStyle/>
           <a:p>
-            <a:fld id="{DA188784-5B0E-4B92-B3B5-33ACF578010C}" type="datetimeFigureOut">
-              <a:rPr kumimoji="1" lang="ja-JP" altLang="en-US" smtClean="0"/>
-              <a:t>2016/4/21</a:t>
+            <a:fld id="{00FF30A6-7345-634B-80CD-397489FC2052}" type="datetime1">
+              <a:rPr kumimoji="1" lang="ja-JP" altLang="en-US" smtClean="0"/>
+              <a:t>2016/4/22</a:t>
             </a:fld>
             <a:endParaRPr kumimoji="1" lang="ja-JP" altLang="en-US"/>
           </a:p>
@@ -1025,9 +1418,9 @@
           <a:bodyPr/>
           <a:lstStyle/>
           <a:p>
-            <a:fld id="{DA188784-5B0E-4B92-B3B5-33ACF578010C}" type="datetimeFigureOut">
-              <a:rPr kumimoji="1" lang="ja-JP" altLang="en-US" smtClean="0"/>
-              <a:t>2016/4/21</a:t>
+            <a:fld id="{720A4259-C8C1-D14A-9994-9F6C986E5F33}" type="datetime1">
+              <a:rPr kumimoji="1" lang="ja-JP" altLang="en-US" smtClean="0"/>
+              <a:t>2016/4/22</a:t>
             </a:fld>
             <a:endParaRPr kumimoji="1" lang="ja-JP" altLang="en-US"/>
           </a:p>
@@ -1278,9 +1671,9 @@
           <a:bodyPr/>
           <a:lstStyle/>
           <a:p>
-            <a:fld id="{DA188784-5B0E-4B92-B3B5-33ACF578010C}" type="datetimeFigureOut">
-              <a:rPr kumimoji="1" lang="ja-JP" altLang="en-US" smtClean="0"/>
-              <a:t>2016/4/21</a:t>
+            <a:fld id="{5148AEAC-11B5-7B4F-BE6A-3413E1F10D2E}" type="datetime1">
+              <a:rPr kumimoji="1" lang="ja-JP" altLang="en-US" smtClean="0"/>
+              <a:t>2016/4/22</a:t>
             </a:fld>
             <a:endParaRPr kumimoji="1" lang="ja-JP" altLang="en-US"/>
           </a:p>
@@ -1531,9 +1924,9 @@
           <a:bodyPr/>
           <a:lstStyle/>
           <a:p>
-            <a:fld id="{DA188784-5B0E-4B92-B3B5-33ACF578010C}" type="datetimeFigureOut">
-              <a:rPr kumimoji="1" lang="ja-JP" altLang="en-US" smtClean="0"/>
-              <a:t>2016/4/21</a:t>
+            <a:fld id="{3D80055B-24AE-BF4A-8693-EE8C355B7E3A}" type="datetime1">
+              <a:rPr kumimoji="1" lang="ja-JP" altLang="en-US" smtClean="0"/>
+              <a:t>2016/4/22</a:t>
             </a:fld>
             <a:endParaRPr kumimoji="1" lang="ja-JP" altLang="en-US"/>
           </a:p>
@@ -1890,9 +2283,9 @@
           <a:bodyPr/>
           <a:lstStyle/>
           <a:p>
-            <a:fld id="{DA188784-5B0E-4B92-B3B5-33ACF578010C}" type="datetimeFigureOut">
-              <a:rPr kumimoji="1" lang="ja-JP" altLang="en-US" smtClean="0"/>
-              <a:t>2016/4/21</a:t>
+            <a:fld id="{54913F8C-B49D-FE4D-8B5C-AC4A4D28883A}" type="datetime1">
+              <a:rPr kumimoji="1" lang="ja-JP" altLang="en-US" smtClean="0"/>
+              <a:t>2016/4/22</a:t>
             </a:fld>
             <a:endParaRPr kumimoji="1" lang="ja-JP" altLang="en-US"/>
           </a:p>
@@ -2376,9 +2769,9 @@
           <a:bodyPr/>
           <a:lstStyle/>
           <a:p>
-            <a:fld id="{DA188784-5B0E-4B92-B3B5-33ACF578010C}" type="datetimeFigureOut">
-              <a:rPr kumimoji="1" lang="ja-JP" altLang="en-US" smtClean="0"/>
-              <a:t>2016/4/21</a:t>
+            <a:fld id="{02B0B8EB-DBB8-934E-95BB-01144898F9A8}" type="datetime1">
+              <a:rPr kumimoji="1" lang="ja-JP" altLang="en-US" smtClean="0"/>
+              <a:t>2016/4/22</a:t>
             </a:fld>
             <a:endParaRPr kumimoji="1" lang="ja-JP" altLang="en-US"/>
           </a:p>
@@ -2501,9 +2894,9 @@
           <a:bodyPr/>
           <a:lstStyle/>
           <a:p>
-            <a:fld id="{DA188784-5B0E-4B92-B3B5-33ACF578010C}" type="datetimeFigureOut">
-              <a:rPr kumimoji="1" lang="ja-JP" altLang="en-US" smtClean="0"/>
-              <a:t>2016/4/21</a:t>
+            <a:fld id="{D5B18069-3716-8F41-9AB8-84592C464092}" type="datetime1">
+              <a:rPr kumimoji="1" lang="ja-JP" altLang="en-US" smtClean="0"/>
+              <a:t>2016/4/22</a:t>
             </a:fld>
             <a:endParaRPr kumimoji="1" lang="ja-JP" altLang="en-US"/>
           </a:p>
@@ -2603,9 +2996,9 @@
           <a:bodyPr/>
           <a:lstStyle/>
           <a:p>
-            <a:fld id="{DA188784-5B0E-4B92-B3B5-33ACF578010C}" type="datetimeFigureOut">
-              <a:rPr kumimoji="1" lang="ja-JP" altLang="en-US" smtClean="0"/>
-              <a:t>2016/4/21</a:t>
+            <a:fld id="{B07B4CD0-1580-8A49-ADA6-F36C2F655F36}" type="datetime1">
+              <a:rPr kumimoji="1" lang="ja-JP" altLang="en-US" smtClean="0"/>
+              <a:t>2016/4/22</a:t>
             </a:fld>
             <a:endParaRPr kumimoji="1" lang="ja-JP" altLang="en-US"/>
           </a:p>
@@ -2919,9 +3312,9 @@
           <a:bodyPr/>
           <a:lstStyle/>
           <a:p>
-            <a:fld id="{DA188784-5B0E-4B92-B3B5-33ACF578010C}" type="datetimeFigureOut">
-              <a:rPr kumimoji="1" lang="ja-JP" altLang="en-US" smtClean="0"/>
-              <a:t>2016/4/21</a:t>
+            <a:fld id="{C40FD8F2-7273-6348-ACF5-05C62B25D52A}" type="datetime1">
+              <a:rPr kumimoji="1" lang="ja-JP" altLang="en-US" smtClean="0"/>
+              <a:t>2016/4/22</a:t>
             </a:fld>
             <a:endParaRPr kumimoji="1" lang="ja-JP" altLang="en-US"/>
           </a:p>
@@ -3172,9 +3565,9 @@
           <a:bodyPr/>
           <a:lstStyle/>
           <a:p>
-            <a:fld id="{DA188784-5B0E-4B92-B3B5-33ACF578010C}" type="datetimeFigureOut">
-              <a:rPr kumimoji="1" lang="ja-JP" altLang="en-US" smtClean="0"/>
-              <a:t>2016/4/21</a:t>
+            <a:fld id="{84D32851-B8E8-784F-ABC7-B2D8BA9CE179}" type="datetime1">
+              <a:rPr kumimoji="1" lang="ja-JP" altLang="en-US" smtClean="0"/>
+              <a:t>2016/4/22</a:t>
             </a:fld>
             <a:endParaRPr kumimoji="1" lang="ja-JP" altLang="en-US"/>
           </a:p>
@@ -3432,9 +3825,9 @@
           <a:bodyPr/>
           <a:lstStyle/>
           <a:p>
-            <a:fld id="{DA188784-5B0E-4B92-B3B5-33ACF578010C}" type="datetimeFigureOut">
-              <a:rPr kumimoji="1" lang="ja-JP" altLang="en-US" smtClean="0"/>
-              <a:t>2016/4/21</a:t>
+            <a:fld id="{B58889CB-E25A-FA45-8BA5-481CF53B311F}" type="datetime1">
+              <a:rPr kumimoji="1" lang="ja-JP" altLang="en-US" smtClean="0"/>
+              <a:t>2016/4/22</a:t>
             </a:fld>
             <a:endParaRPr kumimoji="1" lang="ja-JP" altLang="en-US"/>
           </a:p>
@@ -3634,9 +4027,9 @@
           <a:bodyPr/>
           <a:lstStyle/>
           <a:p>
-            <a:fld id="{DA188784-5B0E-4B92-B3B5-33ACF578010C}" type="datetimeFigureOut">
-              <a:rPr kumimoji="1" lang="ja-JP" altLang="en-US" smtClean="0"/>
-              <a:t>2016/4/21</a:t>
+            <a:fld id="{4C74B825-C178-004D-9DA0-A251B769BADB}" type="datetime1">
+              <a:rPr kumimoji="1" lang="ja-JP" altLang="en-US" smtClean="0"/>
+              <a:t>2016/4/22</a:t>
             </a:fld>
             <a:endParaRPr kumimoji="1" lang="ja-JP" altLang="en-US"/>
           </a:p>
@@ -3846,9 +4239,9 @@
           <a:bodyPr/>
           <a:lstStyle/>
           <a:p>
-            <a:fld id="{DA188784-5B0E-4B92-B3B5-33ACF578010C}" type="datetimeFigureOut">
-              <a:rPr kumimoji="1" lang="ja-JP" altLang="en-US" smtClean="0"/>
-              <a:t>2016/4/21</a:t>
+            <a:fld id="{48F97043-C64E-3E4A-9E3F-EC574990E926}" type="datetime1">
+              <a:rPr kumimoji="1" lang="ja-JP" altLang="en-US" smtClean="0"/>
+              <a:t>2016/4/22</a:t>
             </a:fld>
             <a:endParaRPr kumimoji="1" lang="ja-JP" altLang="en-US"/>
           </a:p>
@@ -4099,9 +4492,9 @@
           <a:bodyPr/>
           <a:lstStyle/>
           <a:p>
-            <a:fld id="{DA188784-5B0E-4B92-B3B5-33ACF578010C}" type="datetimeFigureOut">
-              <a:rPr kumimoji="1" lang="ja-JP" altLang="en-US" smtClean="0"/>
-              <a:t>2016/4/21</a:t>
+            <a:fld id="{4FA2B9B1-86B0-9C47-A183-D633BAAAC357}" type="datetime1">
+              <a:rPr kumimoji="1" lang="ja-JP" altLang="en-US" smtClean="0"/>
+              <a:t>2016/4/22</a:t>
             </a:fld>
             <a:endParaRPr kumimoji="1" lang="ja-JP" altLang="en-US"/>
           </a:p>
@@ -4458,9 +4851,9 @@
           <a:bodyPr/>
           <a:lstStyle/>
           <a:p>
-            <a:fld id="{DA188784-5B0E-4B92-B3B5-33ACF578010C}" type="datetimeFigureOut">
-              <a:rPr kumimoji="1" lang="ja-JP" altLang="en-US" smtClean="0"/>
-              <a:t>2016/4/21</a:t>
+            <a:fld id="{B006CE84-3C88-2049-AEC9-1777E6716B60}" type="datetime1">
+              <a:rPr kumimoji="1" lang="ja-JP" altLang="en-US" smtClean="0"/>
+              <a:t>2016/4/22</a:t>
             </a:fld>
             <a:endParaRPr kumimoji="1" lang="ja-JP" altLang="en-US"/>
           </a:p>
@@ -4951,9 +5344,9 @@
           <a:bodyPr/>
           <a:lstStyle/>
           <a:p>
-            <a:fld id="{DA188784-5B0E-4B92-B3B5-33ACF578010C}" type="datetimeFigureOut">
-              <a:rPr kumimoji="1" lang="ja-JP" altLang="en-US" smtClean="0"/>
-              <a:t>2016/4/21</a:t>
+            <a:fld id="{E357A68F-CB97-4E4C-A191-CB293DB45D65}" type="datetime1">
+              <a:rPr kumimoji="1" lang="ja-JP" altLang="en-US" smtClean="0"/>
+              <a:t>2016/4/22</a:t>
             </a:fld>
             <a:endParaRPr kumimoji="1" lang="ja-JP" altLang="en-US"/>
           </a:p>
@@ -5076,9 +5469,9 @@
           <a:bodyPr/>
           <a:lstStyle/>
           <a:p>
-            <a:fld id="{DA188784-5B0E-4B92-B3B5-33ACF578010C}" type="datetimeFigureOut">
-              <a:rPr kumimoji="1" lang="ja-JP" altLang="en-US" smtClean="0"/>
-              <a:t>2016/4/21</a:t>
+            <a:fld id="{82D1A7A7-71DD-0646-862F-6324304EE56A}" type="datetime1">
+              <a:rPr kumimoji="1" lang="ja-JP" altLang="en-US" smtClean="0"/>
+              <a:t>2016/4/22</a:t>
             </a:fld>
             <a:endParaRPr kumimoji="1" lang="ja-JP" altLang="en-US"/>
           </a:p>
@@ -5178,9 +5571,9 @@
           <a:bodyPr/>
           <a:lstStyle/>
           <a:p>
-            <a:fld id="{DA188784-5B0E-4B92-B3B5-33ACF578010C}" type="datetimeFigureOut">
-              <a:rPr kumimoji="1" lang="ja-JP" altLang="en-US" smtClean="0"/>
-              <a:t>2016/4/21</a:t>
+            <a:fld id="{5904475C-5722-A847-85C9-DAA817F43BD7}" type="datetime1">
+              <a:rPr kumimoji="1" lang="ja-JP" altLang="en-US" smtClean="0"/>
+              <a:t>2016/4/22</a:t>
             </a:fld>
             <a:endParaRPr kumimoji="1" lang="ja-JP" altLang="en-US"/>
           </a:p>
@@ -5494,9 +5887,9 @@
           <a:bodyPr/>
           <a:lstStyle/>
           <a:p>
-            <a:fld id="{DA188784-5B0E-4B92-B3B5-33ACF578010C}" type="datetimeFigureOut">
-              <a:rPr kumimoji="1" lang="ja-JP" altLang="en-US" smtClean="0"/>
-              <a:t>2016/4/21</a:t>
+            <a:fld id="{2E20A40D-4CD5-5F42-A882-08931289B258}" type="datetime1">
+              <a:rPr kumimoji="1" lang="ja-JP" altLang="en-US" smtClean="0"/>
+              <a:t>2016/4/22</a:t>
             </a:fld>
             <a:endParaRPr kumimoji="1" lang="ja-JP" altLang="en-US"/>
           </a:p>
@@ -5754,9 +6147,9 @@
           <a:bodyPr/>
           <a:lstStyle/>
           <a:p>
-            <a:fld id="{DA188784-5B0E-4B92-B3B5-33ACF578010C}" type="datetimeFigureOut">
-              <a:rPr kumimoji="1" lang="ja-JP" altLang="en-US" smtClean="0"/>
-              <a:t>2016/4/21</a:t>
+            <a:fld id="{D7ED3477-F801-0240-88AA-1A083D177491}" type="datetime1">
+              <a:rPr kumimoji="1" lang="ja-JP" altLang="en-US" smtClean="0"/>
+              <a:t>2016/4/22</a:t>
             </a:fld>
             <a:endParaRPr kumimoji="1" lang="ja-JP" altLang="en-US"/>
           </a:p>
@@ -6002,9 +6395,9 @@
             </a:lvl1pPr>
           </a:lstStyle>
           <a:p>
-            <a:fld id="{DA188784-5B0E-4B92-B3B5-33ACF578010C}" type="datetimeFigureOut">
-              <a:rPr kumimoji="1" lang="ja-JP" altLang="en-US" smtClean="0"/>
-              <a:t>2016/4/21</a:t>
+            <a:fld id="{BC98B723-7869-7546-8432-75D50DA3BB73}" type="datetime1">
+              <a:rPr kumimoji="1" lang="ja-JP" altLang="en-US" smtClean="0"/>
+              <a:t>2016/4/22</a:t>
             </a:fld>
             <a:endParaRPr kumimoji="1" lang="ja-JP" altLang="en-US"/>
           </a:p>
@@ -6116,6 +6509,7 @@
       </p:par>
     </p:tnLst>
   </p:timing>
+  <p:hf hdr="0" ftr="0" dt="0"/>
   <p:txStyles>
     <p:titleStyle>
       <a:lvl1pPr algn="ctr" defTabSz="914400" rtl="0" eaLnBrk="1" latinLnBrk="0" hangingPunct="1">
@@ -6554,9 +6948,9 @@
             </a:lvl1pPr>
           </a:lstStyle>
           <a:p>
-            <a:fld id="{DA188784-5B0E-4B92-B3B5-33ACF578010C}" type="datetimeFigureOut">
-              <a:rPr kumimoji="1" lang="ja-JP" altLang="en-US" smtClean="0"/>
-              <a:t>2016/4/21</a:t>
+            <a:fld id="{6B33B70B-6F6B-8D45-9E06-4EEB55351607}" type="datetime1">
+              <a:rPr kumimoji="1" lang="ja-JP" altLang="en-US" smtClean="0"/>
+              <a:t>2016/4/22</a:t>
             </a:fld>
             <a:endParaRPr kumimoji="1" lang="ja-JP" altLang="en-US"/>
           </a:p>
@@ -6668,6 +7062,7 @@
       </p:par>
     </p:tnLst>
   </p:timing>
+  <p:hf hdr="0" ftr="0" dt="0"/>
   <p:txStyles>
     <p:titleStyle>
       <a:lvl1pPr algn="ctr" defTabSz="914400" rtl="0" eaLnBrk="1" latinLnBrk="0" hangingPunct="1">
@@ -6957,11 +7352,15 @@
           <a:p>
             <a:r>
               <a:rPr kumimoji="1" lang="en-US" altLang="ja-JP" sz="4800" dirty="0" smtClean="0"/>
-              <a:t>TypeScript + </a:t>
-            </a:r>
-            <a:r>
-              <a:rPr lang="en-US" altLang="ja-JP" sz="6000" dirty="0" smtClean="0"/>
-              <a:t>Mixins</a:t>
+              <a:t>TypeScript </a:t>
+            </a:r>
+            <a:r>
+              <a:rPr kumimoji="1" lang="en-US" altLang="ja-JP" sz="4800" smtClean="0"/>
+              <a:t>+ </a:t>
+            </a:r>
+            <a:r>
+              <a:rPr kumimoji="1" lang="en-US" altLang="ja-JP" sz="6000" smtClean="0"/>
+              <a:t>Mixin</a:t>
             </a:r>
             <a:endParaRPr kumimoji="1" lang="ja-JP" altLang="en-US" sz="6000" dirty="0"/>
           </a:p>
@@ -6992,64 +7391,64 @@
             <a:pPr algn="r"/>
             <a:r>
               <a:rPr lang="ja-JP" altLang="en-US" sz="2000" dirty="0" smtClean="0">
-                <a:latin typeface="Hiragino Maru Gothic ProN W4" charset="-128"/>
-                <a:ea typeface="Hiragino Maru Gothic ProN W4" charset="-128"/>
-                <a:cs typeface="Hiragino Maru Gothic ProN W4" charset="-128"/>
+                <a:latin typeface="Meiryo" charset="-128"/>
+                <a:ea typeface="Meiryo" charset="-128"/>
+                <a:cs typeface="Meiryo" charset="-128"/>
               </a:rPr>
               <a:t>開発部</a:t>
             </a:r>
             <a:r>
               <a:rPr lang="en-US" altLang="ja-JP" sz="2000" dirty="0" smtClean="0">
-                <a:latin typeface="Hiragino Maru Gothic ProN W4" charset="-128"/>
-                <a:ea typeface="Hiragino Maru Gothic ProN W4" charset="-128"/>
-                <a:cs typeface="Hiragino Maru Gothic ProN W4" charset="-128"/>
+                <a:latin typeface="Meiryo" charset="-128"/>
+                <a:ea typeface="Meiryo" charset="-128"/>
+                <a:cs typeface="Meiryo" charset="-128"/>
               </a:rPr>
               <a:t> </a:t>
             </a:r>
             <a:r>
               <a:rPr lang="ja-JP" altLang="en-US" sz="2000" dirty="0" smtClean="0">
-                <a:latin typeface="Hiragino Maru Gothic ProN W4" charset="-128"/>
-                <a:ea typeface="Hiragino Maru Gothic ProN W4" charset="-128"/>
-                <a:cs typeface="Hiragino Maru Gothic ProN W4" charset="-128"/>
+                <a:latin typeface="Meiryo" charset="-128"/>
+                <a:ea typeface="Meiryo" charset="-128"/>
+                <a:cs typeface="Meiryo" charset="-128"/>
               </a:rPr>
               <a:t>プロジェクトセクション</a:t>
             </a:r>
             <a:endParaRPr lang="en-US" altLang="ja-JP" sz="2000" dirty="0" smtClean="0">
-              <a:latin typeface="Hiragino Maru Gothic ProN W4" charset="-128"/>
-              <a:ea typeface="Hiragino Maru Gothic ProN W4" charset="-128"/>
-              <a:cs typeface="Hiragino Maru Gothic ProN W4" charset="-128"/>
+              <a:latin typeface="Meiryo" charset="-128"/>
+              <a:ea typeface="Meiryo" charset="-128"/>
+              <a:cs typeface="Meiryo" charset="-128"/>
             </a:endParaRPr>
           </a:p>
           <a:p>
             <a:pPr algn="r"/>
             <a:r>
               <a:rPr lang="ja-JP" altLang="en-US" sz="2000" dirty="0" smtClean="0">
-                <a:latin typeface="Hiragino Maru Gothic ProN W4" charset="-128"/>
-                <a:ea typeface="Hiragino Maru Gothic ProN W4" charset="-128"/>
-                <a:cs typeface="Hiragino Maru Gothic ProN W4" charset="-128"/>
+                <a:latin typeface="Meiryo" charset="-128"/>
+                <a:ea typeface="Meiryo" charset="-128"/>
+                <a:cs typeface="Meiryo" charset="-128"/>
               </a:rPr>
               <a:t>窪田</a:t>
             </a:r>
             <a:r>
               <a:rPr lang="en-US" altLang="ja-JP" sz="2000" dirty="0" smtClean="0">
-                <a:latin typeface="Hiragino Maru Gothic ProN W4" charset="-128"/>
-                <a:ea typeface="Hiragino Maru Gothic ProN W4" charset="-128"/>
-                <a:cs typeface="Hiragino Maru Gothic ProN W4" charset="-128"/>
+                <a:latin typeface="Meiryo" charset="-128"/>
+                <a:ea typeface="Meiryo" charset="-128"/>
+                <a:cs typeface="Meiryo" charset="-128"/>
               </a:rPr>
               <a:t> </a:t>
             </a:r>
             <a:r>
               <a:rPr lang="ja-JP" altLang="en-US" sz="2000" dirty="0" smtClean="0">
-                <a:latin typeface="Hiragino Maru Gothic ProN W4" charset="-128"/>
-                <a:ea typeface="Hiragino Maru Gothic ProN W4" charset="-128"/>
-                <a:cs typeface="Hiragino Maru Gothic ProN W4" charset="-128"/>
+                <a:latin typeface="Meiryo" charset="-128"/>
+                <a:ea typeface="Meiryo" charset="-128"/>
+                <a:cs typeface="Meiryo" charset="-128"/>
               </a:rPr>
               <a:t>光</a:t>
             </a:r>
             <a:endParaRPr kumimoji="1" lang="ja-JP" altLang="en-US" sz="2000" dirty="0">
-              <a:latin typeface="Hiragino Maru Gothic ProN W4" charset="-128"/>
-              <a:ea typeface="Hiragino Maru Gothic ProN W4" charset="-128"/>
-              <a:cs typeface="Hiragino Maru Gothic ProN W4" charset="-128"/>
+              <a:latin typeface="Meiryo" charset="-128"/>
+              <a:ea typeface="Meiryo" charset="-128"/>
+              <a:cs typeface="Meiryo" charset="-128"/>
             </a:endParaRPr>
           </a:p>
         </p:txBody>
@@ -7064,6 +7463,8822 @@
   <p:clrMapOvr>
     <a:masterClrMapping/>
   </p:clrMapOvr>
+  <p:timing>
+    <p:tnLst>
+      <p:par>
+        <p:cTn id="1" dur="indefinite" restart="never" nodeType="tmRoot"/>
+      </p:par>
+    </p:tnLst>
+  </p:timing>
+</p:sld>
+</file>
+
+<file path=ppt/slides/slide2.xml><?xml version="1.0" encoding="utf-8"?>
+<p:sld xmlns:a="http://schemas.openxmlformats.org/drawingml/2006/main" xmlns:r="http://schemas.openxmlformats.org/officeDocument/2006/relationships" xmlns:p="http://schemas.openxmlformats.org/presentationml/2006/main">
+  <p:cSld>
+    <p:spTree>
+      <p:nvGrpSpPr>
+        <p:cNvPr id="1" name=""/>
+        <p:cNvGrpSpPr/>
+        <p:nvPr/>
+      </p:nvGrpSpPr>
+      <p:grpSpPr>
+        <a:xfrm>
+          <a:off x="0" y="0"/>
+          <a:ext cx="0" cy="0"/>
+          <a:chOff x="0" y="0"/>
+          <a:chExt cx="0" cy="0"/>
+        </a:xfrm>
+      </p:grpSpPr>
+      <p:sp>
+        <p:nvSpPr>
+          <p:cNvPr id="4" name="タイトル 3"/>
+          <p:cNvSpPr>
+            <a:spLocks noGrp="1"/>
+          </p:cNvSpPr>
+          <p:nvPr>
+            <p:ph type="title"/>
+          </p:nvPr>
+        </p:nvSpPr>
+        <p:spPr/>
+        <p:txBody>
+          <a:bodyPr>
+            <a:normAutofit/>
+          </a:bodyPr>
+          <a:lstStyle/>
+          <a:p>
+            <a:r>
+              <a:rPr lang="en-US" altLang="ja-JP" smtClean="0"/>
+              <a:t>Mixin </a:t>
+            </a:r>
+            <a:r>
+              <a:rPr lang="ja-JP" altLang="en-US" sz="2800" smtClean="0"/>
+              <a:t>の</a:t>
+            </a:r>
+            <a:r>
+              <a:rPr lang="en-US" altLang="ja-JP" sz="2800" smtClean="0"/>
+              <a:t> </a:t>
+            </a:r>
+            <a:r>
+              <a:rPr lang="ja-JP" altLang="en-US" smtClean="0"/>
+              <a:t>概要</a:t>
+            </a:r>
+            <a:endParaRPr kumimoji="1" lang="ja-JP" altLang="en-US"/>
+          </a:p>
+        </p:txBody>
+      </p:sp>
+      <p:sp>
+        <p:nvSpPr>
+          <p:cNvPr id="54" name="スライド番号プレースホルダー 53"/>
+          <p:cNvSpPr>
+            <a:spLocks noGrp="1"/>
+          </p:cNvSpPr>
+          <p:nvPr>
+            <p:ph type="sldNum" sz="quarter" idx="12"/>
+          </p:nvPr>
+        </p:nvSpPr>
+        <p:spPr/>
+        <p:txBody>
+          <a:bodyPr/>
+          <a:lstStyle/>
+          <a:p>
+            <a:fld id="{2397F2D1-65A3-45EE-8E20-32FB97FA5EAD}" type="slidenum">
+              <a:rPr kumimoji="1" lang="ja-JP" altLang="en-US" smtClean="0"/>
+              <a:t>2</a:t>
+            </a:fld>
+            <a:endParaRPr kumimoji="1" lang="ja-JP" altLang="en-US"/>
+          </a:p>
+        </p:txBody>
+      </p:sp>
+      <p:sp>
+        <p:nvSpPr>
+          <p:cNvPr id="19" name="コンテンツ プレースホルダー 2"/>
+          <p:cNvSpPr txBox="1">
+            <a:spLocks/>
+          </p:cNvSpPr>
+          <p:nvPr/>
+        </p:nvSpPr>
+        <p:spPr>
+          <a:xfrm>
+            <a:off x="457200" y="3068960"/>
+            <a:ext cx="8229600" cy="1070905"/>
+          </a:xfrm>
+          <a:prstGeom prst="rect">
+            <a:avLst/>
+          </a:prstGeom>
+        </p:spPr>
+        <p:txBody>
+          <a:bodyPr vert="horz" lIns="91440" tIns="45720" rIns="91440" bIns="45720" rtlCol="0" anchor="ctr">
+            <a:normAutofit/>
+          </a:bodyPr>
+          <a:lstStyle>
+            <a:lvl1pPr marL="342900" indent="-342900" algn="l" defTabSz="914400" rtl="0" eaLnBrk="1" latinLnBrk="0" hangingPunct="1">
+              <a:spcBef>
+                <a:spcPct val="20000"/>
+              </a:spcBef>
+              <a:buFont typeface="Arial" panose="020B0604020202020204" pitchFamily="34" charset="0"/>
+              <a:buChar char="•"/>
+              <a:defRPr kumimoji="1" sz="3200" kern="1200">
+                <a:solidFill>
+                  <a:srgbClr val="3E4057"/>
+                </a:solidFill>
+                <a:latin typeface="メイリオ" panose="020B0604030504040204" pitchFamily="50" charset="-128"/>
+                <a:ea typeface="メイリオ" panose="020B0604030504040204" pitchFamily="50" charset="-128"/>
+                <a:cs typeface="メイリオ" panose="020B0604030504040204" pitchFamily="50" charset="-128"/>
+              </a:defRPr>
+            </a:lvl1pPr>
+            <a:lvl2pPr marL="742950" indent="-285750" algn="l" defTabSz="914400" rtl="0" eaLnBrk="1" latinLnBrk="0" hangingPunct="1">
+              <a:spcBef>
+                <a:spcPct val="20000"/>
+              </a:spcBef>
+              <a:buFont typeface="Arial" panose="020B0604020202020204" pitchFamily="34" charset="0"/>
+              <a:buChar char="–"/>
+              <a:defRPr kumimoji="1" sz="2800" kern="1200">
+                <a:solidFill>
+                  <a:srgbClr val="3E4057"/>
+                </a:solidFill>
+                <a:latin typeface="メイリオ" panose="020B0604030504040204" pitchFamily="50" charset="-128"/>
+                <a:ea typeface="メイリオ" panose="020B0604030504040204" pitchFamily="50" charset="-128"/>
+                <a:cs typeface="メイリオ" panose="020B0604030504040204" pitchFamily="50" charset="-128"/>
+              </a:defRPr>
+            </a:lvl2pPr>
+            <a:lvl3pPr marL="1143000" indent="-228600" algn="l" defTabSz="914400" rtl="0" eaLnBrk="1" latinLnBrk="0" hangingPunct="1">
+              <a:spcBef>
+                <a:spcPct val="20000"/>
+              </a:spcBef>
+              <a:buFont typeface="Arial" panose="020B0604020202020204" pitchFamily="34" charset="0"/>
+              <a:buChar char="•"/>
+              <a:defRPr kumimoji="1" sz="2400" kern="1200">
+                <a:solidFill>
+                  <a:srgbClr val="3E4057"/>
+                </a:solidFill>
+                <a:latin typeface="メイリオ" panose="020B0604030504040204" pitchFamily="50" charset="-128"/>
+                <a:ea typeface="メイリオ" panose="020B0604030504040204" pitchFamily="50" charset="-128"/>
+                <a:cs typeface="メイリオ" panose="020B0604030504040204" pitchFamily="50" charset="-128"/>
+              </a:defRPr>
+            </a:lvl3pPr>
+            <a:lvl4pPr marL="1600200" indent="-228600" algn="l" defTabSz="914400" rtl="0" eaLnBrk="1" latinLnBrk="0" hangingPunct="1">
+              <a:spcBef>
+                <a:spcPct val="20000"/>
+              </a:spcBef>
+              <a:buFont typeface="Arial" panose="020B0604020202020204" pitchFamily="34" charset="0"/>
+              <a:buChar char="–"/>
+              <a:defRPr kumimoji="1" sz="2000" kern="1200">
+                <a:solidFill>
+                  <a:srgbClr val="3E4057"/>
+                </a:solidFill>
+                <a:latin typeface="メイリオ" panose="020B0604030504040204" pitchFamily="50" charset="-128"/>
+                <a:ea typeface="メイリオ" panose="020B0604030504040204" pitchFamily="50" charset="-128"/>
+                <a:cs typeface="メイリオ" panose="020B0604030504040204" pitchFamily="50" charset="-128"/>
+              </a:defRPr>
+            </a:lvl4pPr>
+            <a:lvl5pPr marL="2057400" indent="-228600" algn="l" defTabSz="914400" rtl="0" eaLnBrk="1" latinLnBrk="0" hangingPunct="1">
+              <a:spcBef>
+                <a:spcPct val="20000"/>
+              </a:spcBef>
+              <a:buFont typeface="Arial" panose="020B0604020202020204" pitchFamily="34" charset="0"/>
+              <a:buChar char="»"/>
+              <a:defRPr kumimoji="1" sz="2000" kern="1200">
+                <a:solidFill>
+                  <a:srgbClr val="3E4057"/>
+                </a:solidFill>
+                <a:latin typeface="メイリオ" panose="020B0604030504040204" pitchFamily="50" charset="-128"/>
+                <a:ea typeface="メイリオ" panose="020B0604030504040204" pitchFamily="50" charset="-128"/>
+                <a:cs typeface="メイリオ" panose="020B0604030504040204" pitchFamily="50" charset="-128"/>
+              </a:defRPr>
+            </a:lvl5pPr>
+            <a:lvl6pPr marL="2514600" indent="-228600" algn="l" defTabSz="914400" rtl="0" eaLnBrk="1" latinLnBrk="0" hangingPunct="1">
+              <a:spcBef>
+                <a:spcPct val="20000"/>
+              </a:spcBef>
+              <a:buFont typeface="Arial" panose="020B0604020202020204" pitchFamily="34" charset="0"/>
+              <a:buChar char="•"/>
+              <a:defRPr kumimoji="1" sz="2000" kern="1200">
+                <a:solidFill>
+                  <a:schemeClr val="tx1"/>
+                </a:solidFill>
+                <a:latin typeface="+mn-lt"/>
+                <a:ea typeface="+mn-ea"/>
+                <a:cs typeface="+mn-cs"/>
+              </a:defRPr>
+            </a:lvl6pPr>
+            <a:lvl7pPr marL="2971800" indent="-228600" algn="l" defTabSz="914400" rtl="0" eaLnBrk="1" latinLnBrk="0" hangingPunct="1">
+              <a:spcBef>
+                <a:spcPct val="20000"/>
+              </a:spcBef>
+              <a:buFont typeface="Arial" panose="020B0604020202020204" pitchFamily="34" charset="0"/>
+              <a:buChar char="•"/>
+              <a:defRPr kumimoji="1" sz="2000" kern="1200">
+                <a:solidFill>
+                  <a:schemeClr val="tx1"/>
+                </a:solidFill>
+                <a:latin typeface="+mn-lt"/>
+                <a:ea typeface="+mn-ea"/>
+                <a:cs typeface="+mn-cs"/>
+              </a:defRPr>
+            </a:lvl7pPr>
+            <a:lvl8pPr marL="3429000" indent="-228600" algn="l" defTabSz="914400" rtl="0" eaLnBrk="1" latinLnBrk="0" hangingPunct="1">
+              <a:spcBef>
+                <a:spcPct val="20000"/>
+              </a:spcBef>
+              <a:buFont typeface="Arial" panose="020B0604020202020204" pitchFamily="34" charset="0"/>
+              <a:buChar char="•"/>
+              <a:defRPr kumimoji="1" sz="2000" kern="1200">
+                <a:solidFill>
+                  <a:schemeClr val="tx1"/>
+                </a:solidFill>
+                <a:latin typeface="+mn-lt"/>
+                <a:ea typeface="+mn-ea"/>
+                <a:cs typeface="+mn-cs"/>
+              </a:defRPr>
+            </a:lvl8pPr>
+            <a:lvl9pPr marL="3886200" indent="-228600" algn="l" defTabSz="914400" rtl="0" eaLnBrk="1" latinLnBrk="0" hangingPunct="1">
+              <a:spcBef>
+                <a:spcPct val="20000"/>
+              </a:spcBef>
+              <a:buFont typeface="Arial" panose="020B0604020202020204" pitchFamily="34" charset="0"/>
+              <a:buChar char="•"/>
+              <a:defRPr kumimoji="1" sz="2000" kern="1200">
+                <a:solidFill>
+                  <a:schemeClr val="tx1"/>
+                </a:solidFill>
+                <a:latin typeface="+mn-lt"/>
+                <a:ea typeface="+mn-ea"/>
+                <a:cs typeface="+mn-cs"/>
+              </a:defRPr>
+            </a:lvl9pPr>
+          </a:lstStyle>
+          <a:p>
+            <a:pPr marL="0" indent="0" algn="ctr">
+              <a:buFont typeface="Arial" panose="020B0604020202020204" pitchFamily="34" charset="0"/>
+              <a:buNone/>
+            </a:pPr>
+            <a:r>
+              <a:rPr lang="ja-JP" altLang="en-US" sz="2400" smtClean="0"/>
+              <a:t>クラス群の</a:t>
+            </a:r>
+            <a:r>
+              <a:rPr lang="ja-JP" altLang="en-US" sz="2400" smtClean="0">
+                <a:solidFill>
+                  <a:srgbClr val="32B490"/>
+                </a:solidFill>
+              </a:rPr>
+              <a:t>構造をシンプルに</a:t>
+            </a:r>
+            <a:r>
+              <a:rPr lang="ja-JP" altLang="en-US" sz="2400" smtClean="0"/>
+              <a:t>保ったまま</a:t>
+            </a:r>
+            <a:endParaRPr lang="en-US" altLang="ja-JP" sz="2400" smtClean="0"/>
+          </a:p>
+          <a:p>
+            <a:pPr marL="0" indent="0" algn="ctr">
+              <a:buFont typeface="Arial" panose="020B0604020202020204" pitchFamily="34" charset="0"/>
+              <a:buNone/>
+            </a:pPr>
+            <a:r>
+              <a:rPr lang="ja-JP" altLang="en-US" sz="2400" smtClean="0">
+                <a:solidFill>
+                  <a:srgbClr val="32B490"/>
+                </a:solidFill>
+              </a:rPr>
+              <a:t>複数の異なる実装を取り入れる</a:t>
+            </a:r>
+            <a:r>
+              <a:rPr lang="ja-JP" altLang="en-US" sz="2400" smtClean="0"/>
+              <a:t>方法</a:t>
+            </a:r>
+            <a:endParaRPr lang="en-US" altLang="ja-JP" sz="2400" dirty="0"/>
+          </a:p>
+        </p:txBody>
+      </p:sp>
+    </p:spTree>
+    <p:extLst>
+      <p:ext uri="{BB962C8B-B14F-4D97-AF65-F5344CB8AC3E}">
+        <p14:creationId xmlns:p14="http://schemas.microsoft.com/office/powerpoint/2010/main" val="871236584"/>
+      </p:ext>
+    </p:extLst>
+  </p:cSld>
+  <p:clrMapOvr>
+    <a:masterClrMapping/>
+  </p:clrMapOvr>
+  <p:timing>
+    <p:tnLst>
+      <p:par>
+        <p:cTn id="1" dur="indefinite" restart="never" nodeType="tmRoot"/>
+      </p:par>
+    </p:tnLst>
+  </p:timing>
+</p:sld>
+</file>
+
+<file path=ppt/slides/slide3.xml><?xml version="1.0" encoding="utf-8"?>
+<p:sld xmlns:a="http://schemas.openxmlformats.org/drawingml/2006/main" xmlns:r="http://schemas.openxmlformats.org/officeDocument/2006/relationships" xmlns:p="http://schemas.openxmlformats.org/presentationml/2006/main">
+  <p:cSld>
+    <p:spTree>
+      <p:nvGrpSpPr>
+        <p:cNvPr id="1" name=""/>
+        <p:cNvGrpSpPr/>
+        <p:nvPr/>
+      </p:nvGrpSpPr>
+      <p:grpSpPr>
+        <a:xfrm>
+          <a:off x="0" y="0"/>
+          <a:ext cx="0" cy="0"/>
+          <a:chOff x="0" y="0"/>
+          <a:chExt cx="0" cy="0"/>
+        </a:xfrm>
+      </p:grpSpPr>
+      <p:sp>
+        <p:nvSpPr>
+          <p:cNvPr id="4" name="タイトル 3"/>
+          <p:cNvSpPr>
+            <a:spLocks noGrp="1"/>
+          </p:cNvSpPr>
+          <p:nvPr>
+            <p:ph type="title"/>
+          </p:nvPr>
+        </p:nvSpPr>
+        <p:spPr/>
+        <p:txBody>
+          <a:bodyPr>
+            <a:normAutofit/>
+          </a:bodyPr>
+          <a:lstStyle/>
+          <a:p>
+            <a:r>
+              <a:rPr lang="ja-JP" altLang="en-US" smtClean="0"/>
+              <a:t>単一継承</a:t>
+            </a:r>
+            <a:endParaRPr kumimoji="1" lang="ja-JP" altLang="en-US"/>
+          </a:p>
+        </p:txBody>
+      </p:sp>
+      <p:sp>
+        <p:nvSpPr>
+          <p:cNvPr id="54" name="スライド番号プレースホルダー 53"/>
+          <p:cNvSpPr>
+            <a:spLocks noGrp="1"/>
+          </p:cNvSpPr>
+          <p:nvPr>
+            <p:ph type="sldNum" sz="quarter" idx="12"/>
+          </p:nvPr>
+        </p:nvSpPr>
+        <p:spPr/>
+        <p:txBody>
+          <a:bodyPr/>
+          <a:lstStyle/>
+          <a:p>
+            <a:fld id="{2397F2D1-65A3-45EE-8E20-32FB97FA5EAD}" type="slidenum">
+              <a:rPr kumimoji="1" lang="ja-JP" altLang="en-US" smtClean="0"/>
+              <a:t>3</a:t>
+            </a:fld>
+            <a:endParaRPr kumimoji="1" lang="ja-JP" altLang="en-US"/>
+          </a:p>
+        </p:txBody>
+      </p:sp>
+      <p:grpSp>
+        <p:nvGrpSpPr>
+          <p:cNvPr id="53" name="図形グループ 52"/>
+          <p:cNvGrpSpPr/>
+          <p:nvPr/>
+        </p:nvGrpSpPr>
+        <p:grpSpPr>
+          <a:xfrm>
+            <a:off x="4239207" y="3573016"/>
+            <a:ext cx="4447593" cy="2329712"/>
+            <a:chOff x="4239207" y="1417638"/>
+            <a:chExt cx="4447593" cy="2329712"/>
+          </a:xfrm>
+        </p:grpSpPr>
+        <p:sp>
+          <p:nvSpPr>
+            <p:cNvPr id="5" name="角丸四角形 4"/>
+            <p:cNvSpPr/>
+            <p:nvPr/>
+          </p:nvSpPr>
+          <p:spPr>
+            <a:xfrm>
+              <a:off x="5899359" y="1417638"/>
+              <a:ext cx="1152128" cy="344742"/>
+            </a:xfrm>
+            <a:prstGeom prst="roundRect">
+              <a:avLst/>
+            </a:prstGeom>
+            <a:solidFill>
+              <a:schemeClr val="accent3">
+                <a:lumMod val="20000"/>
+                <a:lumOff val="80000"/>
+              </a:schemeClr>
+            </a:solidFill>
+            <a:ln>
+              <a:solidFill>
+                <a:srgbClr val="3E4057"/>
+              </a:solidFill>
+            </a:ln>
+          </p:spPr>
+          <p:style>
+            <a:lnRef idx="2">
+              <a:schemeClr val="accent1">
+                <a:shade val="50000"/>
+              </a:schemeClr>
+            </a:lnRef>
+            <a:fillRef idx="1">
+              <a:schemeClr val="accent1"/>
+            </a:fillRef>
+            <a:effectRef idx="0">
+              <a:schemeClr val="accent1"/>
+            </a:effectRef>
+            <a:fontRef idx="minor">
+              <a:schemeClr val="lt1"/>
+            </a:fontRef>
+          </p:style>
+          <p:txBody>
+            <a:bodyPr rtlCol="0" anchor="ctr"/>
+            <a:lstStyle/>
+            <a:p>
+              <a:pPr algn="ctr"/>
+              <a:r>
+                <a:rPr kumimoji="1" lang="ja-JP" altLang="en-US" sz="1400" smtClean="0">
+                  <a:solidFill>
+                    <a:srgbClr val="3E4057"/>
+                  </a:solidFill>
+                  <a:latin typeface="Meiryo" charset="-128"/>
+                  <a:ea typeface="Meiryo" charset="-128"/>
+                  <a:cs typeface="Meiryo" charset="-128"/>
+                </a:rPr>
+                <a:t>クラス</a:t>
+              </a:r>
+              <a:r>
+                <a:rPr kumimoji="1" lang="en-US" altLang="ja-JP" smtClean="0">
+                  <a:solidFill>
+                    <a:srgbClr val="3E4057"/>
+                  </a:solidFill>
+                  <a:latin typeface="Meiryo" charset="-128"/>
+                  <a:ea typeface="Meiryo" charset="-128"/>
+                  <a:cs typeface="Meiryo" charset="-128"/>
+                </a:rPr>
+                <a:t> A</a:t>
+              </a:r>
+              <a:endParaRPr lang="en-US" altLang="ja-JP" sz="1100" smtClean="0">
+                <a:solidFill>
+                  <a:srgbClr val="3E4057"/>
+                </a:solidFill>
+                <a:latin typeface="Meiryo" charset="-128"/>
+                <a:ea typeface="Meiryo" charset="-128"/>
+                <a:cs typeface="Meiryo" charset="-128"/>
+              </a:endParaRPr>
+            </a:p>
+          </p:txBody>
+        </p:sp>
+        <p:cxnSp>
+          <p:nvCxnSpPr>
+            <p:cNvPr id="41" name="直線矢印コネクタ 40"/>
+            <p:cNvCxnSpPr>
+              <a:stCxn id="5" idx="2"/>
+              <a:endCxn id="20" idx="0"/>
+            </p:cNvCxnSpPr>
+            <p:nvPr/>
+          </p:nvCxnSpPr>
+          <p:spPr>
+            <a:xfrm flipH="1">
+              <a:off x="5652120" y="1762380"/>
+              <a:ext cx="823303" cy="647743"/>
+            </a:xfrm>
+            <a:prstGeom prst="straightConnector1">
+              <a:avLst/>
+            </a:prstGeom>
+            <a:ln w="38100">
+              <a:solidFill>
+                <a:srgbClr val="3E4057"/>
+              </a:solidFill>
+              <a:tailEnd type="triangle"/>
+            </a:ln>
+          </p:spPr>
+          <p:style>
+            <a:lnRef idx="1">
+              <a:schemeClr val="accent1"/>
+            </a:lnRef>
+            <a:fillRef idx="0">
+              <a:schemeClr val="accent1"/>
+            </a:fillRef>
+            <a:effectRef idx="0">
+              <a:schemeClr val="accent1"/>
+            </a:effectRef>
+            <a:fontRef idx="minor">
+              <a:schemeClr val="tx1"/>
+            </a:fontRef>
+          </p:style>
+        </p:cxnSp>
+        <p:sp>
+          <p:nvSpPr>
+            <p:cNvPr id="20" name="角丸四角形 19"/>
+            <p:cNvSpPr/>
+            <p:nvPr/>
+          </p:nvSpPr>
+          <p:spPr>
+            <a:xfrm>
+              <a:off x="5076056" y="2410123"/>
+              <a:ext cx="1152128" cy="344742"/>
+            </a:xfrm>
+            <a:prstGeom prst="roundRect">
+              <a:avLst/>
+            </a:prstGeom>
+            <a:solidFill>
+              <a:schemeClr val="accent3">
+                <a:lumMod val="20000"/>
+                <a:lumOff val="80000"/>
+              </a:schemeClr>
+            </a:solidFill>
+            <a:ln>
+              <a:solidFill>
+                <a:srgbClr val="3E4057"/>
+              </a:solidFill>
+            </a:ln>
+          </p:spPr>
+          <p:style>
+            <a:lnRef idx="2">
+              <a:schemeClr val="accent1">
+                <a:shade val="50000"/>
+              </a:schemeClr>
+            </a:lnRef>
+            <a:fillRef idx="1">
+              <a:schemeClr val="accent1"/>
+            </a:fillRef>
+            <a:effectRef idx="0">
+              <a:schemeClr val="accent1"/>
+            </a:effectRef>
+            <a:fontRef idx="minor">
+              <a:schemeClr val="lt1"/>
+            </a:fontRef>
+          </p:style>
+          <p:txBody>
+            <a:bodyPr rtlCol="0" anchor="ctr"/>
+            <a:lstStyle/>
+            <a:p>
+              <a:pPr algn="ctr"/>
+              <a:r>
+                <a:rPr kumimoji="1" lang="ja-JP" altLang="en-US" sz="1400" smtClean="0">
+                  <a:solidFill>
+                    <a:srgbClr val="3E4057"/>
+                  </a:solidFill>
+                  <a:latin typeface="Meiryo" charset="-128"/>
+                  <a:ea typeface="Meiryo" charset="-128"/>
+                  <a:cs typeface="Meiryo" charset="-128"/>
+                </a:rPr>
+                <a:t>クラス</a:t>
+              </a:r>
+              <a:r>
+                <a:rPr kumimoji="1" lang="en-US" altLang="ja-JP" smtClean="0">
+                  <a:solidFill>
+                    <a:srgbClr val="3E4057"/>
+                  </a:solidFill>
+                  <a:latin typeface="Meiryo" charset="-128"/>
+                  <a:ea typeface="Meiryo" charset="-128"/>
+                  <a:cs typeface="Meiryo" charset="-128"/>
+                </a:rPr>
+                <a:t> B</a:t>
+              </a:r>
+              <a:endParaRPr lang="en-US" altLang="ja-JP" sz="1100" smtClean="0">
+                <a:solidFill>
+                  <a:srgbClr val="3E4057"/>
+                </a:solidFill>
+                <a:latin typeface="Meiryo" charset="-128"/>
+                <a:ea typeface="Meiryo" charset="-128"/>
+                <a:cs typeface="Meiryo" charset="-128"/>
+              </a:endParaRPr>
+            </a:p>
+          </p:txBody>
+        </p:sp>
+        <p:sp>
+          <p:nvSpPr>
+            <p:cNvPr id="22" name="角丸四角形 21"/>
+            <p:cNvSpPr/>
+            <p:nvPr/>
+          </p:nvSpPr>
+          <p:spPr>
+            <a:xfrm>
+              <a:off x="6804248" y="2410123"/>
+              <a:ext cx="1152128" cy="344742"/>
+            </a:xfrm>
+            <a:prstGeom prst="roundRect">
+              <a:avLst/>
+            </a:prstGeom>
+            <a:solidFill>
+              <a:schemeClr val="accent3">
+                <a:lumMod val="20000"/>
+                <a:lumOff val="80000"/>
+              </a:schemeClr>
+            </a:solidFill>
+            <a:ln>
+              <a:solidFill>
+                <a:srgbClr val="3E4057"/>
+              </a:solidFill>
+            </a:ln>
+          </p:spPr>
+          <p:style>
+            <a:lnRef idx="2">
+              <a:schemeClr val="accent1">
+                <a:shade val="50000"/>
+              </a:schemeClr>
+            </a:lnRef>
+            <a:fillRef idx="1">
+              <a:schemeClr val="accent1"/>
+            </a:fillRef>
+            <a:effectRef idx="0">
+              <a:schemeClr val="accent1"/>
+            </a:effectRef>
+            <a:fontRef idx="minor">
+              <a:schemeClr val="lt1"/>
+            </a:fontRef>
+          </p:style>
+          <p:txBody>
+            <a:bodyPr rtlCol="0" anchor="ctr"/>
+            <a:lstStyle/>
+            <a:p>
+              <a:pPr algn="ctr"/>
+              <a:r>
+                <a:rPr kumimoji="1" lang="ja-JP" altLang="en-US" sz="1400" smtClean="0">
+                  <a:solidFill>
+                    <a:srgbClr val="3E4057"/>
+                  </a:solidFill>
+                  <a:latin typeface="Meiryo" charset="-128"/>
+                  <a:ea typeface="Meiryo" charset="-128"/>
+                  <a:cs typeface="Meiryo" charset="-128"/>
+                </a:rPr>
+                <a:t>クラス</a:t>
+              </a:r>
+              <a:r>
+                <a:rPr kumimoji="1" lang="en-US" altLang="ja-JP" smtClean="0">
+                  <a:solidFill>
+                    <a:srgbClr val="3E4057"/>
+                  </a:solidFill>
+                  <a:latin typeface="Meiryo" charset="-128"/>
+                  <a:ea typeface="Meiryo" charset="-128"/>
+                  <a:cs typeface="Meiryo" charset="-128"/>
+                </a:rPr>
+                <a:t> C</a:t>
+              </a:r>
+              <a:endParaRPr lang="en-US" altLang="ja-JP" sz="1100" smtClean="0">
+                <a:solidFill>
+                  <a:srgbClr val="3E4057"/>
+                </a:solidFill>
+                <a:latin typeface="Meiryo" charset="-128"/>
+                <a:ea typeface="Meiryo" charset="-128"/>
+                <a:cs typeface="Meiryo" charset="-128"/>
+              </a:endParaRPr>
+            </a:p>
+          </p:txBody>
+        </p:sp>
+        <p:cxnSp>
+          <p:nvCxnSpPr>
+            <p:cNvPr id="24" name="直線矢印コネクタ 23"/>
+            <p:cNvCxnSpPr>
+              <a:stCxn id="5" idx="2"/>
+              <a:endCxn id="22" idx="0"/>
+            </p:cNvCxnSpPr>
+            <p:nvPr/>
+          </p:nvCxnSpPr>
+          <p:spPr>
+            <a:xfrm>
+              <a:off x="6475423" y="1762380"/>
+              <a:ext cx="904889" cy="647743"/>
+            </a:xfrm>
+            <a:prstGeom prst="straightConnector1">
+              <a:avLst/>
+            </a:prstGeom>
+            <a:ln w="38100">
+              <a:solidFill>
+                <a:srgbClr val="3E4057"/>
+              </a:solidFill>
+              <a:tailEnd type="triangle"/>
+            </a:ln>
+          </p:spPr>
+          <p:style>
+            <a:lnRef idx="1">
+              <a:schemeClr val="accent1"/>
+            </a:lnRef>
+            <a:fillRef idx="0">
+              <a:schemeClr val="accent1"/>
+            </a:fillRef>
+            <a:effectRef idx="0">
+              <a:schemeClr val="accent1"/>
+            </a:effectRef>
+            <a:fontRef idx="minor">
+              <a:schemeClr val="tx1"/>
+            </a:fontRef>
+          </p:style>
+        </p:cxnSp>
+        <p:sp>
+          <p:nvSpPr>
+            <p:cNvPr id="27" name="角丸四角形 26"/>
+            <p:cNvSpPr/>
+            <p:nvPr/>
+          </p:nvSpPr>
+          <p:spPr>
+            <a:xfrm>
+              <a:off x="4239207" y="3402608"/>
+              <a:ext cx="1152128" cy="344742"/>
+            </a:xfrm>
+            <a:prstGeom prst="roundRect">
+              <a:avLst/>
+            </a:prstGeom>
+            <a:solidFill>
+              <a:schemeClr val="accent3">
+                <a:lumMod val="20000"/>
+                <a:lumOff val="80000"/>
+              </a:schemeClr>
+            </a:solidFill>
+            <a:ln>
+              <a:solidFill>
+                <a:srgbClr val="3E4057"/>
+              </a:solidFill>
+            </a:ln>
+          </p:spPr>
+          <p:style>
+            <a:lnRef idx="2">
+              <a:schemeClr val="accent1">
+                <a:shade val="50000"/>
+              </a:schemeClr>
+            </a:lnRef>
+            <a:fillRef idx="1">
+              <a:schemeClr val="accent1"/>
+            </a:fillRef>
+            <a:effectRef idx="0">
+              <a:schemeClr val="accent1"/>
+            </a:effectRef>
+            <a:fontRef idx="minor">
+              <a:schemeClr val="lt1"/>
+            </a:fontRef>
+          </p:style>
+          <p:txBody>
+            <a:bodyPr rtlCol="0" anchor="ctr"/>
+            <a:lstStyle/>
+            <a:p>
+              <a:pPr algn="ctr"/>
+              <a:r>
+                <a:rPr kumimoji="1" lang="ja-JP" altLang="en-US" sz="1400" smtClean="0">
+                  <a:solidFill>
+                    <a:srgbClr val="3E4057"/>
+                  </a:solidFill>
+                  <a:latin typeface="Meiryo" charset="-128"/>
+                  <a:ea typeface="Meiryo" charset="-128"/>
+                  <a:cs typeface="Meiryo" charset="-128"/>
+                </a:rPr>
+                <a:t>クラス</a:t>
+              </a:r>
+              <a:r>
+                <a:rPr kumimoji="1" lang="en-US" altLang="ja-JP" smtClean="0">
+                  <a:solidFill>
+                    <a:srgbClr val="3E4057"/>
+                  </a:solidFill>
+                  <a:latin typeface="Meiryo" charset="-128"/>
+                  <a:ea typeface="Meiryo" charset="-128"/>
+                  <a:cs typeface="Meiryo" charset="-128"/>
+                </a:rPr>
+                <a:t> D</a:t>
+              </a:r>
+              <a:endParaRPr lang="en-US" altLang="ja-JP" sz="1100" smtClean="0">
+                <a:solidFill>
+                  <a:srgbClr val="3E4057"/>
+                </a:solidFill>
+                <a:latin typeface="Meiryo" charset="-128"/>
+                <a:ea typeface="Meiryo" charset="-128"/>
+                <a:cs typeface="Meiryo" charset="-128"/>
+              </a:endParaRPr>
+            </a:p>
+          </p:txBody>
+        </p:sp>
+        <p:sp>
+          <p:nvSpPr>
+            <p:cNvPr id="28" name="角丸四角形 27"/>
+            <p:cNvSpPr/>
+            <p:nvPr/>
+          </p:nvSpPr>
+          <p:spPr>
+            <a:xfrm>
+              <a:off x="5809759" y="3388137"/>
+              <a:ext cx="1152128" cy="344742"/>
+            </a:xfrm>
+            <a:prstGeom prst="roundRect">
+              <a:avLst/>
+            </a:prstGeom>
+            <a:solidFill>
+              <a:schemeClr val="accent3">
+                <a:lumMod val="20000"/>
+                <a:lumOff val="80000"/>
+              </a:schemeClr>
+            </a:solidFill>
+            <a:ln>
+              <a:solidFill>
+                <a:srgbClr val="3E4057"/>
+              </a:solidFill>
+            </a:ln>
+          </p:spPr>
+          <p:style>
+            <a:lnRef idx="2">
+              <a:schemeClr val="accent1">
+                <a:shade val="50000"/>
+              </a:schemeClr>
+            </a:lnRef>
+            <a:fillRef idx="1">
+              <a:schemeClr val="accent1"/>
+            </a:fillRef>
+            <a:effectRef idx="0">
+              <a:schemeClr val="accent1"/>
+            </a:effectRef>
+            <a:fontRef idx="minor">
+              <a:schemeClr val="lt1"/>
+            </a:fontRef>
+          </p:style>
+          <p:txBody>
+            <a:bodyPr rtlCol="0" anchor="ctr"/>
+            <a:lstStyle/>
+            <a:p>
+              <a:pPr algn="ctr"/>
+              <a:r>
+                <a:rPr kumimoji="1" lang="ja-JP" altLang="en-US" sz="1400" smtClean="0">
+                  <a:solidFill>
+                    <a:srgbClr val="3E4057"/>
+                  </a:solidFill>
+                  <a:latin typeface="Meiryo" charset="-128"/>
+                  <a:ea typeface="Meiryo" charset="-128"/>
+                  <a:cs typeface="Meiryo" charset="-128"/>
+                </a:rPr>
+                <a:t>クラス</a:t>
+              </a:r>
+              <a:r>
+                <a:rPr kumimoji="1" lang="en-US" altLang="ja-JP" smtClean="0">
+                  <a:solidFill>
+                    <a:srgbClr val="3E4057"/>
+                  </a:solidFill>
+                  <a:latin typeface="Meiryo" charset="-128"/>
+                  <a:ea typeface="Meiryo" charset="-128"/>
+                  <a:cs typeface="Meiryo" charset="-128"/>
+                </a:rPr>
+                <a:t> E</a:t>
+              </a:r>
+              <a:endParaRPr lang="en-US" altLang="ja-JP" sz="1100" smtClean="0">
+                <a:solidFill>
+                  <a:srgbClr val="3E4057"/>
+                </a:solidFill>
+                <a:latin typeface="Meiryo" charset="-128"/>
+                <a:ea typeface="Meiryo" charset="-128"/>
+                <a:cs typeface="Meiryo" charset="-128"/>
+              </a:endParaRPr>
+            </a:p>
+          </p:txBody>
+        </p:sp>
+        <p:sp>
+          <p:nvSpPr>
+            <p:cNvPr id="29" name="角丸四角形 28"/>
+            <p:cNvSpPr/>
+            <p:nvPr/>
+          </p:nvSpPr>
+          <p:spPr>
+            <a:xfrm>
+              <a:off x="7534672" y="3376800"/>
+              <a:ext cx="1152128" cy="344742"/>
+            </a:xfrm>
+            <a:prstGeom prst="roundRect">
+              <a:avLst/>
+            </a:prstGeom>
+            <a:solidFill>
+              <a:schemeClr val="accent3">
+                <a:lumMod val="20000"/>
+                <a:lumOff val="80000"/>
+              </a:schemeClr>
+            </a:solidFill>
+            <a:ln>
+              <a:solidFill>
+                <a:srgbClr val="3E4057"/>
+              </a:solidFill>
+            </a:ln>
+          </p:spPr>
+          <p:style>
+            <a:lnRef idx="2">
+              <a:schemeClr val="accent1">
+                <a:shade val="50000"/>
+              </a:schemeClr>
+            </a:lnRef>
+            <a:fillRef idx="1">
+              <a:schemeClr val="accent1"/>
+            </a:fillRef>
+            <a:effectRef idx="0">
+              <a:schemeClr val="accent1"/>
+            </a:effectRef>
+            <a:fontRef idx="minor">
+              <a:schemeClr val="lt1"/>
+            </a:fontRef>
+          </p:style>
+          <p:txBody>
+            <a:bodyPr rtlCol="0" anchor="ctr"/>
+            <a:lstStyle/>
+            <a:p>
+              <a:pPr algn="ctr"/>
+              <a:r>
+                <a:rPr kumimoji="1" lang="ja-JP" altLang="en-US" sz="1400" smtClean="0">
+                  <a:solidFill>
+                    <a:srgbClr val="3E4057"/>
+                  </a:solidFill>
+                  <a:latin typeface="Meiryo" charset="-128"/>
+                  <a:ea typeface="Meiryo" charset="-128"/>
+                  <a:cs typeface="Meiryo" charset="-128"/>
+                </a:rPr>
+                <a:t>クラス</a:t>
+              </a:r>
+              <a:r>
+                <a:rPr kumimoji="1" lang="en-US" altLang="ja-JP" smtClean="0">
+                  <a:solidFill>
+                    <a:srgbClr val="3E4057"/>
+                  </a:solidFill>
+                  <a:latin typeface="Meiryo" charset="-128"/>
+                  <a:ea typeface="Meiryo" charset="-128"/>
+                  <a:cs typeface="Meiryo" charset="-128"/>
+                </a:rPr>
+                <a:t> F</a:t>
+              </a:r>
+              <a:endParaRPr lang="en-US" altLang="ja-JP" sz="1100" smtClean="0">
+                <a:solidFill>
+                  <a:srgbClr val="3E4057"/>
+                </a:solidFill>
+                <a:latin typeface="Meiryo" charset="-128"/>
+                <a:ea typeface="Meiryo" charset="-128"/>
+                <a:cs typeface="Meiryo" charset="-128"/>
+              </a:endParaRPr>
+            </a:p>
+          </p:txBody>
+        </p:sp>
+        <p:cxnSp>
+          <p:nvCxnSpPr>
+            <p:cNvPr id="30" name="直線矢印コネクタ 29"/>
+            <p:cNvCxnSpPr>
+              <a:stCxn id="20" idx="2"/>
+              <a:endCxn id="27" idx="0"/>
+            </p:cNvCxnSpPr>
+            <p:nvPr/>
+          </p:nvCxnSpPr>
+          <p:spPr>
+            <a:xfrm flipH="1">
+              <a:off x="4815271" y="2754865"/>
+              <a:ext cx="836849" cy="647743"/>
+            </a:xfrm>
+            <a:prstGeom prst="straightConnector1">
+              <a:avLst/>
+            </a:prstGeom>
+            <a:ln w="38100">
+              <a:solidFill>
+                <a:srgbClr val="3E4057"/>
+              </a:solidFill>
+              <a:tailEnd type="triangle"/>
+            </a:ln>
+          </p:spPr>
+          <p:style>
+            <a:lnRef idx="1">
+              <a:schemeClr val="accent1"/>
+            </a:lnRef>
+            <a:fillRef idx="0">
+              <a:schemeClr val="accent1"/>
+            </a:fillRef>
+            <a:effectRef idx="0">
+              <a:schemeClr val="accent1"/>
+            </a:effectRef>
+            <a:fontRef idx="minor">
+              <a:schemeClr val="tx1"/>
+            </a:fontRef>
+          </p:style>
+        </p:cxnSp>
+        <p:cxnSp>
+          <p:nvCxnSpPr>
+            <p:cNvPr id="43" name="直線矢印コネクタ 42"/>
+            <p:cNvCxnSpPr>
+              <a:stCxn id="20" idx="2"/>
+              <a:endCxn id="28" idx="0"/>
+            </p:cNvCxnSpPr>
+            <p:nvPr/>
+          </p:nvCxnSpPr>
+          <p:spPr>
+            <a:xfrm>
+              <a:off x="5652120" y="2754865"/>
+              <a:ext cx="733703" cy="633272"/>
+            </a:xfrm>
+            <a:prstGeom prst="straightConnector1">
+              <a:avLst/>
+            </a:prstGeom>
+            <a:ln w="38100">
+              <a:solidFill>
+                <a:srgbClr val="3E4057"/>
+              </a:solidFill>
+              <a:tailEnd type="triangle"/>
+            </a:ln>
+          </p:spPr>
+          <p:style>
+            <a:lnRef idx="1">
+              <a:schemeClr val="accent1"/>
+            </a:lnRef>
+            <a:fillRef idx="0">
+              <a:schemeClr val="accent1"/>
+            </a:fillRef>
+            <a:effectRef idx="0">
+              <a:schemeClr val="accent1"/>
+            </a:effectRef>
+            <a:fontRef idx="minor">
+              <a:schemeClr val="tx1"/>
+            </a:fontRef>
+          </p:style>
+        </p:cxnSp>
+        <p:cxnSp>
+          <p:nvCxnSpPr>
+            <p:cNvPr id="46" name="直線矢印コネクタ 45"/>
+            <p:cNvCxnSpPr>
+              <a:stCxn id="22" idx="2"/>
+              <a:endCxn id="29" idx="0"/>
+            </p:cNvCxnSpPr>
+            <p:nvPr/>
+          </p:nvCxnSpPr>
+          <p:spPr>
+            <a:xfrm>
+              <a:off x="7380312" y="2754865"/>
+              <a:ext cx="730424" cy="621935"/>
+            </a:xfrm>
+            <a:prstGeom prst="straightConnector1">
+              <a:avLst/>
+            </a:prstGeom>
+            <a:ln w="38100">
+              <a:solidFill>
+                <a:srgbClr val="3E4057"/>
+              </a:solidFill>
+              <a:tailEnd type="triangle"/>
+            </a:ln>
+          </p:spPr>
+          <p:style>
+            <a:lnRef idx="1">
+              <a:schemeClr val="accent1"/>
+            </a:lnRef>
+            <a:fillRef idx="0">
+              <a:schemeClr val="accent1"/>
+            </a:fillRef>
+            <a:effectRef idx="0">
+              <a:schemeClr val="accent1"/>
+            </a:effectRef>
+            <a:fontRef idx="minor">
+              <a:schemeClr val="tx1"/>
+            </a:fontRef>
+          </p:style>
+        </p:cxnSp>
+      </p:grpSp>
+      <p:sp>
+        <p:nvSpPr>
+          <p:cNvPr id="55" name="コンテンツ プレースホルダー 2"/>
+          <p:cNvSpPr txBox="1">
+            <a:spLocks/>
+          </p:cNvSpPr>
+          <p:nvPr/>
+        </p:nvSpPr>
+        <p:spPr>
+          <a:xfrm>
+            <a:off x="457200" y="1600201"/>
+            <a:ext cx="8229600" cy="604664"/>
+          </a:xfrm>
+          <a:prstGeom prst="rect">
+            <a:avLst/>
+          </a:prstGeom>
+        </p:spPr>
+        <p:txBody>
+          <a:bodyPr vert="horz" lIns="91440" tIns="45720" rIns="91440" bIns="45720" rtlCol="0" anchor="ctr">
+            <a:normAutofit/>
+          </a:bodyPr>
+          <a:lstStyle>
+            <a:lvl1pPr marL="342900" indent="-342900" algn="l" defTabSz="914400" rtl="0" eaLnBrk="1" latinLnBrk="0" hangingPunct="1">
+              <a:spcBef>
+                <a:spcPct val="20000"/>
+              </a:spcBef>
+              <a:buFont typeface="Arial" panose="020B0604020202020204" pitchFamily="34" charset="0"/>
+              <a:buChar char="•"/>
+              <a:defRPr kumimoji="1" sz="3200" kern="1200">
+                <a:solidFill>
+                  <a:srgbClr val="3E4057"/>
+                </a:solidFill>
+                <a:latin typeface="メイリオ" panose="020B0604030504040204" pitchFamily="50" charset="-128"/>
+                <a:ea typeface="メイリオ" panose="020B0604030504040204" pitchFamily="50" charset="-128"/>
+                <a:cs typeface="メイリオ" panose="020B0604030504040204" pitchFamily="50" charset="-128"/>
+              </a:defRPr>
+            </a:lvl1pPr>
+            <a:lvl2pPr marL="742950" indent="-285750" algn="l" defTabSz="914400" rtl="0" eaLnBrk="1" latinLnBrk="0" hangingPunct="1">
+              <a:spcBef>
+                <a:spcPct val="20000"/>
+              </a:spcBef>
+              <a:buFont typeface="Arial" panose="020B0604020202020204" pitchFamily="34" charset="0"/>
+              <a:buChar char="–"/>
+              <a:defRPr kumimoji="1" sz="2800" kern="1200">
+                <a:solidFill>
+                  <a:srgbClr val="3E4057"/>
+                </a:solidFill>
+                <a:latin typeface="メイリオ" panose="020B0604030504040204" pitchFamily="50" charset="-128"/>
+                <a:ea typeface="メイリオ" panose="020B0604030504040204" pitchFamily="50" charset="-128"/>
+                <a:cs typeface="メイリオ" panose="020B0604030504040204" pitchFamily="50" charset="-128"/>
+              </a:defRPr>
+            </a:lvl2pPr>
+            <a:lvl3pPr marL="1143000" indent="-228600" algn="l" defTabSz="914400" rtl="0" eaLnBrk="1" latinLnBrk="0" hangingPunct="1">
+              <a:spcBef>
+                <a:spcPct val="20000"/>
+              </a:spcBef>
+              <a:buFont typeface="Arial" panose="020B0604020202020204" pitchFamily="34" charset="0"/>
+              <a:buChar char="•"/>
+              <a:defRPr kumimoji="1" sz="2400" kern="1200">
+                <a:solidFill>
+                  <a:srgbClr val="3E4057"/>
+                </a:solidFill>
+                <a:latin typeface="メイリオ" panose="020B0604030504040204" pitchFamily="50" charset="-128"/>
+                <a:ea typeface="メイリオ" panose="020B0604030504040204" pitchFamily="50" charset="-128"/>
+                <a:cs typeface="メイリオ" panose="020B0604030504040204" pitchFamily="50" charset="-128"/>
+              </a:defRPr>
+            </a:lvl3pPr>
+            <a:lvl4pPr marL="1600200" indent="-228600" algn="l" defTabSz="914400" rtl="0" eaLnBrk="1" latinLnBrk="0" hangingPunct="1">
+              <a:spcBef>
+                <a:spcPct val="20000"/>
+              </a:spcBef>
+              <a:buFont typeface="Arial" panose="020B0604020202020204" pitchFamily="34" charset="0"/>
+              <a:buChar char="–"/>
+              <a:defRPr kumimoji="1" sz="2000" kern="1200">
+                <a:solidFill>
+                  <a:srgbClr val="3E4057"/>
+                </a:solidFill>
+                <a:latin typeface="メイリオ" panose="020B0604030504040204" pitchFamily="50" charset="-128"/>
+                <a:ea typeface="メイリオ" panose="020B0604030504040204" pitchFamily="50" charset="-128"/>
+                <a:cs typeface="メイリオ" panose="020B0604030504040204" pitchFamily="50" charset="-128"/>
+              </a:defRPr>
+            </a:lvl4pPr>
+            <a:lvl5pPr marL="2057400" indent="-228600" algn="l" defTabSz="914400" rtl="0" eaLnBrk="1" latinLnBrk="0" hangingPunct="1">
+              <a:spcBef>
+                <a:spcPct val="20000"/>
+              </a:spcBef>
+              <a:buFont typeface="Arial" panose="020B0604020202020204" pitchFamily="34" charset="0"/>
+              <a:buChar char="»"/>
+              <a:defRPr kumimoji="1" sz="2000" kern="1200">
+                <a:solidFill>
+                  <a:srgbClr val="3E4057"/>
+                </a:solidFill>
+                <a:latin typeface="メイリオ" panose="020B0604030504040204" pitchFamily="50" charset="-128"/>
+                <a:ea typeface="メイリオ" panose="020B0604030504040204" pitchFamily="50" charset="-128"/>
+                <a:cs typeface="メイリオ" panose="020B0604030504040204" pitchFamily="50" charset="-128"/>
+              </a:defRPr>
+            </a:lvl5pPr>
+            <a:lvl6pPr marL="2514600" indent="-228600" algn="l" defTabSz="914400" rtl="0" eaLnBrk="1" latinLnBrk="0" hangingPunct="1">
+              <a:spcBef>
+                <a:spcPct val="20000"/>
+              </a:spcBef>
+              <a:buFont typeface="Arial" panose="020B0604020202020204" pitchFamily="34" charset="0"/>
+              <a:buChar char="•"/>
+              <a:defRPr kumimoji="1" sz="2000" kern="1200">
+                <a:solidFill>
+                  <a:schemeClr val="tx1"/>
+                </a:solidFill>
+                <a:latin typeface="+mn-lt"/>
+                <a:ea typeface="+mn-ea"/>
+                <a:cs typeface="+mn-cs"/>
+              </a:defRPr>
+            </a:lvl6pPr>
+            <a:lvl7pPr marL="2971800" indent="-228600" algn="l" defTabSz="914400" rtl="0" eaLnBrk="1" latinLnBrk="0" hangingPunct="1">
+              <a:spcBef>
+                <a:spcPct val="20000"/>
+              </a:spcBef>
+              <a:buFont typeface="Arial" panose="020B0604020202020204" pitchFamily="34" charset="0"/>
+              <a:buChar char="•"/>
+              <a:defRPr kumimoji="1" sz="2000" kern="1200">
+                <a:solidFill>
+                  <a:schemeClr val="tx1"/>
+                </a:solidFill>
+                <a:latin typeface="+mn-lt"/>
+                <a:ea typeface="+mn-ea"/>
+                <a:cs typeface="+mn-cs"/>
+              </a:defRPr>
+            </a:lvl7pPr>
+            <a:lvl8pPr marL="3429000" indent="-228600" algn="l" defTabSz="914400" rtl="0" eaLnBrk="1" latinLnBrk="0" hangingPunct="1">
+              <a:spcBef>
+                <a:spcPct val="20000"/>
+              </a:spcBef>
+              <a:buFont typeface="Arial" panose="020B0604020202020204" pitchFamily="34" charset="0"/>
+              <a:buChar char="•"/>
+              <a:defRPr kumimoji="1" sz="2000" kern="1200">
+                <a:solidFill>
+                  <a:schemeClr val="tx1"/>
+                </a:solidFill>
+                <a:latin typeface="+mn-lt"/>
+                <a:ea typeface="+mn-ea"/>
+                <a:cs typeface="+mn-cs"/>
+              </a:defRPr>
+            </a:lvl8pPr>
+            <a:lvl9pPr marL="3886200" indent="-228600" algn="l" defTabSz="914400" rtl="0" eaLnBrk="1" latinLnBrk="0" hangingPunct="1">
+              <a:spcBef>
+                <a:spcPct val="20000"/>
+              </a:spcBef>
+              <a:buFont typeface="Arial" panose="020B0604020202020204" pitchFamily="34" charset="0"/>
+              <a:buChar char="•"/>
+              <a:defRPr kumimoji="1" sz="2000" kern="1200">
+                <a:solidFill>
+                  <a:schemeClr val="tx1"/>
+                </a:solidFill>
+                <a:latin typeface="+mn-lt"/>
+                <a:ea typeface="+mn-ea"/>
+                <a:cs typeface="+mn-cs"/>
+              </a:defRPr>
+            </a:lvl9pPr>
+          </a:lstStyle>
+          <a:p>
+            <a:pPr marL="0" indent="0" algn="ctr">
+              <a:buFont typeface="Arial" panose="020B0604020202020204" pitchFamily="34" charset="0"/>
+              <a:buNone/>
+            </a:pPr>
+            <a:r>
+              <a:rPr lang="ja-JP" altLang="en-US" sz="2400" smtClean="0">
+                <a:solidFill>
+                  <a:srgbClr val="32B490"/>
+                </a:solidFill>
+              </a:rPr>
+              <a:t>ただ</a:t>
+            </a:r>
+            <a:r>
+              <a:rPr lang="en-US" altLang="ja-JP" sz="2400" smtClean="0">
+                <a:solidFill>
+                  <a:srgbClr val="32B490"/>
+                </a:solidFill>
+              </a:rPr>
+              <a:t>1</a:t>
+            </a:r>
+            <a:r>
+              <a:rPr lang="ja-JP" altLang="en-US" sz="2400" smtClean="0">
+                <a:solidFill>
+                  <a:srgbClr val="32B490"/>
+                </a:solidFill>
+              </a:rPr>
+              <a:t>つ</a:t>
+            </a:r>
+            <a:r>
+              <a:rPr lang="ja-JP" altLang="en-US" sz="2400" smtClean="0"/>
+              <a:t>のクラスからのみ機能を継承</a:t>
+            </a:r>
+            <a:endParaRPr lang="en-US" altLang="ja-JP" sz="2400" dirty="0"/>
+          </a:p>
+        </p:txBody>
+      </p:sp>
+      <p:sp>
+        <p:nvSpPr>
+          <p:cNvPr id="56" name="コンテンツ プレースホルダー 2"/>
+          <p:cNvSpPr>
+            <a:spLocks noGrp="1"/>
+          </p:cNvSpPr>
+          <p:nvPr>
+            <p:ph idx="1"/>
+          </p:nvPr>
+        </p:nvSpPr>
+        <p:spPr>
+          <a:xfrm>
+            <a:off x="457200" y="2387428"/>
+            <a:ext cx="8229600" cy="3777875"/>
+          </a:xfrm>
+        </p:spPr>
+        <p:txBody>
+          <a:bodyPr anchor="t">
+            <a:normAutofit/>
+          </a:bodyPr>
+          <a:lstStyle/>
+          <a:p>
+            <a:pPr>
+              <a:lnSpc>
+                <a:spcPct val="200000"/>
+              </a:lnSpc>
+            </a:pPr>
+            <a:r>
+              <a:rPr kumimoji="1" lang="ja-JP" altLang="en-US" sz="2400" smtClean="0"/>
+              <a:t>継承は木構造で表現できる</a:t>
+            </a:r>
+            <a:endParaRPr kumimoji="1" lang="en-US" altLang="ja-JP" sz="2400" smtClean="0"/>
+          </a:p>
+          <a:p>
+            <a:pPr>
+              <a:lnSpc>
+                <a:spcPct val="200000"/>
+              </a:lnSpc>
+            </a:pPr>
+            <a:r>
+              <a:rPr kumimoji="1" lang="ja-JP" altLang="en-US" sz="2400" smtClean="0"/>
+              <a:t>階層の深さは問わない</a:t>
+            </a:r>
+            <a:endParaRPr kumimoji="1" lang="en-US" altLang="ja-JP" sz="2400" smtClean="0"/>
+          </a:p>
+          <a:p>
+            <a:pPr>
+              <a:lnSpc>
+                <a:spcPct val="200000"/>
+              </a:lnSpc>
+            </a:pPr>
+            <a:r>
+              <a:rPr lang="ja-JP" altLang="en-US" sz="2400" smtClean="0"/>
+              <a:t>サブクラスの数は任意</a:t>
+            </a:r>
+            <a:endParaRPr lang="en-US" altLang="ja-JP" sz="2400" smtClean="0"/>
+          </a:p>
+          <a:p>
+            <a:pPr>
+              <a:lnSpc>
+                <a:spcPct val="200000"/>
+              </a:lnSpc>
+            </a:pPr>
+            <a:r>
+              <a:rPr lang="ja-JP" altLang="en-US" sz="2400" smtClean="0">
+                <a:solidFill>
+                  <a:srgbClr val="32B490"/>
+                </a:solidFill>
+              </a:rPr>
+              <a:t>継承の構成が明確</a:t>
+            </a:r>
+            <a:endParaRPr kumimoji="1" lang="en-US" altLang="ja-JP" sz="2400" smtClean="0">
+              <a:solidFill>
+                <a:srgbClr val="32B490"/>
+              </a:solidFill>
+            </a:endParaRPr>
+          </a:p>
+        </p:txBody>
+      </p:sp>
+    </p:spTree>
+    <p:extLst>
+      <p:ext uri="{BB962C8B-B14F-4D97-AF65-F5344CB8AC3E}">
+        <p14:creationId xmlns:p14="http://schemas.microsoft.com/office/powerpoint/2010/main" val="274949720"/>
+      </p:ext>
+    </p:extLst>
+  </p:cSld>
+  <p:clrMapOvr>
+    <a:masterClrMapping/>
+  </p:clrMapOvr>
+  <p:timing>
+    <p:tnLst>
+      <p:par>
+        <p:cTn id="1" dur="indefinite" restart="never" nodeType="tmRoot"/>
+      </p:par>
+    </p:tnLst>
+  </p:timing>
+</p:sld>
+</file>
+
+<file path=ppt/slides/slide4.xml><?xml version="1.0" encoding="utf-8"?>
+<p:sld xmlns:a="http://schemas.openxmlformats.org/drawingml/2006/main" xmlns:r="http://schemas.openxmlformats.org/officeDocument/2006/relationships" xmlns:p="http://schemas.openxmlformats.org/presentationml/2006/main">
+  <p:cSld>
+    <p:spTree>
+      <p:nvGrpSpPr>
+        <p:cNvPr id="1" name=""/>
+        <p:cNvGrpSpPr/>
+        <p:nvPr/>
+      </p:nvGrpSpPr>
+      <p:grpSpPr>
+        <a:xfrm>
+          <a:off x="0" y="0"/>
+          <a:ext cx="0" cy="0"/>
+          <a:chOff x="0" y="0"/>
+          <a:chExt cx="0" cy="0"/>
+        </a:xfrm>
+      </p:grpSpPr>
+      <p:sp>
+        <p:nvSpPr>
+          <p:cNvPr id="4" name="タイトル 3"/>
+          <p:cNvSpPr>
+            <a:spLocks noGrp="1"/>
+          </p:cNvSpPr>
+          <p:nvPr>
+            <p:ph type="title"/>
+          </p:nvPr>
+        </p:nvSpPr>
+        <p:spPr/>
+        <p:txBody>
+          <a:bodyPr>
+            <a:normAutofit/>
+          </a:bodyPr>
+          <a:lstStyle/>
+          <a:p>
+            <a:r>
+              <a:rPr lang="ja-JP" altLang="en-US" smtClean="0"/>
+              <a:t>多重</a:t>
+            </a:r>
+            <a:r>
+              <a:rPr lang="ja-JP" altLang="en-US" smtClean="0"/>
+              <a:t>継承</a:t>
+            </a:r>
+            <a:endParaRPr kumimoji="1" lang="ja-JP" altLang="en-US"/>
+          </a:p>
+        </p:txBody>
+      </p:sp>
+      <p:sp>
+        <p:nvSpPr>
+          <p:cNvPr id="54" name="スライド番号プレースホルダー 53"/>
+          <p:cNvSpPr>
+            <a:spLocks noGrp="1"/>
+          </p:cNvSpPr>
+          <p:nvPr>
+            <p:ph type="sldNum" sz="quarter" idx="12"/>
+          </p:nvPr>
+        </p:nvSpPr>
+        <p:spPr/>
+        <p:txBody>
+          <a:bodyPr/>
+          <a:lstStyle/>
+          <a:p>
+            <a:fld id="{2397F2D1-65A3-45EE-8E20-32FB97FA5EAD}" type="slidenum">
+              <a:rPr kumimoji="1" lang="ja-JP" altLang="en-US" smtClean="0"/>
+              <a:t>4</a:t>
+            </a:fld>
+            <a:endParaRPr kumimoji="1" lang="ja-JP" altLang="en-US"/>
+          </a:p>
+        </p:txBody>
+      </p:sp>
+      <p:grpSp>
+        <p:nvGrpSpPr>
+          <p:cNvPr id="53" name="図形グループ 52"/>
+          <p:cNvGrpSpPr/>
+          <p:nvPr/>
+        </p:nvGrpSpPr>
+        <p:grpSpPr>
+          <a:xfrm>
+            <a:off x="4239207" y="3573016"/>
+            <a:ext cx="4447593" cy="2329712"/>
+            <a:chOff x="4239207" y="1417638"/>
+            <a:chExt cx="4447593" cy="2329712"/>
+          </a:xfrm>
+        </p:grpSpPr>
+        <p:sp>
+          <p:nvSpPr>
+            <p:cNvPr id="5" name="角丸四角形 4"/>
+            <p:cNvSpPr/>
+            <p:nvPr/>
+          </p:nvSpPr>
+          <p:spPr>
+            <a:xfrm>
+              <a:off x="5899359" y="1417638"/>
+              <a:ext cx="1152128" cy="344742"/>
+            </a:xfrm>
+            <a:prstGeom prst="roundRect">
+              <a:avLst/>
+            </a:prstGeom>
+            <a:solidFill>
+              <a:schemeClr val="accent3">
+                <a:lumMod val="20000"/>
+                <a:lumOff val="80000"/>
+              </a:schemeClr>
+            </a:solidFill>
+            <a:ln>
+              <a:solidFill>
+                <a:srgbClr val="3E4057"/>
+              </a:solidFill>
+            </a:ln>
+          </p:spPr>
+          <p:style>
+            <a:lnRef idx="2">
+              <a:schemeClr val="accent1">
+                <a:shade val="50000"/>
+              </a:schemeClr>
+            </a:lnRef>
+            <a:fillRef idx="1">
+              <a:schemeClr val="accent1"/>
+            </a:fillRef>
+            <a:effectRef idx="0">
+              <a:schemeClr val="accent1"/>
+            </a:effectRef>
+            <a:fontRef idx="minor">
+              <a:schemeClr val="lt1"/>
+            </a:fontRef>
+          </p:style>
+          <p:txBody>
+            <a:bodyPr rtlCol="0" anchor="ctr"/>
+            <a:lstStyle/>
+            <a:p>
+              <a:pPr algn="ctr"/>
+              <a:r>
+                <a:rPr kumimoji="1" lang="ja-JP" altLang="en-US" sz="1400" smtClean="0">
+                  <a:solidFill>
+                    <a:srgbClr val="3E4057"/>
+                  </a:solidFill>
+                  <a:latin typeface="Meiryo" charset="-128"/>
+                  <a:ea typeface="Meiryo" charset="-128"/>
+                  <a:cs typeface="Meiryo" charset="-128"/>
+                </a:rPr>
+                <a:t>クラス</a:t>
+              </a:r>
+              <a:r>
+                <a:rPr kumimoji="1" lang="en-US" altLang="ja-JP" smtClean="0">
+                  <a:solidFill>
+                    <a:srgbClr val="3E4057"/>
+                  </a:solidFill>
+                  <a:latin typeface="Meiryo" charset="-128"/>
+                  <a:ea typeface="Meiryo" charset="-128"/>
+                  <a:cs typeface="Meiryo" charset="-128"/>
+                </a:rPr>
+                <a:t> A</a:t>
+              </a:r>
+              <a:endParaRPr lang="en-US" altLang="ja-JP" sz="1100" smtClean="0">
+                <a:solidFill>
+                  <a:srgbClr val="3E4057"/>
+                </a:solidFill>
+                <a:latin typeface="Meiryo" charset="-128"/>
+                <a:ea typeface="Meiryo" charset="-128"/>
+                <a:cs typeface="Meiryo" charset="-128"/>
+              </a:endParaRPr>
+            </a:p>
+          </p:txBody>
+        </p:sp>
+        <p:cxnSp>
+          <p:nvCxnSpPr>
+            <p:cNvPr id="41" name="直線矢印コネクタ 40"/>
+            <p:cNvCxnSpPr>
+              <a:stCxn id="5" idx="2"/>
+              <a:endCxn id="20" idx="0"/>
+            </p:cNvCxnSpPr>
+            <p:nvPr/>
+          </p:nvCxnSpPr>
+          <p:spPr>
+            <a:xfrm flipH="1">
+              <a:off x="5652120" y="1762380"/>
+              <a:ext cx="823303" cy="647743"/>
+            </a:xfrm>
+            <a:prstGeom prst="straightConnector1">
+              <a:avLst/>
+            </a:prstGeom>
+            <a:ln w="38100">
+              <a:solidFill>
+                <a:srgbClr val="3E4057"/>
+              </a:solidFill>
+              <a:tailEnd type="triangle"/>
+            </a:ln>
+          </p:spPr>
+          <p:style>
+            <a:lnRef idx="1">
+              <a:schemeClr val="accent1"/>
+            </a:lnRef>
+            <a:fillRef idx="0">
+              <a:schemeClr val="accent1"/>
+            </a:fillRef>
+            <a:effectRef idx="0">
+              <a:schemeClr val="accent1"/>
+            </a:effectRef>
+            <a:fontRef idx="minor">
+              <a:schemeClr val="tx1"/>
+            </a:fontRef>
+          </p:style>
+        </p:cxnSp>
+        <p:sp>
+          <p:nvSpPr>
+            <p:cNvPr id="20" name="角丸四角形 19"/>
+            <p:cNvSpPr/>
+            <p:nvPr/>
+          </p:nvSpPr>
+          <p:spPr>
+            <a:xfrm>
+              <a:off x="5076056" y="2410123"/>
+              <a:ext cx="1152128" cy="344742"/>
+            </a:xfrm>
+            <a:prstGeom prst="roundRect">
+              <a:avLst/>
+            </a:prstGeom>
+            <a:solidFill>
+              <a:schemeClr val="accent3">
+                <a:lumMod val="20000"/>
+                <a:lumOff val="80000"/>
+              </a:schemeClr>
+            </a:solidFill>
+            <a:ln>
+              <a:solidFill>
+                <a:srgbClr val="3E4057"/>
+              </a:solidFill>
+            </a:ln>
+          </p:spPr>
+          <p:style>
+            <a:lnRef idx="2">
+              <a:schemeClr val="accent1">
+                <a:shade val="50000"/>
+              </a:schemeClr>
+            </a:lnRef>
+            <a:fillRef idx="1">
+              <a:schemeClr val="accent1"/>
+            </a:fillRef>
+            <a:effectRef idx="0">
+              <a:schemeClr val="accent1"/>
+            </a:effectRef>
+            <a:fontRef idx="minor">
+              <a:schemeClr val="lt1"/>
+            </a:fontRef>
+          </p:style>
+          <p:txBody>
+            <a:bodyPr rtlCol="0" anchor="ctr"/>
+            <a:lstStyle/>
+            <a:p>
+              <a:pPr algn="ctr"/>
+              <a:r>
+                <a:rPr kumimoji="1" lang="ja-JP" altLang="en-US" sz="1400" smtClean="0">
+                  <a:solidFill>
+                    <a:srgbClr val="3E4057"/>
+                  </a:solidFill>
+                  <a:latin typeface="Meiryo" charset="-128"/>
+                  <a:ea typeface="Meiryo" charset="-128"/>
+                  <a:cs typeface="Meiryo" charset="-128"/>
+                </a:rPr>
+                <a:t>クラス</a:t>
+              </a:r>
+              <a:r>
+                <a:rPr kumimoji="1" lang="en-US" altLang="ja-JP" smtClean="0">
+                  <a:solidFill>
+                    <a:srgbClr val="3E4057"/>
+                  </a:solidFill>
+                  <a:latin typeface="Meiryo" charset="-128"/>
+                  <a:ea typeface="Meiryo" charset="-128"/>
+                  <a:cs typeface="Meiryo" charset="-128"/>
+                </a:rPr>
+                <a:t> B</a:t>
+              </a:r>
+              <a:endParaRPr lang="en-US" altLang="ja-JP" sz="1100" smtClean="0">
+                <a:solidFill>
+                  <a:srgbClr val="3E4057"/>
+                </a:solidFill>
+                <a:latin typeface="Meiryo" charset="-128"/>
+                <a:ea typeface="Meiryo" charset="-128"/>
+                <a:cs typeface="Meiryo" charset="-128"/>
+              </a:endParaRPr>
+            </a:p>
+          </p:txBody>
+        </p:sp>
+        <p:sp>
+          <p:nvSpPr>
+            <p:cNvPr id="22" name="角丸四角形 21"/>
+            <p:cNvSpPr/>
+            <p:nvPr/>
+          </p:nvSpPr>
+          <p:spPr>
+            <a:xfrm>
+              <a:off x="6804248" y="2410123"/>
+              <a:ext cx="1152128" cy="344742"/>
+            </a:xfrm>
+            <a:prstGeom prst="roundRect">
+              <a:avLst/>
+            </a:prstGeom>
+            <a:solidFill>
+              <a:schemeClr val="accent3">
+                <a:lumMod val="20000"/>
+                <a:lumOff val="80000"/>
+              </a:schemeClr>
+            </a:solidFill>
+            <a:ln>
+              <a:solidFill>
+                <a:srgbClr val="3E4057"/>
+              </a:solidFill>
+            </a:ln>
+          </p:spPr>
+          <p:style>
+            <a:lnRef idx="2">
+              <a:schemeClr val="accent1">
+                <a:shade val="50000"/>
+              </a:schemeClr>
+            </a:lnRef>
+            <a:fillRef idx="1">
+              <a:schemeClr val="accent1"/>
+            </a:fillRef>
+            <a:effectRef idx="0">
+              <a:schemeClr val="accent1"/>
+            </a:effectRef>
+            <a:fontRef idx="minor">
+              <a:schemeClr val="lt1"/>
+            </a:fontRef>
+          </p:style>
+          <p:txBody>
+            <a:bodyPr rtlCol="0" anchor="ctr"/>
+            <a:lstStyle/>
+            <a:p>
+              <a:pPr algn="ctr"/>
+              <a:r>
+                <a:rPr kumimoji="1" lang="ja-JP" altLang="en-US" sz="1400" smtClean="0">
+                  <a:solidFill>
+                    <a:srgbClr val="3E4057"/>
+                  </a:solidFill>
+                  <a:latin typeface="Meiryo" charset="-128"/>
+                  <a:ea typeface="Meiryo" charset="-128"/>
+                  <a:cs typeface="Meiryo" charset="-128"/>
+                </a:rPr>
+                <a:t>クラス</a:t>
+              </a:r>
+              <a:r>
+                <a:rPr kumimoji="1" lang="en-US" altLang="ja-JP" smtClean="0">
+                  <a:solidFill>
+                    <a:srgbClr val="3E4057"/>
+                  </a:solidFill>
+                  <a:latin typeface="Meiryo" charset="-128"/>
+                  <a:ea typeface="Meiryo" charset="-128"/>
+                  <a:cs typeface="Meiryo" charset="-128"/>
+                </a:rPr>
+                <a:t> C</a:t>
+              </a:r>
+              <a:endParaRPr lang="en-US" altLang="ja-JP" sz="1100" smtClean="0">
+                <a:solidFill>
+                  <a:srgbClr val="3E4057"/>
+                </a:solidFill>
+                <a:latin typeface="Meiryo" charset="-128"/>
+                <a:ea typeface="Meiryo" charset="-128"/>
+                <a:cs typeface="Meiryo" charset="-128"/>
+              </a:endParaRPr>
+            </a:p>
+          </p:txBody>
+        </p:sp>
+        <p:cxnSp>
+          <p:nvCxnSpPr>
+            <p:cNvPr id="24" name="直線矢印コネクタ 23"/>
+            <p:cNvCxnSpPr>
+              <a:stCxn id="5" idx="2"/>
+              <a:endCxn id="22" idx="0"/>
+            </p:cNvCxnSpPr>
+            <p:nvPr/>
+          </p:nvCxnSpPr>
+          <p:spPr>
+            <a:xfrm>
+              <a:off x="6475423" y="1762380"/>
+              <a:ext cx="904889" cy="647743"/>
+            </a:xfrm>
+            <a:prstGeom prst="straightConnector1">
+              <a:avLst/>
+            </a:prstGeom>
+            <a:ln w="38100">
+              <a:solidFill>
+                <a:srgbClr val="3E4057"/>
+              </a:solidFill>
+              <a:tailEnd type="triangle"/>
+            </a:ln>
+          </p:spPr>
+          <p:style>
+            <a:lnRef idx="1">
+              <a:schemeClr val="accent1"/>
+            </a:lnRef>
+            <a:fillRef idx="0">
+              <a:schemeClr val="accent1"/>
+            </a:fillRef>
+            <a:effectRef idx="0">
+              <a:schemeClr val="accent1"/>
+            </a:effectRef>
+            <a:fontRef idx="minor">
+              <a:schemeClr val="tx1"/>
+            </a:fontRef>
+          </p:style>
+        </p:cxnSp>
+        <p:sp>
+          <p:nvSpPr>
+            <p:cNvPr id="27" name="角丸四角形 26"/>
+            <p:cNvSpPr/>
+            <p:nvPr/>
+          </p:nvSpPr>
+          <p:spPr>
+            <a:xfrm>
+              <a:off x="4239207" y="3402608"/>
+              <a:ext cx="1152128" cy="344742"/>
+            </a:xfrm>
+            <a:prstGeom prst="roundRect">
+              <a:avLst/>
+            </a:prstGeom>
+            <a:solidFill>
+              <a:schemeClr val="accent3">
+                <a:lumMod val="20000"/>
+                <a:lumOff val="80000"/>
+              </a:schemeClr>
+            </a:solidFill>
+            <a:ln>
+              <a:solidFill>
+                <a:srgbClr val="3E4057"/>
+              </a:solidFill>
+            </a:ln>
+          </p:spPr>
+          <p:style>
+            <a:lnRef idx="2">
+              <a:schemeClr val="accent1">
+                <a:shade val="50000"/>
+              </a:schemeClr>
+            </a:lnRef>
+            <a:fillRef idx="1">
+              <a:schemeClr val="accent1"/>
+            </a:fillRef>
+            <a:effectRef idx="0">
+              <a:schemeClr val="accent1"/>
+            </a:effectRef>
+            <a:fontRef idx="minor">
+              <a:schemeClr val="lt1"/>
+            </a:fontRef>
+          </p:style>
+          <p:txBody>
+            <a:bodyPr rtlCol="0" anchor="ctr"/>
+            <a:lstStyle/>
+            <a:p>
+              <a:pPr algn="ctr"/>
+              <a:r>
+                <a:rPr kumimoji="1" lang="ja-JP" altLang="en-US" sz="1400" smtClean="0">
+                  <a:solidFill>
+                    <a:srgbClr val="3E4057"/>
+                  </a:solidFill>
+                  <a:latin typeface="Meiryo" charset="-128"/>
+                  <a:ea typeface="Meiryo" charset="-128"/>
+                  <a:cs typeface="Meiryo" charset="-128"/>
+                </a:rPr>
+                <a:t>クラス</a:t>
+              </a:r>
+              <a:r>
+                <a:rPr kumimoji="1" lang="en-US" altLang="ja-JP" smtClean="0">
+                  <a:solidFill>
+                    <a:srgbClr val="3E4057"/>
+                  </a:solidFill>
+                  <a:latin typeface="Meiryo" charset="-128"/>
+                  <a:ea typeface="Meiryo" charset="-128"/>
+                  <a:cs typeface="Meiryo" charset="-128"/>
+                </a:rPr>
+                <a:t> D</a:t>
+              </a:r>
+              <a:endParaRPr lang="en-US" altLang="ja-JP" sz="1100" smtClean="0">
+                <a:solidFill>
+                  <a:srgbClr val="3E4057"/>
+                </a:solidFill>
+                <a:latin typeface="Meiryo" charset="-128"/>
+                <a:ea typeface="Meiryo" charset="-128"/>
+                <a:cs typeface="Meiryo" charset="-128"/>
+              </a:endParaRPr>
+            </a:p>
+          </p:txBody>
+        </p:sp>
+        <p:sp>
+          <p:nvSpPr>
+            <p:cNvPr id="28" name="角丸四角形 27"/>
+            <p:cNvSpPr/>
+            <p:nvPr/>
+          </p:nvSpPr>
+          <p:spPr>
+            <a:xfrm>
+              <a:off x="5809759" y="3388137"/>
+              <a:ext cx="1152128" cy="344742"/>
+            </a:xfrm>
+            <a:prstGeom prst="roundRect">
+              <a:avLst/>
+            </a:prstGeom>
+            <a:solidFill>
+              <a:schemeClr val="accent3">
+                <a:lumMod val="20000"/>
+                <a:lumOff val="80000"/>
+              </a:schemeClr>
+            </a:solidFill>
+            <a:ln>
+              <a:solidFill>
+                <a:schemeClr val="accent6">
+                  <a:lumMod val="75000"/>
+                </a:schemeClr>
+              </a:solidFill>
+            </a:ln>
+          </p:spPr>
+          <p:style>
+            <a:lnRef idx="2">
+              <a:schemeClr val="accent1">
+                <a:shade val="50000"/>
+              </a:schemeClr>
+            </a:lnRef>
+            <a:fillRef idx="1">
+              <a:schemeClr val="accent1"/>
+            </a:fillRef>
+            <a:effectRef idx="0">
+              <a:schemeClr val="accent1"/>
+            </a:effectRef>
+            <a:fontRef idx="minor">
+              <a:schemeClr val="lt1"/>
+            </a:fontRef>
+          </p:style>
+          <p:txBody>
+            <a:bodyPr rtlCol="0" anchor="ctr"/>
+            <a:lstStyle/>
+            <a:p>
+              <a:pPr algn="ctr"/>
+              <a:r>
+                <a:rPr kumimoji="1" lang="ja-JP" altLang="en-US" sz="1400" smtClean="0">
+                  <a:solidFill>
+                    <a:srgbClr val="3E4057"/>
+                  </a:solidFill>
+                  <a:latin typeface="Meiryo" charset="-128"/>
+                  <a:ea typeface="Meiryo" charset="-128"/>
+                  <a:cs typeface="Meiryo" charset="-128"/>
+                </a:rPr>
+                <a:t>クラス</a:t>
+              </a:r>
+              <a:r>
+                <a:rPr kumimoji="1" lang="en-US" altLang="ja-JP" smtClean="0">
+                  <a:solidFill>
+                    <a:srgbClr val="3E4057"/>
+                  </a:solidFill>
+                  <a:latin typeface="Meiryo" charset="-128"/>
+                  <a:ea typeface="Meiryo" charset="-128"/>
+                  <a:cs typeface="Meiryo" charset="-128"/>
+                </a:rPr>
+                <a:t> E</a:t>
+              </a:r>
+              <a:endParaRPr lang="en-US" altLang="ja-JP" sz="1100" smtClean="0">
+                <a:solidFill>
+                  <a:srgbClr val="3E4057"/>
+                </a:solidFill>
+                <a:latin typeface="Meiryo" charset="-128"/>
+                <a:ea typeface="Meiryo" charset="-128"/>
+                <a:cs typeface="Meiryo" charset="-128"/>
+              </a:endParaRPr>
+            </a:p>
+          </p:txBody>
+        </p:sp>
+        <p:sp>
+          <p:nvSpPr>
+            <p:cNvPr id="29" name="角丸四角形 28"/>
+            <p:cNvSpPr/>
+            <p:nvPr/>
+          </p:nvSpPr>
+          <p:spPr>
+            <a:xfrm>
+              <a:off x="7534672" y="3376800"/>
+              <a:ext cx="1152128" cy="344742"/>
+            </a:xfrm>
+            <a:prstGeom prst="roundRect">
+              <a:avLst/>
+            </a:prstGeom>
+            <a:solidFill>
+              <a:schemeClr val="accent3">
+                <a:lumMod val="20000"/>
+                <a:lumOff val="80000"/>
+              </a:schemeClr>
+            </a:solidFill>
+            <a:ln>
+              <a:solidFill>
+                <a:srgbClr val="3E4057"/>
+              </a:solidFill>
+            </a:ln>
+          </p:spPr>
+          <p:style>
+            <a:lnRef idx="2">
+              <a:schemeClr val="accent1">
+                <a:shade val="50000"/>
+              </a:schemeClr>
+            </a:lnRef>
+            <a:fillRef idx="1">
+              <a:schemeClr val="accent1"/>
+            </a:fillRef>
+            <a:effectRef idx="0">
+              <a:schemeClr val="accent1"/>
+            </a:effectRef>
+            <a:fontRef idx="minor">
+              <a:schemeClr val="lt1"/>
+            </a:fontRef>
+          </p:style>
+          <p:txBody>
+            <a:bodyPr rtlCol="0" anchor="ctr"/>
+            <a:lstStyle/>
+            <a:p>
+              <a:pPr algn="ctr"/>
+              <a:r>
+                <a:rPr kumimoji="1" lang="ja-JP" altLang="en-US" sz="1400" smtClean="0">
+                  <a:solidFill>
+                    <a:srgbClr val="3E4057"/>
+                  </a:solidFill>
+                  <a:latin typeface="Meiryo" charset="-128"/>
+                  <a:ea typeface="Meiryo" charset="-128"/>
+                  <a:cs typeface="Meiryo" charset="-128"/>
+                </a:rPr>
+                <a:t>クラス</a:t>
+              </a:r>
+              <a:r>
+                <a:rPr kumimoji="1" lang="en-US" altLang="ja-JP" smtClean="0">
+                  <a:solidFill>
+                    <a:srgbClr val="3E4057"/>
+                  </a:solidFill>
+                  <a:latin typeface="Meiryo" charset="-128"/>
+                  <a:ea typeface="Meiryo" charset="-128"/>
+                  <a:cs typeface="Meiryo" charset="-128"/>
+                </a:rPr>
+                <a:t> F</a:t>
+              </a:r>
+              <a:endParaRPr lang="en-US" altLang="ja-JP" sz="1100" smtClean="0">
+                <a:solidFill>
+                  <a:srgbClr val="3E4057"/>
+                </a:solidFill>
+                <a:latin typeface="Meiryo" charset="-128"/>
+                <a:ea typeface="Meiryo" charset="-128"/>
+                <a:cs typeface="Meiryo" charset="-128"/>
+              </a:endParaRPr>
+            </a:p>
+          </p:txBody>
+        </p:sp>
+        <p:cxnSp>
+          <p:nvCxnSpPr>
+            <p:cNvPr id="30" name="直線矢印コネクタ 29"/>
+            <p:cNvCxnSpPr>
+              <a:stCxn id="20" idx="2"/>
+              <a:endCxn id="27" idx="0"/>
+            </p:cNvCxnSpPr>
+            <p:nvPr/>
+          </p:nvCxnSpPr>
+          <p:spPr>
+            <a:xfrm flipH="1">
+              <a:off x="4815271" y="2754865"/>
+              <a:ext cx="836849" cy="647743"/>
+            </a:xfrm>
+            <a:prstGeom prst="straightConnector1">
+              <a:avLst/>
+            </a:prstGeom>
+            <a:ln w="38100">
+              <a:solidFill>
+                <a:srgbClr val="3E4057"/>
+              </a:solidFill>
+              <a:tailEnd type="triangle"/>
+            </a:ln>
+          </p:spPr>
+          <p:style>
+            <a:lnRef idx="1">
+              <a:schemeClr val="accent1"/>
+            </a:lnRef>
+            <a:fillRef idx="0">
+              <a:schemeClr val="accent1"/>
+            </a:fillRef>
+            <a:effectRef idx="0">
+              <a:schemeClr val="accent1"/>
+            </a:effectRef>
+            <a:fontRef idx="minor">
+              <a:schemeClr val="tx1"/>
+            </a:fontRef>
+          </p:style>
+        </p:cxnSp>
+        <p:cxnSp>
+          <p:nvCxnSpPr>
+            <p:cNvPr id="43" name="直線矢印コネクタ 42"/>
+            <p:cNvCxnSpPr>
+              <a:stCxn id="20" idx="2"/>
+              <a:endCxn id="28" idx="0"/>
+            </p:cNvCxnSpPr>
+            <p:nvPr/>
+          </p:nvCxnSpPr>
+          <p:spPr>
+            <a:xfrm>
+              <a:off x="5652120" y="2754865"/>
+              <a:ext cx="733703" cy="633272"/>
+            </a:xfrm>
+            <a:prstGeom prst="straightConnector1">
+              <a:avLst/>
+            </a:prstGeom>
+            <a:ln w="38100">
+              <a:solidFill>
+                <a:srgbClr val="3E4057"/>
+              </a:solidFill>
+              <a:tailEnd type="triangle"/>
+            </a:ln>
+          </p:spPr>
+          <p:style>
+            <a:lnRef idx="1">
+              <a:schemeClr val="accent1"/>
+            </a:lnRef>
+            <a:fillRef idx="0">
+              <a:schemeClr val="accent1"/>
+            </a:fillRef>
+            <a:effectRef idx="0">
+              <a:schemeClr val="accent1"/>
+            </a:effectRef>
+            <a:fontRef idx="minor">
+              <a:schemeClr val="tx1"/>
+            </a:fontRef>
+          </p:style>
+        </p:cxnSp>
+        <p:cxnSp>
+          <p:nvCxnSpPr>
+            <p:cNvPr id="46" name="直線矢印コネクタ 45"/>
+            <p:cNvCxnSpPr>
+              <a:stCxn id="22" idx="2"/>
+              <a:endCxn id="29" idx="0"/>
+            </p:cNvCxnSpPr>
+            <p:nvPr/>
+          </p:nvCxnSpPr>
+          <p:spPr>
+            <a:xfrm>
+              <a:off x="7380312" y="2754865"/>
+              <a:ext cx="730424" cy="621935"/>
+            </a:xfrm>
+            <a:prstGeom prst="straightConnector1">
+              <a:avLst/>
+            </a:prstGeom>
+            <a:ln w="38100">
+              <a:solidFill>
+                <a:srgbClr val="3E4057"/>
+              </a:solidFill>
+              <a:tailEnd type="triangle"/>
+            </a:ln>
+          </p:spPr>
+          <p:style>
+            <a:lnRef idx="1">
+              <a:schemeClr val="accent1"/>
+            </a:lnRef>
+            <a:fillRef idx="0">
+              <a:schemeClr val="accent1"/>
+            </a:fillRef>
+            <a:effectRef idx="0">
+              <a:schemeClr val="accent1"/>
+            </a:effectRef>
+            <a:fontRef idx="minor">
+              <a:schemeClr val="tx1"/>
+            </a:fontRef>
+          </p:style>
+        </p:cxnSp>
+      </p:grpSp>
+      <p:sp>
+        <p:nvSpPr>
+          <p:cNvPr id="55" name="コンテンツ プレースホルダー 2"/>
+          <p:cNvSpPr txBox="1">
+            <a:spLocks/>
+          </p:cNvSpPr>
+          <p:nvPr/>
+        </p:nvSpPr>
+        <p:spPr>
+          <a:xfrm>
+            <a:off x="457200" y="1600201"/>
+            <a:ext cx="8229600" cy="604664"/>
+          </a:xfrm>
+          <a:prstGeom prst="rect">
+            <a:avLst/>
+          </a:prstGeom>
+        </p:spPr>
+        <p:txBody>
+          <a:bodyPr vert="horz" lIns="91440" tIns="45720" rIns="91440" bIns="45720" rtlCol="0" anchor="ctr">
+            <a:normAutofit/>
+          </a:bodyPr>
+          <a:lstStyle>
+            <a:lvl1pPr marL="342900" indent="-342900" algn="l" defTabSz="914400" rtl="0" eaLnBrk="1" latinLnBrk="0" hangingPunct="1">
+              <a:spcBef>
+                <a:spcPct val="20000"/>
+              </a:spcBef>
+              <a:buFont typeface="Arial" panose="020B0604020202020204" pitchFamily="34" charset="0"/>
+              <a:buChar char="•"/>
+              <a:defRPr kumimoji="1" sz="3200" kern="1200">
+                <a:solidFill>
+                  <a:srgbClr val="3E4057"/>
+                </a:solidFill>
+                <a:latin typeface="メイリオ" panose="020B0604030504040204" pitchFamily="50" charset="-128"/>
+                <a:ea typeface="メイリオ" panose="020B0604030504040204" pitchFamily="50" charset="-128"/>
+                <a:cs typeface="メイリオ" panose="020B0604030504040204" pitchFamily="50" charset="-128"/>
+              </a:defRPr>
+            </a:lvl1pPr>
+            <a:lvl2pPr marL="742950" indent="-285750" algn="l" defTabSz="914400" rtl="0" eaLnBrk="1" latinLnBrk="0" hangingPunct="1">
+              <a:spcBef>
+                <a:spcPct val="20000"/>
+              </a:spcBef>
+              <a:buFont typeface="Arial" panose="020B0604020202020204" pitchFamily="34" charset="0"/>
+              <a:buChar char="–"/>
+              <a:defRPr kumimoji="1" sz="2800" kern="1200">
+                <a:solidFill>
+                  <a:srgbClr val="3E4057"/>
+                </a:solidFill>
+                <a:latin typeface="メイリオ" panose="020B0604030504040204" pitchFamily="50" charset="-128"/>
+                <a:ea typeface="メイリオ" panose="020B0604030504040204" pitchFamily="50" charset="-128"/>
+                <a:cs typeface="メイリオ" panose="020B0604030504040204" pitchFamily="50" charset="-128"/>
+              </a:defRPr>
+            </a:lvl2pPr>
+            <a:lvl3pPr marL="1143000" indent="-228600" algn="l" defTabSz="914400" rtl="0" eaLnBrk="1" latinLnBrk="0" hangingPunct="1">
+              <a:spcBef>
+                <a:spcPct val="20000"/>
+              </a:spcBef>
+              <a:buFont typeface="Arial" panose="020B0604020202020204" pitchFamily="34" charset="0"/>
+              <a:buChar char="•"/>
+              <a:defRPr kumimoji="1" sz="2400" kern="1200">
+                <a:solidFill>
+                  <a:srgbClr val="3E4057"/>
+                </a:solidFill>
+                <a:latin typeface="メイリオ" panose="020B0604030504040204" pitchFamily="50" charset="-128"/>
+                <a:ea typeface="メイリオ" panose="020B0604030504040204" pitchFamily="50" charset="-128"/>
+                <a:cs typeface="メイリオ" panose="020B0604030504040204" pitchFamily="50" charset="-128"/>
+              </a:defRPr>
+            </a:lvl3pPr>
+            <a:lvl4pPr marL="1600200" indent="-228600" algn="l" defTabSz="914400" rtl="0" eaLnBrk="1" latinLnBrk="0" hangingPunct="1">
+              <a:spcBef>
+                <a:spcPct val="20000"/>
+              </a:spcBef>
+              <a:buFont typeface="Arial" panose="020B0604020202020204" pitchFamily="34" charset="0"/>
+              <a:buChar char="–"/>
+              <a:defRPr kumimoji="1" sz="2000" kern="1200">
+                <a:solidFill>
+                  <a:srgbClr val="3E4057"/>
+                </a:solidFill>
+                <a:latin typeface="メイリオ" panose="020B0604030504040204" pitchFamily="50" charset="-128"/>
+                <a:ea typeface="メイリオ" panose="020B0604030504040204" pitchFamily="50" charset="-128"/>
+                <a:cs typeface="メイリオ" panose="020B0604030504040204" pitchFamily="50" charset="-128"/>
+              </a:defRPr>
+            </a:lvl4pPr>
+            <a:lvl5pPr marL="2057400" indent="-228600" algn="l" defTabSz="914400" rtl="0" eaLnBrk="1" latinLnBrk="0" hangingPunct="1">
+              <a:spcBef>
+                <a:spcPct val="20000"/>
+              </a:spcBef>
+              <a:buFont typeface="Arial" panose="020B0604020202020204" pitchFamily="34" charset="0"/>
+              <a:buChar char="»"/>
+              <a:defRPr kumimoji="1" sz="2000" kern="1200">
+                <a:solidFill>
+                  <a:srgbClr val="3E4057"/>
+                </a:solidFill>
+                <a:latin typeface="メイリオ" panose="020B0604030504040204" pitchFamily="50" charset="-128"/>
+                <a:ea typeface="メイリオ" panose="020B0604030504040204" pitchFamily="50" charset="-128"/>
+                <a:cs typeface="メイリオ" panose="020B0604030504040204" pitchFamily="50" charset="-128"/>
+              </a:defRPr>
+            </a:lvl5pPr>
+            <a:lvl6pPr marL="2514600" indent="-228600" algn="l" defTabSz="914400" rtl="0" eaLnBrk="1" latinLnBrk="0" hangingPunct="1">
+              <a:spcBef>
+                <a:spcPct val="20000"/>
+              </a:spcBef>
+              <a:buFont typeface="Arial" panose="020B0604020202020204" pitchFamily="34" charset="0"/>
+              <a:buChar char="•"/>
+              <a:defRPr kumimoji="1" sz="2000" kern="1200">
+                <a:solidFill>
+                  <a:schemeClr val="tx1"/>
+                </a:solidFill>
+                <a:latin typeface="+mn-lt"/>
+                <a:ea typeface="+mn-ea"/>
+                <a:cs typeface="+mn-cs"/>
+              </a:defRPr>
+            </a:lvl6pPr>
+            <a:lvl7pPr marL="2971800" indent="-228600" algn="l" defTabSz="914400" rtl="0" eaLnBrk="1" latinLnBrk="0" hangingPunct="1">
+              <a:spcBef>
+                <a:spcPct val="20000"/>
+              </a:spcBef>
+              <a:buFont typeface="Arial" panose="020B0604020202020204" pitchFamily="34" charset="0"/>
+              <a:buChar char="•"/>
+              <a:defRPr kumimoji="1" sz="2000" kern="1200">
+                <a:solidFill>
+                  <a:schemeClr val="tx1"/>
+                </a:solidFill>
+                <a:latin typeface="+mn-lt"/>
+                <a:ea typeface="+mn-ea"/>
+                <a:cs typeface="+mn-cs"/>
+              </a:defRPr>
+            </a:lvl7pPr>
+            <a:lvl8pPr marL="3429000" indent="-228600" algn="l" defTabSz="914400" rtl="0" eaLnBrk="1" latinLnBrk="0" hangingPunct="1">
+              <a:spcBef>
+                <a:spcPct val="20000"/>
+              </a:spcBef>
+              <a:buFont typeface="Arial" panose="020B0604020202020204" pitchFamily="34" charset="0"/>
+              <a:buChar char="•"/>
+              <a:defRPr kumimoji="1" sz="2000" kern="1200">
+                <a:solidFill>
+                  <a:schemeClr val="tx1"/>
+                </a:solidFill>
+                <a:latin typeface="+mn-lt"/>
+                <a:ea typeface="+mn-ea"/>
+                <a:cs typeface="+mn-cs"/>
+              </a:defRPr>
+            </a:lvl8pPr>
+            <a:lvl9pPr marL="3886200" indent="-228600" algn="l" defTabSz="914400" rtl="0" eaLnBrk="1" latinLnBrk="0" hangingPunct="1">
+              <a:spcBef>
+                <a:spcPct val="20000"/>
+              </a:spcBef>
+              <a:buFont typeface="Arial" panose="020B0604020202020204" pitchFamily="34" charset="0"/>
+              <a:buChar char="•"/>
+              <a:defRPr kumimoji="1" sz="2000" kern="1200">
+                <a:solidFill>
+                  <a:schemeClr val="tx1"/>
+                </a:solidFill>
+                <a:latin typeface="+mn-lt"/>
+                <a:ea typeface="+mn-ea"/>
+                <a:cs typeface="+mn-cs"/>
+              </a:defRPr>
+            </a:lvl9pPr>
+          </a:lstStyle>
+          <a:p>
+            <a:pPr marL="0" indent="0" algn="ctr">
+              <a:buFont typeface="Arial" panose="020B0604020202020204" pitchFamily="34" charset="0"/>
+              <a:buNone/>
+            </a:pPr>
+            <a:r>
+              <a:rPr lang="ja-JP" altLang="en-US" sz="2400" smtClean="0">
+                <a:solidFill>
+                  <a:srgbClr val="32B490"/>
+                </a:solidFill>
+              </a:rPr>
+              <a:t>複数</a:t>
+            </a:r>
+            <a:r>
+              <a:rPr lang="ja-JP" altLang="en-US" sz="2400" smtClean="0"/>
+              <a:t>のクラスから機能を継承</a:t>
+            </a:r>
+            <a:endParaRPr lang="en-US" altLang="ja-JP" sz="2400" dirty="0"/>
+          </a:p>
+        </p:txBody>
+      </p:sp>
+      <p:sp>
+        <p:nvSpPr>
+          <p:cNvPr id="56" name="コンテンツ プレースホルダー 2"/>
+          <p:cNvSpPr>
+            <a:spLocks noGrp="1"/>
+          </p:cNvSpPr>
+          <p:nvPr>
+            <p:ph idx="1"/>
+          </p:nvPr>
+        </p:nvSpPr>
+        <p:spPr>
+          <a:xfrm>
+            <a:off x="457200" y="2387428"/>
+            <a:ext cx="8229600" cy="3633860"/>
+          </a:xfrm>
+        </p:spPr>
+        <p:txBody>
+          <a:bodyPr anchor="t">
+            <a:normAutofit/>
+          </a:bodyPr>
+          <a:lstStyle/>
+          <a:p>
+            <a:pPr>
+              <a:lnSpc>
+                <a:spcPct val="200000"/>
+              </a:lnSpc>
+            </a:pPr>
+            <a:r>
+              <a:rPr kumimoji="1" lang="ja-JP" altLang="en-US" sz="2400" smtClean="0">
+                <a:solidFill>
+                  <a:srgbClr val="32B490"/>
+                </a:solidFill>
+              </a:rPr>
+              <a:t>複数</a:t>
+            </a:r>
+            <a:r>
+              <a:rPr kumimoji="1" lang="ja-JP" altLang="en-US" sz="2400" smtClean="0"/>
+              <a:t>の</a:t>
+            </a:r>
+            <a:r>
+              <a:rPr kumimoji="1" lang="ja-JP" altLang="en-US" sz="2400" smtClean="0">
+                <a:solidFill>
+                  <a:srgbClr val="32B490"/>
+                </a:solidFill>
+              </a:rPr>
+              <a:t>異なる性質</a:t>
+            </a:r>
+            <a:r>
+              <a:rPr kumimoji="1" lang="ja-JP" altLang="en-US" sz="2400" smtClean="0"/>
+              <a:t>のクラスから機能を継承できる</a:t>
+            </a:r>
+            <a:endParaRPr kumimoji="1" lang="en-US" altLang="ja-JP" sz="2400" smtClean="0"/>
+          </a:p>
+          <a:p>
+            <a:pPr>
+              <a:lnSpc>
+                <a:spcPct val="200000"/>
+              </a:lnSpc>
+            </a:pPr>
+            <a:r>
+              <a:rPr lang="ja-JP" altLang="en-US" sz="2400" smtClean="0"/>
+              <a:t>構成が複雑化</a:t>
+            </a:r>
+            <a:endParaRPr lang="en-US" altLang="ja-JP" sz="2400" smtClean="0"/>
+          </a:p>
+          <a:p>
+            <a:pPr>
+              <a:lnSpc>
+                <a:spcPct val="200000"/>
+              </a:lnSpc>
+            </a:pPr>
+            <a:r>
+              <a:rPr lang="ja-JP" altLang="en-US" sz="2400" smtClean="0"/>
+              <a:t>クラスの優先順位が不明</a:t>
+            </a:r>
+            <a:endParaRPr lang="en-US" altLang="ja-JP" sz="2400" smtClean="0"/>
+          </a:p>
+          <a:p>
+            <a:pPr>
+              <a:lnSpc>
+                <a:spcPct val="200000"/>
+              </a:lnSpc>
+            </a:pPr>
+            <a:r>
+              <a:rPr kumimoji="1" lang="ja-JP" altLang="en-US" sz="2400" smtClean="0"/>
+              <a:t>名前の衝突</a:t>
+            </a:r>
+            <a:endParaRPr kumimoji="1" lang="en-US" altLang="ja-JP" sz="2400" smtClean="0"/>
+          </a:p>
+        </p:txBody>
+      </p:sp>
+      <p:cxnSp>
+        <p:nvCxnSpPr>
+          <p:cNvPr id="18" name="直線矢印コネクタ 17"/>
+          <p:cNvCxnSpPr>
+            <a:stCxn id="22" idx="2"/>
+            <a:endCxn id="28" idx="0"/>
+          </p:cNvCxnSpPr>
+          <p:nvPr/>
+        </p:nvCxnSpPr>
+        <p:spPr>
+          <a:xfrm flipH="1">
+            <a:off x="6385823" y="4910243"/>
+            <a:ext cx="994489" cy="633272"/>
+          </a:xfrm>
+          <a:prstGeom prst="straightConnector1">
+            <a:avLst/>
+          </a:prstGeom>
+          <a:ln w="38100">
+            <a:solidFill>
+              <a:schemeClr val="accent6">
+                <a:lumMod val="75000"/>
+              </a:schemeClr>
+            </a:solidFill>
+            <a:tailEnd type="triangle"/>
+          </a:ln>
+        </p:spPr>
+        <p:style>
+          <a:lnRef idx="1">
+            <a:schemeClr val="accent1"/>
+          </a:lnRef>
+          <a:fillRef idx="0">
+            <a:schemeClr val="accent1"/>
+          </a:fillRef>
+          <a:effectRef idx="0">
+            <a:schemeClr val="accent1"/>
+          </a:effectRef>
+          <a:fontRef idx="minor">
+            <a:schemeClr val="tx1"/>
+          </a:fontRef>
+        </p:style>
+      </p:cxnSp>
+      <p:sp>
+        <p:nvSpPr>
+          <p:cNvPr id="6" name="正方形/長方形 5"/>
+          <p:cNvSpPr/>
+          <p:nvPr/>
+        </p:nvSpPr>
+        <p:spPr>
+          <a:xfrm>
+            <a:off x="457201" y="6010002"/>
+            <a:ext cx="8229600" cy="646331"/>
+          </a:xfrm>
+          <a:prstGeom prst="rect">
+            <a:avLst/>
+          </a:prstGeom>
+        </p:spPr>
+        <p:txBody>
+          <a:bodyPr wrap="square">
+            <a:spAutoFit/>
+          </a:bodyPr>
+          <a:lstStyle/>
+          <a:p>
+            <a:pPr algn="r">
+              <a:lnSpc>
+                <a:spcPct val="200000"/>
+              </a:lnSpc>
+            </a:pPr>
+            <a:r>
+              <a:rPr lang="en-US" altLang="ja-JP">
+                <a:latin typeface="Meiryo" charset="-128"/>
+                <a:ea typeface="Meiryo" charset="-128"/>
+                <a:cs typeface="Meiryo" charset="-128"/>
+              </a:rPr>
+              <a:t>※ TypeScript </a:t>
+            </a:r>
+            <a:r>
+              <a:rPr lang="ja-JP" altLang="en-US">
+                <a:latin typeface="Meiryo" charset="-128"/>
+                <a:ea typeface="Meiryo" charset="-128"/>
+                <a:cs typeface="Meiryo" charset="-128"/>
+              </a:rPr>
+              <a:t>では</a:t>
+            </a:r>
+            <a:r>
+              <a:rPr lang="en-US" altLang="ja-JP">
+                <a:latin typeface="Meiryo" charset="-128"/>
+                <a:ea typeface="Meiryo" charset="-128"/>
+                <a:cs typeface="Meiryo" charset="-128"/>
+              </a:rPr>
+              <a:t> </a:t>
+            </a:r>
+            <a:r>
+              <a:rPr lang="ja-JP" altLang="en-US">
+                <a:latin typeface="Meiryo" charset="-128"/>
+                <a:ea typeface="Meiryo" charset="-128"/>
+                <a:cs typeface="Meiryo" charset="-128"/>
+              </a:rPr>
+              <a:t>多重継承</a:t>
+            </a:r>
+            <a:r>
+              <a:rPr lang="en-US" altLang="ja-JP">
+                <a:latin typeface="Meiryo" charset="-128"/>
+                <a:ea typeface="Meiryo" charset="-128"/>
+                <a:cs typeface="Meiryo" charset="-128"/>
+              </a:rPr>
+              <a:t> </a:t>
+            </a:r>
+            <a:r>
+              <a:rPr lang="ja-JP" altLang="en-US">
+                <a:latin typeface="Meiryo" charset="-128"/>
+                <a:ea typeface="Meiryo" charset="-128"/>
+                <a:cs typeface="Meiryo" charset="-128"/>
+              </a:rPr>
+              <a:t>はサポートされていない</a:t>
+            </a:r>
+            <a:endParaRPr lang="en-US" altLang="ja-JP">
+              <a:latin typeface="Meiryo" charset="-128"/>
+              <a:ea typeface="Meiryo" charset="-128"/>
+              <a:cs typeface="Meiryo" charset="-128"/>
+            </a:endParaRPr>
+          </a:p>
+        </p:txBody>
+      </p:sp>
+    </p:spTree>
+    <p:extLst>
+      <p:ext uri="{BB962C8B-B14F-4D97-AF65-F5344CB8AC3E}">
+        <p14:creationId xmlns:p14="http://schemas.microsoft.com/office/powerpoint/2010/main" val="1244900214"/>
+      </p:ext>
+    </p:extLst>
+  </p:cSld>
+  <p:clrMapOvr>
+    <a:masterClrMapping/>
+  </p:clrMapOvr>
+  <p:timing>
+    <p:tnLst>
+      <p:par>
+        <p:cTn id="1" dur="indefinite" restart="never" nodeType="tmRoot"/>
+      </p:par>
+    </p:tnLst>
+  </p:timing>
+</p:sld>
+</file>
+
+<file path=ppt/slides/slide5.xml><?xml version="1.0" encoding="utf-8"?>
+<p:sld xmlns:a="http://schemas.openxmlformats.org/drawingml/2006/main" xmlns:r="http://schemas.openxmlformats.org/officeDocument/2006/relationships" xmlns:p="http://schemas.openxmlformats.org/presentationml/2006/main">
+  <p:cSld>
+    <p:spTree>
+      <p:nvGrpSpPr>
+        <p:cNvPr id="1" name=""/>
+        <p:cNvGrpSpPr/>
+        <p:nvPr/>
+      </p:nvGrpSpPr>
+      <p:grpSpPr>
+        <a:xfrm>
+          <a:off x="0" y="0"/>
+          <a:ext cx="0" cy="0"/>
+          <a:chOff x="0" y="0"/>
+          <a:chExt cx="0" cy="0"/>
+        </a:xfrm>
+      </p:grpSpPr>
+      <p:sp>
+        <p:nvSpPr>
+          <p:cNvPr id="4" name="タイトル 3"/>
+          <p:cNvSpPr>
+            <a:spLocks noGrp="1"/>
+          </p:cNvSpPr>
+          <p:nvPr>
+            <p:ph type="title"/>
+          </p:nvPr>
+        </p:nvSpPr>
+        <p:spPr/>
+        <p:txBody>
+          <a:bodyPr>
+            <a:normAutofit/>
+          </a:bodyPr>
+          <a:lstStyle/>
+          <a:p>
+            <a:r>
+              <a:rPr lang="en-US" altLang="ja-JP"/>
+              <a:t>Mixin </a:t>
+            </a:r>
+            <a:r>
+              <a:rPr lang="ja-JP" altLang="en-US" sz="2800"/>
+              <a:t>の</a:t>
+            </a:r>
+            <a:r>
+              <a:rPr lang="en-US" altLang="ja-JP" sz="2800"/>
+              <a:t> </a:t>
+            </a:r>
+            <a:r>
+              <a:rPr lang="ja-JP" altLang="en-US" smtClean="0"/>
+              <a:t>詳細</a:t>
+            </a:r>
+            <a:endParaRPr kumimoji="1" lang="ja-JP" altLang="en-US"/>
+          </a:p>
+        </p:txBody>
+      </p:sp>
+      <p:sp>
+        <p:nvSpPr>
+          <p:cNvPr id="55" name="コンテンツ プレースホルダー 2"/>
+          <p:cNvSpPr txBox="1">
+            <a:spLocks/>
+          </p:cNvSpPr>
+          <p:nvPr/>
+        </p:nvSpPr>
+        <p:spPr>
+          <a:xfrm>
+            <a:off x="457200" y="1600201"/>
+            <a:ext cx="8229600" cy="604664"/>
+          </a:xfrm>
+          <a:prstGeom prst="rect">
+            <a:avLst/>
+          </a:prstGeom>
+        </p:spPr>
+        <p:txBody>
+          <a:bodyPr vert="horz" lIns="91440" tIns="45720" rIns="91440" bIns="45720" rtlCol="0" anchor="ctr">
+            <a:normAutofit/>
+          </a:bodyPr>
+          <a:lstStyle>
+            <a:lvl1pPr marL="342900" indent="-342900" algn="l" defTabSz="914400" rtl="0" eaLnBrk="1" latinLnBrk="0" hangingPunct="1">
+              <a:spcBef>
+                <a:spcPct val="20000"/>
+              </a:spcBef>
+              <a:buFont typeface="Arial" panose="020B0604020202020204" pitchFamily="34" charset="0"/>
+              <a:buChar char="•"/>
+              <a:defRPr kumimoji="1" sz="3200" kern="1200">
+                <a:solidFill>
+                  <a:srgbClr val="3E4057"/>
+                </a:solidFill>
+                <a:latin typeface="メイリオ" panose="020B0604030504040204" pitchFamily="50" charset="-128"/>
+                <a:ea typeface="メイリオ" panose="020B0604030504040204" pitchFamily="50" charset="-128"/>
+                <a:cs typeface="メイリオ" panose="020B0604030504040204" pitchFamily="50" charset="-128"/>
+              </a:defRPr>
+            </a:lvl1pPr>
+            <a:lvl2pPr marL="742950" indent="-285750" algn="l" defTabSz="914400" rtl="0" eaLnBrk="1" latinLnBrk="0" hangingPunct="1">
+              <a:spcBef>
+                <a:spcPct val="20000"/>
+              </a:spcBef>
+              <a:buFont typeface="Arial" panose="020B0604020202020204" pitchFamily="34" charset="0"/>
+              <a:buChar char="–"/>
+              <a:defRPr kumimoji="1" sz="2800" kern="1200">
+                <a:solidFill>
+                  <a:srgbClr val="3E4057"/>
+                </a:solidFill>
+                <a:latin typeface="メイリオ" panose="020B0604030504040204" pitchFamily="50" charset="-128"/>
+                <a:ea typeface="メイリオ" panose="020B0604030504040204" pitchFamily="50" charset="-128"/>
+                <a:cs typeface="メイリオ" panose="020B0604030504040204" pitchFamily="50" charset="-128"/>
+              </a:defRPr>
+            </a:lvl2pPr>
+            <a:lvl3pPr marL="1143000" indent="-228600" algn="l" defTabSz="914400" rtl="0" eaLnBrk="1" latinLnBrk="0" hangingPunct="1">
+              <a:spcBef>
+                <a:spcPct val="20000"/>
+              </a:spcBef>
+              <a:buFont typeface="Arial" panose="020B0604020202020204" pitchFamily="34" charset="0"/>
+              <a:buChar char="•"/>
+              <a:defRPr kumimoji="1" sz="2400" kern="1200">
+                <a:solidFill>
+                  <a:srgbClr val="3E4057"/>
+                </a:solidFill>
+                <a:latin typeface="メイリオ" panose="020B0604030504040204" pitchFamily="50" charset="-128"/>
+                <a:ea typeface="メイリオ" panose="020B0604030504040204" pitchFamily="50" charset="-128"/>
+                <a:cs typeface="メイリオ" panose="020B0604030504040204" pitchFamily="50" charset="-128"/>
+              </a:defRPr>
+            </a:lvl3pPr>
+            <a:lvl4pPr marL="1600200" indent="-228600" algn="l" defTabSz="914400" rtl="0" eaLnBrk="1" latinLnBrk="0" hangingPunct="1">
+              <a:spcBef>
+                <a:spcPct val="20000"/>
+              </a:spcBef>
+              <a:buFont typeface="Arial" panose="020B0604020202020204" pitchFamily="34" charset="0"/>
+              <a:buChar char="–"/>
+              <a:defRPr kumimoji="1" sz="2000" kern="1200">
+                <a:solidFill>
+                  <a:srgbClr val="3E4057"/>
+                </a:solidFill>
+                <a:latin typeface="メイリオ" panose="020B0604030504040204" pitchFamily="50" charset="-128"/>
+                <a:ea typeface="メイリオ" panose="020B0604030504040204" pitchFamily="50" charset="-128"/>
+                <a:cs typeface="メイリオ" panose="020B0604030504040204" pitchFamily="50" charset="-128"/>
+              </a:defRPr>
+            </a:lvl4pPr>
+            <a:lvl5pPr marL="2057400" indent="-228600" algn="l" defTabSz="914400" rtl="0" eaLnBrk="1" latinLnBrk="0" hangingPunct="1">
+              <a:spcBef>
+                <a:spcPct val="20000"/>
+              </a:spcBef>
+              <a:buFont typeface="Arial" panose="020B0604020202020204" pitchFamily="34" charset="0"/>
+              <a:buChar char="»"/>
+              <a:defRPr kumimoji="1" sz="2000" kern="1200">
+                <a:solidFill>
+                  <a:srgbClr val="3E4057"/>
+                </a:solidFill>
+                <a:latin typeface="メイリオ" panose="020B0604030504040204" pitchFamily="50" charset="-128"/>
+                <a:ea typeface="メイリオ" panose="020B0604030504040204" pitchFamily="50" charset="-128"/>
+                <a:cs typeface="メイリオ" panose="020B0604030504040204" pitchFamily="50" charset="-128"/>
+              </a:defRPr>
+            </a:lvl5pPr>
+            <a:lvl6pPr marL="2514600" indent="-228600" algn="l" defTabSz="914400" rtl="0" eaLnBrk="1" latinLnBrk="0" hangingPunct="1">
+              <a:spcBef>
+                <a:spcPct val="20000"/>
+              </a:spcBef>
+              <a:buFont typeface="Arial" panose="020B0604020202020204" pitchFamily="34" charset="0"/>
+              <a:buChar char="•"/>
+              <a:defRPr kumimoji="1" sz="2000" kern="1200">
+                <a:solidFill>
+                  <a:schemeClr val="tx1"/>
+                </a:solidFill>
+                <a:latin typeface="+mn-lt"/>
+                <a:ea typeface="+mn-ea"/>
+                <a:cs typeface="+mn-cs"/>
+              </a:defRPr>
+            </a:lvl6pPr>
+            <a:lvl7pPr marL="2971800" indent="-228600" algn="l" defTabSz="914400" rtl="0" eaLnBrk="1" latinLnBrk="0" hangingPunct="1">
+              <a:spcBef>
+                <a:spcPct val="20000"/>
+              </a:spcBef>
+              <a:buFont typeface="Arial" panose="020B0604020202020204" pitchFamily="34" charset="0"/>
+              <a:buChar char="•"/>
+              <a:defRPr kumimoji="1" sz="2000" kern="1200">
+                <a:solidFill>
+                  <a:schemeClr val="tx1"/>
+                </a:solidFill>
+                <a:latin typeface="+mn-lt"/>
+                <a:ea typeface="+mn-ea"/>
+                <a:cs typeface="+mn-cs"/>
+              </a:defRPr>
+            </a:lvl7pPr>
+            <a:lvl8pPr marL="3429000" indent="-228600" algn="l" defTabSz="914400" rtl="0" eaLnBrk="1" latinLnBrk="0" hangingPunct="1">
+              <a:spcBef>
+                <a:spcPct val="20000"/>
+              </a:spcBef>
+              <a:buFont typeface="Arial" panose="020B0604020202020204" pitchFamily="34" charset="0"/>
+              <a:buChar char="•"/>
+              <a:defRPr kumimoji="1" sz="2000" kern="1200">
+                <a:solidFill>
+                  <a:schemeClr val="tx1"/>
+                </a:solidFill>
+                <a:latin typeface="+mn-lt"/>
+                <a:ea typeface="+mn-ea"/>
+                <a:cs typeface="+mn-cs"/>
+              </a:defRPr>
+            </a:lvl8pPr>
+            <a:lvl9pPr marL="3886200" indent="-228600" algn="l" defTabSz="914400" rtl="0" eaLnBrk="1" latinLnBrk="0" hangingPunct="1">
+              <a:spcBef>
+                <a:spcPct val="20000"/>
+              </a:spcBef>
+              <a:buFont typeface="Arial" panose="020B0604020202020204" pitchFamily="34" charset="0"/>
+              <a:buChar char="•"/>
+              <a:defRPr kumimoji="1" sz="2000" kern="1200">
+                <a:solidFill>
+                  <a:schemeClr val="tx1"/>
+                </a:solidFill>
+                <a:latin typeface="+mn-lt"/>
+                <a:ea typeface="+mn-ea"/>
+                <a:cs typeface="+mn-cs"/>
+              </a:defRPr>
+            </a:lvl9pPr>
+          </a:lstStyle>
+          <a:p>
+            <a:pPr marL="0" indent="0" algn="ctr">
+              <a:buFont typeface="Arial" panose="020B0604020202020204" pitchFamily="34" charset="0"/>
+              <a:buNone/>
+            </a:pPr>
+            <a:r>
+              <a:rPr lang="ja-JP" altLang="en-US" sz="2400" smtClean="0">
+                <a:solidFill>
+                  <a:srgbClr val="32B490"/>
+                </a:solidFill>
+              </a:rPr>
+              <a:t>実装のみ</a:t>
+            </a:r>
+            <a:r>
+              <a:rPr lang="ja-JP" altLang="en-US" sz="2400" smtClean="0"/>
+              <a:t>を多重継承できる機能</a:t>
+            </a:r>
+            <a:endParaRPr lang="en-US" altLang="ja-JP" sz="2400" dirty="0"/>
+          </a:p>
+        </p:txBody>
+      </p:sp>
+      <p:sp>
+        <p:nvSpPr>
+          <p:cNvPr id="56" name="コンテンツ プレースホルダー 2"/>
+          <p:cNvSpPr>
+            <a:spLocks noGrp="1"/>
+          </p:cNvSpPr>
+          <p:nvPr>
+            <p:ph idx="1"/>
+          </p:nvPr>
+        </p:nvSpPr>
+        <p:spPr>
+          <a:xfrm>
+            <a:off x="457200" y="2276872"/>
+            <a:ext cx="8229600" cy="4065908"/>
+          </a:xfrm>
+        </p:spPr>
+        <p:txBody>
+          <a:bodyPr anchor="t">
+            <a:normAutofit fontScale="92500"/>
+          </a:bodyPr>
+          <a:lstStyle/>
+          <a:p>
+            <a:pPr>
+              <a:lnSpc>
+                <a:spcPct val="200000"/>
+              </a:lnSpc>
+            </a:pPr>
+            <a:r>
+              <a:rPr lang="ja-JP" altLang="en-US" sz="2400">
+                <a:solidFill>
+                  <a:srgbClr val="32B490"/>
+                </a:solidFill>
+              </a:rPr>
+              <a:t>構成を単純に保ったまま</a:t>
+            </a:r>
+            <a:r>
+              <a:rPr lang="ja-JP" altLang="en-US" sz="2400"/>
+              <a:t>多重継承を</a:t>
+            </a:r>
+            <a:r>
+              <a:rPr lang="ja-JP" altLang="en-US" sz="2400"/>
+              <a:t>行う</a:t>
+            </a:r>
+            <a:r>
+              <a:rPr lang="ja-JP" altLang="en-US" sz="2400" smtClean="0"/>
+              <a:t>方法</a:t>
+            </a:r>
+            <a:endParaRPr lang="en-US" altLang="ja-JP" sz="2400" smtClean="0"/>
+          </a:p>
+          <a:p>
+            <a:pPr>
+              <a:lnSpc>
+                <a:spcPct val="200000"/>
+              </a:lnSpc>
+            </a:pPr>
+            <a:r>
+              <a:rPr lang="en-US" altLang="ja-JP" sz="2400" smtClean="0"/>
+              <a:t>Mixin </a:t>
+            </a:r>
+            <a:r>
+              <a:rPr lang="ja-JP" altLang="en-US" sz="2400"/>
+              <a:t>クラス</a:t>
+            </a:r>
+            <a:r>
+              <a:rPr lang="ja-JP" altLang="en-US" sz="2400" smtClean="0"/>
+              <a:t>は</a:t>
+            </a:r>
+            <a:r>
+              <a:rPr lang="ja-JP" altLang="en-US" sz="2400" smtClean="0">
+                <a:solidFill>
+                  <a:srgbClr val="32B490"/>
+                </a:solidFill>
+              </a:rPr>
+              <a:t>抽象クラス</a:t>
+            </a:r>
+            <a:endParaRPr lang="en-US" altLang="ja-JP" sz="2400" smtClean="0">
+              <a:solidFill>
+                <a:srgbClr val="32B490"/>
+              </a:solidFill>
+            </a:endParaRPr>
+          </a:p>
+          <a:p>
+            <a:pPr>
+              <a:lnSpc>
+                <a:spcPct val="200000"/>
+              </a:lnSpc>
+            </a:pPr>
+            <a:r>
+              <a:rPr kumimoji="1" lang="ja-JP" altLang="en-US" sz="2400" smtClean="0">
+                <a:solidFill>
+                  <a:srgbClr val="32B490"/>
+                </a:solidFill>
+              </a:rPr>
+              <a:t>属性</a:t>
+            </a:r>
+            <a:r>
+              <a:rPr kumimoji="1" lang="ja-JP" altLang="en-US" sz="2400" smtClean="0"/>
+              <a:t>は単一継承</a:t>
+            </a:r>
+            <a:endParaRPr kumimoji="1" lang="en-US" altLang="ja-JP" sz="2400" smtClean="0"/>
+          </a:p>
+          <a:p>
+            <a:pPr>
+              <a:lnSpc>
+                <a:spcPct val="200000"/>
+              </a:lnSpc>
+            </a:pPr>
+            <a:r>
+              <a:rPr lang="ja-JP" altLang="en-US" sz="2400" smtClean="0">
+                <a:solidFill>
+                  <a:srgbClr val="32B490"/>
+                </a:solidFill>
+              </a:rPr>
+              <a:t>実装</a:t>
+            </a:r>
+            <a:r>
+              <a:rPr lang="ja-JP" altLang="en-US" sz="2400" smtClean="0"/>
+              <a:t>は多重継承</a:t>
+            </a:r>
+            <a:endParaRPr lang="en-US" altLang="ja-JP" sz="2400" smtClean="0"/>
+          </a:p>
+          <a:p>
+            <a:pPr>
+              <a:lnSpc>
+                <a:spcPct val="200000"/>
+              </a:lnSpc>
+            </a:pPr>
+            <a:r>
+              <a:rPr lang="en-US" altLang="ja-JP" sz="2400" smtClean="0"/>
+              <a:t>1</a:t>
+            </a:r>
+            <a:r>
+              <a:rPr lang="ja-JP" altLang="en-US" sz="2400" smtClean="0"/>
+              <a:t>つのクラスに複数の実装を混ぜる</a:t>
+            </a:r>
+            <a:endParaRPr lang="en-US" altLang="ja-JP" sz="2000"/>
+          </a:p>
+          <a:p>
+            <a:pPr marL="0" indent="0">
+              <a:buNone/>
+            </a:pPr>
+            <a:r>
+              <a:rPr lang="ja-JP" altLang="en-US" sz="2000"/>
+              <a:t>　</a:t>
+            </a:r>
+            <a:r>
+              <a:rPr lang="en-US" altLang="ja-JP" sz="2000"/>
+              <a:t> </a:t>
+            </a:r>
+            <a:r>
+              <a:rPr lang="ja-JP" altLang="en-US" sz="2000" smtClean="0">
+                <a:solidFill>
+                  <a:srgbClr val="32B490"/>
+                </a:solidFill>
+              </a:rPr>
+              <a:t>→</a:t>
+            </a:r>
+            <a:r>
+              <a:rPr lang="en-US" altLang="ja-JP" sz="2000" smtClean="0">
+                <a:solidFill>
+                  <a:srgbClr val="32B490"/>
+                </a:solidFill>
+              </a:rPr>
+              <a:t> Mix-in</a:t>
+            </a:r>
+            <a:endParaRPr lang="en-US" altLang="ja-JP" sz="2400" smtClean="0">
+              <a:solidFill>
+                <a:srgbClr val="32B490"/>
+              </a:solidFill>
+            </a:endParaRPr>
+          </a:p>
+        </p:txBody>
+      </p:sp>
+      <p:grpSp>
+        <p:nvGrpSpPr>
+          <p:cNvPr id="67" name="図形グループ 66"/>
+          <p:cNvGrpSpPr/>
+          <p:nvPr/>
+        </p:nvGrpSpPr>
+        <p:grpSpPr>
+          <a:xfrm>
+            <a:off x="5364088" y="3300820"/>
+            <a:ext cx="3619588" cy="2907025"/>
+            <a:chOff x="5364088" y="3300820"/>
+            <a:chExt cx="3619588" cy="2907025"/>
+          </a:xfrm>
+        </p:grpSpPr>
+        <p:grpSp>
+          <p:nvGrpSpPr>
+            <p:cNvPr id="33" name="図形グループ 32"/>
+            <p:cNvGrpSpPr/>
+            <p:nvPr/>
+          </p:nvGrpSpPr>
+          <p:grpSpPr>
+            <a:xfrm>
+              <a:off x="5364088" y="3300820"/>
+              <a:ext cx="3150196" cy="2018012"/>
+              <a:chOff x="5507871" y="4248011"/>
+              <a:chExt cx="3150196" cy="2018012"/>
+            </a:xfrm>
+          </p:grpSpPr>
+          <p:sp>
+            <p:nvSpPr>
+              <p:cNvPr id="5" name="角丸四角形 4"/>
+              <p:cNvSpPr/>
+              <p:nvPr/>
+            </p:nvSpPr>
+            <p:spPr>
+              <a:xfrm>
+                <a:off x="6506905" y="4248011"/>
+                <a:ext cx="1152128" cy="344742"/>
+              </a:xfrm>
+              <a:prstGeom prst="roundRect">
+                <a:avLst/>
+              </a:prstGeom>
+              <a:solidFill>
+                <a:schemeClr val="accent3">
+                  <a:lumMod val="20000"/>
+                  <a:lumOff val="80000"/>
+                </a:schemeClr>
+              </a:solidFill>
+              <a:ln>
+                <a:solidFill>
+                  <a:srgbClr val="3E4057"/>
+                </a:solidFill>
+              </a:ln>
+            </p:spPr>
+            <p:style>
+              <a:lnRef idx="2">
+                <a:schemeClr val="accent1">
+                  <a:shade val="50000"/>
+                </a:schemeClr>
+              </a:lnRef>
+              <a:fillRef idx="1">
+                <a:schemeClr val="accent1"/>
+              </a:fillRef>
+              <a:effectRef idx="0">
+                <a:schemeClr val="accent1"/>
+              </a:effectRef>
+              <a:fontRef idx="minor">
+                <a:schemeClr val="lt1"/>
+              </a:fontRef>
+            </p:style>
+            <p:txBody>
+              <a:bodyPr rtlCol="0" anchor="ctr"/>
+              <a:lstStyle/>
+              <a:p>
+                <a:pPr algn="ctr"/>
+                <a:r>
+                  <a:rPr kumimoji="1" lang="ja-JP" altLang="en-US" sz="1400" smtClean="0">
+                    <a:solidFill>
+                      <a:srgbClr val="3E4057"/>
+                    </a:solidFill>
+                    <a:latin typeface="Meiryo" charset="-128"/>
+                    <a:ea typeface="Meiryo" charset="-128"/>
+                    <a:cs typeface="Meiryo" charset="-128"/>
+                  </a:rPr>
+                  <a:t>クラス</a:t>
+                </a:r>
+                <a:r>
+                  <a:rPr kumimoji="1" lang="en-US" altLang="ja-JP" smtClean="0">
+                    <a:solidFill>
+                      <a:srgbClr val="3E4057"/>
+                    </a:solidFill>
+                    <a:latin typeface="Meiryo" charset="-128"/>
+                    <a:ea typeface="Meiryo" charset="-128"/>
+                    <a:cs typeface="Meiryo" charset="-128"/>
+                  </a:rPr>
+                  <a:t> A</a:t>
+                </a:r>
+                <a:endParaRPr lang="en-US" altLang="ja-JP" sz="1100" smtClean="0">
+                  <a:solidFill>
+                    <a:srgbClr val="3E4057"/>
+                  </a:solidFill>
+                  <a:latin typeface="Meiryo" charset="-128"/>
+                  <a:ea typeface="Meiryo" charset="-128"/>
+                  <a:cs typeface="Meiryo" charset="-128"/>
+                </a:endParaRPr>
+              </a:p>
+            </p:txBody>
+          </p:sp>
+          <p:cxnSp>
+            <p:nvCxnSpPr>
+              <p:cNvPr id="41" name="直線矢印コネクタ 40"/>
+              <p:cNvCxnSpPr>
+                <a:stCxn id="5" idx="2"/>
+                <a:endCxn id="20" idx="0"/>
+              </p:cNvCxnSpPr>
+              <p:nvPr/>
+            </p:nvCxnSpPr>
+            <p:spPr>
+              <a:xfrm>
+                <a:off x="7082969" y="4592753"/>
+                <a:ext cx="0" cy="1328528"/>
+              </a:xfrm>
+              <a:prstGeom prst="straightConnector1">
+                <a:avLst/>
+              </a:prstGeom>
+              <a:ln w="38100">
+                <a:solidFill>
+                  <a:srgbClr val="3E4057"/>
+                </a:solidFill>
+                <a:tailEnd type="triangle"/>
+              </a:ln>
+            </p:spPr>
+            <p:style>
+              <a:lnRef idx="1">
+                <a:schemeClr val="accent1"/>
+              </a:lnRef>
+              <a:fillRef idx="0">
+                <a:schemeClr val="accent1"/>
+              </a:fillRef>
+              <a:effectRef idx="0">
+                <a:schemeClr val="accent1"/>
+              </a:effectRef>
+              <a:fontRef idx="minor">
+                <a:schemeClr val="tx1"/>
+              </a:fontRef>
+            </p:style>
+          </p:cxnSp>
+          <p:sp>
+            <p:nvSpPr>
+              <p:cNvPr id="20" name="角丸四角形 19"/>
+              <p:cNvSpPr/>
+              <p:nvPr/>
+            </p:nvSpPr>
+            <p:spPr>
+              <a:xfrm>
+                <a:off x="6506905" y="5921281"/>
+                <a:ext cx="1152128" cy="344742"/>
+              </a:xfrm>
+              <a:prstGeom prst="roundRect">
+                <a:avLst/>
+              </a:prstGeom>
+              <a:solidFill>
+                <a:schemeClr val="accent3">
+                  <a:lumMod val="20000"/>
+                  <a:lumOff val="80000"/>
+                </a:schemeClr>
+              </a:solidFill>
+              <a:ln>
+                <a:solidFill>
+                  <a:srgbClr val="3E4057"/>
+                </a:solidFill>
+              </a:ln>
+            </p:spPr>
+            <p:style>
+              <a:lnRef idx="2">
+                <a:schemeClr val="accent1">
+                  <a:shade val="50000"/>
+                </a:schemeClr>
+              </a:lnRef>
+              <a:fillRef idx="1">
+                <a:schemeClr val="accent1"/>
+              </a:fillRef>
+              <a:effectRef idx="0">
+                <a:schemeClr val="accent1"/>
+              </a:effectRef>
+              <a:fontRef idx="minor">
+                <a:schemeClr val="lt1"/>
+              </a:fontRef>
+            </p:style>
+            <p:txBody>
+              <a:bodyPr rtlCol="0" anchor="ctr"/>
+              <a:lstStyle/>
+              <a:p>
+                <a:pPr algn="ctr"/>
+                <a:r>
+                  <a:rPr kumimoji="1" lang="ja-JP" altLang="en-US" sz="1400" smtClean="0">
+                    <a:solidFill>
+                      <a:srgbClr val="3E4057"/>
+                    </a:solidFill>
+                    <a:latin typeface="Meiryo" charset="-128"/>
+                    <a:ea typeface="Meiryo" charset="-128"/>
+                    <a:cs typeface="Meiryo" charset="-128"/>
+                  </a:rPr>
+                  <a:t>クラス</a:t>
+                </a:r>
+                <a:r>
+                  <a:rPr kumimoji="1" lang="en-US" altLang="ja-JP" smtClean="0">
+                    <a:solidFill>
+                      <a:srgbClr val="3E4057"/>
+                    </a:solidFill>
+                    <a:latin typeface="Meiryo" charset="-128"/>
+                    <a:ea typeface="Meiryo" charset="-128"/>
+                    <a:cs typeface="Meiryo" charset="-128"/>
+                  </a:rPr>
+                  <a:t> B</a:t>
+                </a:r>
+                <a:endParaRPr lang="en-US" altLang="ja-JP" sz="1100" smtClean="0">
+                  <a:solidFill>
+                    <a:srgbClr val="3E4057"/>
+                  </a:solidFill>
+                  <a:latin typeface="Meiryo" charset="-128"/>
+                  <a:ea typeface="Meiryo" charset="-128"/>
+                  <a:cs typeface="Meiryo" charset="-128"/>
+                </a:endParaRPr>
+              </a:p>
+            </p:txBody>
+          </p:sp>
+          <p:sp>
+            <p:nvSpPr>
+              <p:cNvPr id="28" name="角丸四角形 27"/>
+              <p:cNvSpPr/>
+              <p:nvPr/>
+            </p:nvSpPr>
+            <p:spPr>
+              <a:xfrm>
+                <a:off x="5507871" y="4998209"/>
+                <a:ext cx="1152128" cy="344742"/>
+              </a:xfrm>
+              <a:prstGeom prst="roundRect">
+                <a:avLst/>
+              </a:prstGeom>
+              <a:solidFill>
+                <a:schemeClr val="accent3">
+                  <a:lumMod val="20000"/>
+                  <a:lumOff val="80000"/>
+                </a:schemeClr>
+              </a:solidFill>
+              <a:ln>
+                <a:solidFill>
+                  <a:schemeClr val="accent6">
+                    <a:lumMod val="75000"/>
+                  </a:schemeClr>
+                </a:solidFill>
+              </a:ln>
+            </p:spPr>
+            <p:style>
+              <a:lnRef idx="2">
+                <a:schemeClr val="accent1">
+                  <a:shade val="50000"/>
+                </a:schemeClr>
+              </a:lnRef>
+              <a:fillRef idx="1">
+                <a:schemeClr val="accent1"/>
+              </a:fillRef>
+              <a:effectRef idx="0">
+                <a:schemeClr val="accent1"/>
+              </a:effectRef>
+              <a:fontRef idx="minor">
+                <a:schemeClr val="lt1"/>
+              </a:fontRef>
+            </p:style>
+            <p:txBody>
+              <a:bodyPr rtlCol="0" anchor="ctr"/>
+              <a:lstStyle/>
+              <a:p>
+                <a:pPr algn="ctr"/>
+                <a:r>
+                  <a:rPr lang="en-US" altLang="ja-JP" sz="1400" smtClean="0">
+                    <a:solidFill>
+                      <a:srgbClr val="3E4057"/>
+                    </a:solidFill>
+                    <a:latin typeface="Meiryo" charset="-128"/>
+                    <a:ea typeface="Meiryo" charset="-128"/>
+                    <a:cs typeface="Meiryo" charset="-128"/>
+                  </a:rPr>
+                  <a:t>Mixin</a:t>
+                </a:r>
+                <a:r>
+                  <a:rPr kumimoji="1" lang="en-US" altLang="ja-JP" smtClean="0">
+                    <a:solidFill>
+                      <a:srgbClr val="3E4057"/>
+                    </a:solidFill>
+                    <a:latin typeface="Meiryo" charset="-128"/>
+                    <a:ea typeface="Meiryo" charset="-128"/>
+                    <a:cs typeface="Meiryo" charset="-128"/>
+                  </a:rPr>
+                  <a:t> C</a:t>
+                </a:r>
+                <a:endParaRPr lang="en-US" altLang="ja-JP" sz="1100" smtClean="0">
+                  <a:solidFill>
+                    <a:srgbClr val="3E4057"/>
+                  </a:solidFill>
+                  <a:latin typeface="Meiryo" charset="-128"/>
+                  <a:ea typeface="Meiryo" charset="-128"/>
+                  <a:cs typeface="Meiryo" charset="-128"/>
+                </a:endParaRPr>
+              </a:p>
+            </p:txBody>
+          </p:sp>
+          <p:cxnSp>
+            <p:nvCxnSpPr>
+              <p:cNvPr id="18" name="直線矢印コネクタ 17"/>
+              <p:cNvCxnSpPr>
+                <a:stCxn id="28" idx="2"/>
+                <a:endCxn id="20" idx="0"/>
+              </p:cNvCxnSpPr>
+              <p:nvPr/>
+            </p:nvCxnSpPr>
+            <p:spPr>
+              <a:xfrm>
+                <a:off x="6083935" y="5342951"/>
+                <a:ext cx="999034" cy="578330"/>
+              </a:xfrm>
+              <a:prstGeom prst="straightConnector1">
+                <a:avLst/>
+              </a:prstGeom>
+              <a:ln w="38100">
+                <a:solidFill>
+                  <a:schemeClr val="accent6">
+                    <a:lumMod val="75000"/>
+                  </a:schemeClr>
+                </a:solidFill>
+                <a:tailEnd type="triangle"/>
+              </a:ln>
+            </p:spPr>
+            <p:style>
+              <a:lnRef idx="1">
+                <a:schemeClr val="accent1"/>
+              </a:lnRef>
+              <a:fillRef idx="0">
+                <a:schemeClr val="accent1"/>
+              </a:fillRef>
+              <a:effectRef idx="0">
+                <a:schemeClr val="accent1"/>
+              </a:effectRef>
+              <a:fontRef idx="minor">
+                <a:schemeClr val="tx1"/>
+              </a:fontRef>
+            </p:style>
+          </p:cxnSp>
+          <p:sp>
+            <p:nvSpPr>
+              <p:cNvPr id="31" name="角丸四角形 30"/>
+              <p:cNvSpPr/>
+              <p:nvPr/>
+            </p:nvSpPr>
+            <p:spPr>
+              <a:xfrm>
+                <a:off x="7505939" y="4998209"/>
+                <a:ext cx="1152128" cy="344742"/>
+              </a:xfrm>
+              <a:prstGeom prst="roundRect">
+                <a:avLst/>
+              </a:prstGeom>
+              <a:solidFill>
+                <a:schemeClr val="accent3">
+                  <a:lumMod val="20000"/>
+                  <a:lumOff val="80000"/>
+                </a:schemeClr>
+              </a:solidFill>
+              <a:ln>
+                <a:solidFill>
+                  <a:schemeClr val="accent6">
+                    <a:lumMod val="75000"/>
+                  </a:schemeClr>
+                </a:solidFill>
+              </a:ln>
+            </p:spPr>
+            <p:style>
+              <a:lnRef idx="2">
+                <a:schemeClr val="accent1">
+                  <a:shade val="50000"/>
+                </a:schemeClr>
+              </a:lnRef>
+              <a:fillRef idx="1">
+                <a:schemeClr val="accent1"/>
+              </a:fillRef>
+              <a:effectRef idx="0">
+                <a:schemeClr val="accent1"/>
+              </a:effectRef>
+              <a:fontRef idx="minor">
+                <a:schemeClr val="lt1"/>
+              </a:fontRef>
+            </p:style>
+            <p:txBody>
+              <a:bodyPr rtlCol="0" anchor="ctr"/>
+              <a:lstStyle/>
+              <a:p>
+                <a:pPr algn="ctr"/>
+                <a:r>
+                  <a:rPr lang="en-US" altLang="ja-JP" sz="1400" smtClean="0">
+                    <a:solidFill>
+                      <a:srgbClr val="3E4057"/>
+                    </a:solidFill>
+                    <a:latin typeface="Meiryo" charset="-128"/>
+                    <a:ea typeface="Meiryo" charset="-128"/>
+                    <a:cs typeface="Meiryo" charset="-128"/>
+                  </a:rPr>
+                  <a:t>Mixin</a:t>
+                </a:r>
+                <a:r>
+                  <a:rPr kumimoji="1" lang="en-US" altLang="ja-JP" smtClean="0">
+                    <a:solidFill>
+                      <a:srgbClr val="3E4057"/>
+                    </a:solidFill>
+                    <a:latin typeface="Meiryo" charset="-128"/>
+                    <a:ea typeface="Meiryo" charset="-128"/>
+                    <a:cs typeface="Meiryo" charset="-128"/>
+                  </a:rPr>
+                  <a:t> D</a:t>
+                </a:r>
+                <a:endParaRPr lang="en-US" altLang="ja-JP" sz="1100" smtClean="0">
+                  <a:solidFill>
+                    <a:srgbClr val="3E4057"/>
+                  </a:solidFill>
+                  <a:latin typeface="Meiryo" charset="-128"/>
+                  <a:ea typeface="Meiryo" charset="-128"/>
+                  <a:cs typeface="Meiryo" charset="-128"/>
+                </a:endParaRPr>
+              </a:p>
+            </p:txBody>
+          </p:sp>
+          <p:cxnSp>
+            <p:nvCxnSpPr>
+              <p:cNvPr id="32" name="直線矢印コネクタ 31"/>
+              <p:cNvCxnSpPr>
+                <a:stCxn id="31" idx="2"/>
+                <a:endCxn id="20" idx="0"/>
+              </p:cNvCxnSpPr>
+              <p:nvPr/>
+            </p:nvCxnSpPr>
+            <p:spPr>
+              <a:xfrm flipH="1">
+                <a:off x="7082969" y="5342951"/>
+                <a:ext cx="999034" cy="578330"/>
+              </a:xfrm>
+              <a:prstGeom prst="straightConnector1">
+                <a:avLst/>
+              </a:prstGeom>
+              <a:ln w="38100">
+                <a:solidFill>
+                  <a:schemeClr val="accent6">
+                    <a:lumMod val="75000"/>
+                  </a:schemeClr>
+                </a:solidFill>
+                <a:tailEnd type="triangle"/>
+              </a:ln>
+            </p:spPr>
+            <p:style>
+              <a:lnRef idx="1">
+                <a:schemeClr val="accent1"/>
+              </a:lnRef>
+              <a:fillRef idx="0">
+                <a:schemeClr val="accent1"/>
+              </a:fillRef>
+              <a:effectRef idx="0">
+                <a:schemeClr val="accent1"/>
+              </a:effectRef>
+              <a:fontRef idx="minor">
+                <a:schemeClr val="tx1"/>
+              </a:fontRef>
+            </p:style>
+          </p:cxnSp>
+        </p:grpSp>
+        <p:cxnSp>
+          <p:nvCxnSpPr>
+            <p:cNvPr id="35" name="直線矢印コネクタ 34"/>
+            <p:cNvCxnSpPr/>
+            <p:nvPr/>
+          </p:nvCxnSpPr>
+          <p:spPr>
+            <a:xfrm flipH="1">
+              <a:off x="6939186" y="3645562"/>
+              <a:ext cx="999034" cy="315581"/>
+            </a:xfrm>
+            <a:prstGeom prst="straightConnector1">
+              <a:avLst/>
+            </a:prstGeom>
+            <a:ln>
+              <a:prstDash val="dash"/>
+              <a:tailEnd type="triangle"/>
+            </a:ln>
+          </p:spPr>
+          <p:style>
+            <a:lnRef idx="1">
+              <a:schemeClr val="accent1"/>
+            </a:lnRef>
+            <a:fillRef idx="0">
+              <a:schemeClr val="accent1"/>
+            </a:fillRef>
+            <a:effectRef idx="0">
+              <a:schemeClr val="accent1"/>
+            </a:effectRef>
+            <a:fontRef idx="minor">
+              <a:schemeClr val="tx1"/>
+            </a:fontRef>
+          </p:style>
+        </p:cxnSp>
+        <p:cxnSp>
+          <p:nvCxnSpPr>
+            <p:cNvPr id="40" name="曲線コネクタ 39"/>
+            <p:cNvCxnSpPr/>
+            <p:nvPr/>
+          </p:nvCxnSpPr>
+          <p:spPr>
+            <a:xfrm rot="5400000" flipH="1" flipV="1">
+              <a:off x="6751673" y="5185604"/>
+              <a:ext cx="1393485" cy="361302"/>
+            </a:xfrm>
+            <a:prstGeom prst="curvedConnector3">
+              <a:avLst>
+                <a:gd name="adj1" fmla="val 1459"/>
+              </a:avLst>
+            </a:prstGeom>
+            <a:ln>
+              <a:prstDash val="dash"/>
+              <a:tailEnd type="triangle"/>
+            </a:ln>
+          </p:spPr>
+          <p:style>
+            <a:lnRef idx="1">
+              <a:schemeClr val="accent1"/>
+            </a:lnRef>
+            <a:fillRef idx="0">
+              <a:schemeClr val="accent1"/>
+            </a:fillRef>
+            <a:effectRef idx="0">
+              <a:schemeClr val="accent1"/>
+            </a:effectRef>
+            <a:fontRef idx="minor">
+              <a:schemeClr val="tx1"/>
+            </a:fontRef>
+          </p:style>
+        </p:cxnSp>
+        <p:cxnSp>
+          <p:nvCxnSpPr>
+            <p:cNvPr id="51" name="曲線コネクタ 50"/>
+            <p:cNvCxnSpPr/>
+            <p:nvPr/>
+          </p:nvCxnSpPr>
+          <p:spPr>
+            <a:xfrm rot="16200000" flipV="1">
+              <a:off x="5484591" y="5298280"/>
+              <a:ext cx="1468418" cy="61016"/>
+            </a:xfrm>
+            <a:prstGeom prst="curvedConnector3">
+              <a:avLst>
+                <a:gd name="adj1" fmla="val -329"/>
+              </a:avLst>
+            </a:prstGeom>
+            <a:ln>
+              <a:prstDash val="dash"/>
+              <a:tailEnd type="triangle"/>
+            </a:ln>
+          </p:spPr>
+          <p:style>
+            <a:lnRef idx="1">
+              <a:schemeClr val="accent1"/>
+            </a:lnRef>
+            <a:fillRef idx="0">
+              <a:schemeClr val="accent1"/>
+            </a:fillRef>
+            <a:effectRef idx="0">
+              <a:schemeClr val="accent1"/>
+            </a:effectRef>
+            <a:fontRef idx="minor">
+              <a:schemeClr val="tx1"/>
+            </a:fontRef>
+          </p:style>
+        </p:cxnSp>
+        <p:sp>
+          <p:nvSpPr>
+            <p:cNvPr id="61" name="コンテンツ プレースホルダー 2"/>
+            <p:cNvSpPr txBox="1">
+              <a:spLocks/>
+            </p:cNvSpPr>
+            <p:nvPr/>
+          </p:nvSpPr>
+          <p:spPr>
+            <a:xfrm>
+              <a:off x="7809812" y="3500938"/>
+              <a:ext cx="1173864" cy="285801"/>
+            </a:xfrm>
+            <a:prstGeom prst="rect">
+              <a:avLst/>
+            </a:prstGeom>
+          </p:spPr>
+          <p:txBody>
+            <a:bodyPr vert="horz" lIns="91440" tIns="45720" rIns="91440" bIns="45720" rtlCol="0" anchor="ctr">
+              <a:normAutofit fontScale="62500" lnSpcReduction="20000"/>
+            </a:bodyPr>
+            <a:lstStyle>
+              <a:lvl1pPr marL="342900" indent="-342900" algn="l" defTabSz="914400" rtl="0" eaLnBrk="1" latinLnBrk="0" hangingPunct="1">
+                <a:spcBef>
+                  <a:spcPct val="20000"/>
+                </a:spcBef>
+                <a:buFont typeface="Arial" panose="020B0604020202020204" pitchFamily="34" charset="0"/>
+                <a:buChar char="•"/>
+                <a:defRPr kumimoji="1" sz="3200" kern="1200">
+                  <a:solidFill>
+                    <a:srgbClr val="3E4057"/>
+                  </a:solidFill>
+                  <a:latin typeface="メイリオ" panose="020B0604030504040204" pitchFamily="50" charset="-128"/>
+                  <a:ea typeface="メイリオ" panose="020B0604030504040204" pitchFamily="50" charset="-128"/>
+                  <a:cs typeface="メイリオ" panose="020B0604030504040204" pitchFamily="50" charset="-128"/>
+                </a:defRPr>
+              </a:lvl1pPr>
+              <a:lvl2pPr marL="742950" indent="-285750" algn="l" defTabSz="914400" rtl="0" eaLnBrk="1" latinLnBrk="0" hangingPunct="1">
+                <a:spcBef>
+                  <a:spcPct val="20000"/>
+                </a:spcBef>
+                <a:buFont typeface="Arial" panose="020B0604020202020204" pitchFamily="34" charset="0"/>
+                <a:buChar char="–"/>
+                <a:defRPr kumimoji="1" sz="2800" kern="1200">
+                  <a:solidFill>
+                    <a:srgbClr val="3E4057"/>
+                  </a:solidFill>
+                  <a:latin typeface="メイリオ" panose="020B0604030504040204" pitchFamily="50" charset="-128"/>
+                  <a:ea typeface="メイリオ" panose="020B0604030504040204" pitchFamily="50" charset="-128"/>
+                  <a:cs typeface="メイリオ" panose="020B0604030504040204" pitchFamily="50" charset="-128"/>
+                </a:defRPr>
+              </a:lvl2pPr>
+              <a:lvl3pPr marL="1143000" indent="-228600" algn="l" defTabSz="914400" rtl="0" eaLnBrk="1" latinLnBrk="0" hangingPunct="1">
+                <a:spcBef>
+                  <a:spcPct val="20000"/>
+                </a:spcBef>
+                <a:buFont typeface="Arial" panose="020B0604020202020204" pitchFamily="34" charset="0"/>
+                <a:buChar char="•"/>
+                <a:defRPr kumimoji="1" sz="2400" kern="1200">
+                  <a:solidFill>
+                    <a:srgbClr val="3E4057"/>
+                  </a:solidFill>
+                  <a:latin typeface="メイリオ" panose="020B0604030504040204" pitchFamily="50" charset="-128"/>
+                  <a:ea typeface="メイリオ" panose="020B0604030504040204" pitchFamily="50" charset="-128"/>
+                  <a:cs typeface="メイリオ" panose="020B0604030504040204" pitchFamily="50" charset="-128"/>
+                </a:defRPr>
+              </a:lvl3pPr>
+              <a:lvl4pPr marL="1600200" indent="-228600" algn="l" defTabSz="914400" rtl="0" eaLnBrk="1" latinLnBrk="0" hangingPunct="1">
+                <a:spcBef>
+                  <a:spcPct val="20000"/>
+                </a:spcBef>
+                <a:buFont typeface="Arial" panose="020B0604020202020204" pitchFamily="34" charset="0"/>
+                <a:buChar char="–"/>
+                <a:defRPr kumimoji="1" sz="2000" kern="1200">
+                  <a:solidFill>
+                    <a:srgbClr val="3E4057"/>
+                  </a:solidFill>
+                  <a:latin typeface="メイリオ" panose="020B0604030504040204" pitchFamily="50" charset="-128"/>
+                  <a:ea typeface="メイリオ" panose="020B0604030504040204" pitchFamily="50" charset="-128"/>
+                  <a:cs typeface="メイリオ" panose="020B0604030504040204" pitchFamily="50" charset="-128"/>
+                </a:defRPr>
+              </a:lvl4pPr>
+              <a:lvl5pPr marL="2057400" indent="-228600" algn="l" defTabSz="914400" rtl="0" eaLnBrk="1" latinLnBrk="0" hangingPunct="1">
+                <a:spcBef>
+                  <a:spcPct val="20000"/>
+                </a:spcBef>
+                <a:buFont typeface="Arial" panose="020B0604020202020204" pitchFamily="34" charset="0"/>
+                <a:buChar char="»"/>
+                <a:defRPr kumimoji="1" sz="2000" kern="1200">
+                  <a:solidFill>
+                    <a:srgbClr val="3E4057"/>
+                  </a:solidFill>
+                  <a:latin typeface="メイリオ" panose="020B0604030504040204" pitchFamily="50" charset="-128"/>
+                  <a:ea typeface="メイリオ" panose="020B0604030504040204" pitchFamily="50" charset="-128"/>
+                  <a:cs typeface="メイリオ" panose="020B0604030504040204" pitchFamily="50" charset="-128"/>
+                </a:defRPr>
+              </a:lvl5pPr>
+              <a:lvl6pPr marL="2514600" indent="-228600" algn="l" defTabSz="914400" rtl="0" eaLnBrk="1" latinLnBrk="0" hangingPunct="1">
+                <a:spcBef>
+                  <a:spcPct val="20000"/>
+                </a:spcBef>
+                <a:buFont typeface="Arial" panose="020B0604020202020204" pitchFamily="34" charset="0"/>
+                <a:buChar char="•"/>
+                <a:defRPr kumimoji="1" sz="2000" kern="1200">
+                  <a:solidFill>
+                    <a:schemeClr val="tx1"/>
+                  </a:solidFill>
+                  <a:latin typeface="+mn-lt"/>
+                  <a:ea typeface="+mn-ea"/>
+                  <a:cs typeface="+mn-cs"/>
+                </a:defRPr>
+              </a:lvl6pPr>
+              <a:lvl7pPr marL="2971800" indent="-228600" algn="l" defTabSz="914400" rtl="0" eaLnBrk="1" latinLnBrk="0" hangingPunct="1">
+                <a:spcBef>
+                  <a:spcPct val="20000"/>
+                </a:spcBef>
+                <a:buFont typeface="Arial" panose="020B0604020202020204" pitchFamily="34" charset="0"/>
+                <a:buChar char="•"/>
+                <a:defRPr kumimoji="1" sz="2000" kern="1200">
+                  <a:solidFill>
+                    <a:schemeClr val="tx1"/>
+                  </a:solidFill>
+                  <a:latin typeface="+mn-lt"/>
+                  <a:ea typeface="+mn-ea"/>
+                  <a:cs typeface="+mn-cs"/>
+                </a:defRPr>
+              </a:lvl7pPr>
+              <a:lvl8pPr marL="3429000" indent="-228600" algn="l" defTabSz="914400" rtl="0" eaLnBrk="1" latinLnBrk="0" hangingPunct="1">
+                <a:spcBef>
+                  <a:spcPct val="20000"/>
+                </a:spcBef>
+                <a:buFont typeface="Arial" panose="020B0604020202020204" pitchFamily="34" charset="0"/>
+                <a:buChar char="•"/>
+                <a:defRPr kumimoji="1" sz="2000" kern="1200">
+                  <a:solidFill>
+                    <a:schemeClr val="tx1"/>
+                  </a:solidFill>
+                  <a:latin typeface="+mn-lt"/>
+                  <a:ea typeface="+mn-ea"/>
+                  <a:cs typeface="+mn-cs"/>
+                </a:defRPr>
+              </a:lvl8pPr>
+              <a:lvl9pPr marL="3886200" indent="-228600" algn="l" defTabSz="914400" rtl="0" eaLnBrk="1" latinLnBrk="0" hangingPunct="1">
+                <a:spcBef>
+                  <a:spcPct val="20000"/>
+                </a:spcBef>
+                <a:buFont typeface="Arial" panose="020B0604020202020204" pitchFamily="34" charset="0"/>
+                <a:buChar char="•"/>
+                <a:defRPr kumimoji="1" sz="2000" kern="1200">
+                  <a:solidFill>
+                    <a:schemeClr val="tx1"/>
+                  </a:solidFill>
+                  <a:latin typeface="+mn-lt"/>
+                  <a:ea typeface="+mn-ea"/>
+                  <a:cs typeface="+mn-cs"/>
+                </a:defRPr>
+              </a:lvl9pPr>
+            </a:lstStyle>
+            <a:p>
+              <a:pPr marL="0" indent="0" algn="ctr">
+                <a:buFont typeface="Arial" panose="020B0604020202020204" pitchFamily="34" charset="0"/>
+                <a:buNone/>
+              </a:pPr>
+              <a:r>
+                <a:rPr lang="ja-JP" altLang="en-US" sz="2400" smtClean="0"/>
+                <a:t>単一継承</a:t>
+              </a:r>
+              <a:endParaRPr lang="en-US" altLang="ja-JP" sz="2400" dirty="0"/>
+            </a:p>
+          </p:txBody>
+        </p:sp>
+        <p:sp>
+          <p:nvSpPr>
+            <p:cNvPr id="62" name="コンテンツ プレースホルダー 2"/>
+            <p:cNvSpPr txBox="1">
+              <a:spLocks/>
+            </p:cNvSpPr>
+            <p:nvPr/>
+          </p:nvSpPr>
+          <p:spPr>
+            <a:xfrm>
+              <a:off x="6188292" y="5922044"/>
+              <a:ext cx="1173864" cy="285801"/>
+            </a:xfrm>
+            <a:prstGeom prst="rect">
+              <a:avLst/>
+            </a:prstGeom>
+          </p:spPr>
+          <p:txBody>
+            <a:bodyPr vert="horz" lIns="91440" tIns="45720" rIns="91440" bIns="45720" rtlCol="0" anchor="ctr">
+              <a:normAutofit fontScale="62500" lnSpcReduction="20000"/>
+            </a:bodyPr>
+            <a:lstStyle>
+              <a:lvl1pPr marL="342900" indent="-342900" algn="l" defTabSz="914400" rtl="0" eaLnBrk="1" latinLnBrk="0" hangingPunct="1">
+                <a:spcBef>
+                  <a:spcPct val="20000"/>
+                </a:spcBef>
+                <a:buFont typeface="Arial" panose="020B0604020202020204" pitchFamily="34" charset="0"/>
+                <a:buChar char="•"/>
+                <a:defRPr kumimoji="1" sz="3200" kern="1200">
+                  <a:solidFill>
+                    <a:srgbClr val="3E4057"/>
+                  </a:solidFill>
+                  <a:latin typeface="メイリオ" panose="020B0604030504040204" pitchFamily="50" charset="-128"/>
+                  <a:ea typeface="メイリオ" panose="020B0604030504040204" pitchFamily="50" charset="-128"/>
+                  <a:cs typeface="メイリオ" panose="020B0604030504040204" pitchFamily="50" charset="-128"/>
+                </a:defRPr>
+              </a:lvl1pPr>
+              <a:lvl2pPr marL="742950" indent="-285750" algn="l" defTabSz="914400" rtl="0" eaLnBrk="1" latinLnBrk="0" hangingPunct="1">
+                <a:spcBef>
+                  <a:spcPct val="20000"/>
+                </a:spcBef>
+                <a:buFont typeface="Arial" panose="020B0604020202020204" pitchFamily="34" charset="0"/>
+                <a:buChar char="–"/>
+                <a:defRPr kumimoji="1" sz="2800" kern="1200">
+                  <a:solidFill>
+                    <a:srgbClr val="3E4057"/>
+                  </a:solidFill>
+                  <a:latin typeface="メイリオ" panose="020B0604030504040204" pitchFamily="50" charset="-128"/>
+                  <a:ea typeface="メイリオ" panose="020B0604030504040204" pitchFamily="50" charset="-128"/>
+                  <a:cs typeface="メイリオ" panose="020B0604030504040204" pitchFamily="50" charset="-128"/>
+                </a:defRPr>
+              </a:lvl2pPr>
+              <a:lvl3pPr marL="1143000" indent="-228600" algn="l" defTabSz="914400" rtl="0" eaLnBrk="1" latinLnBrk="0" hangingPunct="1">
+                <a:spcBef>
+                  <a:spcPct val="20000"/>
+                </a:spcBef>
+                <a:buFont typeface="Arial" panose="020B0604020202020204" pitchFamily="34" charset="0"/>
+                <a:buChar char="•"/>
+                <a:defRPr kumimoji="1" sz="2400" kern="1200">
+                  <a:solidFill>
+                    <a:srgbClr val="3E4057"/>
+                  </a:solidFill>
+                  <a:latin typeface="メイリオ" panose="020B0604030504040204" pitchFamily="50" charset="-128"/>
+                  <a:ea typeface="メイリオ" panose="020B0604030504040204" pitchFamily="50" charset="-128"/>
+                  <a:cs typeface="メイリオ" panose="020B0604030504040204" pitchFamily="50" charset="-128"/>
+                </a:defRPr>
+              </a:lvl3pPr>
+              <a:lvl4pPr marL="1600200" indent="-228600" algn="l" defTabSz="914400" rtl="0" eaLnBrk="1" latinLnBrk="0" hangingPunct="1">
+                <a:spcBef>
+                  <a:spcPct val="20000"/>
+                </a:spcBef>
+                <a:buFont typeface="Arial" panose="020B0604020202020204" pitchFamily="34" charset="0"/>
+                <a:buChar char="–"/>
+                <a:defRPr kumimoji="1" sz="2000" kern="1200">
+                  <a:solidFill>
+                    <a:srgbClr val="3E4057"/>
+                  </a:solidFill>
+                  <a:latin typeface="メイリオ" panose="020B0604030504040204" pitchFamily="50" charset="-128"/>
+                  <a:ea typeface="メイリオ" panose="020B0604030504040204" pitchFamily="50" charset="-128"/>
+                  <a:cs typeface="メイリオ" panose="020B0604030504040204" pitchFamily="50" charset="-128"/>
+                </a:defRPr>
+              </a:lvl4pPr>
+              <a:lvl5pPr marL="2057400" indent="-228600" algn="l" defTabSz="914400" rtl="0" eaLnBrk="1" latinLnBrk="0" hangingPunct="1">
+                <a:spcBef>
+                  <a:spcPct val="20000"/>
+                </a:spcBef>
+                <a:buFont typeface="Arial" panose="020B0604020202020204" pitchFamily="34" charset="0"/>
+                <a:buChar char="»"/>
+                <a:defRPr kumimoji="1" sz="2000" kern="1200">
+                  <a:solidFill>
+                    <a:srgbClr val="3E4057"/>
+                  </a:solidFill>
+                  <a:latin typeface="メイリオ" panose="020B0604030504040204" pitchFamily="50" charset="-128"/>
+                  <a:ea typeface="メイリオ" panose="020B0604030504040204" pitchFamily="50" charset="-128"/>
+                  <a:cs typeface="メイリオ" panose="020B0604030504040204" pitchFamily="50" charset="-128"/>
+                </a:defRPr>
+              </a:lvl5pPr>
+              <a:lvl6pPr marL="2514600" indent="-228600" algn="l" defTabSz="914400" rtl="0" eaLnBrk="1" latinLnBrk="0" hangingPunct="1">
+                <a:spcBef>
+                  <a:spcPct val="20000"/>
+                </a:spcBef>
+                <a:buFont typeface="Arial" panose="020B0604020202020204" pitchFamily="34" charset="0"/>
+                <a:buChar char="•"/>
+                <a:defRPr kumimoji="1" sz="2000" kern="1200">
+                  <a:solidFill>
+                    <a:schemeClr val="tx1"/>
+                  </a:solidFill>
+                  <a:latin typeface="+mn-lt"/>
+                  <a:ea typeface="+mn-ea"/>
+                  <a:cs typeface="+mn-cs"/>
+                </a:defRPr>
+              </a:lvl6pPr>
+              <a:lvl7pPr marL="2971800" indent="-228600" algn="l" defTabSz="914400" rtl="0" eaLnBrk="1" latinLnBrk="0" hangingPunct="1">
+                <a:spcBef>
+                  <a:spcPct val="20000"/>
+                </a:spcBef>
+                <a:buFont typeface="Arial" panose="020B0604020202020204" pitchFamily="34" charset="0"/>
+                <a:buChar char="•"/>
+                <a:defRPr kumimoji="1" sz="2000" kern="1200">
+                  <a:solidFill>
+                    <a:schemeClr val="tx1"/>
+                  </a:solidFill>
+                  <a:latin typeface="+mn-lt"/>
+                  <a:ea typeface="+mn-ea"/>
+                  <a:cs typeface="+mn-cs"/>
+                </a:defRPr>
+              </a:lvl7pPr>
+              <a:lvl8pPr marL="3429000" indent="-228600" algn="l" defTabSz="914400" rtl="0" eaLnBrk="1" latinLnBrk="0" hangingPunct="1">
+                <a:spcBef>
+                  <a:spcPct val="20000"/>
+                </a:spcBef>
+                <a:buFont typeface="Arial" panose="020B0604020202020204" pitchFamily="34" charset="0"/>
+                <a:buChar char="•"/>
+                <a:defRPr kumimoji="1" sz="2000" kern="1200">
+                  <a:solidFill>
+                    <a:schemeClr val="tx1"/>
+                  </a:solidFill>
+                  <a:latin typeface="+mn-lt"/>
+                  <a:ea typeface="+mn-ea"/>
+                  <a:cs typeface="+mn-cs"/>
+                </a:defRPr>
+              </a:lvl8pPr>
+              <a:lvl9pPr marL="3886200" indent="-228600" algn="l" defTabSz="914400" rtl="0" eaLnBrk="1" latinLnBrk="0" hangingPunct="1">
+                <a:spcBef>
+                  <a:spcPct val="20000"/>
+                </a:spcBef>
+                <a:buFont typeface="Arial" panose="020B0604020202020204" pitchFamily="34" charset="0"/>
+                <a:buChar char="•"/>
+                <a:defRPr kumimoji="1" sz="2000" kern="1200">
+                  <a:solidFill>
+                    <a:schemeClr val="tx1"/>
+                  </a:solidFill>
+                  <a:latin typeface="+mn-lt"/>
+                  <a:ea typeface="+mn-ea"/>
+                  <a:cs typeface="+mn-cs"/>
+                </a:defRPr>
+              </a:lvl9pPr>
+            </a:lstStyle>
+            <a:p>
+              <a:pPr marL="0" indent="0" algn="ctr">
+                <a:buFont typeface="Arial" panose="020B0604020202020204" pitchFamily="34" charset="0"/>
+                <a:buNone/>
+              </a:pPr>
+              <a:r>
+                <a:rPr lang="ja-JP" altLang="en-US" sz="2400" smtClean="0"/>
+                <a:t>多重継承</a:t>
+              </a:r>
+              <a:endParaRPr lang="en-US" altLang="ja-JP" sz="2400" dirty="0"/>
+            </a:p>
+          </p:txBody>
+        </p:sp>
+      </p:grpSp>
+    </p:spTree>
+    <p:extLst>
+      <p:ext uri="{BB962C8B-B14F-4D97-AF65-F5344CB8AC3E}">
+        <p14:creationId xmlns:p14="http://schemas.microsoft.com/office/powerpoint/2010/main" val="627523036"/>
+      </p:ext>
+    </p:extLst>
+  </p:cSld>
+  <p:clrMapOvr>
+    <a:masterClrMapping/>
+  </p:clrMapOvr>
+  <p:timing>
+    <p:tnLst>
+      <p:par>
+        <p:cTn id="1" dur="indefinite" restart="never" nodeType="tmRoot"/>
+      </p:par>
+    </p:tnLst>
+  </p:timing>
+</p:sld>
+</file>
+
+<file path=ppt/slides/slide6.xml><?xml version="1.0" encoding="utf-8"?>
+<p:sld xmlns:a="http://schemas.openxmlformats.org/drawingml/2006/main" xmlns:r="http://schemas.openxmlformats.org/officeDocument/2006/relationships" xmlns:p="http://schemas.openxmlformats.org/presentationml/2006/main">
+  <p:cSld>
+    <p:spTree>
+      <p:nvGrpSpPr>
+        <p:cNvPr id="1" name=""/>
+        <p:cNvGrpSpPr/>
+        <p:nvPr/>
+      </p:nvGrpSpPr>
+      <p:grpSpPr>
+        <a:xfrm>
+          <a:off x="0" y="0"/>
+          <a:ext cx="0" cy="0"/>
+          <a:chOff x="0" y="0"/>
+          <a:chExt cx="0" cy="0"/>
+        </a:xfrm>
+      </p:grpSpPr>
+      <p:sp>
+        <p:nvSpPr>
+          <p:cNvPr id="2" name="タイトル 1"/>
+          <p:cNvSpPr>
+            <a:spLocks noGrp="1"/>
+          </p:cNvSpPr>
+          <p:nvPr>
+            <p:ph type="title"/>
+          </p:nvPr>
+        </p:nvSpPr>
+        <p:spPr/>
+        <p:txBody>
+          <a:bodyPr/>
+          <a:lstStyle/>
+          <a:p>
+            <a:r>
+              <a:rPr lang="en-US" altLang="ja-JP" smtClean="0"/>
+              <a:t>Mixins </a:t>
+            </a:r>
+            <a:r>
+              <a:rPr lang="en-US" altLang="ja-JP" sz="2800" smtClean="0"/>
+              <a:t>on </a:t>
+            </a:r>
+            <a:r>
+              <a:rPr lang="en-US" altLang="ja-JP" sz="3600" smtClean="0"/>
+              <a:t>TypeScript</a:t>
+            </a:r>
+            <a:endParaRPr kumimoji="1" lang="ja-JP" altLang="en-US" sz="5400" dirty="0"/>
+          </a:p>
+        </p:txBody>
+      </p:sp>
+      <p:grpSp>
+        <p:nvGrpSpPr>
+          <p:cNvPr id="6" name="図形グループ 5"/>
+          <p:cNvGrpSpPr/>
+          <p:nvPr/>
+        </p:nvGrpSpPr>
+        <p:grpSpPr>
+          <a:xfrm>
+            <a:off x="323528" y="2387424"/>
+            <a:ext cx="8363272" cy="3477878"/>
+            <a:chOff x="708448" y="2387427"/>
+            <a:chExt cx="7978352" cy="1212293"/>
+          </a:xfrm>
+        </p:grpSpPr>
+        <p:sp>
+          <p:nvSpPr>
+            <p:cNvPr id="4" name="テキスト ボックス 3"/>
+            <p:cNvSpPr txBox="1"/>
+            <p:nvPr/>
+          </p:nvSpPr>
+          <p:spPr>
+            <a:xfrm>
+              <a:off x="1187624" y="2387428"/>
+              <a:ext cx="7499176" cy="1212292"/>
+            </a:xfrm>
+            <a:prstGeom prst="rect">
+              <a:avLst/>
+            </a:prstGeom>
+            <a:solidFill>
+              <a:schemeClr val="accent3">
+                <a:lumMod val="20000"/>
+                <a:lumOff val="80000"/>
+              </a:schemeClr>
+            </a:solidFill>
+            <a:ln cap="rnd">
+              <a:solidFill>
+                <a:schemeClr val="bg1">
+                  <a:lumMod val="50000"/>
+                </a:schemeClr>
+              </a:solidFill>
+            </a:ln>
+          </p:spPr>
+          <p:style>
+            <a:lnRef idx="2">
+              <a:schemeClr val="dk1"/>
+            </a:lnRef>
+            <a:fillRef idx="1">
+              <a:schemeClr val="lt1"/>
+            </a:fillRef>
+            <a:effectRef idx="0">
+              <a:schemeClr val="dk1"/>
+            </a:effectRef>
+            <a:fontRef idx="minor">
+              <a:schemeClr val="dk1"/>
+            </a:fontRef>
+          </p:style>
+          <p:txBody>
+            <a:bodyPr wrap="square" rtlCol="0">
+              <a:spAutoFit/>
+            </a:bodyPr>
+            <a:lstStyle/>
+            <a:p>
+              <a:r>
+                <a:rPr lang="en-US" altLang="ja-JP" sz="2000" smtClean="0">
+                  <a:solidFill>
+                    <a:srgbClr val="3E4057"/>
+                  </a:solidFill>
+                  <a:latin typeface="Andale Mono" charset="0"/>
+                  <a:ea typeface="Andale Mono" charset="0"/>
+                  <a:cs typeface="Andale Mono" charset="0"/>
+                </a:rPr>
+                <a:t>class </a:t>
+              </a:r>
+              <a:r>
+                <a:rPr lang="en-US" altLang="ja-JP" sz="2000" b="1" smtClean="0">
+                  <a:solidFill>
+                    <a:srgbClr val="3E4057"/>
+                  </a:solidFill>
+                  <a:latin typeface="Andale Mono" charset="0"/>
+                  <a:ea typeface="Andale Mono" charset="0"/>
+                  <a:cs typeface="Andale Mono" charset="0"/>
+                </a:rPr>
+                <a:t>MixinB</a:t>
+              </a:r>
+              <a:r>
+                <a:rPr lang="en-US" altLang="ja-JP" sz="2000" smtClean="0">
+                  <a:solidFill>
+                    <a:srgbClr val="3E4057"/>
+                  </a:solidFill>
+                  <a:latin typeface="Andale Mono" charset="0"/>
+                  <a:ea typeface="Andale Mono" charset="0"/>
+                  <a:cs typeface="Andale Mono" charset="0"/>
+                </a:rPr>
+                <a:t> {</a:t>
+              </a:r>
+            </a:p>
+            <a:p>
+              <a:r>
+                <a:rPr lang="en-US" altLang="ja-JP" sz="2000" smtClean="0">
+                  <a:solidFill>
+                    <a:srgbClr val="3E4057"/>
+                  </a:solidFill>
+                  <a:latin typeface="Andale Mono" charset="0"/>
+                  <a:ea typeface="Andale Mono" charset="0"/>
+                  <a:cs typeface="Andale Mono" charset="0"/>
+                </a:rPr>
+                <a:t>	</a:t>
+              </a:r>
+              <a:r>
+                <a:rPr lang="en-US" altLang="ja-JP" sz="2000" b="1" smtClean="0">
+                  <a:solidFill>
+                    <a:srgbClr val="3E4057"/>
+                  </a:solidFill>
+                  <a:latin typeface="Andale Mono" charset="0"/>
+                  <a:ea typeface="Andale Mono" charset="0"/>
+                  <a:cs typeface="Andale Mono" charset="0"/>
+                </a:rPr>
+                <a:t>public hello() </a:t>
+              </a:r>
+              <a:r>
+                <a:rPr lang="en-US" altLang="ja-JP" sz="2000" smtClean="0">
+                  <a:solidFill>
+                    <a:srgbClr val="3E4057"/>
+                  </a:solidFill>
+                  <a:latin typeface="Andale Mono" charset="0"/>
+                  <a:ea typeface="Andale Mono" charset="0"/>
+                  <a:cs typeface="Andale Mono" charset="0"/>
+                </a:rPr>
+                <a:t>{</a:t>
+              </a:r>
+            </a:p>
+            <a:p>
+              <a:r>
+                <a:rPr lang="en-US" altLang="ja-JP" sz="2000" smtClean="0">
+                  <a:solidFill>
+                    <a:srgbClr val="3E4057"/>
+                  </a:solidFill>
+                  <a:latin typeface="Andale Mono" charset="0"/>
+                  <a:ea typeface="Andale Mono" charset="0"/>
+                  <a:cs typeface="Andale Mono" charset="0"/>
+                </a:rPr>
+                <a:t>		</a:t>
+              </a:r>
+              <a:r>
+                <a:rPr lang="en-US" altLang="ja-JP" sz="2000" b="1" smtClean="0">
+                  <a:solidFill>
+                    <a:srgbClr val="3E4057"/>
+                  </a:solidFill>
+                  <a:latin typeface="Andale Mono" charset="0"/>
+                  <a:ea typeface="Andale Mono" charset="0"/>
+                  <a:cs typeface="Andale Mono" charset="0"/>
+                </a:rPr>
+                <a:t>alert(”Hello!”);</a:t>
+              </a:r>
+              <a:endParaRPr lang="en-US" altLang="ja-JP" sz="2000" b="1">
+                <a:solidFill>
+                  <a:srgbClr val="3E4057"/>
+                </a:solidFill>
+                <a:latin typeface="Andale Mono" charset="0"/>
+                <a:ea typeface="Andale Mono" charset="0"/>
+                <a:cs typeface="Andale Mono" charset="0"/>
+              </a:endParaRPr>
+            </a:p>
+            <a:p>
+              <a:r>
+                <a:rPr lang="en-US" altLang="ja-JP" sz="2000" smtClean="0">
+                  <a:solidFill>
+                    <a:srgbClr val="3E4057"/>
+                  </a:solidFill>
+                  <a:latin typeface="Andale Mono" charset="0"/>
+                  <a:ea typeface="Andale Mono" charset="0"/>
+                  <a:cs typeface="Andale Mono" charset="0"/>
+                </a:rPr>
+                <a:t>	}</a:t>
+              </a:r>
+              <a:endParaRPr lang="en-US" altLang="ja-JP" sz="2000">
+                <a:solidFill>
+                  <a:srgbClr val="3E4057"/>
+                </a:solidFill>
+                <a:latin typeface="Andale Mono" charset="0"/>
+                <a:ea typeface="Andale Mono" charset="0"/>
+                <a:cs typeface="Andale Mono" charset="0"/>
+              </a:endParaRPr>
+            </a:p>
+            <a:p>
+              <a:r>
+                <a:rPr lang="en-US" altLang="ja-JP" sz="2000" smtClean="0">
+                  <a:solidFill>
+                    <a:srgbClr val="3E4057"/>
+                  </a:solidFill>
+                  <a:latin typeface="Andale Mono" charset="0"/>
+                  <a:ea typeface="Andale Mono" charset="0"/>
+                  <a:cs typeface="Andale Mono" charset="0"/>
+                </a:rPr>
+                <a:t>}</a:t>
+              </a:r>
+            </a:p>
+            <a:p>
+              <a:endParaRPr kumimoji="1" lang="en-US" altLang="ja-JP" sz="2000">
+                <a:solidFill>
+                  <a:srgbClr val="3E4057"/>
+                </a:solidFill>
+                <a:latin typeface="Andale Mono" charset="0"/>
+                <a:ea typeface="Andale Mono" charset="0"/>
+                <a:cs typeface="Andale Mono" charset="0"/>
+              </a:endParaRPr>
+            </a:p>
+            <a:p>
+              <a:r>
+                <a:rPr lang="en-US" altLang="ja-JP" sz="2000" smtClean="0">
+                  <a:solidFill>
+                    <a:srgbClr val="3E4057"/>
+                  </a:solidFill>
+                  <a:latin typeface="Andale Mono" charset="0"/>
+                  <a:ea typeface="Andale Mono" charset="0"/>
+                  <a:cs typeface="Andale Mono" charset="0"/>
+                </a:rPr>
+                <a:t>class </a:t>
+              </a:r>
+              <a:r>
+                <a:rPr lang="en-US" altLang="ja-JP" sz="2000" b="1" smtClean="0">
+                  <a:solidFill>
+                    <a:srgbClr val="3E4057"/>
+                  </a:solidFill>
+                  <a:latin typeface="Andale Mono" charset="0"/>
+                  <a:ea typeface="Andale Mono" charset="0"/>
+                  <a:cs typeface="Andale Mono" charset="0"/>
+                </a:rPr>
+                <a:t>MixinC</a:t>
+              </a:r>
+              <a:r>
+                <a:rPr lang="en-US" altLang="ja-JP" sz="2000" smtClean="0">
+                  <a:solidFill>
+                    <a:srgbClr val="3E4057"/>
+                  </a:solidFill>
+                  <a:latin typeface="Andale Mono" charset="0"/>
+                  <a:ea typeface="Andale Mono" charset="0"/>
+                  <a:cs typeface="Andale Mono" charset="0"/>
+                </a:rPr>
+                <a:t> {</a:t>
+              </a:r>
+            </a:p>
+            <a:p>
+              <a:r>
+                <a:rPr lang="en-US" altLang="ja-JP" sz="2000" smtClean="0">
+                  <a:solidFill>
+                    <a:srgbClr val="3E4057"/>
+                  </a:solidFill>
+                  <a:latin typeface="Andale Mono" charset="0"/>
+                  <a:ea typeface="Andale Mono" charset="0"/>
+                  <a:cs typeface="Andale Mono" charset="0"/>
+                </a:rPr>
+                <a:t>	</a:t>
+              </a:r>
+              <a:r>
+                <a:rPr lang="en-US" altLang="ja-JP" sz="2000" b="1" smtClean="0">
+                  <a:solidFill>
+                    <a:srgbClr val="3E4057"/>
+                  </a:solidFill>
+                  <a:latin typeface="Andale Mono" charset="0"/>
+                  <a:ea typeface="Andale Mono" charset="0"/>
+                  <a:cs typeface="Andale Mono" charset="0"/>
+                </a:rPr>
+                <a:t>public bye()</a:t>
+              </a:r>
+              <a:r>
+                <a:rPr lang="en-US" altLang="ja-JP" sz="2000" smtClean="0">
+                  <a:solidFill>
+                    <a:srgbClr val="3E4057"/>
+                  </a:solidFill>
+                  <a:latin typeface="Andale Mono" charset="0"/>
+                  <a:ea typeface="Andale Mono" charset="0"/>
+                  <a:cs typeface="Andale Mono" charset="0"/>
+                </a:rPr>
+                <a:t>{</a:t>
+              </a:r>
+            </a:p>
+            <a:p>
+              <a:r>
+                <a:rPr lang="en-US" altLang="ja-JP" sz="2000">
+                  <a:solidFill>
+                    <a:srgbClr val="3E4057"/>
+                  </a:solidFill>
+                  <a:latin typeface="Andale Mono" charset="0"/>
+                  <a:ea typeface="Andale Mono" charset="0"/>
+                  <a:cs typeface="Andale Mono" charset="0"/>
+                </a:rPr>
+                <a:t>	</a:t>
+              </a:r>
+              <a:r>
+                <a:rPr lang="en-US" altLang="ja-JP" sz="2000" smtClean="0">
+                  <a:solidFill>
+                    <a:srgbClr val="3E4057"/>
+                  </a:solidFill>
+                  <a:latin typeface="Andale Mono" charset="0"/>
+                  <a:ea typeface="Andale Mono" charset="0"/>
+                  <a:cs typeface="Andale Mono" charset="0"/>
+                </a:rPr>
+                <a:t>	</a:t>
+              </a:r>
+              <a:r>
+                <a:rPr lang="en-US" altLang="ja-JP" sz="2000" b="1" smtClean="0">
+                  <a:solidFill>
+                    <a:srgbClr val="3E4057"/>
+                  </a:solidFill>
+                  <a:latin typeface="Andale Mono" charset="0"/>
+                  <a:ea typeface="Andale Mono" charset="0"/>
+                  <a:cs typeface="Andale Mono" charset="0"/>
+                </a:rPr>
+                <a:t>alert(“Bye!”);</a:t>
+              </a:r>
+            </a:p>
+            <a:p>
+              <a:r>
+                <a:rPr lang="en-US" altLang="ja-JP" sz="2000">
+                  <a:solidFill>
+                    <a:srgbClr val="3E4057"/>
+                  </a:solidFill>
+                  <a:latin typeface="Andale Mono" charset="0"/>
+                  <a:ea typeface="Andale Mono" charset="0"/>
+                  <a:cs typeface="Andale Mono" charset="0"/>
+                </a:rPr>
+                <a:t>	</a:t>
+              </a:r>
+              <a:r>
+                <a:rPr lang="en-US" altLang="ja-JP" sz="2000" smtClean="0">
+                  <a:solidFill>
+                    <a:srgbClr val="3E4057"/>
+                  </a:solidFill>
+                  <a:latin typeface="Andale Mono" charset="0"/>
+                  <a:ea typeface="Andale Mono" charset="0"/>
+                  <a:cs typeface="Andale Mono" charset="0"/>
+                </a:rPr>
+                <a:t>}</a:t>
+              </a:r>
+              <a:endParaRPr lang="en-US" altLang="ja-JP" sz="2000">
+                <a:solidFill>
+                  <a:srgbClr val="3E4057"/>
+                </a:solidFill>
+                <a:latin typeface="Andale Mono" charset="0"/>
+                <a:ea typeface="Andale Mono" charset="0"/>
+                <a:cs typeface="Andale Mono" charset="0"/>
+              </a:endParaRPr>
+            </a:p>
+            <a:p>
+              <a:r>
+                <a:rPr lang="en-US" altLang="ja-JP" sz="2000" smtClean="0">
+                  <a:solidFill>
+                    <a:srgbClr val="3E4057"/>
+                  </a:solidFill>
+                  <a:latin typeface="Andale Mono" charset="0"/>
+                  <a:ea typeface="Andale Mono" charset="0"/>
+                  <a:cs typeface="Andale Mono" charset="0"/>
+                </a:rPr>
+                <a:t>}</a:t>
+              </a:r>
+              <a:endParaRPr kumimoji="1" lang="en-US" altLang="ja-JP" sz="2000" smtClean="0">
+                <a:solidFill>
+                  <a:srgbClr val="3E4057"/>
+                </a:solidFill>
+                <a:latin typeface="Andale Mono" charset="0"/>
+                <a:ea typeface="Andale Mono" charset="0"/>
+                <a:cs typeface="Andale Mono" charset="0"/>
+              </a:endParaRPr>
+            </a:p>
+          </p:txBody>
+        </p:sp>
+        <p:sp>
+          <p:nvSpPr>
+            <p:cNvPr id="5" name="テキスト ボックス 4"/>
+            <p:cNvSpPr txBox="1"/>
+            <p:nvPr/>
+          </p:nvSpPr>
+          <p:spPr>
+            <a:xfrm>
+              <a:off x="708448" y="2387427"/>
+              <a:ext cx="479176" cy="1212292"/>
+            </a:xfrm>
+            <a:prstGeom prst="rect">
+              <a:avLst/>
+            </a:prstGeom>
+            <a:solidFill>
+              <a:schemeClr val="accent3">
+                <a:lumMod val="20000"/>
+                <a:lumOff val="80000"/>
+              </a:schemeClr>
+            </a:solidFill>
+            <a:ln cap="rnd">
+              <a:solidFill>
+                <a:schemeClr val="bg1">
+                  <a:lumMod val="50000"/>
+                </a:schemeClr>
+              </a:solidFill>
+            </a:ln>
+          </p:spPr>
+          <p:style>
+            <a:lnRef idx="2">
+              <a:schemeClr val="dk1"/>
+            </a:lnRef>
+            <a:fillRef idx="1">
+              <a:schemeClr val="lt1"/>
+            </a:fillRef>
+            <a:effectRef idx="0">
+              <a:schemeClr val="dk1"/>
+            </a:effectRef>
+            <a:fontRef idx="minor">
+              <a:schemeClr val="dk1"/>
+            </a:fontRef>
+          </p:style>
+          <p:txBody>
+            <a:bodyPr wrap="square" rtlCol="0">
+              <a:spAutoFit/>
+            </a:bodyPr>
+            <a:lstStyle/>
+            <a:p>
+              <a:r>
+                <a:rPr kumimoji="1" lang="en-US" altLang="ja-JP" sz="2000" smtClean="0">
+                  <a:solidFill>
+                    <a:srgbClr val="3E4057"/>
+                  </a:solidFill>
+                  <a:latin typeface="Andale Mono" charset="0"/>
+                  <a:ea typeface="Andale Mono" charset="0"/>
+                  <a:cs typeface="Andale Mono" charset="0"/>
+                </a:rPr>
+                <a:t>1</a:t>
+              </a:r>
+            </a:p>
+            <a:p>
+              <a:r>
+                <a:rPr lang="en-US" altLang="ja-JP" sz="2000" smtClean="0">
+                  <a:solidFill>
+                    <a:srgbClr val="3E4057"/>
+                  </a:solidFill>
+                  <a:latin typeface="Andale Mono" charset="0"/>
+                  <a:ea typeface="Andale Mono" charset="0"/>
+                  <a:cs typeface="Andale Mono" charset="0"/>
+                </a:rPr>
+                <a:t>2</a:t>
+              </a:r>
+            </a:p>
+            <a:p>
+              <a:r>
+                <a:rPr kumimoji="1" lang="en-US" altLang="ja-JP" sz="2000" smtClean="0">
+                  <a:solidFill>
+                    <a:srgbClr val="3E4057"/>
+                  </a:solidFill>
+                  <a:latin typeface="Andale Mono" charset="0"/>
+                  <a:ea typeface="Andale Mono" charset="0"/>
+                  <a:cs typeface="Andale Mono" charset="0"/>
+                </a:rPr>
+                <a:t>3</a:t>
+              </a:r>
+            </a:p>
+            <a:p>
+              <a:r>
+                <a:rPr lang="en-US" altLang="ja-JP" sz="2000" smtClean="0">
+                  <a:solidFill>
+                    <a:srgbClr val="3E4057"/>
+                  </a:solidFill>
+                  <a:latin typeface="Andale Mono" charset="0"/>
+                  <a:ea typeface="Andale Mono" charset="0"/>
+                  <a:cs typeface="Andale Mono" charset="0"/>
+                </a:rPr>
+                <a:t>4</a:t>
+              </a:r>
+            </a:p>
+            <a:p>
+              <a:r>
+                <a:rPr kumimoji="1" lang="en-US" altLang="ja-JP" sz="2000" smtClean="0">
+                  <a:solidFill>
+                    <a:srgbClr val="3E4057"/>
+                  </a:solidFill>
+                  <a:latin typeface="Andale Mono" charset="0"/>
+                  <a:ea typeface="Andale Mono" charset="0"/>
+                  <a:cs typeface="Andale Mono" charset="0"/>
+                </a:rPr>
+                <a:t>5</a:t>
+              </a:r>
+            </a:p>
+            <a:p>
+              <a:r>
+                <a:rPr lang="en-US" altLang="ja-JP" sz="2000" smtClean="0">
+                  <a:solidFill>
+                    <a:srgbClr val="3E4057"/>
+                  </a:solidFill>
+                  <a:latin typeface="Andale Mono" charset="0"/>
+                  <a:ea typeface="Andale Mono" charset="0"/>
+                  <a:cs typeface="Andale Mono" charset="0"/>
+                </a:rPr>
+                <a:t>6</a:t>
+              </a:r>
+            </a:p>
+            <a:p>
+              <a:r>
+                <a:rPr kumimoji="1" lang="en-US" altLang="ja-JP" sz="2000" smtClean="0">
+                  <a:solidFill>
+                    <a:srgbClr val="3E4057"/>
+                  </a:solidFill>
+                  <a:latin typeface="Andale Mono" charset="0"/>
+                  <a:ea typeface="Andale Mono" charset="0"/>
+                  <a:cs typeface="Andale Mono" charset="0"/>
+                </a:rPr>
+                <a:t>7</a:t>
+              </a:r>
+            </a:p>
+            <a:p>
+              <a:r>
+                <a:rPr lang="en-US" altLang="ja-JP" sz="2000" smtClean="0">
+                  <a:solidFill>
+                    <a:srgbClr val="3E4057"/>
+                  </a:solidFill>
+                  <a:latin typeface="Andale Mono" charset="0"/>
+                  <a:ea typeface="Andale Mono" charset="0"/>
+                  <a:cs typeface="Andale Mono" charset="0"/>
+                </a:rPr>
+                <a:t>8</a:t>
+              </a:r>
+            </a:p>
+            <a:p>
+              <a:r>
+                <a:rPr kumimoji="1" lang="en-US" altLang="ja-JP" sz="2000" smtClean="0">
+                  <a:solidFill>
+                    <a:srgbClr val="3E4057"/>
+                  </a:solidFill>
+                  <a:latin typeface="Andale Mono" charset="0"/>
+                  <a:ea typeface="Andale Mono" charset="0"/>
+                  <a:cs typeface="Andale Mono" charset="0"/>
+                </a:rPr>
+                <a:t>9</a:t>
+              </a:r>
+            </a:p>
+            <a:p>
+              <a:r>
+                <a:rPr lang="en-US" altLang="ja-JP" sz="2000" smtClean="0">
+                  <a:solidFill>
+                    <a:srgbClr val="3E4057"/>
+                  </a:solidFill>
+                  <a:latin typeface="Andale Mono" charset="0"/>
+                  <a:ea typeface="Andale Mono" charset="0"/>
+                  <a:cs typeface="Andale Mono" charset="0"/>
+                </a:rPr>
+                <a:t>10</a:t>
+              </a:r>
+            </a:p>
+            <a:p>
+              <a:r>
+                <a:rPr kumimoji="1" lang="en-US" altLang="ja-JP" sz="2000" smtClean="0">
+                  <a:solidFill>
+                    <a:srgbClr val="3E4057"/>
+                  </a:solidFill>
+                  <a:latin typeface="Andale Mono" charset="0"/>
+                  <a:ea typeface="Andale Mono" charset="0"/>
+                  <a:cs typeface="Andale Mono" charset="0"/>
+                </a:rPr>
+                <a:t>11</a:t>
+              </a:r>
+              <a:endParaRPr kumimoji="1" lang="en-US" altLang="ja-JP" sz="2000" smtClean="0">
+                <a:solidFill>
+                  <a:srgbClr val="3E4057"/>
+                </a:solidFill>
+                <a:latin typeface="Andale Mono" charset="0"/>
+                <a:ea typeface="Andale Mono" charset="0"/>
+                <a:cs typeface="Andale Mono" charset="0"/>
+              </a:endParaRPr>
+            </a:p>
+          </p:txBody>
+        </p:sp>
+      </p:grpSp>
+      <p:sp>
+        <p:nvSpPr>
+          <p:cNvPr id="9" name="コンテンツ プレースホルダー 2"/>
+          <p:cNvSpPr txBox="1">
+            <a:spLocks/>
+          </p:cNvSpPr>
+          <p:nvPr/>
+        </p:nvSpPr>
+        <p:spPr>
+          <a:xfrm>
+            <a:off x="457200" y="1600201"/>
+            <a:ext cx="8229600" cy="604664"/>
+          </a:xfrm>
+          <a:prstGeom prst="rect">
+            <a:avLst/>
+          </a:prstGeom>
+        </p:spPr>
+        <p:txBody>
+          <a:bodyPr vert="horz" lIns="91440" tIns="45720" rIns="91440" bIns="45720" rtlCol="0" anchor="ctr">
+            <a:normAutofit/>
+          </a:bodyPr>
+          <a:lstStyle>
+            <a:lvl1pPr marL="342900" indent="-342900" algn="l" defTabSz="914400" rtl="0" eaLnBrk="1" latinLnBrk="0" hangingPunct="1">
+              <a:spcBef>
+                <a:spcPct val="20000"/>
+              </a:spcBef>
+              <a:buFont typeface="Arial" panose="020B0604020202020204" pitchFamily="34" charset="0"/>
+              <a:buChar char="•"/>
+              <a:defRPr kumimoji="1" sz="3200" kern="1200">
+                <a:solidFill>
+                  <a:srgbClr val="3E4057"/>
+                </a:solidFill>
+                <a:latin typeface="メイリオ" panose="020B0604030504040204" pitchFamily="50" charset="-128"/>
+                <a:ea typeface="メイリオ" panose="020B0604030504040204" pitchFamily="50" charset="-128"/>
+                <a:cs typeface="メイリオ" panose="020B0604030504040204" pitchFamily="50" charset="-128"/>
+              </a:defRPr>
+            </a:lvl1pPr>
+            <a:lvl2pPr marL="742950" indent="-285750" algn="l" defTabSz="914400" rtl="0" eaLnBrk="1" latinLnBrk="0" hangingPunct="1">
+              <a:spcBef>
+                <a:spcPct val="20000"/>
+              </a:spcBef>
+              <a:buFont typeface="Arial" panose="020B0604020202020204" pitchFamily="34" charset="0"/>
+              <a:buChar char="–"/>
+              <a:defRPr kumimoji="1" sz="2800" kern="1200">
+                <a:solidFill>
+                  <a:srgbClr val="3E4057"/>
+                </a:solidFill>
+                <a:latin typeface="メイリオ" panose="020B0604030504040204" pitchFamily="50" charset="-128"/>
+                <a:ea typeface="メイリオ" panose="020B0604030504040204" pitchFamily="50" charset="-128"/>
+                <a:cs typeface="メイリオ" panose="020B0604030504040204" pitchFamily="50" charset="-128"/>
+              </a:defRPr>
+            </a:lvl2pPr>
+            <a:lvl3pPr marL="1143000" indent="-228600" algn="l" defTabSz="914400" rtl="0" eaLnBrk="1" latinLnBrk="0" hangingPunct="1">
+              <a:spcBef>
+                <a:spcPct val="20000"/>
+              </a:spcBef>
+              <a:buFont typeface="Arial" panose="020B0604020202020204" pitchFamily="34" charset="0"/>
+              <a:buChar char="•"/>
+              <a:defRPr kumimoji="1" sz="2400" kern="1200">
+                <a:solidFill>
+                  <a:srgbClr val="3E4057"/>
+                </a:solidFill>
+                <a:latin typeface="メイリオ" panose="020B0604030504040204" pitchFamily="50" charset="-128"/>
+                <a:ea typeface="メイリオ" panose="020B0604030504040204" pitchFamily="50" charset="-128"/>
+                <a:cs typeface="メイリオ" panose="020B0604030504040204" pitchFamily="50" charset="-128"/>
+              </a:defRPr>
+            </a:lvl3pPr>
+            <a:lvl4pPr marL="1600200" indent="-228600" algn="l" defTabSz="914400" rtl="0" eaLnBrk="1" latinLnBrk="0" hangingPunct="1">
+              <a:spcBef>
+                <a:spcPct val="20000"/>
+              </a:spcBef>
+              <a:buFont typeface="Arial" panose="020B0604020202020204" pitchFamily="34" charset="0"/>
+              <a:buChar char="–"/>
+              <a:defRPr kumimoji="1" sz="2000" kern="1200">
+                <a:solidFill>
+                  <a:srgbClr val="3E4057"/>
+                </a:solidFill>
+                <a:latin typeface="メイリオ" panose="020B0604030504040204" pitchFamily="50" charset="-128"/>
+                <a:ea typeface="メイリオ" panose="020B0604030504040204" pitchFamily="50" charset="-128"/>
+                <a:cs typeface="メイリオ" panose="020B0604030504040204" pitchFamily="50" charset="-128"/>
+              </a:defRPr>
+            </a:lvl4pPr>
+            <a:lvl5pPr marL="2057400" indent="-228600" algn="l" defTabSz="914400" rtl="0" eaLnBrk="1" latinLnBrk="0" hangingPunct="1">
+              <a:spcBef>
+                <a:spcPct val="20000"/>
+              </a:spcBef>
+              <a:buFont typeface="Arial" panose="020B0604020202020204" pitchFamily="34" charset="0"/>
+              <a:buChar char="»"/>
+              <a:defRPr kumimoji="1" sz="2000" kern="1200">
+                <a:solidFill>
+                  <a:srgbClr val="3E4057"/>
+                </a:solidFill>
+                <a:latin typeface="メイリオ" panose="020B0604030504040204" pitchFamily="50" charset="-128"/>
+                <a:ea typeface="メイリオ" panose="020B0604030504040204" pitchFamily="50" charset="-128"/>
+                <a:cs typeface="メイリオ" panose="020B0604030504040204" pitchFamily="50" charset="-128"/>
+              </a:defRPr>
+            </a:lvl5pPr>
+            <a:lvl6pPr marL="2514600" indent="-228600" algn="l" defTabSz="914400" rtl="0" eaLnBrk="1" latinLnBrk="0" hangingPunct="1">
+              <a:spcBef>
+                <a:spcPct val="20000"/>
+              </a:spcBef>
+              <a:buFont typeface="Arial" panose="020B0604020202020204" pitchFamily="34" charset="0"/>
+              <a:buChar char="•"/>
+              <a:defRPr kumimoji="1" sz="2000" kern="1200">
+                <a:solidFill>
+                  <a:schemeClr val="tx1"/>
+                </a:solidFill>
+                <a:latin typeface="+mn-lt"/>
+                <a:ea typeface="+mn-ea"/>
+                <a:cs typeface="+mn-cs"/>
+              </a:defRPr>
+            </a:lvl6pPr>
+            <a:lvl7pPr marL="2971800" indent="-228600" algn="l" defTabSz="914400" rtl="0" eaLnBrk="1" latinLnBrk="0" hangingPunct="1">
+              <a:spcBef>
+                <a:spcPct val="20000"/>
+              </a:spcBef>
+              <a:buFont typeface="Arial" panose="020B0604020202020204" pitchFamily="34" charset="0"/>
+              <a:buChar char="•"/>
+              <a:defRPr kumimoji="1" sz="2000" kern="1200">
+                <a:solidFill>
+                  <a:schemeClr val="tx1"/>
+                </a:solidFill>
+                <a:latin typeface="+mn-lt"/>
+                <a:ea typeface="+mn-ea"/>
+                <a:cs typeface="+mn-cs"/>
+              </a:defRPr>
+            </a:lvl7pPr>
+            <a:lvl8pPr marL="3429000" indent="-228600" algn="l" defTabSz="914400" rtl="0" eaLnBrk="1" latinLnBrk="0" hangingPunct="1">
+              <a:spcBef>
+                <a:spcPct val="20000"/>
+              </a:spcBef>
+              <a:buFont typeface="Arial" panose="020B0604020202020204" pitchFamily="34" charset="0"/>
+              <a:buChar char="•"/>
+              <a:defRPr kumimoji="1" sz="2000" kern="1200">
+                <a:solidFill>
+                  <a:schemeClr val="tx1"/>
+                </a:solidFill>
+                <a:latin typeface="+mn-lt"/>
+                <a:ea typeface="+mn-ea"/>
+                <a:cs typeface="+mn-cs"/>
+              </a:defRPr>
+            </a:lvl8pPr>
+            <a:lvl9pPr marL="3886200" indent="-228600" algn="l" defTabSz="914400" rtl="0" eaLnBrk="1" latinLnBrk="0" hangingPunct="1">
+              <a:spcBef>
+                <a:spcPct val="20000"/>
+              </a:spcBef>
+              <a:buFont typeface="Arial" panose="020B0604020202020204" pitchFamily="34" charset="0"/>
+              <a:buChar char="•"/>
+              <a:defRPr kumimoji="1" sz="2000" kern="1200">
+                <a:solidFill>
+                  <a:schemeClr val="tx1"/>
+                </a:solidFill>
+                <a:latin typeface="+mn-lt"/>
+                <a:ea typeface="+mn-ea"/>
+                <a:cs typeface="+mn-cs"/>
+              </a:defRPr>
+            </a:lvl9pPr>
+          </a:lstStyle>
+          <a:p>
+            <a:pPr marL="0" indent="0" algn="ctr">
+              <a:buFont typeface="Arial" panose="020B0604020202020204" pitchFamily="34" charset="0"/>
+              <a:buNone/>
+            </a:pPr>
+            <a:r>
+              <a:rPr lang="en-US" altLang="ja-JP" sz="2400" smtClean="0"/>
+              <a:t>Mixin </a:t>
+            </a:r>
+            <a:r>
+              <a:rPr lang="ja-JP" altLang="en-US" sz="2400" smtClean="0"/>
+              <a:t>クラス</a:t>
+            </a:r>
+            <a:r>
+              <a:rPr lang="en-US" altLang="ja-JP" sz="2400" smtClean="0"/>
+              <a:t> </a:t>
+            </a:r>
+            <a:r>
+              <a:rPr lang="ja-JP" altLang="en-US" sz="2400" smtClean="0"/>
+              <a:t>の準備</a:t>
+            </a:r>
+            <a:endParaRPr lang="en-US" altLang="ja-JP" sz="2400" dirty="0"/>
+          </a:p>
+        </p:txBody>
+      </p:sp>
+      <p:sp>
+        <p:nvSpPr>
+          <p:cNvPr id="10" name="スライド番号プレースホルダー 9"/>
+          <p:cNvSpPr>
+            <a:spLocks noGrp="1"/>
+          </p:cNvSpPr>
+          <p:nvPr>
+            <p:ph type="sldNum" sz="quarter" idx="12"/>
+          </p:nvPr>
+        </p:nvSpPr>
+        <p:spPr>
+          <a:xfrm>
+            <a:off x="6635907" y="6250375"/>
+            <a:ext cx="2133600" cy="365125"/>
+          </a:xfrm>
+        </p:spPr>
+        <p:txBody>
+          <a:bodyPr/>
+          <a:lstStyle/>
+          <a:p>
+            <a:fld id="{2397F2D1-65A3-45EE-8E20-32FB97FA5EAD}" type="slidenum">
+              <a:rPr kumimoji="1" lang="ja-JP" altLang="en-US" smtClean="0"/>
+              <a:t>6</a:t>
+            </a:fld>
+            <a:endParaRPr kumimoji="1" lang="ja-JP" altLang="en-US"/>
+          </a:p>
+        </p:txBody>
+      </p:sp>
+      <p:grpSp>
+        <p:nvGrpSpPr>
+          <p:cNvPr id="11" name="図形グループ 10"/>
+          <p:cNvGrpSpPr/>
+          <p:nvPr/>
+        </p:nvGrpSpPr>
+        <p:grpSpPr>
+          <a:xfrm>
+            <a:off x="5364088" y="3492454"/>
+            <a:ext cx="3150196" cy="1267814"/>
+            <a:chOff x="5507871" y="4998209"/>
+            <a:chExt cx="3150196" cy="1267814"/>
+          </a:xfrm>
+        </p:grpSpPr>
+        <p:sp>
+          <p:nvSpPr>
+            <p:cNvPr id="14" name="角丸四角形 13"/>
+            <p:cNvSpPr/>
+            <p:nvPr/>
+          </p:nvSpPr>
+          <p:spPr>
+            <a:xfrm>
+              <a:off x="6506905" y="5921281"/>
+              <a:ext cx="1152128" cy="344742"/>
+            </a:xfrm>
+            <a:prstGeom prst="roundRect">
+              <a:avLst/>
+            </a:prstGeom>
+            <a:solidFill>
+              <a:schemeClr val="accent3">
+                <a:lumMod val="20000"/>
+                <a:lumOff val="80000"/>
+              </a:schemeClr>
+            </a:solidFill>
+            <a:ln>
+              <a:solidFill>
+                <a:srgbClr val="3E4057"/>
+              </a:solidFill>
+            </a:ln>
+          </p:spPr>
+          <p:style>
+            <a:lnRef idx="2">
+              <a:schemeClr val="accent1">
+                <a:shade val="50000"/>
+              </a:schemeClr>
+            </a:lnRef>
+            <a:fillRef idx="1">
+              <a:schemeClr val="accent1"/>
+            </a:fillRef>
+            <a:effectRef idx="0">
+              <a:schemeClr val="accent1"/>
+            </a:effectRef>
+            <a:fontRef idx="minor">
+              <a:schemeClr val="lt1"/>
+            </a:fontRef>
+          </p:style>
+          <p:txBody>
+            <a:bodyPr rtlCol="0" anchor="ctr"/>
+            <a:lstStyle/>
+            <a:p>
+              <a:pPr algn="ctr"/>
+              <a:r>
+                <a:rPr kumimoji="1" lang="ja-JP" altLang="en-US" sz="1400" smtClean="0">
+                  <a:solidFill>
+                    <a:srgbClr val="3E4057"/>
+                  </a:solidFill>
+                  <a:latin typeface="Meiryo" charset="-128"/>
+                  <a:ea typeface="Meiryo" charset="-128"/>
+                  <a:cs typeface="Meiryo" charset="-128"/>
+                </a:rPr>
+                <a:t>クラス</a:t>
+              </a:r>
+              <a:r>
+                <a:rPr kumimoji="1" lang="en-US" altLang="ja-JP" smtClean="0">
+                  <a:solidFill>
+                    <a:srgbClr val="3E4057"/>
+                  </a:solidFill>
+                  <a:latin typeface="Meiryo" charset="-128"/>
+                  <a:ea typeface="Meiryo" charset="-128"/>
+                  <a:cs typeface="Meiryo" charset="-128"/>
+                </a:rPr>
+                <a:t> A</a:t>
+              </a:r>
+              <a:endParaRPr lang="en-US" altLang="ja-JP" sz="1100" smtClean="0">
+                <a:solidFill>
+                  <a:srgbClr val="3E4057"/>
+                </a:solidFill>
+                <a:latin typeface="Meiryo" charset="-128"/>
+                <a:ea typeface="Meiryo" charset="-128"/>
+                <a:cs typeface="Meiryo" charset="-128"/>
+              </a:endParaRPr>
+            </a:p>
+          </p:txBody>
+        </p:sp>
+        <p:sp>
+          <p:nvSpPr>
+            <p:cNvPr id="15" name="角丸四角形 14"/>
+            <p:cNvSpPr/>
+            <p:nvPr/>
+          </p:nvSpPr>
+          <p:spPr>
+            <a:xfrm>
+              <a:off x="5507871" y="4998209"/>
+              <a:ext cx="1152128" cy="344742"/>
+            </a:xfrm>
+            <a:prstGeom prst="roundRect">
+              <a:avLst/>
+            </a:prstGeom>
+            <a:solidFill>
+              <a:schemeClr val="accent3">
+                <a:lumMod val="20000"/>
+                <a:lumOff val="80000"/>
+              </a:schemeClr>
+            </a:solidFill>
+            <a:ln>
+              <a:solidFill>
+                <a:schemeClr val="accent6">
+                  <a:lumMod val="75000"/>
+                </a:schemeClr>
+              </a:solidFill>
+            </a:ln>
+          </p:spPr>
+          <p:style>
+            <a:lnRef idx="2">
+              <a:schemeClr val="accent1">
+                <a:shade val="50000"/>
+              </a:schemeClr>
+            </a:lnRef>
+            <a:fillRef idx="1">
+              <a:schemeClr val="accent1"/>
+            </a:fillRef>
+            <a:effectRef idx="0">
+              <a:schemeClr val="accent1"/>
+            </a:effectRef>
+            <a:fontRef idx="minor">
+              <a:schemeClr val="lt1"/>
+            </a:fontRef>
+          </p:style>
+          <p:txBody>
+            <a:bodyPr rtlCol="0" anchor="ctr"/>
+            <a:lstStyle/>
+            <a:p>
+              <a:pPr algn="ctr"/>
+              <a:r>
+                <a:rPr lang="en-US" altLang="ja-JP" sz="1400" smtClean="0">
+                  <a:solidFill>
+                    <a:srgbClr val="3E4057"/>
+                  </a:solidFill>
+                  <a:latin typeface="Meiryo" charset="-128"/>
+                  <a:ea typeface="Meiryo" charset="-128"/>
+                  <a:cs typeface="Meiryo" charset="-128"/>
+                </a:rPr>
+                <a:t>Mixin</a:t>
+              </a:r>
+              <a:r>
+                <a:rPr kumimoji="1" lang="en-US" altLang="ja-JP" smtClean="0">
+                  <a:solidFill>
+                    <a:srgbClr val="3E4057"/>
+                  </a:solidFill>
+                  <a:latin typeface="Meiryo" charset="-128"/>
+                  <a:ea typeface="Meiryo" charset="-128"/>
+                  <a:cs typeface="Meiryo" charset="-128"/>
+                </a:rPr>
+                <a:t> B</a:t>
+              </a:r>
+              <a:endParaRPr lang="en-US" altLang="ja-JP" sz="1100" smtClean="0">
+                <a:solidFill>
+                  <a:srgbClr val="3E4057"/>
+                </a:solidFill>
+                <a:latin typeface="Meiryo" charset="-128"/>
+                <a:ea typeface="Meiryo" charset="-128"/>
+                <a:cs typeface="Meiryo" charset="-128"/>
+              </a:endParaRPr>
+            </a:p>
+          </p:txBody>
+        </p:sp>
+        <p:cxnSp>
+          <p:nvCxnSpPr>
+            <p:cNvPr id="16" name="直線矢印コネクタ 15"/>
+            <p:cNvCxnSpPr/>
+            <p:nvPr/>
+          </p:nvCxnSpPr>
+          <p:spPr>
+            <a:xfrm>
+              <a:off x="6083935" y="5342951"/>
+              <a:ext cx="999034" cy="578330"/>
+            </a:xfrm>
+            <a:prstGeom prst="straightConnector1">
+              <a:avLst/>
+            </a:prstGeom>
+            <a:ln w="38100">
+              <a:solidFill>
+                <a:schemeClr val="accent6">
+                  <a:lumMod val="75000"/>
+                </a:schemeClr>
+              </a:solidFill>
+              <a:tailEnd type="triangle"/>
+            </a:ln>
+          </p:spPr>
+          <p:style>
+            <a:lnRef idx="1">
+              <a:schemeClr val="accent1"/>
+            </a:lnRef>
+            <a:fillRef idx="0">
+              <a:schemeClr val="accent1"/>
+            </a:fillRef>
+            <a:effectRef idx="0">
+              <a:schemeClr val="accent1"/>
+            </a:effectRef>
+            <a:fontRef idx="minor">
+              <a:schemeClr val="tx1"/>
+            </a:fontRef>
+          </p:style>
+        </p:cxnSp>
+        <p:sp>
+          <p:nvSpPr>
+            <p:cNvPr id="17" name="角丸四角形 16"/>
+            <p:cNvSpPr/>
+            <p:nvPr/>
+          </p:nvSpPr>
+          <p:spPr>
+            <a:xfrm>
+              <a:off x="7505939" y="4998209"/>
+              <a:ext cx="1152128" cy="344742"/>
+            </a:xfrm>
+            <a:prstGeom prst="roundRect">
+              <a:avLst/>
+            </a:prstGeom>
+            <a:solidFill>
+              <a:schemeClr val="accent3">
+                <a:lumMod val="20000"/>
+                <a:lumOff val="80000"/>
+              </a:schemeClr>
+            </a:solidFill>
+            <a:ln>
+              <a:solidFill>
+                <a:schemeClr val="accent6">
+                  <a:lumMod val="75000"/>
+                </a:schemeClr>
+              </a:solidFill>
+            </a:ln>
+          </p:spPr>
+          <p:style>
+            <a:lnRef idx="2">
+              <a:schemeClr val="accent1">
+                <a:shade val="50000"/>
+              </a:schemeClr>
+            </a:lnRef>
+            <a:fillRef idx="1">
+              <a:schemeClr val="accent1"/>
+            </a:fillRef>
+            <a:effectRef idx="0">
+              <a:schemeClr val="accent1"/>
+            </a:effectRef>
+            <a:fontRef idx="minor">
+              <a:schemeClr val="lt1"/>
+            </a:fontRef>
+          </p:style>
+          <p:txBody>
+            <a:bodyPr rtlCol="0" anchor="ctr"/>
+            <a:lstStyle/>
+            <a:p>
+              <a:pPr algn="ctr"/>
+              <a:r>
+                <a:rPr lang="en-US" altLang="ja-JP" sz="1400" smtClean="0">
+                  <a:solidFill>
+                    <a:srgbClr val="3E4057"/>
+                  </a:solidFill>
+                  <a:latin typeface="Meiryo" charset="-128"/>
+                  <a:ea typeface="Meiryo" charset="-128"/>
+                  <a:cs typeface="Meiryo" charset="-128"/>
+                </a:rPr>
+                <a:t>Mixin</a:t>
+              </a:r>
+              <a:r>
+                <a:rPr kumimoji="1" lang="en-US" altLang="ja-JP" smtClean="0">
+                  <a:solidFill>
+                    <a:srgbClr val="3E4057"/>
+                  </a:solidFill>
+                  <a:latin typeface="Meiryo" charset="-128"/>
+                  <a:ea typeface="Meiryo" charset="-128"/>
+                  <a:cs typeface="Meiryo" charset="-128"/>
+                </a:rPr>
+                <a:t> C</a:t>
+              </a:r>
+              <a:endParaRPr lang="en-US" altLang="ja-JP" sz="1100" smtClean="0">
+                <a:solidFill>
+                  <a:srgbClr val="3E4057"/>
+                </a:solidFill>
+                <a:latin typeface="Meiryo" charset="-128"/>
+                <a:ea typeface="Meiryo" charset="-128"/>
+                <a:cs typeface="Meiryo" charset="-128"/>
+              </a:endParaRPr>
+            </a:p>
+          </p:txBody>
+        </p:sp>
+        <p:cxnSp>
+          <p:nvCxnSpPr>
+            <p:cNvPr id="18" name="直線矢印コネクタ 17"/>
+            <p:cNvCxnSpPr/>
+            <p:nvPr/>
+          </p:nvCxnSpPr>
+          <p:spPr>
+            <a:xfrm flipH="1">
+              <a:off x="7082969" y="5342951"/>
+              <a:ext cx="999034" cy="578330"/>
+            </a:xfrm>
+            <a:prstGeom prst="straightConnector1">
+              <a:avLst/>
+            </a:prstGeom>
+            <a:ln w="38100">
+              <a:solidFill>
+                <a:schemeClr val="accent6">
+                  <a:lumMod val="75000"/>
+                </a:schemeClr>
+              </a:solidFill>
+              <a:tailEnd type="triangle"/>
+            </a:ln>
+          </p:spPr>
+          <p:style>
+            <a:lnRef idx="1">
+              <a:schemeClr val="accent1"/>
+            </a:lnRef>
+            <a:fillRef idx="0">
+              <a:schemeClr val="accent1"/>
+            </a:fillRef>
+            <a:effectRef idx="0">
+              <a:schemeClr val="accent1"/>
+            </a:effectRef>
+            <a:fontRef idx="minor">
+              <a:schemeClr val="tx1"/>
+            </a:fontRef>
+          </p:style>
+        </p:cxnSp>
+      </p:grpSp>
+      <p:sp>
+        <p:nvSpPr>
+          <p:cNvPr id="19" name="対角する 2 つの角を丸めた四角形 18"/>
+          <p:cNvSpPr/>
+          <p:nvPr/>
+        </p:nvSpPr>
+        <p:spPr>
+          <a:xfrm>
+            <a:off x="7308304" y="2215667"/>
+            <a:ext cx="1378496" cy="432048"/>
+          </a:xfrm>
+          <a:prstGeom prst="round2DiagRect">
+            <a:avLst>
+              <a:gd name="adj1" fmla="val 41730"/>
+              <a:gd name="adj2" fmla="val 0"/>
+            </a:avLst>
+          </a:prstGeom>
+        </p:spPr>
+        <p:style>
+          <a:lnRef idx="2">
+            <a:schemeClr val="dk1"/>
+          </a:lnRef>
+          <a:fillRef idx="1">
+            <a:schemeClr val="lt1"/>
+          </a:fillRef>
+          <a:effectRef idx="0">
+            <a:schemeClr val="dk1"/>
+          </a:effectRef>
+          <a:fontRef idx="minor">
+            <a:schemeClr val="dk1"/>
+          </a:fontRef>
+        </p:style>
+        <p:txBody>
+          <a:bodyPr rtlCol="0" anchor="ctr"/>
+          <a:lstStyle/>
+          <a:p>
+            <a:pPr algn="ctr"/>
+            <a:r>
+              <a:rPr kumimoji="1" lang="en-US" altLang="ja-JP" sz="1400" smtClean="0">
+                <a:latin typeface="Meiryo" charset="-128"/>
+                <a:ea typeface="Meiryo" charset="-128"/>
+                <a:cs typeface="Meiryo" charset="-128"/>
+              </a:rPr>
+              <a:t>Sample 9</a:t>
+            </a:r>
+            <a:endParaRPr kumimoji="1" lang="ja-JP" altLang="en-US" sz="1400">
+              <a:latin typeface="Meiryo" charset="-128"/>
+              <a:ea typeface="Meiryo" charset="-128"/>
+              <a:cs typeface="Meiryo" charset="-128"/>
+            </a:endParaRPr>
+          </a:p>
+        </p:txBody>
+      </p:sp>
+    </p:spTree>
+    <p:extLst>
+      <p:ext uri="{BB962C8B-B14F-4D97-AF65-F5344CB8AC3E}">
+        <p14:creationId xmlns:p14="http://schemas.microsoft.com/office/powerpoint/2010/main" val="1037782049"/>
+      </p:ext>
+    </p:extLst>
+  </p:cSld>
+  <p:clrMapOvr>
+    <a:masterClrMapping/>
+  </p:clrMapOvr>
+  <p:timing>
+    <p:tnLst>
+      <p:par>
+        <p:cTn id="1" dur="indefinite" restart="never" nodeType="tmRoot"/>
+      </p:par>
+    </p:tnLst>
+  </p:timing>
+</p:sld>
+</file>
+
+<file path=ppt/slides/slide7.xml><?xml version="1.0" encoding="utf-8"?>
+<p:sld xmlns:a="http://schemas.openxmlformats.org/drawingml/2006/main" xmlns:r="http://schemas.openxmlformats.org/officeDocument/2006/relationships" xmlns:p="http://schemas.openxmlformats.org/presentationml/2006/main">
+  <p:cSld>
+    <p:spTree>
+      <p:nvGrpSpPr>
+        <p:cNvPr id="1" name=""/>
+        <p:cNvGrpSpPr/>
+        <p:nvPr/>
+      </p:nvGrpSpPr>
+      <p:grpSpPr>
+        <a:xfrm>
+          <a:off x="0" y="0"/>
+          <a:ext cx="0" cy="0"/>
+          <a:chOff x="0" y="0"/>
+          <a:chExt cx="0" cy="0"/>
+        </a:xfrm>
+      </p:grpSpPr>
+      <p:sp>
+        <p:nvSpPr>
+          <p:cNvPr id="2" name="タイトル 1"/>
+          <p:cNvSpPr>
+            <a:spLocks noGrp="1"/>
+          </p:cNvSpPr>
+          <p:nvPr>
+            <p:ph type="title"/>
+          </p:nvPr>
+        </p:nvSpPr>
+        <p:spPr/>
+        <p:txBody>
+          <a:bodyPr/>
+          <a:lstStyle/>
+          <a:p>
+            <a:r>
+              <a:rPr lang="en-US" altLang="ja-JP" smtClean="0"/>
+              <a:t>Mixins </a:t>
+            </a:r>
+            <a:r>
+              <a:rPr lang="en-US" altLang="ja-JP" sz="2800" smtClean="0"/>
+              <a:t>on </a:t>
+            </a:r>
+            <a:r>
+              <a:rPr lang="en-US" altLang="ja-JP" sz="3600" smtClean="0"/>
+              <a:t>TypeScript</a:t>
+            </a:r>
+            <a:endParaRPr kumimoji="1" lang="ja-JP" altLang="en-US" sz="5400" dirty="0"/>
+          </a:p>
+        </p:txBody>
+      </p:sp>
+      <p:grpSp>
+        <p:nvGrpSpPr>
+          <p:cNvPr id="6" name="図形グループ 5"/>
+          <p:cNvGrpSpPr/>
+          <p:nvPr/>
+        </p:nvGrpSpPr>
+        <p:grpSpPr>
+          <a:xfrm>
+            <a:off x="323528" y="2387424"/>
+            <a:ext cx="8363272" cy="4093431"/>
+            <a:chOff x="708448" y="2387427"/>
+            <a:chExt cx="7978352" cy="1426858"/>
+          </a:xfrm>
+        </p:grpSpPr>
+        <p:sp>
+          <p:nvSpPr>
+            <p:cNvPr id="4" name="テキスト ボックス 3"/>
+            <p:cNvSpPr txBox="1"/>
+            <p:nvPr/>
+          </p:nvSpPr>
+          <p:spPr>
+            <a:xfrm>
+              <a:off x="1187624" y="2387428"/>
+              <a:ext cx="7499176" cy="1426857"/>
+            </a:xfrm>
+            <a:prstGeom prst="rect">
+              <a:avLst/>
+            </a:prstGeom>
+            <a:solidFill>
+              <a:schemeClr val="accent3">
+                <a:lumMod val="20000"/>
+                <a:lumOff val="80000"/>
+              </a:schemeClr>
+            </a:solidFill>
+            <a:ln cap="rnd">
+              <a:solidFill>
+                <a:schemeClr val="bg1">
+                  <a:lumMod val="50000"/>
+                </a:schemeClr>
+              </a:solidFill>
+            </a:ln>
+          </p:spPr>
+          <p:style>
+            <a:lnRef idx="2">
+              <a:schemeClr val="dk1"/>
+            </a:lnRef>
+            <a:fillRef idx="1">
+              <a:schemeClr val="lt1"/>
+            </a:fillRef>
+            <a:effectRef idx="0">
+              <a:schemeClr val="dk1"/>
+            </a:effectRef>
+            <a:fontRef idx="minor">
+              <a:schemeClr val="dk1"/>
+            </a:fontRef>
+          </p:style>
+          <p:txBody>
+            <a:bodyPr wrap="square" rtlCol="0">
+              <a:spAutoFit/>
+            </a:bodyPr>
+            <a:lstStyle/>
+            <a:p>
+              <a:r>
+                <a:rPr lang="en-US" altLang="ja-JP" sz="2000" b="1" smtClean="0">
+                  <a:solidFill>
+                    <a:srgbClr val="3E4057"/>
+                  </a:solidFill>
+                  <a:latin typeface="Andale Mono" charset="0"/>
+                  <a:ea typeface="Andale Mono" charset="0"/>
+                  <a:cs typeface="Andale Mono" charset="0"/>
+                </a:rPr>
+                <a:t>class A </a:t>
+              </a:r>
+              <a:r>
+                <a:rPr lang="en-US" altLang="ja-JP" sz="2000" b="1" smtClean="0">
+                  <a:solidFill>
+                    <a:schemeClr val="accent6">
+                      <a:lumMod val="75000"/>
+                    </a:schemeClr>
+                  </a:solidFill>
+                  <a:latin typeface="Andale Mono" charset="0"/>
+                  <a:ea typeface="Andale Mono" charset="0"/>
+                  <a:cs typeface="Andale Mono" charset="0"/>
+                </a:rPr>
+                <a:t>implements MixinB, MixinC </a:t>
+              </a:r>
+              <a:r>
+                <a:rPr lang="en-US" altLang="ja-JP" sz="2000" smtClean="0">
+                  <a:solidFill>
+                    <a:srgbClr val="3E4057"/>
+                  </a:solidFill>
+                  <a:latin typeface="Andale Mono" charset="0"/>
+                  <a:ea typeface="Andale Mono" charset="0"/>
+                  <a:cs typeface="Andale Mono" charset="0"/>
+                </a:rPr>
+                <a:t>{</a:t>
+              </a:r>
+            </a:p>
+            <a:p>
+              <a:r>
+                <a:rPr lang="en-US" altLang="ja-JP" sz="2000">
+                  <a:solidFill>
+                    <a:srgbClr val="3E4057"/>
+                  </a:solidFill>
+                  <a:latin typeface="Andale Mono" charset="0"/>
+                  <a:ea typeface="Andale Mono" charset="0"/>
+                  <a:cs typeface="Andale Mono" charset="0"/>
+                </a:rPr>
+                <a:t>	</a:t>
+              </a:r>
+              <a:r>
+                <a:rPr lang="en-US" altLang="ja-JP" sz="2000" smtClean="0">
+                  <a:solidFill>
+                    <a:srgbClr val="3E4057"/>
+                  </a:solidFill>
+                  <a:latin typeface="Andale Mono" charset="0"/>
+                  <a:ea typeface="Andale Mono" charset="0"/>
+                  <a:cs typeface="Andale Mono" charset="0"/>
+                </a:rPr>
+                <a:t>// MixinB, MixinC </a:t>
+              </a:r>
+              <a:r>
+                <a:rPr lang="ja-JP" altLang="en-US" sz="2000" smtClean="0">
+                  <a:solidFill>
+                    <a:srgbClr val="3E4057"/>
+                  </a:solidFill>
+                  <a:latin typeface="Andale Mono" charset="0"/>
+                  <a:ea typeface="Andale Mono" charset="0"/>
+                  <a:cs typeface="Andale Mono" charset="0"/>
+                </a:rPr>
+                <a:t>のメンバを宣言</a:t>
+              </a:r>
+              <a:endParaRPr lang="en-US" altLang="ja-JP" sz="2000" smtClean="0">
+                <a:solidFill>
+                  <a:srgbClr val="3E4057"/>
+                </a:solidFill>
+                <a:latin typeface="Andale Mono" charset="0"/>
+                <a:ea typeface="Andale Mono" charset="0"/>
+                <a:cs typeface="Andale Mono" charset="0"/>
+              </a:endParaRPr>
+            </a:p>
+            <a:p>
+              <a:r>
+                <a:rPr kumimoji="1" lang="en-US" altLang="ja-JP" sz="2000" smtClean="0">
+                  <a:solidFill>
+                    <a:srgbClr val="3E4057"/>
+                  </a:solidFill>
+                  <a:latin typeface="Andale Mono" charset="0"/>
+                  <a:ea typeface="Andale Mono" charset="0"/>
+                  <a:cs typeface="Andale Mono" charset="0"/>
+                </a:rPr>
+                <a:t>	</a:t>
+              </a:r>
+              <a:r>
+                <a:rPr kumimoji="1" lang="en-US" altLang="ja-JP" sz="2000" b="1" smtClean="0">
+                  <a:solidFill>
+                    <a:srgbClr val="3E4057"/>
+                  </a:solidFill>
+                  <a:latin typeface="Andale Mono" charset="0"/>
+                  <a:ea typeface="Andale Mono" charset="0"/>
+                  <a:cs typeface="Andale Mono" charset="0"/>
+                </a:rPr>
+                <a:t>hello:() =&gt; void;</a:t>
+              </a:r>
+            </a:p>
+            <a:p>
+              <a:r>
+                <a:rPr lang="en-US" altLang="ja-JP" sz="2000">
+                  <a:solidFill>
+                    <a:srgbClr val="3E4057"/>
+                  </a:solidFill>
+                  <a:latin typeface="Andale Mono" charset="0"/>
+                  <a:ea typeface="Andale Mono" charset="0"/>
+                  <a:cs typeface="Andale Mono" charset="0"/>
+                </a:rPr>
+                <a:t>	</a:t>
+              </a:r>
+              <a:r>
+                <a:rPr lang="en-US" altLang="ja-JP" sz="2000" b="1" smtClean="0">
+                  <a:solidFill>
+                    <a:srgbClr val="3E4057"/>
+                  </a:solidFill>
+                  <a:latin typeface="Andale Mono" charset="0"/>
+                  <a:ea typeface="Andale Mono" charset="0"/>
+                  <a:cs typeface="Andale Mono" charset="0"/>
+                </a:rPr>
+                <a:t>bye:() =&gt; void;</a:t>
+              </a:r>
+              <a:endParaRPr kumimoji="1" lang="en-US" altLang="ja-JP" sz="2000" b="1">
+                <a:solidFill>
+                  <a:srgbClr val="3E4057"/>
+                </a:solidFill>
+                <a:latin typeface="Andale Mono" charset="0"/>
+                <a:ea typeface="Andale Mono" charset="0"/>
+                <a:cs typeface="Andale Mono" charset="0"/>
+              </a:endParaRPr>
+            </a:p>
+            <a:p>
+              <a:r>
+                <a:rPr lang="en-US" altLang="ja-JP" sz="2000" smtClean="0">
+                  <a:solidFill>
+                    <a:srgbClr val="3E4057"/>
+                  </a:solidFill>
+                  <a:latin typeface="Andale Mono" charset="0"/>
+                  <a:ea typeface="Andale Mono" charset="0"/>
+                  <a:cs typeface="Andale Mono" charset="0"/>
+                </a:rPr>
+                <a:t>}</a:t>
+              </a:r>
+            </a:p>
+            <a:p>
+              <a:endParaRPr lang="en-US" altLang="ja-JP" sz="2000" smtClean="0">
+                <a:solidFill>
+                  <a:srgbClr val="3E4057"/>
+                </a:solidFill>
+                <a:latin typeface="Andale Mono" charset="0"/>
+                <a:ea typeface="Andale Mono" charset="0"/>
+                <a:cs typeface="Andale Mono" charset="0"/>
+              </a:endParaRPr>
+            </a:p>
+            <a:p>
+              <a:r>
+                <a:rPr kumimoji="1" lang="en-US" altLang="ja-JP" sz="2000" smtClean="0">
+                  <a:solidFill>
+                    <a:srgbClr val="3E4057"/>
+                  </a:solidFill>
+                  <a:latin typeface="Andale Mono" charset="0"/>
+                  <a:ea typeface="Andale Mono" charset="0"/>
+                  <a:cs typeface="Andale Mono" charset="0"/>
+                </a:rPr>
+                <a:t>// </a:t>
+              </a:r>
+              <a:r>
+                <a:rPr kumimoji="1" lang="ja-JP" altLang="en-US" sz="2000" smtClean="0">
+                  <a:solidFill>
+                    <a:srgbClr val="3E4057"/>
+                  </a:solidFill>
+                  <a:latin typeface="Andale Mono" charset="0"/>
+                  <a:ea typeface="Andale Mono" charset="0"/>
+                  <a:cs typeface="Andale Mono" charset="0"/>
+                </a:rPr>
+                <a:t>メンバの実装をバインディング</a:t>
+              </a:r>
+              <a:endParaRPr kumimoji="1" lang="en-US" altLang="ja-JP" sz="2000">
+                <a:solidFill>
+                  <a:srgbClr val="3E4057"/>
+                </a:solidFill>
+                <a:latin typeface="Andale Mono" charset="0"/>
+                <a:ea typeface="Andale Mono" charset="0"/>
+                <a:cs typeface="Andale Mono" charset="0"/>
+              </a:endParaRPr>
+            </a:p>
+            <a:p>
+              <a:r>
+                <a:rPr kumimoji="1" lang="en-US" altLang="ja-JP" sz="2000" b="1" smtClean="0">
+                  <a:solidFill>
+                    <a:srgbClr val="3E4057"/>
+                  </a:solidFill>
+                  <a:latin typeface="Andale Mono" charset="0"/>
+                  <a:ea typeface="Andale Mono" charset="0"/>
+                  <a:cs typeface="Andale Mono" charset="0"/>
+                </a:rPr>
+                <a:t>A.prototype[“hello”] = MixinB.prototype[“hello”];</a:t>
+              </a:r>
+            </a:p>
+            <a:p>
+              <a:r>
+                <a:rPr lang="en-US" altLang="ja-JP" sz="2000" b="1">
+                  <a:solidFill>
+                    <a:srgbClr val="3E4057"/>
+                  </a:solidFill>
+                  <a:latin typeface="Andale Mono" charset="0"/>
+                  <a:ea typeface="Andale Mono" charset="0"/>
+                  <a:cs typeface="Andale Mono" charset="0"/>
+                </a:rPr>
+                <a:t>A</a:t>
+              </a:r>
+              <a:r>
+                <a:rPr lang="en-US" altLang="ja-JP" sz="2000" b="1" smtClean="0">
+                  <a:solidFill>
+                    <a:srgbClr val="3E4057"/>
+                  </a:solidFill>
+                  <a:latin typeface="Andale Mono" charset="0"/>
+                  <a:ea typeface="Andale Mono" charset="0"/>
+                  <a:cs typeface="Andale Mono" charset="0"/>
+                </a:rPr>
+                <a:t>.prototype[“bye”] = MixinC.prototype[“bye”];</a:t>
+              </a:r>
+            </a:p>
+            <a:p>
+              <a:endParaRPr kumimoji="1" lang="en-US" altLang="ja-JP" sz="2000">
+                <a:solidFill>
+                  <a:srgbClr val="3E4057"/>
+                </a:solidFill>
+                <a:latin typeface="Andale Mono" charset="0"/>
+                <a:ea typeface="Andale Mono" charset="0"/>
+                <a:cs typeface="Andale Mono" charset="0"/>
+              </a:endParaRPr>
+            </a:p>
+            <a:p>
+              <a:r>
+                <a:rPr lang="en-US" altLang="ja-JP" sz="2000" smtClean="0">
+                  <a:solidFill>
+                    <a:srgbClr val="3E4057"/>
+                  </a:solidFill>
+                  <a:latin typeface="Andale Mono" charset="0"/>
+                  <a:ea typeface="Andale Mono" charset="0"/>
+                  <a:cs typeface="Andale Mono" charset="0"/>
+                </a:rPr>
+                <a:t>var </a:t>
+              </a:r>
+              <a:r>
+                <a:rPr lang="en-US" altLang="ja-JP" sz="2000" b="1" smtClean="0">
+                  <a:solidFill>
+                    <a:srgbClr val="3E4057"/>
+                  </a:solidFill>
+                  <a:latin typeface="Andale Mono" charset="0"/>
+                  <a:ea typeface="Andale Mono" charset="0"/>
+                  <a:cs typeface="Andale Mono" charset="0"/>
+                </a:rPr>
+                <a:t>a: A = new A;</a:t>
+              </a:r>
+            </a:p>
+            <a:p>
+              <a:r>
+                <a:rPr kumimoji="1" lang="en-US" altLang="ja-JP" sz="2000" b="1" smtClean="0">
+                  <a:solidFill>
+                    <a:srgbClr val="3E4057"/>
+                  </a:solidFill>
+                  <a:latin typeface="Andale Mono" charset="0"/>
+                  <a:ea typeface="Andale Mono" charset="0"/>
+                  <a:cs typeface="Andale Mono" charset="0"/>
+                </a:rPr>
+                <a:t>a.hello();</a:t>
+              </a:r>
+            </a:p>
+            <a:p>
+              <a:r>
+                <a:rPr lang="en-US" altLang="ja-JP" sz="2000" b="1" smtClean="0">
+                  <a:solidFill>
+                    <a:srgbClr val="3E4057"/>
+                  </a:solidFill>
+                  <a:latin typeface="Andale Mono" charset="0"/>
+                  <a:ea typeface="Andale Mono" charset="0"/>
+                  <a:cs typeface="Andale Mono" charset="0"/>
+                </a:rPr>
+                <a:t>a.bye();</a:t>
+              </a:r>
+              <a:endParaRPr kumimoji="1" lang="en-US" altLang="ja-JP" sz="2000" b="1" smtClean="0">
+                <a:solidFill>
+                  <a:srgbClr val="3E4057"/>
+                </a:solidFill>
+                <a:latin typeface="Andale Mono" charset="0"/>
+                <a:ea typeface="Andale Mono" charset="0"/>
+                <a:cs typeface="Andale Mono" charset="0"/>
+              </a:endParaRPr>
+            </a:p>
+          </p:txBody>
+        </p:sp>
+        <p:sp>
+          <p:nvSpPr>
+            <p:cNvPr id="5" name="テキスト ボックス 4"/>
+            <p:cNvSpPr txBox="1"/>
+            <p:nvPr/>
+          </p:nvSpPr>
+          <p:spPr>
+            <a:xfrm>
+              <a:off x="708448" y="2387427"/>
+              <a:ext cx="479176" cy="1426857"/>
+            </a:xfrm>
+            <a:prstGeom prst="rect">
+              <a:avLst/>
+            </a:prstGeom>
+            <a:solidFill>
+              <a:schemeClr val="accent3">
+                <a:lumMod val="20000"/>
+                <a:lumOff val="80000"/>
+              </a:schemeClr>
+            </a:solidFill>
+            <a:ln cap="rnd">
+              <a:solidFill>
+                <a:schemeClr val="bg1">
+                  <a:lumMod val="50000"/>
+                </a:schemeClr>
+              </a:solidFill>
+            </a:ln>
+          </p:spPr>
+          <p:style>
+            <a:lnRef idx="2">
+              <a:schemeClr val="dk1"/>
+            </a:lnRef>
+            <a:fillRef idx="1">
+              <a:schemeClr val="lt1"/>
+            </a:fillRef>
+            <a:effectRef idx="0">
+              <a:schemeClr val="dk1"/>
+            </a:effectRef>
+            <a:fontRef idx="minor">
+              <a:schemeClr val="dk1"/>
+            </a:fontRef>
+          </p:style>
+          <p:txBody>
+            <a:bodyPr wrap="square" rtlCol="0">
+              <a:spAutoFit/>
+            </a:bodyPr>
+            <a:lstStyle/>
+            <a:p>
+              <a:r>
+                <a:rPr kumimoji="1" lang="en-US" altLang="ja-JP" sz="2000" smtClean="0">
+                  <a:solidFill>
+                    <a:srgbClr val="3E4057"/>
+                  </a:solidFill>
+                  <a:latin typeface="Andale Mono" charset="0"/>
+                  <a:ea typeface="Andale Mono" charset="0"/>
+                  <a:cs typeface="Andale Mono" charset="0"/>
+                </a:rPr>
+                <a:t>13</a:t>
+              </a:r>
+              <a:endParaRPr kumimoji="1" lang="en-US" altLang="ja-JP" sz="2000" smtClean="0">
+                <a:solidFill>
+                  <a:srgbClr val="3E4057"/>
+                </a:solidFill>
+                <a:latin typeface="Andale Mono" charset="0"/>
+                <a:ea typeface="Andale Mono" charset="0"/>
+                <a:cs typeface="Andale Mono" charset="0"/>
+              </a:endParaRPr>
+            </a:p>
+            <a:p>
+              <a:r>
+                <a:rPr lang="en-US" altLang="ja-JP" sz="2000" smtClean="0">
+                  <a:solidFill>
+                    <a:srgbClr val="3E4057"/>
+                  </a:solidFill>
+                  <a:latin typeface="Andale Mono" charset="0"/>
+                  <a:ea typeface="Andale Mono" charset="0"/>
+                  <a:cs typeface="Andale Mono" charset="0"/>
+                </a:rPr>
+                <a:t>14</a:t>
+              </a:r>
+            </a:p>
+            <a:p>
+              <a:r>
+                <a:rPr kumimoji="1" lang="en-US" altLang="ja-JP" sz="2000" smtClean="0">
+                  <a:solidFill>
+                    <a:srgbClr val="3E4057"/>
+                  </a:solidFill>
+                  <a:latin typeface="Andale Mono" charset="0"/>
+                  <a:ea typeface="Andale Mono" charset="0"/>
+                  <a:cs typeface="Andale Mono" charset="0"/>
+                </a:rPr>
+                <a:t>15</a:t>
+              </a:r>
+            </a:p>
+            <a:p>
+              <a:r>
+                <a:rPr lang="en-US" altLang="ja-JP" sz="2000" smtClean="0">
+                  <a:solidFill>
+                    <a:srgbClr val="3E4057"/>
+                  </a:solidFill>
+                  <a:latin typeface="Andale Mono" charset="0"/>
+                  <a:ea typeface="Andale Mono" charset="0"/>
+                  <a:cs typeface="Andale Mono" charset="0"/>
+                </a:rPr>
+                <a:t>16</a:t>
+              </a:r>
+            </a:p>
+            <a:p>
+              <a:r>
+                <a:rPr kumimoji="1" lang="en-US" altLang="ja-JP" sz="2000" smtClean="0">
+                  <a:solidFill>
+                    <a:srgbClr val="3E4057"/>
+                  </a:solidFill>
+                  <a:latin typeface="Andale Mono" charset="0"/>
+                  <a:ea typeface="Andale Mono" charset="0"/>
+                  <a:cs typeface="Andale Mono" charset="0"/>
+                </a:rPr>
+                <a:t>17</a:t>
+              </a:r>
+            </a:p>
+            <a:p>
+              <a:r>
+                <a:rPr lang="en-US" altLang="ja-JP" sz="2000" smtClean="0">
+                  <a:solidFill>
+                    <a:srgbClr val="3E4057"/>
+                  </a:solidFill>
+                  <a:latin typeface="Andale Mono" charset="0"/>
+                  <a:ea typeface="Andale Mono" charset="0"/>
+                  <a:cs typeface="Andale Mono" charset="0"/>
+                </a:rPr>
+                <a:t>18</a:t>
+              </a:r>
+            </a:p>
+            <a:p>
+              <a:r>
+                <a:rPr kumimoji="1" lang="en-US" altLang="ja-JP" sz="2000" smtClean="0">
+                  <a:solidFill>
+                    <a:srgbClr val="3E4057"/>
+                  </a:solidFill>
+                  <a:latin typeface="Andale Mono" charset="0"/>
+                  <a:ea typeface="Andale Mono" charset="0"/>
+                  <a:cs typeface="Andale Mono" charset="0"/>
+                </a:rPr>
+                <a:t>19</a:t>
+              </a:r>
+            </a:p>
+            <a:p>
+              <a:r>
+                <a:rPr lang="en-US" altLang="ja-JP" sz="2000" smtClean="0">
+                  <a:solidFill>
+                    <a:srgbClr val="3E4057"/>
+                  </a:solidFill>
+                  <a:latin typeface="Andale Mono" charset="0"/>
+                  <a:ea typeface="Andale Mono" charset="0"/>
+                  <a:cs typeface="Andale Mono" charset="0"/>
+                </a:rPr>
+                <a:t>20</a:t>
+              </a:r>
+            </a:p>
+            <a:p>
+              <a:r>
+                <a:rPr kumimoji="1" lang="en-US" altLang="ja-JP" sz="2000" smtClean="0">
+                  <a:solidFill>
+                    <a:srgbClr val="3E4057"/>
+                  </a:solidFill>
+                  <a:latin typeface="Andale Mono" charset="0"/>
+                  <a:ea typeface="Andale Mono" charset="0"/>
+                  <a:cs typeface="Andale Mono" charset="0"/>
+                </a:rPr>
+                <a:t>21</a:t>
+              </a:r>
+            </a:p>
+            <a:p>
+              <a:r>
+                <a:rPr lang="en-US" altLang="ja-JP" sz="2000" smtClean="0">
+                  <a:solidFill>
+                    <a:srgbClr val="3E4057"/>
+                  </a:solidFill>
+                  <a:latin typeface="Andale Mono" charset="0"/>
+                  <a:ea typeface="Andale Mono" charset="0"/>
+                  <a:cs typeface="Andale Mono" charset="0"/>
+                </a:rPr>
+                <a:t>22</a:t>
+              </a:r>
+            </a:p>
+            <a:p>
+              <a:r>
+                <a:rPr kumimoji="1" lang="en-US" altLang="ja-JP" sz="2000" smtClean="0">
+                  <a:solidFill>
+                    <a:srgbClr val="3E4057"/>
+                  </a:solidFill>
+                  <a:latin typeface="Andale Mono" charset="0"/>
+                  <a:ea typeface="Andale Mono" charset="0"/>
+                  <a:cs typeface="Andale Mono" charset="0"/>
+                </a:rPr>
+                <a:t>23</a:t>
+              </a:r>
+            </a:p>
+            <a:p>
+              <a:r>
+                <a:rPr lang="en-US" altLang="ja-JP" sz="2000" smtClean="0">
+                  <a:solidFill>
+                    <a:srgbClr val="3E4057"/>
+                  </a:solidFill>
+                  <a:latin typeface="Andale Mono" charset="0"/>
+                  <a:ea typeface="Andale Mono" charset="0"/>
+                  <a:cs typeface="Andale Mono" charset="0"/>
+                </a:rPr>
+                <a:t>24</a:t>
+              </a:r>
+            </a:p>
+            <a:p>
+              <a:r>
+                <a:rPr kumimoji="1" lang="en-US" altLang="ja-JP" sz="2000" smtClean="0">
+                  <a:solidFill>
+                    <a:srgbClr val="3E4057"/>
+                  </a:solidFill>
+                  <a:latin typeface="Andale Mono" charset="0"/>
+                  <a:ea typeface="Andale Mono" charset="0"/>
+                  <a:cs typeface="Andale Mono" charset="0"/>
+                </a:rPr>
+                <a:t>25</a:t>
+              </a:r>
+              <a:endParaRPr kumimoji="1" lang="en-US" altLang="ja-JP" sz="2000" smtClean="0">
+                <a:solidFill>
+                  <a:srgbClr val="3E4057"/>
+                </a:solidFill>
+                <a:latin typeface="Andale Mono" charset="0"/>
+                <a:ea typeface="Andale Mono" charset="0"/>
+                <a:cs typeface="Andale Mono" charset="0"/>
+              </a:endParaRPr>
+            </a:p>
+          </p:txBody>
+        </p:sp>
+      </p:grpSp>
+      <p:sp>
+        <p:nvSpPr>
+          <p:cNvPr id="9" name="コンテンツ プレースホルダー 2"/>
+          <p:cNvSpPr txBox="1">
+            <a:spLocks/>
+          </p:cNvSpPr>
+          <p:nvPr/>
+        </p:nvSpPr>
+        <p:spPr>
+          <a:xfrm>
+            <a:off x="457200" y="1600201"/>
+            <a:ext cx="8229600" cy="604664"/>
+          </a:xfrm>
+          <a:prstGeom prst="rect">
+            <a:avLst/>
+          </a:prstGeom>
+        </p:spPr>
+        <p:txBody>
+          <a:bodyPr vert="horz" lIns="91440" tIns="45720" rIns="91440" bIns="45720" rtlCol="0" anchor="ctr">
+            <a:normAutofit/>
+          </a:bodyPr>
+          <a:lstStyle>
+            <a:lvl1pPr marL="342900" indent="-342900" algn="l" defTabSz="914400" rtl="0" eaLnBrk="1" latinLnBrk="0" hangingPunct="1">
+              <a:spcBef>
+                <a:spcPct val="20000"/>
+              </a:spcBef>
+              <a:buFont typeface="Arial" panose="020B0604020202020204" pitchFamily="34" charset="0"/>
+              <a:buChar char="•"/>
+              <a:defRPr kumimoji="1" sz="3200" kern="1200">
+                <a:solidFill>
+                  <a:srgbClr val="3E4057"/>
+                </a:solidFill>
+                <a:latin typeface="メイリオ" panose="020B0604030504040204" pitchFamily="50" charset="-128"/>
+                <a:ea typeface="メイリオ" panose="020B0604030504040204" pitchFamily="50" charset="-128"/>
+                <a:cs typeface="メイリオ" panose="020B0604030504040204" pitchFamily="50" charset="-128"/>
+              </a:defRPr>
+            </a:lvl1pPr>
+            <a:lvl2pPr marL="742950" indent="-285750" algn="l" defTabSz="914400" rtl="0" eaLnBrk="1" latinLnBrk="0" hangingPunct="1">
+              <a:spcBef>
+                <a:spcPct val="20000"/>
+              </a:spcBef>
+              <a:buFont typeface="Arial" panose="020B0604020202020204" pitchFamily="34" charset="0"/>
+              <a:buChar char="–"/>
+              <a:defRPr kumimoji="1" sz="2800" kern="1200">
+                <a:solidFill>
+                  <a:srgbClr val="3E4057"/>
+                </a:solidFill>
+                <a:latin typeface="メイリオ" panose="020B0604030504040204" pitchFamily="50" charset="-128"/>
+                <a:ea typeface="メイリオ" panose="020B0604030504040204" pitchFamily="50" charset="-128"/>
+                <a:cs typeface="メイリオ" panose="020B0604030504040204" pitchFamily="50" charset="-128"/>
+              </a:defRPr>
+            </a:lvl2pPr>
+            <a:lvl3pPr marL="1143000" indent="-228600" algn="l" defTabSz="914400" rtl="0" eaLnBrk="1" latinLnBrk="0" hangingPunct="1">
+              <a:spcBef>
+                <a:spcPct val="20000"/>
+              </a:spcBef>
+              <a:buFont typeface="Arial" panose="020B0604020202020204" pitchFamily="34" charset="0"/>
+              <a:buChar char="•"/>
+              <a:defRPr kumimoji="1" sz="2400" kern="1200">
+                <a:solidFill>
+                  <a:srgbClr val="3E4057"/>
+                </a:solidFill>
+                <a:latin typeface="メイリオ" panose="020B0604030504040204" pitchFamily="50" charset="-128"/>
+                <a:ea typeface="メイリオ" panose="020B0604030504040204" pitchFamily="50" charset="-128"/>
+                <a:cs typeface="メイリオ" panose="020B0604030504040204" pitchFamily="50" charset="-128"/>
+              </a:defRPr>
+            </a:lvl3pPr>
+            <a:lvl4pPr marL="1600200" indent="-228600" algn="l" defTabSz="914400" rtl="0" eaLnBrk="1" latinLnBrk="0" hangingPunct="1">
+              <a:spcBef>
+                <a:spcPct val="20000"/>
+              </a:spcBef>
+              <a:buFont typeface="Arial" panose="020B0604020202020204" pitchFamily="34" charset="0"/>
+              <a:buChar char="–"/>
+              <a:defRPr kumimoji="1" sz="2000" kern="1200">
+                <a:solidFill>
+                  <a:srgbClr val="3E4057"/>
+                </a:solidFill>
+                <a:latin typeface="メイリオ" panose="020B0604030504040204" pitchFamily="50" charset="-128"/>
+                <a:ea typeface="メイリオ" panose="020B0604030504040204" pitchFamily="50" charset="-128"/>
+                <a:cs typeface="メイリオ" panose="020B0604030504040204" pitchFamily="50" charset="-128"/>
+              </a:defRPr>
+            </a:lvl4pPr>
+            <a:lvl5pPr marL="2057400" indent="-228600" algn="l" defTabSz="914400" rtl="0" eaLnBrk="1" latinLnBrk="0" hangingPunct="1">
+              <a:spcBef>
+                <a:spcPct val="20000"/>
+              </a:spcBef>
+              <a:buFont typeface="Arial" panose="020B0604020202020204" pitchFamily="34" charset="0"/>
+              <a:buChar char="»"/>
+              <a:defRPr kumimoji="1" sz="2000" kern="1200">
+                <a:solidFill>
+                  <a:srgbClr val="3E4057"/>
+                </a:solidFill>
+                <a:latin typeface="メイリオ" panose="020B0604030504040204" pitchFamily="50" charset="-128"/>
+                <a:ea typeface="メイリオ" panose="020B0604030504040204" pitchFamily="50" charset="-128"/>
+                <a:cs typeface="メイリオ" panose="020B0604030504040204" pitchFamily="50" charset="-128"/>
+              </a:defRPr>
+            </a:lvl5pPr>
+            <a:lvl6pPr marL="2514600" indent="-228600" algn="l" defTabSz="914400" rtl="0" eaLnBrk="1" latinLnBrk="0" hangingPunct="1">
+              <a:spcBef>
+                <a:spcPct val="20000"/>
+              </a:spcBef>
+              <a:buFont typeface="Arial" panose="020B0604020202020204" pitchFamily="34" charset="0"/>
+              <a:buChar char="•"/>
+              <a:defRPr kumimoji="1" sz="2000" kern="1200">
+                <a:solidFill>
+                  <a:schemeClr val="tx1"/>
+                </a:solidFill>
+                <a:latin typeface="+mn-lt"/>
+                <a:ea typeface="+mn-ea"/>
+                <a:cs typeface="+mn-cs"/>
+              </a:defRPr>
+            </a:lvl6pPr>
+            <a:lvl7pPr marL="2971800" indent="-228600" algn="l" defTabSz="914400" rtl="0" eaLnBrk="1" latinLnBrk="0" hangingPunct="1">
+              <a:spcBef>
+                <a:spcPct val="20000"/>
+              </a:spcBef>
+              <a:buFont typeface="Arial" panose="020B0604020202020204" pitchFamily="34" charset="0"/>
+              <a:buChar char="•"/>
+              <a:defRPr kumimoji="1" sz="2000" kern="1200">
+                <a:solidFill>
+                  <a:schemeClr val="tx1"/>
+                </a:solidFill>
+                <a:latin typeface="+mn-lt"/>
+                <a:ea typeface="+mn-ea"/>
+                <a:cs typeface="+mn-cs"/>
+              </a:defRPr>
+            </a:lvl7pPr>
+            <a:lvl8pPr marL="3429000" indent="-228600" algn="l" defTabSz="914400" rtl="0" eaLnBrk="1" latinLnBrk="0" hangingPunct="1">
+              <a:spcBef>
+                <a:spcPct val="20000"/>
+              </a:spcBef>
+              <a:buFont typeface="Arial" panose="020B0604020202020204" pitchFamily="34" charset="0"/>
+              <a:buChar char="•"/>
+              <a:defRPr kumimoji="1" sz="2000" kern="1200">
+                <a:solidFill>
+                  <a:schemeClr val="tx1"/>
+                </a:solidFill>
+                <a:latin typeface="+mn-lt"/>
+                <a:ea typeface="+mn-ea"/>
+                <a:cs typeface="+mn-cs"/>
+              </a:defRPr>
+            </a:lvl8pPr>
+            <a:lvl9pPr marL="3886200" indent="-228600" algn="l" defTabSz="914400" rtl="0" eaLnBrk="1" latinLnBrk="0" hangingPunct="1">
+              <a:spcBef>
+                <a:spcPct val="20000"/>
+              </a:spcBef>
+              <a:buFont typeface="Arial" panose="020B0604020202020204" pitchFamily="34" charset="0"/>
+              <a:buChar char="•"/>
+              <a:defRPr kumimoji="1" sz="2000" kern="1200">
+                <a:solidFill>
+                  <a:schemeClr val="tx1"/>
+                </a:solidFill>
+                <a:latin typeface="+mn-lt"/>
+                <a:ea typeface="+mn-ea"/>
+                <a:cs typeface="+mn-cs"/>
+              </a:defRPr>
+            </a:lvl9pPr>
+          </a:lstStyle>
+          <a:p>
+            <a:pPr marL="0" indent="0" algn="ctr">
+              <a:buFont typeface="Arial" panose="020B0604020202020204" pitchFamily="34" charset="0"/>
+              <a:buNone/>
+            </a:pPr>
+            <a:r>
+              <a:rPr lang="ja-JP" altLang="en-US" sz="2400" smtClean="0"/>
+              <a:t>クラスに実装を取り込み</a:t>
+            </a:r>
+            <a:endParaRPr lang="en-US" altLang="ja-JP" sz="2400" dirty="0"/>
+          </a:p>
+        </p:txBody>
+      </p:sp>
+      <p:sp>
+        <p:nvSpPr>
+          <p:cNvPr id="10" name="スライド番号プレースホルダー 9"/>
+          <p:cNvSpPr>
+            <a:spLocks noGrp="1"/>
+          </p:cNvSpPr>
+          <p:nvPr>
+            <p:ph type="sldNum" sz="quarter" idx="12"/>
+          </p:nvPr>
+        </p:nvSpPr>
+        <p:spPr>
+          <a:xfrm>
+            <a:off x="6635907" y="6250375"/>
+            <a:ext cx="2133600" cy="365125"/>
+          </a:xfrm>
+        </p:spPr>
+        <p:txBody>
+          <a:bodyPr/>
+          <a:lstStyle/>
+          <a:p>
+            <a:fld id="{2397F2D1-65A3-45EE-8E20-32FB97FA5EAD}" type="slidenum">
+              <a:rPr kumimoji="1" lang="ja-JP" altLang="en-US" smtClean="0"/>
+              <a:t>7</a:t>
+            </a:fld>
+            <a:endParaRPr kumimoji="1" lang="ja-JP" altLang="en-US"/>
+          </a:p>
+        </p:txBody>
+      </p:sp>
+      <p:grpSp>
+        <p:nvGrpSpPr>
+          <p:cNvPr id="19" name="図形グループ 18"/>
+          <p:cNvGrpSpPr/>
+          <p:nvPr/>
+        </p:nvGrpSpPr>
+        <p:grpSpPr>
+          <a:xfrm>
+            <a:off x="5364088" y="3200100"/>
+            <a:ext cx="3150196" cy="1267814"/>
+            <a:chOff x="5507871" y="4998209"/>
+            <a:chExt cx="3150196" cy="1267814"/>
+          </a:xfrm>
+        </p:grpSpPr>
+        <p:sp>
+          <p:nvSpPr>
+            <p:cNvPr id="20" name="角丸四角形 19"/>
+            <p:cNvSpPr/>
+            <p:nvPr/>
+          </p:nvSpPr>
+          <p:spPr>
+            <a:xfrm>
+              <a:off x="6506905" y="5921281"/>
+              <a:ext cx="1152128" cy="344742"/>
+            </a:xfrm>
+            <a:prstGeom prst="roundRect">
+              <a:avLst/>
+            </a:prstGeom>
+            <a:solidFill>
+              <a:schemeClr val="accent3">
+                <a:lumMod val="20000"/>
+                <a:lumOff val="80000"/>
+              </a:schemeClr>
+            </a:solidFill>
+            <a:ln>
+              <a:solidFill>
+                <a:srgbClr val="3E4057"/>
+              </a:solidFill>
+            </a:ln>
+          </p:spPr>
+          <p:style>
+            <a:lnRef idx="2">
+              <a:schemeClr val="accent1">
+                <a:shade val="50000"/>
+              </a:schemeClr>
+            </a:lnRef>
+            <a:fillRef idx="1">
+              <a:schemeClr val="accent1"/>
+            </a:fillRef>
+            <a:effectRef idx="0">
+              <a:schemeClr val="accent1"/>
+            </a:effectRef>
+            <a:fontRef idx="minor">
+              <a:schemeClr val="lt1"/>
+            </a:fontRef>
+          </p:style>
+          <p:txBody>
+            <a:bodyPr rtlCol="0" anchor="ctr"/>
+            <a:lstStyle/>
+            <a:p>
+              <a:pPr algn="ctr"/>
+              <a:r>
+                <a:rPr kumimoji="1" lang="ja-JP" altLang="en-US" sz="1400" smtClean="0">
+                  <a:solidFill>
+                    <a:srgbClr val="3E4057"/>
+                  </a:solidFill>
+                  <a:latin typeface="Meiryo" charset="-128"/>
+                  <a:ea typeface="Meiryo" charset="-128"/>
+                  <a:cs typeface="Meiryo" charset="-128"/>
+                </a:rPr>
+                <a:t>クラス</a:t>
+              </a:r>
+              <a:r>
+                <a:rPr kumimoji="1" lang="en-US" altLang="ja-JP" smtClean="0">
+                  <a:solidFill>
+                    <a:srgbClr val="3E4057"/>
+                  </a:solidFill>
+                  <a:latin typeface="Meiryo" charset="-128"/>
+                  <a:ea typeface="Meiryo" charset="-128"/>
+                  <a:cs typeface="Meiryo" charset="-128"/>
+                </a:rPr>
+                <a:t> A</a:t>
+              </a:r>
+              <a:endParaRPr lang="en-US" altLang="ja-JP" sz="1100" smtClean="0">
+                <a:solidFill>
+                  <a:srgbClr val="3E4057"/>
+                </a:solidFill>
+                <a:latin typeface="Meiryo" charset="-128"/>
+                <a:ea typeface="Meiryo" charset="-128"/>
+                <a:cs typeface="Meiryo" charset="-128"/>
+              </a:endParaRPr>
+            </a:p>
+          </p:txBody>
+        </p:sp>
+        <p:sp>
+          <p:nvSpPr>
+            <p:cNvPr id="21" name="角丸四角形 20"/>
+            <p:cNvSpPr/>
+            <p:nvPr/>
+          </p:nvSpPr>
+          <p:spPr>
+            <a:xfrm>
+              <a:off x="5507871" y="4998209"/>
+              <a:ext cx="1152128" cy="344742"/>
+            </a:xfrm>
+            <a:prstGeom prst="roundRect">
+              <a:avLst/>
+            </a:prstGeom>
+            <a:solidFill>
+              <a:schemeClr val="accent3">
+                <a:lumMod val="20000"/>
+                <a:lumOff val="80000"/>
+              </a:schemeClr>
+            </a:solidFill>
+            <a:ln>
+              <a:solidFill>
+                <a:schemeClr val="accent6">
+                  <a:lumMod val="75000"/>
+                </a:schemeClr>
+              </a:solidFill>
+            </a:ln>
+          </p:spPr>
+          <p:style>
+            <a:lnRef idx="2">
+              <a:schemeClr val="accent1">
+                <a:shade val="50000"/>
+              </a:schemeClr>
+            </a:lnRef>
+            <a:fillRef idx="1">
+              <a:schemeClr val="accent1"/>
+            </a:fillRef>
+            <a:effectRef idx="0">
+              <a:schemeClr val="accent1"/>
+            </a:effectRef>
+            <a:fontRef idx="minor">
+              <a:schemeClr val="lt1"/>
+            </a:fontRef>
+          </p:style>
+          <p:txBody>
+            <a:bodyPr rtlCol="0" anchor="ctr"/>
+            <a:lstStyle/>
+            <a:p>
+              <a:pPr algn="ctr"/>
+              <a:r>
+                <a:rPr lang="en-US" altLang="ja-JP" sz="1400" smtClean="0">
+                  <a:solidFill>
+                    <a:srgbClr val="3E4057"/>
+                  </a:solidFill>
+                  <a:latin typeface="Meiryo" charset="-128"/>
+                  <a:ea typeface="Meiryo" charset="-128"/>
+                  <a:cs typeface="Meiryo" charset="-128"/>
+                </a:rPr>
+                <a:t>Mixin</a:t>
+              </a:r>
+              <a:r>
+                <a:rPr kumimoji="1" lang="en-US" altLang="ja-JP" smtClean="0">
+                  <a:solidFill>
+                    <a:srgbClr val="3E4057"/>
+                  </a:solidFill>
+                  <a:latin typeface="Meiryo" charset="-128"/>
+                  <a:ea typeface="Meiryo" charset="-128"/>
+                  <a:cs typeface="Meiryo" charset="-128"/>
+                </a:rPr>
+                <a:t> B</a:t>
+              </a:r>
+              <a:endParaRPr lang="en-US" altLang="ja-JP" sz="1100" smtClean="0">
+                <a:solidFill>
+                  <a:srgbClr val="3E4057"/>
+                </a:solidFill>
+                <a:latin typeface="Meiryo" charset="-128"/>
+                <a:ea typeface="Meiryo" charset="-128"/>
+                <a:cs typeface="Meiryo" charset="-128"/>
+              </a:endParaRPr>
+            </a:p>
+          </p:txBody>
+        </p:sp>
+        <p:cxnSp>
+          <p:nvCxnSpPr>
+            <p:cNvPr id="22" name="直線矢印コネクタ 21"/>
+            <p:cNvCxnSpPr/>
+            <p:nvPr/>
+          </p:nvCxnSpPr>
+          <p:spPr>
+            <a:xfrm>
+              <a:off x="6083935" y="5342951"/>
+              <a:ext cx="999034" cy="578330"/>
+            </a:xfrm>
+            <a:prstGeom prst="straightConnector1">
+              <a:avLst/>
+            </a:prstGeom>
+            <a:ln w="38100">
+              <a:solidFill>
+                <a:schemeClr val="accent6">
+                  <a:lumMod val="75000"/>
+                </a:schemeClr>
+              </a:solidFill>
+              <a:tailEnd type="triangle"/>
+            </a:ln>
+          </p:spPr>
+          <p:style>
+            <a:lnRef idx="1">
+              <a:schemeClr val="accent1"/>
+            </a:lnRef>
+            <a:fillRef idx="0">
+              <a:schemeClr val="accent1"/>
+            </a:fillRef>
+            <a:effectRef idx="0">
+              <a:schemeClr val="accent1"/>
+            </a:effectRef>
+            <a:fontRef idx="minor">
+              <a:schemeClr val="tx1"/>
+            </a:fontRef>
+          </p:style>
+        </p:cxnSp>
+        <p:sp>
+          <p:nvSpPr>
+            <p:cNvPr id="23" name="角丸四角形 22"/>
+            <p:cNvSpPr/>
+            <p:nvPr/>
+          </p:nvSpPr>
+          <p:spPr>
+            <a:xfrm>
+              <a:off x="7505939" y="4998209"/>
+              <a:ext cx="1152128" cy="344742"/>
+            </a:xfrm>
+            <a:prstGeom prst="roundRect">
+              <a:avLst/>
+            </a:prstGeom>
+            <a:solidFill>
+              <a:schemeClr val="accent3">
+                <a:lumMod val="20000"/>
+                <a:lumOff val="80000"/>
+              </a:schemeClr>
+            </a:solidFill>
+            <a:ln>
+              <a:solidFill>
+                <a:schemeClr val="accent6">
+                  <a:lumMod val="75000"/>
+                </a:schemeClr>
+              </a:solidFill>
+            </a:ln>
+          </p:spPr>
+          <p:style>
+            <a:lnRef idx="2">
+              <a:schemeClr val="accent1">
+                <a:shade val="50000"/>
+              </a:schemeClr>
+            </a:lnRef>
+            <a:fillRef idx="1">
+              <a:schemeClr val="accent1"/>
+            </a:fillRef>
+            <a:effectRef idx="0">
+              <a:schemeClr val="accent1"/>
+            </a:effectRef>
+            <a:fontRef idx="minor">
+              <a:schemeClr val="lt1"/>
+            </a:fontRef>
+          </p:style>
+          <p:txBody>
+            <a:bodyPr rtlCol="0" anchor="ctr"/>
+            <a:lstStyle/>
+            <a:p>
+              <a:pPr algn="ctr"/>
+              <a:r>
+                <a:rPr lang="en-US" altLang="ja-JP" sz="1400" smtClean="0">
+                  <a:solidFill>
+                    <a:srgbClr val="3E4057"/>
+                  </a:solidFill>
+                  <a:latin typeface="Meiryo" charset="-128"/>
+                  <a:ea typeface="Meiryo" charset="-128"/>
+                  <a:cs typeface="Meiryo" charset="-128"/>
+                </a:rPr>
+                <a:t>Mixin</a:t>
+              </a:r>
+              <a:r>
+                <a:rPr kumimoji="1" lang="en-US" altLang="ja-JP" smtClean="0">
+                  <a:solidFill>
+                    <a:srgbClr val="3E4057"/>
+                  </a:solidFill>
+                  <a:latin typeface="Meiryo" charset="-128"/>
+                  <a:ea typeface="Meiryo" charset="-128"/>
+                  <a:cs typeface="Meiryo" charset="-128"/>
+                </a:rPr>
+                <a:t> C</a:t>
+              </a:r>
+              <a:endParaRPr lang="en-US" altLang="ja-JP" sz="1100" smtClean="0">
+                <a:solidFill>
+                  <a:srgbClr val="3E4057"/>
+                </a:solidFill>
+                <a:latin typeface="Meiryo" charset="-128"/>
+                <a:ea typeface="Meiryo" charset="-128"/>
+                <a:cs typeface="Meiryo" charset="-128"/>
+              </a:endParaRPr>
+            </a:p>
+          </p:txBody>
+        </p:sp>
+        <p:cxnSp>
+          <p:nvCxnSpPr>
+            <p:cNvPr id="24" name="直線矢印コネクタ 23"/>
+            <p:cNvCxnSpPr/>
+            <p:nvPr/>
+          </p:nvCxnSpPr>
+          <p:spPr>
+            <a:xfrm flipH="1">
+              <a:off x="7082969" y="5342951"/>
+              <a:ext cx="999034" cy="578330"/>
+            </a:xfrm>
+            <a:prstGeom prst="straightConnector1">
+              <a:avLst/>
+            </a:prstGeom>
+            <a:ln w="38100">
+              <a:solidFill>
+                <a:schemeClr val="accent6">
+                  <a:lumMod val="75000"/>
+                </a:schemeClr>
+              </a:solidFill>
+              <a:tailEnd type="triangle"/>
+            </a:ln>
+          </p:spPr>
+          <p:style>
+            <a:lnRef idx="1">
+              <a:schemeClr val="accent1"/>
+            </a:lnRef>
+            <a:fillRef idx="0">
+              <a:schemeClr val="accent1"/>
+            </a:fillRef>
+            <a:effectRef idx="0">
+              <a:schemeClr val="accent1"/>
+            </a:effectRef>
+            <a:fontRef idx="minor">
+              <a:schemeClr val="tx1"/>
+            </a:fontRef>
+          </p:style>
+        </p:cxnSp>
+      </p:grpSp>
+      <p:sp>
+        <p:nvSpPr>
+          <p:cNvPr id="25" name="対角する 2 つの角を丸めた四角形 24"/>
+          <p:cNvSpPr/>
+          <p:nvPr/>
+        </p:nvSpPr>
+        <p:spPr>
+          <a:xfrm>
+            <a:off x="7308304" y="2221564"/>
+            <a:ext cx="1378496" cy="432048"/>
+          </a:xfrm>
+          <a:prstGeom prst="round2DiagRect">
+            <a:avLst>
+              <a:gd name="adj1" fmla="val 41730"/>
+              <a:gd name="adj2" fmla="val 0"/>
+            </a:avLst>
+          </a:prstGeom>
+        </p:spPr>
+        <p:style>
+          <a:lnRef idx="2">
+            <a:schemeClr val="dk1"/>
+          </a:lnRef>
+          <a:fillRef idx="1">
+            <a:schemeClr val="lt1"/>
+          </a:fillRef>
+          <a:effectRef idx="0">
+            <a:schemeClr val="dk1"/>
+          </a:effectRef>
+          <a:fontRef idx="minor">
+            <a:schemeClr val="dk1"/>
+          </a:fontRef>
+        </p:style>
+        <p:txBody>
+          <a:bodyPr rtlCol="0" anchor="ctr"/>
+          <a:lstStyle/>
+          <a:p>
+            <a:pPr algn="ctr"/>
+            <a:r>
+              <a:rPr kumimoji="1" lang="en-US" altLang="ja-JP" sz="1400" smtClean="0">
+                <a:latin typeface="Meiryo" charset="-128"/>
+                <a:ea typeface="Meiryo" charset="-128"/>
+                <a:cs typeface="Meiryo" charset="-128"/>
+              </a:rPr>
+              <a:t>Sample 9</a:t>
+            </a:r>
+            <a:endParaRPr kumimoji="1" lang="ja-JP" altLang="en-US" sz="1400">
+              <a:latin typeface="Meiryo" charset="-128"/>
+              <a:ea typeface="Meiryo" charset="-128"/>
+              <a:cs typeface="Meiryo" charset="-128"/>
+            </a:endParaRPr>
+          </a:p>
+        </p:txBody>
+      </p:sp>
+    </p:spTree>
+    <p:extLst>
+      <p:ext uri="{BB962C8B-B14F-4D97-AF65-F5344CB8AC3E}">
+        <p14:creationId xmlns:p14="http://schemas.microsoft.com/office/powerpoint/2010/main" val="155062739"/>
+      </p:ext>
+    </p:extLst>
+  </p:cSld>
+  <p:clrMapOvr>
+    <a:masterClrMapping/>
+  </p:clrMapOvr>
+  <p:timing>
+    <p:tnLst>
+      <p:par>
+        <p:cTn id="1" dur="indefinite" restart="never" nodeType="tmRoot"/>
+      </p:par>
+    </p:tnLst>
+  </p:timing>
+</p:sld>
+</file>
+
+<file path=ppt/slides/slide8.xml><?xml version="1.0" encoding="utf-8"?>
+<p:sld xmlns:a="http://schemas.openxmlformats.org/drawingml/2006/main" xmlns:r="http://schemas.openxmlformats.org/officeDocument/2006/relationships" xmlns:p="http://schemas.openxmlformats.org/presentationml/2006/main">
+  <p:cSld>
+    <p:spTree>
+      <p:nvGrpSpPr>
+        <p:cNvPr id="1" name=""/>
+        <p:cNvGrpSpPr/>
+        <p:nvPr/>
+      </p:nvGrpSpPr>
+      <p:grpSpPr>
+        <a:xfrm>
+          <a:off x="0" y="0"/>
+          <a:ext cx="0" cy="0"/>
+          <a:chOff x="0" y="0"/>
+          <a:chExt cx="0" cy="0"/>
+        </a:xfrm>
+      </p:grpSpPr>
+      <p:sp>
+        <p:nvSpPr>
+          <p:cNvPr id="2" name="タイトル 1"/>
+          <p:cNvSpPr>
+            <a:spLocks noGrp="1"/>
+          </p:cNvSpPr>
+          <p:nvPr>
+            <p:ph type="title"/>
+          </p:nvPr>
+        </p:nvSpPr>
+        <p:spPr/>
+        <p:txBody>
+          <a:bodyPr/>
+          <a:lstStyle/>
+          <a:p>
+            <a:r>
+              <a:rPr lang="en-US" altLang="ja-JP" smtClean="0"/>
+              <a:t>Mixins </a:t>
+            </a:r>
+            <a:r>
+              <a:rPr lang="en-US" altLang="ja-JP" sz="2800" smtClean="0"/>
+              <a:t>on </a:t>
+            </a:r>
+            <a:r>
+              <a:rPr lang="en-US" altLang="ja-JP" sz="3600" smtClean="0"/>
+              <a:t>TypeScript</a:t>
+            </a:r>
+            <a:endParaRPr kumimoji="1" lang="ja-JP" altLang="en-US" sz="5400" dirty="0"/>
+          </a:p>
+        </p:txBody>
+      </p:sp>
+      <p:grpSp>
+        <p:nvGrpSpPr>
+          <p:cNvPr id="6" name="図形グループ 5"/>
+          <p:cNvGrpSpPr/>
+          <p:nvPr/>
+        </p:nvGrpSpPr>
+        <p:grpSpPr>
+          <a:xfrm>
+            <a:off x="1550607" y="1340768"/>
+            <a:ext cx="5616724" cy="5112566"/>
+            <a:chOff x="1819927" y="2387427"/>
+            <a:chExt cx="5404748" cy="1469516"/>
+          </a:xfrm>
+        </p:grpSpPr>
+        <p:sp>
+          <p:nvSpPr>
+            <p:cNvPr id="4" name="テキスト ボックス 3"/>
+            <p:cNvSpPr txBox="1"/>
+            <p:nvPr/>
+          </p:nvSpPr>
+          <p:spPr>
+            <a:xfrm>
+              <a:off x="2229908" y="2387427"/>
+              <a:ext cx="4994767" cy="1469516"/>
+            </a:xfrm>
+            <a:prstGeom prst="rect">
+              <a:avLst/>
+            </a:prstGeom>
+            <a:solidFill>
+              <a:schemeClr val="accent3">
+                <a:lumMod val="20000"/>
+                <a:lumOff val="80000"/>
+              </a:schemeClr>
+            </a:solidFill>
+            <a:ln cap="rnd">
+              <a:solidFill>
+                <a:schemeClr val="bg1">
+                  <a:lumMod val="50000"/>
+                </a:schemeClr>
+              </a:solidFill>
+            </a:ln>
+          </p:spPr>
+          <p:style>
+            <a:lnRef idx="2">
+              <a:schemeClr val="dk1"/>
+            </a:lnRef>
+            <a:fillRef idx="1">
+              <a:schemeClr val="lt1"/>
+            </a:fillRef>
+            <a:effectRef idx="0">
+              <a:schemeClr val="dk1"/>
+            </a:effectRef>
+            <a:fontRef idx="minor">
+              <a:schemeClr val="dk1"/>
+            </a:fontRef>
+          </p:style>
+          <p:txBody>
+            <a:bodyPr wrap="square" rtlCol="0">
+              <a:spAutoFit/>
+            </a:bodyPr>
+            <a:lstStyle/>
+            <a:p>
+              <a:r>
+                <a:rPr lang="en-US" altLang="ja-JP" sz="1300">
+                  <a:solidFill>
+                    <a:srgbClr val="3E4057"/>
+                  </a:solidFill>
+                  <a:latin typeface="Andale Mono" charset="0"/>
+                  <a:ea typeface="Andale Mono" charset="0"/>
+                  <a:cs typeface="Andale Mono" charset="0"/>
+                </a:rPr>
+                <a:t>class </a:t>
+              </a:r>
+              <a:r>
+                <a:rPr lang="en-US" altLang="ja-JP" sz="1300" b="1">
+                  <a:solidFill>
+                    <a:srgbClr val="3E4057"/>
+                  </a:solidFill>
+                  <a:latin typeface="Andale Mono" charset="0"/>
+                  <a:ea typeface="Andale Mono" charset="0"/>
+                  <a:cs typeface="Andale Mono" charset="0"/>
+                </a:rPr>
+                <a:t>MixinB</a:t>
+              </a:r>
+              <a:r>
+                <a:rPr lang="en-US" altLang="ja-JP" sz="1300">
+                  <a:solidFill>
+                    <a:srgbClr val="3E4057"/>
+                  </a:solidFill>
+                  <a:latin typeface="Andale Mono" charset="0"/>
+                  <a:ea typeface="Andale Mono" charset="0"/>
+                  <a:cs typeface="Andale Mono" charset="0"/>
+                </a:rPr>
+                <a:t> {</a:t>
+              </a:r>
+            </a:p>
+            <a:p>
+              <a:r>
+                <a:rPr lang="en-US" altLang="ja-JP" sz="1300">
+                  <a:solidFill>
+                    <a:srgbClr val="3E4057"/>
+                  </a:solidFill>
+                  <a:latin typeface="Andale Mono" charset="0"/>
+                  <a:ea typeface="Andale Mono" charset="0"/>
+                  <a:cs typeface="Andale Mono" charset="0"/>
+                </a:rPr>
+                <a:t>	</a:t>
+              </a:r>
+              <a:r>
+                <a:rPr lang="en-US" altLang="ja-JP" sz="1300" b="1">
+                  <a:solidFill>
+                    <a:srgbClr val="3E4057"/>
+                  </a:solidFill>
+                  <a:latin typeface="Andale Mono" charset="0"/>
+                  <a:ea typeface="Andale Mono" charset="0"/>
+                  <a:cs typeface="Andale Mono" charset="0"/>
+                </a:rPr>
+                <a:t>public hello() </a:t>
+              </a:r>
+              <a:r>
+                <a:rPr lang="en-US" altLang="ja-JP" sz="1300">
+                  <a:solidFill>
+                    <a:srgbClr val="3E4057"/>
+                  </a:solidFill>
+                  <a:latin typeface="Andale Mono" charset="0"/>
+                  <a:ea typeface="Andale Mono" charset="0"/>
+                  <a:cs typeface="Andale Mono" charset="0"/>
+                </a:rPr>
+                <a:t>{</a:t>
+              </a:r>
+            </a:p>
+            <a:p>
+              <a:r>
+                <a:rPr lang="en-US" altLang="ja-JP" sz="1300">
+                  <a:solidFill>
+                    <a:srgbClr val="3E4057"/>
+                  </a:solidFill>
+                  <a:latin typeface="Andale Mono" charset="0"/>
+                  <a:ea typeface="Andale Mono" charset="0"/>
+                  <a:cs typeface="Andale Mono" charset="0"/>
+                </a:rPr>
+                <a:t>		</a:t>
+              </a:r>
+              <a:r>
+                <a:rPr lang="en-US" altLang="ja-JP" sz="1300" b="1">
+                  <a:solidFill>
+                    <a:srgbClr val="3E4057"/>
+                  </a:solidFill>
+                  <a:latin typeface="Andale Mono" charset="0"/>
+                  <a:ea typeface="Andale Mono" charset="0"/>
+                  <a:cs typeface="Andale Mono" charset="0"/>
+                </a:rPr>
+                <a:t>alert(”Hello!”);</a:t>
+              </a:r>
+            </a:p>
+            <a:p>
+              <a:r>
+                <a:rPr lang="en-US" altLang="ja-JP" sz="1300">
+                  <a:solidFill>
+                    <a:srgbClr val="3E4057"/>
+                  </a:solidFill>
+                  <a:latin typeface="Andale Mono" charset="0"/>
+                  <a:ea typeface="Andale Mono" charset="0"/>
+                  <a:cs typeface="Andale Mono" charset="0"/>
+                </a:rPr>
+                <a:t>	}</a:t>
+              </a:r>
+            </a:p>
+            <a:p>
+              <a:r>
+                <a:rPr lang="en-US" altLang="ja-JP" sz="1300">
+                  <a:solidFill>
+                    <a:srgbClr val="3E4057"/>
+                  </a:solidFill>
+                  <a:latin typeface="Andale Mono" charset="0"/>
+                  <a:ea typeface="Andale Mono" charset="0"/>
+                  <a:cs typeface="Andale Mono" charset="0"/>
+                </a:rPr>
+                <a:t>}</a:t>
+              </a:r>
+            </a:p>
+            <a:p>
+              <a:endParaRPr lang="en-US" altLang="ja-JP" sz="1300">
+                <a:solidFill>
+                  <a:srgbClr val="3E4057"/>
+                </a:solidFill>
+                <a:latin typeface="Andale Mono" charset="0"/>
+                <a:ea typeface="Andale Mono" charset="0"/>
+                <a:cs typeface="Andale Mono" charset="0"/>
+              </a:endParaRPr>
+            </a:p>
+            <a:p>
+              <a:r>
+                <a:rPr lang="en-US" altLang="ja-JP" sz="1300">
+                  <a:solidFill>
+                    <a:srgbClr val="3E4057"/>
+                  </a:solidFill>
+                  <a:latin typeface="Andale Mono" charset="0"/>
+                  <a:ea typeface="Andale Mono" charset="0"/>
+                  <a:cs typeface="Andale Mono" charset="0"/>
+                </a:rPr>
+                <a:t>class </a:t>
+              </a:r>
+              <a:r>
+                <a:rPr lang="en-US" altLang="ja-JP" sz="1300" b="1">
+                  <a:solidFill>
+                    <a:srgbClr val="3E4057"/>
+                  </a:solidFill>
+                  <a:latin typeface="Andale Mono" charset="0"/>
+                  <a:ea typeface="Andale Mono" charset="0"/>
+                  <a:cs typeface="Andale Mono" charset="0"/>
+                </a:rPr>
+                <a:t>MixinC</a:t>
+              </a:r>
+              <a:r>
+                <a:rPr lang="en-US" altLang="ja-JP" sz="1300">
+                  <a:solidFill>
+                    <a:srgbClr val="3E4057"/>
+                  </a:solidFill>
+                  <a:latin typeface="Andale Mono" charset="0"/>
+                  <a:ea typeface="Andale Mono" charset="0"/>
+                  <a:cs typeface="Andale Mono" charset="0"/>
+                </a:rPr>
+                <a:t> {</a:t>
+              </a:r>
+            </a:p>
+            <a:p>
+              <a:r>
+                <a:rPr lang="en-US" altLang="ja-JP" sz="1300">
+                  <a:solidFill>
+                    <a:srgbClr val="3E4057"/>
+                  </a:solidFill>
+                  <a:latin typeface="Andale Mono" charset="0"/>
+                  <a:ea typeface="Andale Mono" charset="0"/>
+                  <a:cs typeface="Andale Mono" charset="0"/>
+                </a:rPr>
+                <a:t>	</a:t>
+              </a:r>
+              <a:r>
+                <a:rPr lang="en-US" altLang="ja-JP" sz="1300" b="1">
+                  <a:solidFill>
+                    <a:srgbClr val="3E4057"/>
+                  </a:solidFill>
+                  <a:latin typeface="Andale Mono" charset="0"/>
+                  <a:ea typeface="Andale Mono" charset="0"/>
+                  <a:cs typeface="Andale Mono" charset="0"/>
+                </a:rPr>
+                <a:t>public bye()</a:t>
+              </a:r>
+              <a:r>
+                <a:rPr lang="en-US" altLang="ja-JP" sz="1300">
+                  <a:solidFill>
+                    <a:srgbClr val="3E4057"/>
+                  </a:solidFill>
+                  <a:latin typeface="Andale Mono" charset="0"/>
+                  <a:ea typeface="Andale Mono" charset="0"/>
+                  <a:cs typeface="Andale Mono" charset="0"/>
+                </a:rPr>
+                <a:t>{</a:t>
+              </a:r>
+            </a:p>
+            <a:p>
+              <a:r>
+                <a:rPr lang="en-US" altLang="ja-JP" sz="1300">
+                  <a:solidFill>
+                    <a:srgbClr val="3E4057"/>
+                  </a:solidFill>
+                  <a:latin typeface="Andale Mono" charset="0"/>
+                  <a:ea typeface="Andale Mono" charset="0"/>
+                  <a:cs typeface="Andale Mono" charset="0"/>
+                </a:rPr>
+                <a:t>		</a:t>
+              </a:r>
+              <a:r>
+                <a:rPr lang="en-US" altLang="ja-JP" sz="1300" b="1">
+                  <a:solidFill>
+                    <a:srgbClr val="3E4057"/>
+                  </a:solidFill>
+                  <a:latin typeface="Andale Mono" charset="0"/>
+                  <a:ea typeface="Andale Mono" charset="0"/>
+                  <a:cs typeface="Andale Mono" charset="0"/>
+                </a:rPr>
+                <a:t>alert(“Bye!”);</a:t>
+              </a:r>
+            </a:p>
+            <a:p>
+              <a:r>
+                <a:rPr lang="en-US" altLang="ja-JP" sz="1300">
+                  <a:solidFill>
+                    <a:srgbClr val="3E4057"/>
+                  </a:solidFill>
+                  <a:latin typeface="Andale Mono" charset="0"/>
+                  <a:ea typeface="Andale Mono" charset="0"/>
+                  <a:cs typeface="Andale Mono" charset="0"/>
+                </a:rPr>
+                <a:t>	}</a:t>
+              </a:r>
+            </a:p>
+            <a:p>
+              <a:r>
+                <a:rPr lang="en-US" altLang="ja-JP" sz="1300">
+                  <a:solidFill>
+                    <a:srgbClr val="3E4057"/>
+                  </a:solidFill>
+                  <a:latin typeface="Andale Mono" charset="0"/>
+                  <a:ea typeface="Andale Mono" charset="0"/>
+                  <a:cs typeface="Andale Mono" charset="0"/>
+                </a:rPr>
+                <a:t>}</a:t>
+              </a:r>
+            </a:p>
+            <a:p>
+              <a:endParaRPr lang="en-US" altLang="ja-JP" sz="1300" b="1">
+                <a:solidFill>
+                  <a:srgbClr val="3E4057"/>
+                </a:solidFill>
+                <a:latin typeface="Andale Mono" charset="0"/>
+                <a:ea typeface="Andale Mono" charset="0"/>
+                <a:cs typeface="Andale Mono" charset="0"/>
+              </a:endParaRPr>
+            </a:p>
+            <a:p>
+              <a:r>
+                <a:rPr lang="en-US" altLang="ja-JP" sz="1300" b="1" smtClean="0">
+                  <a:solidFill>
+                    <a:srgbClr val="3E4057"/>
+                  </a:solidFill>
+                  <a:latin typeface="Andale Mono" charset="0"/>
+                  <a:ea typeface="Andale Mono" charset="0"/>
+                  <a:cs typeface="Andale Mono" charset="0"/>
+                </a:rPr>
+                <a:t>class A implements MixinB, MixinC </a:t>
+              </a:r>
+              <a:r>
+                <a:rPr lang="en-US" altLang="ja-JP" sz="1300" smtClean="0">
+                  <a:solidFill>
+                    <a:srgbClr val="3E4057"/>
+                  </a:solidFill>
+                  <a:latin typeface="Andale Mono" charset="0"/>
+                  <a:ea typeface="Andale Mono" charset="0"/>
+                  <a:cs typeface="Andale Mono" charset="0"/>
+                </a:rPr>
+                <a:t>{</a:t>
+              </a:r>
+            </a:p>
+            <a:p>
+              <a:r>
+                <a:rPr lang="en-US" altLang="ja-JP" sz="1300">
+                  <a:solidFill>
+                    <a:srgbClr val="3E4057"/>
+                  </a:solidFill>
+                  <a:latin typeface="Andale Mono" charset="0"/>
+                  <a:ea typeface="Andale Mono" charset="0"/>
+                  <a:cs typeface="Andale Mono" charset="0"/>
+                </a:rPr>
+                <a:t>	</a:t>
+              </a:r>
+              <a:r>
+                <a:rPr lang="en-US" altLang="ja-JP" sz="1300" smtClean="0">
+                  <a:solidFill>
+                    <a:srgbClr val="3E4057"/>
+                  </a:solidFill>
+                  <a:latin typeface="Andale Mono" charset="0"/>
+                  <a:ea typeface="Andale Mono" charset="0"/>
+                  <a:cs typeface="Andale Mono" charset="0"/>
+                </a:rPr>
+                <a:t>// MixinB, MixinC </a:t>
+              </a:r>
+              <a:r>
+                <a:rPr lang="ja-JP" altLang="en-US" sz="1300" smtClean="0">
+                  <a:solidFill>
+                    <a:srgbClr val="3E4057"/>
+                  </a:solidFill>
+                  <a:latin typeface="Andale Mono" charset="0"/>
+                  <a:ea typeface="Andale Mono" charset="0"/>
+                  <a:cs typeface="Andale Mono" charset="0"/>
+                </a:rPr>
+                <a:t>のメンバを宣言</a:t>
+              </a:r>
+              <a:endParaRPr lang="en-US" altLang="ja-JP" sz="1300" smtClean="0">
+                <a:solidFill>
+                  <a:srgbClr val="3E4057"/>
+                </a:solidFill>
+                <a:latin typeface="Andale Mono" charset="0"/>
+                <a:ea typeface="Andale Mono" charset="0"/>
+                <a:cs typeface="Andale Mono" charset="0"/>
+              </a:endParaRPr>
+            </a:p>
+            <a:p>
+              <a:r>
+                <a:rPr kumimoji="1" lang="en-US" altLang="ja-JP" sz="1300" smtClean="0">
+                  <a:solidFill>
+                    <a:srgbClr val="3E4057"/>
+                  </a:solidFill>
+                  <a:latin typeface="Andale Mono" charset="0"/>
+                  <a:ea typeface="Andale Mono" charset="0"/>
+                  <a:cs typeface="Andale Mono" charset="0"/>
+                </a:rPr>
+                <a:t>	</a:t>
+              </a:r>
+              <a:r>
+                <a:rPr kumimoji="1" lang="en-US" altLang="ja-JP" sz="1300" b="1" smtClean="0">
+                  <a:solidFill>
+                    <a:srgbClr val="3E4057"/>
+                  </a:solidFill>
+                  <a:latin typeface="Andale Mono" charset="0"/>
+                  <a:ea typeface="Andale Mono" charset="0"/>
+                  <a:cs typeface="Andale Mono" charset="0"/>
+                </a:rPr>
+                <a:t>hello:() =&gt; void;</a:t>
+              </a:r>
+            </a:p>
+            <a:p>
+              <a:r>
+                <a:rPr lang="en-US" altLang="ja-JP" sz="1300" b="1">
+                  <a:solidFill>
+                    <a:srgbClr val="3E4057"/>
+                  </a:solidFill>
+                  <a:latin typeface="Andale Mono" charset="0"/>
+                  <a:ea typeface="Andale Mono" charset="0"/>
+                  <a:cs typeface="Andale Mono" charset="0"/>
+                </a:rPr>
+                <a:t>	</a:t>
+              </a:r>
+              <a:r>
+                <a:rPr lang="en-US" altLang="ja-JP" sz="1300" b="1" smtClean="0">
+                  <a:solidFill>
+                    <a:srgbClr val="3E4057"/>
+                  </a:solidFill>
+                  <a:latin typeface="Andale Mono" charset="0"/>
+                  <a:ea typeface="Andale Mono" charset="0"/>
+                  <a:cs typeface="Andale Mono" charset="0"/>
+                </a:rPr>
+                <a:t>bye:() =&gt; void;</a:t>
+              </a:r>
+              <a:endParaRPr kumimoji="1" lang="en-US" altLang="ja-JP" sz="1300" b="1">
+                <a:solidFill>
+                  <a:srgbClr val="3E4057"/>
+                </a:solidFill>
+                <a:latin typeface="Andale Mono" charset="0"/>
+                <a:ea typeface="Andale Mono" charset="0"/>
+                <a:cs typeface="Andale Mono" charset="0"/>
+              </a:endParaRPr>
+            </a:p>
+            <a:p>
+              <a:r>
+                <a:rPr lang="en-US" altLang="ja-JP" sz="1300" smtClean="0">
+                  <a:solidFill>
+                    <a:srgbClr val="3E4057"/>
+                  </a:solidFill>
+                  <a:latin typeface="Andale Mono" charset="0"/>
+                  <a:ea typeface="Andale Mono" charset="0"/>
+                  <a:cs typeface="Andale Mono" charset="0"/>
+                </a:rPr>
+                <a:t>}</a:t>
+              </a:r>
+            </a:p>
+            <a:p>
+              <a:endParaRPr lang="en-US" altLang="ja-JP" sz="1300" smtClean="0">
+                <a:solidFill>
+                  <a:srgbClr val="3E4057"/>
+                </a:solidFill>
+                <a:latin typeface="Andale Mono" charset="0"/>
+                <a:ea typeface="Andale Mono" charset="0"/>
+                <a:cs typeface="Andale Mono" charset="0"/>
+              </a:endParaRPr>
+            </a:p>
+            <a:p>
+              <a:r>
+                <a:rPr kumimoji="1" lang="en-US" altLang="ja-JP" sz="1300" smtClean="0">
+                  <a:solidFill>
+                    <a:srgbClr val="3E4057"/>
+                  </a:solidFill>
+                  <a:latin typeface="Andale Mono" charset="0"/>
+                  <a:ea typeface="Andale Mono" charset="0"/>
+                  <a:cs typeface="Andale Mono" charset="0"/>
+                </a:rPr>
+                <a:t>// </a:t>
+              </a:r>
+              <a:r>
+                <a:rPr kumimoji="1" lang="ja-JP" altLang="en-US" sz="1300" smtClean="0">
+                  <a:solidFill>
+                    <a:srgbClr val="3E4057"/>
+                  </a:solidFill>
+                  <a:latin typeface="Andale Mono" charset="0"/>
+                  <a:ea typeface="Andale Mono" charset="0"/>
+                  <a:cs typeface="Andale Mono" charset="0"/>
+                </a:rPr>
+                <a:t>メンバの実装をバインディング</a:t>
+              </a:r>
+              <a:endParaRPr kumimoji="1" lang="en-US" altLang="ja-JP" sz="1300">
+                <a:solidFill>
+                  <a:srgbClr val="3E4057"/>
+                </a:solidFill>
+                <a:latin typeface="Andale Mono" charset="0"/>
+                <a:ea typeface="Andale Mono" charset="0"/>
+                <a:cs typeface="Andale Mono" charset="0"/>
+              </a:endParaRPr>
+            </a:p>
+            <a:p>
+              <a:r>
+                <a:rPr kumimoji="1" lang="en-US" altLang="ja-JP" sz="1300" b="1" smtClean="0">
+                  <a:solidFill>
+                    <a:srgbClr val="3E4057"/>
+                  </a:solidFill>
+                  <a:latin typeface="Andale Mono" charset="0"/>
+                  <a:ea typeface="Andale Mono" charset="0"/>
+                  <a:cs typeface="Andale Mono" charset="0"/>
+                </a:rPr>
+                <a:t>A.prototype[“hello”] = MixinB.prototype[“hello”];</a:t>
+              </a:r>
+            </a:p>
+            <a:p>
+              <a:r>
+                <a:rPr lang="en-US" altLang="ja-JP" sz="1300" b="1">
+                  <a:solidFill>
+                    <a:srgbClr val="3E4057"/>
+                  </a:solidFill>
+                  <a:latin typeface="Andale Mono" charset="0"/>
+                  <a:ea typeface="Andale Mono" charset="0"/>
+                  <a:cs typeface="Andale Mono" charset="0"/>
+                </a:rPr>
+                <a:t>A</a:t>
+              </a:r>
+              <a:r>
+                <a:rPr lang="en-US" altLang="ja-JP" sz="1300" b="1" smtClean="0">
+                  <a:solidFill>
+                    <a:srgbClr val="3E4057"/>
+                  </a:solidFill>
+                  <a:latin typeface="Andale Mono" charset="0"/>
+                  <a:ea typeface="Andale Mono" charset="0"/>
+                  <a:cs typeface="Andale Mono" charset="0"/>
+                </a:rPr>
+                <a:t>.prototype[“bye”] = MixinC.prototype[“bye”];</a:t>
+              </a:r>
+            </a:p>
+            <a:p>
+              <a:endParaRPr kumimoji="1" lang="en-US" altLang="ja-JP" sz="1300">
+                <a:solidFill>
+                  <a:srgbClr val="3E4057"/>
+                </a:solidFill>
+                <a:latin typeface="Andale Mono" charset="0"/>
+                <a:ea typeface="Andale Mono" charset="0"/>
+                <a:cs typeface="Andale Mono" charset="0"/>
+              </a:endParaRPr>
+            </a:p>
+            <a:p>
+              <a:r>
+                <a:rPr lang="en-US" altLang="ja-JP" sz="1300" smtClean="0">
+                  <a:solidFill>
+                    <a:srgbClr val="3E4057"/>
+                  </a:solidFill>
+                  <a:latin typeface="Andale Mono" charset="0"/>
+                  <a:ea typeface="Andale Mono" charset="0"/>
+                  <a:cs typeface="Andale Mono" charset="0"/>
+                </a:rPr>
+                <a:t>var </a:t>
+              </a:r>
+              <a:r>
+                <a:rPr lang="en-US" altLang="ja-JP" sz="1300" b="1" smtClean="0">
+                  <a:solidFill>
+                    <a:srgbClr val="3E4057"/>
+                  </a:solidFill>
+                  <a:latin typeface="Andale Mono" charset="0"/>
+                  <a:ea typeface="Andale Mono" charset="0"/>
+                  <a:cs typeface="Andale Mono" charset="0"/>
+                </a:rPr>
+                <a:t>a: A = new A;</a:t>
+              </a:r>
+            </a:p>
+            <a:p>
+              <a:r>
+                <a:rPr kumimoji="1" lang="en-US" altLang="ja-JP" sz="1300" b="1" smtClean="0">
+                  <a:solidFill>
+                    <a:srgbClr val="3E4057"/>
+                  </a:solidFill>
+                  <a:latin typeface="Andale Mono" charset="0"/>
+                  <a:ea typeface="Andale Mono" charset="0"/>
+                  <a:cs typeface="Andale Mono" charset="0"/>
+                </a:rPr>
+                <a:t>a.hello();</a:t>
+              </a:r>
+            </a:p>
+            <a:p>
+              <a:r>
+                <a:rPr lang="en-US" altLang="ja-JP" sz="1300" b="1" smtClean="0">
+                  <a:solidFill>
+                    <a:srgbClr val="3E4057"/>
+                  </a:solidFill>
+                  <a:latin typeface="Andale Mono" charset="0"/>
+                  <a:ea typeface="Andale Mono" charset="0"/>
+                  <a:cs typeface="Andale Mono" charset="0"/>
+                </a:rPr>
+                <a:t>a.bye();</a:t>
+              </a:r>
+              <a:endParaRPr kumimoji="1" lang="en-US" altLang="ja-JP" sz="1300" b="1" smtClean="0">
+                <a:solidFill>
+                  <a:srgbClr val="3E4057"/>
+                </a:solidFill>
+                <a:latin typeface="Andale Mono" charset="0"/>
+                <a:ea typeface="Andale Mono" charset="0"/>
+                <a:cs typeface="Andale Mono" charset="0"/>
+              </a:endParaRPr>
+            </a:p>
+          </p:txBody>
+        </p:sp>
+        <p:sp>
+          <p:nvSpPr>
+            <p:cNvPr id="5" name="テキスト ボックス 4"/>
+            <p:cNvSpPr txBox="1"/>
+            <p:nvPr/>
+          </p:nvSpPr>
+          <p:spPr>
+            <a:xfrm>
+              <a:off x="1819927" y="2387427"/>
+              <a:ext cx="419839" cy="1469516"/>
+            </a:xfrm>
+            <a:prstGeom prst="rect">
+              <a:avLst/>
+            </a:prstGeom>
+            <a:solidFill>
+              <a:schemeClr val="accent3">
+                <a:lumMod val="20000"/>
+                <a:lumOff val="80000"/>
+              </a:schemeClr>
+            </a:solidFill>
+            <a:ln cap="rnd">
+              <a:solidFill>
+                <a:schemeClr val="bg1">
+                  <a:lumMod val="50000"/>
+                </a:schemeClr>
+              </a:solidFill>
+            </a:ln>
+          </p:spPr>
+          <p:style>
+            <a:lnRef idx="2">
+              <a:schemeClr val="dk1"/>
+            </a:lnRef>
+            <a:fillRef idx="1">
+              <a:schemeClr val="lt1"/>
+            </a:fillRef>
+            <a:effectRef idx="0">
+              <a:schemeClr val="dk1"/>
+            </a:effectRef>
+            <a:fontRef idx="minor">
+              <a:schemeClr val="dk1"/>
+            </a:fontRef>
+          </p:style>
+          <p:txBody>
+            <a:bodyPr wrap="square" rtlCol="0">
+              <a:spAutoFit/>
+            </a:bodyPr>
+            <a:lstStyle/>
+            <a:p>
+              <a:r>
+                <a:rPr kumimoji="1" lang="en-US" altLang="ja-JP" sz="1300" smtClean="0">
+                  <a:solidFill>
+                    <a:srgbClr val="3E4057"/>
+                  </a:solidFill>
+                  <a:latin typeface="Andale Mono" charset="0"/>
+                  <a:ea typeface="Andale Mono" charset="0"/>
+                  <a:cs typeface="Andale Mono" charset="0"/>
+                </a:rPr>
+                <a:t>1</a:t>
+              </a:r>
+            </a:p>
+            <a:p>
+              <a:r>
+                <a:rPr lang="en-US" altLang="ja-JP" sz="1300" smtClean="0">
+                  <a:solidFill>
+                    <a:srgbClr val="3E4057"/>
+                  </a:solidFill>
+                  <a:latin typeface="Andale Mono" charset="0"/>
+                  <a:ea typeface="Andale Mono" charset="0"/>
+                  <a:cs typeface="Andale Mono" charset="0"/>
+                </a:rPr>
+                <a:t>2</a:t>
+              </a:r>
+            </a:p>
+            <a:p>
+              <a:r>
+                <a:rPr kumimoji="1" lang="en-US" altLang="ja-JP" sz="1300" smtClean="0">
+                  <a:solidFill>
+                    <a:srgbClr val="3E4057"/>
+                  </a:solidFill>
+                  <a:latin typeface="Andale Mono" charset="0"/>
+                  <a:ea typeface="Andale Mono" charset="0"/>
+                  <a:cs typeface="Andale Mono" charset="0"/>
+                </a:rPr>
+                <a:t>3</a:t>
+              </a:r>
+            </a:p>
+            <a:p>
+              <a:r>
+                <a:rPr lang="en-US" altLang="ja-JP" sz="1300" smtClean="0">
+                  <a:solidFill>
+                    <a:srgbClr val="3E4057"/>
+                  </a:solidFill>
+                  <a:latin typeface="Andale Mono" charset="0"/>
+                  <a:ea typeface="Andale Mono" charset="0"/>
+                  <a:cs typeface="Andale Mono" charset="0"/>
+                </a:rPr>
+                <a:t>4</a:t>
+              </a:r>
+            </a:p>
+            <a:p>
+              <a:r>
+                <a:rPr kumimoji="1" lang="en-US" altLang="ja-JP" sz="1300" smtClean="0">
+                  <a:solidFill>
+                    <a:srgbClr val="3E4057"/>
+                  </a:solidFill>
+                  <a:latin typeface="Andale Mono" charset="0"/>
+                  <a:ea typeface="Andale Mono" charset="0"/>
+                  <a:cs typeface="Andale Mono" charset="0"/>
+                </a:rPr>
+                <a:t>5</a:t>
+              </a:r>
+            </a:p>
+            <a:p>
+              <a:r>
+                <a:rPr lang="en-US" altLang="ja-JP" sz="1300" smtClean="0">
+                  <a:solidFill>
+                    <a:srgbClr val="3E4057"/>
+                  </a:solidFill>
+                  <a:latin typeface="Andale Mono" charset="0"/>
+                  <a:ea typeface="Andale Mono" charset="0"/>
+                  <a:cs typeface="Andale Mono" charset="0"/>
+                </a:rPr>
+                <a:t>6</a:t>
+              </a:r>
+            </a:p>
+            <a:p>
+              <a:r>
+                <a:rPr kumimoji="1" lang="en-US" altLang="ja-JP" sz="1300" smtClean="0">
+                  <a:solidFill>
+                    <a:srgbClr val="3E4057"/>
+                  </a:solidFill>
+                  <a:latin typeface="Andale Mono" charset="0"/>
+                  <a:ea typeface="Andale Mono" charset="0"/>
+                  <a:cs typeface="Andale Mono" charset="0"/>
+                </a:rPr>
+                <a:t>7</a:t>
+              </a:r>
+            </a:p>
+            <a:p>
+              <a:r>
+                <a:rPr lang="en-US" altLang="ja-JP" sz="1300" smtClean="0">
+                  <a:solidFill>
+                    <a:srgbClr val="3E4057"/>
+                  </a:solidFill>
+                  <a:latin typeface="Andale Mono" charset="0"/>
+                  <a:ea typeface="Andale Mono" charset="0"/>
+                  <a:cs typeface="Andale Mono" charset="0"/>
+                </a:rPr>
+                <a:t>8</a:t>
+              </a:r>
+            </a:p>
+            <a:p>
+              <a:r>
+                <a:rPr kumimoji="1" lang="en-US" altLang="ja-JP" sz="1300" smtClean="0">
+                  <a:solidFill>
+                    <a:srgbClr val="3E4057"/>
+                  </a:solidFill>
+                  <a:latin typeface="Andale Mono" charset="0"/>
+                  <a:ea typeface="Andale Mono" charset="0"/>
+                  <a:cs typeface="Andale Mono" charset="0"/>
+                </a:rPr>
+                <a:t>9</a:t>
+              </a:r>
+            </a:p>
+            <a:p>
+              <a:r>
+                <a:rPr lang="en-US" altLang="ja-JP" sz="1300" smtClean="0">
+                  <a:solidFill>
+                    <a:srgbClr val="3E4057"/>
+                  </a:solidFill>
+                  <a:latin typeface="Andale Mono" charset="0"/>
+                  <a:ea typeface="Andale Mono" charset="0"/>
+                  <a:cs typeface="Andale Mono" charset="0"/>
+                </a:rPr>
+                <a:t>10</a:t>
+              </a:r>
+            </a:p>
+            <a:p>
+              <a:r>
+                <a:rPr kumimoji="1" lang="en-US" altLang="ja-JP" sz="1300" smtClean="0">
+                  <a:solidFill>
+                    <a:srgbClr val="3E4057"/>
+                  </a:solidFill>
+                  <a:latin typeface="Andale Mono" charset="0"/>
+                  <a:ea typeface="Andale Mono" charset="0"/>
+                  <a:cs typeface="Andale Mono" charset="0"/>
+                </a:rPr>
+                <a:t>11</a:t>
+              </a:r>
+            </a:p>
+            <a:p>
+              <a:r>
+                <a:rPr lang="en-US" altLang="ja-JP" sz="1300" smtClean="0">
+                  <a:solidFill>
+                    <a:srgbClr val="3E4057"/>
+                  </a:solidFill>
+                  <a:latin typeface="Andale Mono" charset="0"/>
+                  <a:ea typeface="Andale Mono" charset="0"/>
+                  <a:cs typeface="Andale Mono" charset="0"/>
+                </a:rPr>
+                <a:t>12</a:t>
+              </a:r>
+              <a:endParaRPr kumimoji="1" lang="en-US" altLang="ja-JP" sz="1300" smtClean="0">
+                <a:solidFill>
+                  <a:srgbClr val="3E4057"/>
+                </a:solidFill>
+                <a:latin typeface="Andale Mono" charset="0"/>
+                <a:ea typeface="Andale Mono" charset="0"/>
+                <a:cs typeface="Andale Mono" charset="0"/>
+              </a:endParaRPr>
+            </a:p>
+            <a:p>
+              <a:r>
+                <a:rPr kumimoji="1" lang="en-US" altLang="ja-JP" sz="1300" smtClean="0">
+                  <a:solidFill>
+                    <a:srgbClr val="3E4057"/>
+                  </a:solidFill>
+                  <a:latin typeface="Andale Mono" charset="0"/>
+                  <a:ea typeface="Andale Mono" charset="0"/>
+                  <a:cs typeface="Andale Mono" charset="0"/>
+                </a:rPr>
+                <a:t>13</a:t>
+              </a:r>
+              <a:endParaRPr kumimoji="1" lang="en-US" altLang="ja-JP" sz="1300" smtClean="0">
+                <a:solidFill>
+                  <a:srgbClr val="3E4057"/>
+                </a:solidFill>
+                <a:latin typeface="Andale Mono" charset="0"/>
+                <a:ea typeface="Andale Mono" charset="0"/>
+                <a:cs typeface="Andale Mono" charset="0"/>
+              </a:endParaRPr>
+            </a:p>
+            <a:p>
+              <a:r>
+                <a:rPr lang="en-US" altLang="ja-JP" sz="1300" smtClean="0">
+                  <a:solidFill>
+                    <a:srgbClr val="3E4057"/>
+                  </a:solidFill>
+                  <a:latin typeface="Andale Mono" charset="0"/>
+                  <a:ea typeface="Andale Mono" charset="0"/>
+                  <a:cs typeface="Andale Mono" charset="0"/>
+                </a:rPr>
+                <a:t>14</a:t>
+              </a:r>
+            </a:p>
+            <a:p>
+              <a:r>
+                <a:rPr kumimoji="1" lang="en-US" altLang="ja-JP" sz="1300" smtClean="0">
+                  <a:solidFill>
+                    <a:srgbClr val="3E4057"/>
+                  </a:solidFill>
+                  <a:latin typeface="Andale Mono" charset="0"/>
+                  <a:ea typeface="Andale Mono" charset="0"/>
+                  <a:cs typeface="Andale Mono" charset="0"/>
+                </a:rPr>
+                <a:t>15</a:t>
+              </a:r>
+            </a:p>
+            <a:p>
+              <a:r>
+                <a:rPr lang="en-US" altLang="ja-JP" sz="1300" smtClean="0">
+                  <a:solidFill>
+                    <a:srgbClr val="3E4057"/>
+                  </a:solidFill>
+                  <a:latin typeface="Andale Mono" charset="0"/>
+                  <a:ea typeface="Andale Mono" charset="0"/>
+                  <a:cs typeface="Andale Mono" charset="0"/>
+                </a:rPr>
+                <a:t>16</a:t>
+              </a:r>
+            </a:p>
+            <a:p>
+              <a:r>
+                <a:rPr kumimoji="1" lang="en-US" altLang="ja-JP" sz="1300" smtClean="0">
+                  <a:solidFill>
+                    <a:srgbClr val="3E4057"/>
+                  </a:solidFill>
+                  <a:latin typeface="Andale Mono" charset="0"/>
+                  <a:ea typeface="Andale Mono" charset="0"/>
+                  <a:cs typeface="Andale Mono" charset="0"/>
+                </a:rPr>
+                <a:t>17</a:t>
+              </a:r>
+            </a:p>
+            <a:p>
+              <a:r>
+                <a:rPr lang="en-US" altLang="ja-JP" sz="1300" smtClean="0">
+                  <a:solidFill>
+                    <a:srgbClr val="3E4057"/>
+                  </a:solidFill>
+                  <a:latin typeface="Andale Mono" charset="0"/>
+                  <a:ea typeface="Andale Mono" charset="0"/>
+                  <a:cs typeface="Andale Mono" charset="0"/>
+                </a:rPr>
+                <a:t>18</a:t>
+              </a:r>
+            </a:p>
+            <a:p>
+              <a:r>
+                <a:rPr kumimoji="1" lang="en-US" altLang="ja-JP" sz="1300" smtClean="0">
+                  <a:solidFill>
+                    <a:srgbClr val="3E4057"/>
+                  </a:solidFill>
+                  <a:latin typeface="Andale Mono" charset="0"/>
+                  <a:ea typeface="Andale Mono" charset="0"/>
+                  <a:cs typeface="Andale Mono" charset="0"/>
+                </a:rPr>
+                <a:t>19</a:t>
+              </a:r>
+            </a:p>
+            <a:p>
+              <a:r>
+                <a:rPr lang="en-US" altLang="ja-JP" sz="1300" smtClean="0">
+                  <a:solidFill>
+                    <a:srgbClr val="3E4057"/>
+                  </a:solidFill>
+                  <a:latin typeface="Andale Mono" charset="0"/>
+                  <a:ea typeface="Andale Mono" charset="0"/>
+                  <a:cs typeface="Andale Mono" charset="0"/>
+                </a:rPr>
+                <a:t>20</a:t>
+              </a:r>
+            </a:p>
+            <a:p>
+              <a:r>
+                <a:rPr kumimoji="1" lang="en-US" altLang="ja-JP" sz="1300" smtClean="0">
+                  <a:solidFill>
+                    <a:srgbClr val="3E4057"/>
+                  </a:solidFill>
+                  <a:latin typeface="Andale Mono" charset="0"/>
+                  <a:ea typeface="Andale Mono" charset="0"/>
+                  <a:cs typeface="Andale Mono" charset="0"/>
+                </a:rPr>
+                <a:t>21</a:t>
+              </a:r>
+            </a:p>
+            <a:p>
+              <a:r>
+                <a:rPr lang="en-US" altLang="ja-JP" sz="1300" smtClean="0">
+                  <a:solidFill>
+                    <a:srgbClr val="3E4057"/>
+                  </a:solidFill>
+                  <a:latin typeface="Andale Mono" charset="0"/>
+                  <a:ea typeface="Andale Mono" charset="0"/>
+                  <a:cs typeface="Andale Mono" charset="0"/>
+                </a:rPr>
+                <a:t>22</a:t>
+              </a:r>
+            </a:p>
+            <a:p>
+              <a:r>
+                <a:rPr kumimoji="1" lang="en-US" altLang="ja-JP" sz="1300" smtClean="0">
+                  <a:solidFill>
+                    <a:srgbClr val="3E4057"/>
+                  </a:solidFill>
+                  <a:latin typeface="Andale Mono" charset="0"/>
+                  <a:ea typeface="Andale Mono" charset="0"/>
+                  <a:cs typeface="Andale Mono" charset="0"/>
+                </a:rPr>
+                <a:t>23</a:t>
+              </a:r>
+            </a:p>
+            <a:p>
+              <a:r>
+                <a:rPr lang="en-US" altLang="ja-JP" sz="1300" smtClean="0">
+                  <a:solidFill>
+                    <a:srgbClr val="3E4057"/>
+                  </a:solidFill>
+                  <a:latin typeface="Andale Mono" charset="0"/>
+                  <a:ea typeface="Andale Mono" charset="0"/>
+                  <a:cs typeface="Andale Mono" charset="0"/>
+                </a:rPr>
+                <a:t>24</a:t>
+              </a:r>
+            </a:p>
+            <a:p>
+              <a:r>
+                <a:rPr kumimoji="1" lang="en-US" altLang="ja-JP" sz="1300" smtClean="0">
+                  <a:solidFill>
+                    <a:srgbClr val="3E4057"/>
+                  </a:solidFill>
+                  <a:latin typeface="Andale Mono" charset="0"/>
+                  <a:ea typeface="Andale Mono" charset="0"/>
+                  <a:cs typeface="Andale Mono" charset="0"/>
+                </a:rPr>
+                <a:t>25</a:t>
+              </a:r>
+              <a:endParaRPr kumimoji="1" lang="en-US" altLang="ja-JP" sz="1300" smtClean="0">
+                <a:solidFill>
+                  <a:srgbClr val="3E4057"/>
+                </a:solidFill>
+                <a:latin typeface="Andale Mono" charset="0"/>
+                <a:ea typeface="Andale Mono" charset="0"/>
+                <a:cs typeface="Andale Mono" charset="0"/>
+              </a:endParaRPr>
+            </a:p>
+          </p:txBody>
+        </p:sp>
+      </p:grpSp>
+      <p:sp>
+        <p:nvSpPr>
+          <p:cNvPr id="10" name="スライド番号プレースホルダー 9"/>
+          <p:cNvSpPr>
+            <a:spLocks noGrp="1"/>
+          </p:cNvSpPr>
+          <p:nvPr>
+            <p:ph type="sldNum" sz="quarter" idx="12"/>
+          </p:nvPr>
+        </p:nvSpPr>
+        <p:spPr>
+          <a:xfrm>
+            <a:off x="6635907" y="6250375"/>
+            <a:ext cx="2133600" cy="365125"/>
+          </a:xfrm>
+        </p:spPr>
+        <p:txBody>
+          <a:bodyPr/>
+          <a:lstStyle/>
+          <a:p>
+            <a:fld id="{2397F2D1-65A3-45EE-8E20-32FB97FA5EAD}" type="slidenum">
+              <a:rPr kumimoji="1" lang="ja-JP" altLang="en-US" smtClean="0"/>
+              <a:t>8</a:t>
+            </a:fld>
+            <a:endParaRPr kumimoji="1" lang="ja-JP" altLang="en-US"/>
+          </a:p>
+        </p:txBody>
+      </p:sp>
+      <p:sp>
+        <p:nvSpPr>
+          <p:cNvPr id="14" name="対角する 2 つの角を丸めた四角形 13"/>
+          <p:cNvSpPr/>
+          <p:nvPr/>
+        </p:nvSpPr>
+        <p:spPr>
+          <a:xfrm>
+            <a:off x="5787021" y="1204730"/>
+            <a:ext cx="1378496" cy="432048"/>
+          </a:xfrm>
+          <a:prstGeom prst="round2DiagRect">
+            <a:avLst>
+              <a:gd name="adj1" fmla="val 41730"/>
+              <a:gd name="adj2" fmla="val 0"/>
+            </a:avLst>
+          </a:prstGeom>
+        </p:spPr>
+        <p:style>
+          <a:lnRef idx="2">
+            <a:schemeClr val="dk1"/>
+          </a:lnRef>
+          <a:fillRef idx="1">
+            <a:schemeClr val="lt1"/>
+          </a:fillRef>
+          <a:effectRef idx="0">
+            <a:schemeClr val="dk1"/>
+          </a:effectRef>
+          <a:fontRef idx="minor">
+            <a:schemeClr val="dk1"/>
+          </a:fontRef>
+        </p:style>
+        <p:txBody>
+          <a:bodyPr rtlCol="0" anchor="ctr"/>
+          <a:lstStyle/>
+          <a:p>
+            <a:pPr algn="ctr"/>
+            <a:r>
+              <a:rPr kumimoji="1" lang="en-US" altLang="ja-JP" sz="1400" smtClean="0">
+                <a:latin typeface="Meiryo" charset="-128"/>
+                <a:ea typeface="Meiryo" charset="-128"/>
+                <a:cs typeface="Meiryo" charset="-128"/>
+              </a:rPr>
+              <a:t>Sample 9</a:t>
+            </a:r>
+            <a:endParaRPr kumimoji="1" lang="ja-JP" altLang="en-US" sz="1400">
+              <a:latin typeface="Meiryo" charset="-128"/>
+              <a:ea typeface="Meiryo" charset="-128"/>
+              <a:cs typeface="Meiryo" charset="-128"/>
+            </a:endParaRPr>
+          </a:p>
+        </p:txBody>
+      </p:sp>
+    </p:spTree>
+    <p:extLst>
+      <p:ext uri="{BB962C8B-B14F-4D97-AF65-F5344CB8AC3E}">
+        <p14:creationId xmlns:p14="http://schemas.microsoft.com/office/powerpoint/2010/main" val="689937499"/>
+      </p:ext>
+    </p:extLst>
+  </p:cSld>
+  <p:clrMapOvr>
+    <a:masterClrMapping/>
+  </p:clrMapOvr>
+  <p:timing>
+    <p:tnLst>
+      <p:par>
+        <p:cTn id="1" dur="indefinite" restart="never" nodeType="tmRoot"/>
+      </p:par>
+    </p:tnLst>
+  </p:timing>
+</p:sld>
+</file>
+
+<file path=ppt/slides/slide9.xml><?xml version="1.0" encoding="utf-8"?>
+<p:sld xmlns:a="http://schemas.openxmlformats.org/drawingml/2006/main" xmlns:r="http://schemas.openxmlformats.org/officeDocument/2006/relationships" xmlns:p="http://schemas.openxmlformats.org/presentationml/2006/main">
+  <p:cSld>
+    <p:spTree>
+      <p:nvGrpSpPr>
+        <p:cNvPr id="1" name=""/>
+        <p:cNvGrpSpPr/>
+        <p:nvPr/>
+      </p:nvGrpSpPr>
+      <p:grpSpPr>
+        <a:xfrm>
+          <a:off x="0" y="0"/>
+          <a:ext cx="0" cy="0"/>
+          <a:chOff x="0" y="0"/>
+          <a:chExt cx="0" cy="0"/>
+        </a:xfrm>
+      </p:grpSpPr>
+      <p:sp>
+        <p:nvSpPr>
+          <p:cNvPr id="3" name="コンテンツ プレースホルダー 2"/>
+          <p:cNvSpPr>
+            <a:spLocks noGrp="1"/>
+          </p:cNvSpPr>
+          <p:nvPr>
+            <p:ph idx="1"/>
+          </p:nvPr>
+        </p:nvSpPr>
+        <p:spPr>
+          <a:xfrm>
+            <a:off x="513881" y="3137853"/>
+            <a:ext cx="4468310" cy="2980928"/>
+          </a:xfrm>
+        </p:spPr>
+        <p:txBody>
+          <a:bodyPr anchor="ctr">
+            <a:normAutofit/>
+          </a:bodyPr>
+          <a:lstStyle/>
+          <a:p>
+            <a:pPr>
+              <a:lnSpc>
+                <a:spcPct val="150000"/>
+              </a:lnSpc>
+            </a:pPr>
+            <a:r>
+              <a:rPr lang="ja-JP" altLang="en-US" sz="2400" smtClean="0"/>
+              <a:t>クラスの</a:t>
+            </a:r>
+            <a:r>
+              <a:rPr lang="ja-JP" altLang="en-US" sz="2400" smtClean="0">
+                <a:solidFill>
+                  <a:srgbClr val="32B490"/>
+                </a:solidFill>
+              </a:rPr>
+              <a:t>属性は単一継承</a:t>
+            </a:r>
+            <a:endParaRPr lang="en-US" altLang="ja-JP" sz="2400"/>
+          </a:p>
+          <a:p>
+            <a:pPr>
+              <a:lnSpc>
+                <a:spcPct val="150000"/>
+              </a:lnSpc>
+            </a:pPr>
+            <a:r>
+              <a:rPr lang="ja-JP" altLang="en-US" sz="2400" smtClean="0">
+                <a:solidFill>
+                  <a:srgbClr val="32B490"/>
+                </a:solidFill>
+              </a:rPr>
+              <a:t>実装は多重継承</a:t>
+            </a:r>
+            <a:endParaRPr lang="en-US" altLang="ja-JP" sz="2000" smtClean="0">
+              <a:solidFill>
+                <a:srgbClr val="32B490"/>
+              </a:solidFill>
+            </a:endParaRPr>
+          </a:p>
+          <a:p>
+            <a:pPr>
+              <a:lnSpc>
+                <a:spcPct val="150000"/>
+              </a:lnSpc>
+            </a:pPr>
+            <a:r>
+              <a:rPr lang="en-US" altLang="ja-JP" sz="2400" smtClean="0"/>
+              <a:t>Mixin </a:t>
+            </a:r>
+            <a:r>
+              <a:rPr lang="ja-JP" altLang="en-US" sz="2400" smtClean="0"/>
+              <a:t>クラスは抽象クラス</a:t>
+            </a:r>
+            <a:endParaRPr lang="en-US" altLang="ja-JP" sz="2400" smtClean="0"/>
+          </a:p>
+        </p:txBody>
+      </p:sp>
+      <p:sp>
+        <p:nvSpPr>
+          <p:cNvPr id="4" name="スライド番号プレースホルダー 3"/>
+          <p:cNvSpPr>
+            <a:spLocks noGrp="1"/>
+          </p:cNvSpPr>
+          <p:nvPr>
+            <p:ph type="sldNum" sz="quarter" idx="12"/>
+          </p:nvPr>
+        </p:nvSpPr>
+        <p:spPr/>
+        <p:txBody>
+          <a:bodyPr/>
+          <a:lstStyle/>
+          <a:p>
+            <a:fld id="{2397F2D1-65A3-45EE-8E20-32FB97FA5EAD}" type="slidenum">
+              <a:rPr kumimoji="1" lang="ja-JP" altLang="en-US" smtClean="0"/>
+              <a:t>9</a:t>
+            </a:fld>
+            <a:endParaRPr kumimoji="1" lang="ja-JP" altLang="en-US"/>
+          </a:p>
+        </p:txBody>
+      </p:sp>
+      <p:sp>
+        <p:nvSpPr>
+          <p:cNvPr id="8" name="タイトル 1"/>
+          <p:cNvSpPr>
+            <a:spLocks noGrp="1"/>
+          </p:cNvSpPr>
+          <p:nvPr>
+            <p:ph type="title"/>
+          </p:nvPr>
+        </p:nvSpPr>
+        <p:spPr>
+          <a:xfrm>
+            <a:off x="457200" y="274638"/>
+            <a:ext cx="8229600" cy="1143000"/>
+          </a:xfrm>
+        </p:spPr>
+        <p:txBody>
+          <a:bodyPr/>
+          <a:lstStyle/>
+          <a:p>
+            <a:r>
+              <a:rPr lang="ja-JP" altLang="en-US" smtClean="0"/>
+              <a:t>まとめ</a:t>
+            </a:r>
+            <a:endParaRPr kumimoji="1" lang="ja-JP" altLang="en-US" dirty="0"/>
+          </a:p>
+        </p:txBody>
+      </p:sp>
+      <p:sp>
+        <p:nvSpPr>
+          <p:cNvPr id="5" name="コンテンツ プレースホルダー 2"/>
+          <p:cNvSpPr txBox="1">
+            <a:spLocks/>
+          </p:cNvSpPr>
+          <p:nvPr/>
+        </p:nvSpPr>
+        <p:spPr>
+          <a:xfrm>
+            <a:off x="457200" y="1986535"/>
+            <a:ext cx="8229600" cy="1070905"/>
+          </a:xfrm>
+          <a:prstGeom prst="rect">
+            <a:avLst/>
+          </a:prstGeom>
+        </p:spPr>
+        <p:txBody>
+          <a:bodyPr vert="horz" lIns="91440" tIns="45720" rIns="91440" bIns="45720" rtlCol="0" anchor="ctr">
+            <a:normAutofit fontScale="92500" lnSpcReduction="20000"/>
+          </a:bodyPr>
+          <a:lstStyle>
+            <a:lvl1pPr marL="342900" indent="-342900" algn="l" defTabSz="914400" rtl="0" eaLnBrk="1" latinLnBrk="0" hangingPunct="1">
+              <a:spcBef>
+                <a:spcPct val="20000"/>
+              </a:spcBef>
+              <a:buFont typeface="Arial" panose="020B0604020202020204" pitchFamily="34" charset="0"/>
+              <a:buChar char="•"/>
+              <a:defRPr kumimoji="1" sz="3200" kern="1200">
+                <a:solidFill>
+                  <a:srgbClr val="3E4057"/>
+                </a:solidFill>
+                <a:latin typeface="メイリオ" panose="020B0604030504040204" pitchFamily="50" charset="-128"/>
+                <a:ea typeface="メイリオ" panose="020B0604030504040204" pitchFamily="50" charset="-128"/>
+                <a:cs typeface="メイリオ" panose="020B0604030504040204" pitchFamily="50" charset="-128"/>
+              </a:defRPr>
+            </a:lvl1pPr>
+            <a:lvl2pPr marL="742950" indent="-285750" algn="l" defTabSz="914400" rtl="0" eaLnBrk="1" latinLnBrk="0" hangingPunct="1">
+              <a:spcBef>
+                <a:spcPct val="20000"/>
+              </a:spcBef>
+              <a:buFont typeface="Arial" panose="020B0604020202020204" pitchFamily="34" charset="0"/>
+              <a:buChar char="–"/>
+              <a:defRPr kumimoji="1" sz="2800" kern="1200">
+                <a:solidFill>
+                  <a:srgbClr val="3E4057"/>
+                </a:solidFill>
+                <a:latin typeface="メイリオ" panose="020B0604030504040204" pitchFamily="50" charset="-128"/>
+                <a:ea typeface="メイリオ" panose="020B0604030504040204" pitchFamily="50" charset="-128"/>
+                <a:cs typeface="メイリオ" panose="020B0604030504040204" pitchFamily="50" charset="-128"/>
+              </a:defRPr>
+            </a:lvl2pPr>
+            <a:lvl3pPr marL="1143000" indent="-228600" algn="l" defTabSz="914400" rtl="0" eaLnBrk="1" latinLnBrk="0" hangingPunct="1">
+              <a:spcBef>
+                <a:spcPct val="20000"/>
+              </a:spcBef>
+              <a:buFont typeface="Arial" panose="020B0604020202020204" pitchFamily="34" charset="0"/>
+              <a:buChar char="•"/>
+              <a:defRPr kumimoji="1" sz="2400" kern="1200">
+                <a:solidFill>
+                  <a:srgbClr val="3E4057"/>
+                </a:solidFill>
+                <a:latin typeface="メイリオ" panose="020B0604030504040204" pitchFamily="50" charset="-128"/>
+                <a:ea typeface="メイリオ" panose="020B0604030504040204" pitchFamily="50" charset="-128"/>
+                <a:cs typeface="メイリオ" panose="020B0604030504040204" pitchFamily="50" charset="-128"/>
+              </a:defRPr>
+            </a:lvl3pPr>
+            <a:lvl4pPr marL="1600200" indent="-228600" algn="l" defTabSz="914400" rtl="0" eaLnBrk="1" latinLnBrk="0" hangingPunct="1">
+              <a:spcBef>
+                <a:spcPct val="20000"/>
+              </a:spcBef>
+              <a:buFont typeface="Arial" panose="020B0604020202020204" pitchFamily="34" charset="0"/>
+              <a:buChar char="–"/>
+              <a:defRPr kumimoji="1" sz="2000" kern="1200">
+                <a:solidFill>
+                  <a:srgbClr val="3E4057"/>
+                </a:solidFill>
+                <a:latin typeface="メイリオ" panose="020B0604030504040204" pitchFamily="50" charset="-128"/>
+                <a:ea typeface="メイリオ" panose="020B0604030504040204" pitchFamily="50" charset="-128"/>
+                <a:cs typeface="メイリオ" panose="020B0604030504040204" pitchFamily="50" charset="-128"/>
+              </a:defRPr>
+            </a:lvl4pPr>
+            <a:lvl5pPr marL="2057400" indent="-228600" algn="l" defTabSz="914400" rtl="0" eaLnBrk="1" latinLnBrk="0" hangingPunct="1">
+              <a:spcBef>
+                <a:spcPct val="20000"/>
+              </a:spcBef>
+              <a:buFont typeface="Arial" panose="020B0604020202020204" pitchFamily="34" charset="0"/>
+              <a:buChar char="»"/>
+              <a:defRPr kumimoji="1" sz="2000" kern="1200">
+                <a:solidFill>
+                  <a:srgbClr val="3E4057"/>
+                </a:solidFill>
+                <a:latin typeface="メイリオ" panose="020B0604030504040204" pitchFamily="50" charset="-128"/>
+                <a:ea typeface="メイリオ" panose="020B0604030504040204" pitchFamily="50" charset="-128"/>
+                <a:cs typeface="メイリオ" panose="020B0604030504040204" pitchFamily="50" charset="-128"/>
+              </a:defRPr>
+            </a:lvl5pPr>
+            <a:lvl6pPr marL="2514600" indent="-228600" algn="l" defTabSz="914400" rtl="0" eaLnBrk="1" latinLnBrk="0" hangingPunct="1">
+              <a:spcBef>
+                <a:spcPct val="20000"/>
+              </a:spcBef>
+              <a:buFont typeface="Arial" panose="020B0604020202020204" pitchFamily="34" charset="0"/>
+              <a:buChar char="•"/>
+              <a:defRPr kumimoji="1" sz="2000" kern="1200">
+                <a:solidFill>
+                  <a:schemeClr val="tx1"/>
+                </a:solidFill>
+                <a:latin typeface="+mn-lt"/>
+                <a:ea typeface="+mn-ea"/>
+                <a:cs typeface="+mn-cs"/>
+              </a:defRPr>
+            </a:lvl6pPr>
+            <a:lvl7pPr marL="2971800" indent="-228600" algn="l" defTabSz="914400" rtl="0" eaLnBrk="1" latinLnBrk="0" hangingPunct="1">
+              <a:spcBef>
+                <a:spcPct val="20000"/>
+              </a:spcBef>
+              <a:buFont typeface="Arial" panose="020B0604020202020204" pitchFamily="34" charset="0"/>
+              <a:buChar char="•"/>
+              <a:defRPr kumimoji="1" sz="2000" kern="1200">
+                <a:solidFill>
+                  <a:schemeClr val="tx1"/>
+                </a:solidFill>
+                <a:latin typeface="+mn-lt"/>
+                <a:ea typeface="+mn-ea"/>
+                <a:cs typeface="+mn-cs"/>
+              </a:defRPr>
+            </a:lvl7pPr>
+            <a:lvl8pPr marL="3429000" indent="-228600" algn="l" defTabSz="914400" rtl="0" eaLnBrk="1" latinLnBrk="0" hangingPunct="1">
+              <a:spcBef>
+                <a:spcPct val="20000"/>
+              </a:spcBef>
+              <a:buFont typeface="Arial" panose="020B0604020202020204" pitchFamily="34" charset="0"/>
+              <a:buChar char="•"/>
+              <a:defRPr kumimoji="1" sz="2000" kern="1200">
+                <a:solidFill>
+                  <a:schemeClr val="tx1"/>
+                </a:solidFill>
+                <a:latin typeface="+mn-lt"/>
+                <a:ea typeface="+mn-ea"/>
+                <a:cs typeface="+mn-cs"/>
+              </a:defRPr>
+            </a:lvl8pPr>
+            <a:lvl9pPr marL="3886200" indent="-228600" algn="l" defTabSz="914400" rtl="0" eaLnBrk="1" latinLnBrk="0" hangingPunct="1">
+              <a:spcBef>
+                <a:spcPct val="20000"/>
+              </a:spcBef>
+              <a:buFont typeface="Arial" panose="020B0604020202020204" pitchFamily="34" charset="0"/>
+              <a:buChar char="•"/>
+              <a:defRPr kumimoji="1" sz="2000" kern="1200">
+                <a:solidFill>
+                  <a:schemeClr val="tx1"/>
+                </a:solidFill>
+                <a:latin typeface="+mn-lt"/>
+                <a:ea typeface="+mn-ea"/>
+                <a:cs typeface="+mn-cs"/>
+              </a:defRPr>
+            </a:lvl9pPr>
+          </a:lstStyle>
+          <a:p>
+            <a:pPr marL="0" indent="0" algn="ctr">
+              <a:buFont typeface="Arial" panose="020B0604020202020204" pitchFamily="34" charset="0"/>
+              <a:buNone/>
+            </a:pPr>
+            <a:r>
+              <a:rPr lang="en-US" altLang="ja-JP" sz="2400" smtClean="0"/>
+              <a:t>Mixin </a:t>
+            </a:r>
+            <a:r>
+              <a:rPr lang="ja-JP" altLang="en-US" sz="2400" smtClean="0"/>
+              <a:t>を利用すると</a:t>
+            </a:r>
+            <a:endParaRPr lang="en-US" altLang="ja-JP" sz="2400" smtClean="0"/>
+          </a:p>
+          <a:p>
+            <a:pPr marL="0" indent="0" algn="ctr">
+              <a:buFont typeface="Arial" panose="020B0604020202020204" pitchFamily="34" charset="0"/>
+              <a:buNone/>
+            </a:pPr>
+            <a:r>
+              <a:rPr lang="ja-JP" altLang="en-US" sz="2400" smtClean="0"/>
+              <a:t>クラス群の</a:t>
+            </a:r>
+            <a:r>
+              <a:rPr lang="ja-JP" altLang="en-US" sz="2400" smtClean="0">
+                <a:solidFill>
+                  <a:srgbClr val="32B490"/>
+                </a:solidFill>
+              </a:rPr>
+              <a:t>構造をシンプルに</a:t>
+            </a:r>
+            <a:r>
+              <a:rPr lang="ja-JP" altLang="en-US" sz="2400" smtClean="0"/>
+              <a:t>保ったまま</a:t>
+            </a:r>
+            <a:endParaRPr lang="en-US" altLang="ja-JP" sz="2400" smtClean="0"/>
+          </a:p>
+          <a:p>
+            <a:pPr marL="0" indent="0" algn="ctr">
+              <a:buFont typeface="Arial" panose="020B0604020202020204" pitchFamily="34" charset="0"/>
+              <a:buNone/>
+            </a:pPr>
+            <a:r>
+              <a:rPr lang="ja-JP" altLang="en-US" sz="2400" smtClean="0">
+                <a:solidFill>
+                  <a:srgbClr val="32B490"/>
+                </a:solidFill>
+              </a:rPr>
+              <a:t>複数の異なる実装を取り入れる</a:t>
+            </a:r>
+            <a:r>
+              <a:rPr lang="ja-JP" altLang="en-US" sz="2400" smtClean="0"/>
+              <a:t>ことができる</a:t>
+            </a:r>
+            <a:endParaRPr lang="en-US" altLang="ja-JP" sz="2400" dirty="0"/>
+          </a:p>
+        </p:txBody>
+      </p:sp>
+      <p:grpSp>
+        <p:nvGrpSpPr>
+          <p:cNvPr id="6" name="図形グループ 5"/>
+          <p:cNvGrpSpPr/>
+          <p:nvPr/>
+        </p:nvGrpSpPr>
+        <p:grpSpPr>
+          <a:xfrm>
+            <a:off x="5220072" y="3619311"/>
+            <a:ext cx="3619588" cy="2907025"/>
+            <a:chOff x="5364088" y="3300820"/>
+            <a:chExt cx="3619588" cy="2907025"/>
+          </a:xfrm>
+        </p:grpSpPr>
+        <p:grpSp>
+          <p:nvGrpSpPr>
+            <p:cNvPr id="7" name="図形グループ 6"/>
+            <p:cNvGrpSpPr/>
+            <p:nvPr/>
+          </p:nvGrpSpPr>
+          <p:grpSpPr>
+            <a:xfrm>
+              <a:off x="5364088" y="3300820"/>
+              <a:ext cx="3150196" cy="2018012"/>
+              <a:chOff x="5507871" y="4248011"/>
+              <a:chExt cx="3150196" cy="2018012"/>
+            </a:xfrm>
+          </p:grpSpPr>
+          <p:sp>
+            <p:nvSpPr>
+              <p:cNvPr id="14" name="角丸四角形 13"/>
+              <p:cNvSpPr/>
+              <p:nvPr/>
+            </p:nvSpPr>
+            <p:spPr>
+              <a:xfrm>
+                <a:off x="6506905" y="4248011"/>
+                <a:ext cx="1152128" cy="344742"/>
+              </a:xfrm>
+              <a:prstGeom prst="roundRect">
+                <a:avLst/>
+              </a:prstGeom>
+              <a:solidFill>
+                <a:schemeClr val="accent3">
+                  <a:lumMod val="20000"/>
+                  <a:lumOff val="80000"/>
+                </a:schemeClr>
+              </a:solidFill>
+              <a:ln>
+                <a:solidFill>
+                  <a:srgbClr val="3E4057"/>
+                </a:solidFill>
+              </a:ln>
+            </p:spPr>
+            <p:style>
+              <a:lnRef idx="2">
+                <a:schemeClr val="accent1">
+                  <a:shade val="50000"/>
+                </a:schemeClr>
+              </a:lnRef>
+              <a:fillRef idx="1">
+                <a:schemeClr val="accent1"/>
+              </a:fillRef>
+              <a:effectRef idx="0">
+                <a:schemeClr val="accent1"/>
+              </a:effectRef>
+              <a:fontRef idx="minor">
+                <a:schemeClr val="lt1"/>
+              </a:fontRef>
+            </p:style>
+            <p:txBody>
+              <a:bodyPr rtlCol="0" anchor="ctr"/>
+              <a:lstStyle/>
+              <a:p>
+                <a:pPr algn="ctr"/>
+                <a:r>
+                  <a:rPr kumimoji="1" lang="ja-JP" altLang="en-US" sz="1400" smtClean="0">
+                    <a:solidFill>
+                      <a:srgbClr val="3E4057"/>
+                    </a:solidFill>
+                    <a:latin typeface="Meiryo" charset="-128"/>
+                    <a:ea typeface="Meiryo" charset="-128"/>
+                    <a:cs typeface="Meiryo" charset="-128"/>
+                  </a:rPr>
+                  <a:t>クラス</a:t>
+                </a:r>
+                <a:r>
+                  <a:rPr kumimoji="1" lang="en-US" altLang="ja-JP" smtClean="0">
+                    <a:solidFill>
+                      <a:srgbClr val="3E4057"/>
+                    </a:solidFill>
+                    <a:latin typeface="Meiryo" charset="-128"/>
+                    <a:ea typeface="Meiryo" charset="-128"/>
+                    <a:cs typeface="Meiryo" charset="-128"/>
+                  </a:rPr>
+                  <a:t> A</a:t>
+                </a:r>
+                <a:endParaRPr lang="en-US" altLang="ja-JP" sz="1100" smtClean="0">
+                  <a:solidFill>
+                    <a:srgbClr val="3E4057"/>
+                  </a:solidFill>
+                  <a:latin typeface="Meiryo" charset="-128"/>
+                  <a:ea typeface="Meiryo" charset="-128"/>
+                  <a:cs typeface="Meiryo" charset="-128"/>
+                </a:endParaRPr>
+              </a:p>
+            </p:txBody>
+          </p:sp>
+          <p:cxnSp>
+            <p:nvCxnSpPr>
+              <p:cNvPr id="15" name="直線矢印コネクタ 14"/>
+              <p:cNvCxnSpPr>
+                <a:stCxn id="10" idx="2"/>
+              </p:cNvCxnSpPr>
+              <p:nvPr/>
+            </p:nvCxnSpPr>
+            <p:spPr>
+              <a:xfrm>
+                <a:off x="7082969" y="4592753"/>
+                <a:ext cx="0" cy="1328528"/>
+              </a:xfrm>
+              <a:prstGeom prst="straightConnector1">
+                <a:avLst/>
+              </a:prstGeom>
+              <a:ln w="38100">
+                <a:solidFill>
+                  <a:srgbClr val="3E4057"/>
+                </a:solidFill>
+                <a:tailEnd type="triangle"/>
+              </a:ln>
+            </p:spPr>
+            <p:style>
+              <a:lnRef idx="1">
+                <a:schemeClr val="accent1"/>
+              </a:lnRef>
+              <a:fillRef idx="0">
+                <a:schemeClr val="accent1"/>
+              </a:fillRef>
+              <a:effectRef idx="0">
+                <a:schemeClr val="accent1"/>
+              </a:effectRef>
+              <a:fontRef idx="minor">
+                <a:schemeClr val="tx1"/>
+              </a:fontRef>
+            </p:style>
+          </p:cxnSp>
+          <p:sp>
+            <p:nvSpPr>
+              <p:cNvPr id="16" name="角丸四角形 15"/>
+              <p:cNvSpPr/>
+              <p:nvPr/>
+            </p:nvSpPr>
+            <p:spPr>
+              <a:xfrm>
+                <a:off x="6506905" y="5921281"/>
+                <a:ext cx="1152128" cy="344742"/>
+              </a:xfrm>
+              <a:prstGeom prst="roundRect">
+                <a:avLst/>
+              </a:prstGeom>
+              <a:solidFill>
+                <a:schemeClr val="accent3">
+                  <a:lumMod val="20000"/>
+                  <a:lumOff val="80000"/>
+                </a:schemeClr>
+              </a:solidFill>
+              <a:ln>
+                <a:solidFill>
+                  <a:srgbClr val="3E4057"/>
+                </a:solidFill>
+              </a:ln>
+            </p:spPr>
+            <p:style>
+              <a:lnRef idx="2">
+                <a:schemeClr val="accent1">
+                  <a:shade val="50000"/>
+                </a:schemeClr>
+              </a:lnRef>
+              <a:fillRef idx="1">
+                <a:schemeClr val="accent1"/>
+              </a:fillRef>
+              <a:effectRef idx="0">
+                <a:schemeClr val="accent1"/>
+              </a:effectRef>
+              <a:fontRef idx="minor">
+                <a:schemeClr val="lt1"/>
+              </a:fontRef>
+            </p:style>
+            <p:txBody>
+              <a:bodyPr rtlCol="0" anchor="ctr"/>
+              <a:lstStyle/>
+              <a:p>
+                <a:pPr algn="ctr"/>
+                <a:r>
+                  <a:rPr kumimoji="1" lang="ja-JP" altLang="en-US" sz="1400" smtClean="0">
+                    <a:solidFill>
+                      <a:srgbClr val="3E4057"/>
+                    </a:solidFill>
+                    <a:latin typeface="Meiryo" charset="-128"/>
+                    <a:ea typeface="Meiryo" charset="-128"/>
+                    <a:cs typeface="Meiryo" charset="-128"/>
+                  </a:rPr>
+                  <a:t>クラス</a:t>
+                </a:r>
+                <a:r>
+                  <a:rPr kumimoji="1" lang="en-US" altLang="ja-JP" smtClean="0">
+                    <a:solidFill>
+                      <a:srgbClr val="3E4057"/>
+                    </a:solidFill>
+                    <a:latin typeface="Meiryo" charset="-128"/>
+                    <a:ea typeface="Meiryo" charset="-128"/>
+                    <a:cs typeface="Meiryo" charset="-128"/>
+                  </a:rPr>
+                  <a:t> B</a:t>
+                </a:r>
+                <a:endParaRPr lang="en-US" altLang="ja-JP" sz="1100" smtClean="0">
+                  <a:solidFill>
+                    <a:srgbClr val="3E4057"/>
+                  </a:solidFill>
+                  <a:latin typeface="Meiryo" charset="-128"/>
+                  <a:ea typeface="Meiryo" charset="-128"/>
+                  <a:cs typeface="Meiryo" charset="-128"/>
+                </a:endParaRPr>
+              </a:p>
+            </p:txBody>
+          </p:sp>
+          <p:sp>
+            <p:nvSpPr>
+              <p:cNvPr id="17" name="角丸四角形 16"/>
+              <p:cNvSpPr/>
+              <p:nvPr/>
+            </p:nvSpPr>
+            <p:spPr>
+              <a:xfrm>
+                <a:off x="5507871" y="4998209"/>
+                <a:ext cx="1152128" cy="344742"/>
+              </a:xfrm>
+              <a:prstGeom prst="roundRect">
+                <a:avLst/>
+              </a:prstGeom>
+              <a:solidFill>
+                <a:schemeClr val="accent3">
+                  <a:lumMod val="20000"/>
+                  <a:lumOff val="80000"/>
+                </a:schemeClr>
+              </a:solidFill>
+              <a:ln>
+                <a:solidFill>
+                  <a:schemeClr val="accent6">
+                    <a:lumMod val="75000"/>
+                  </a:schemeClr>
+                </a:solidFill>
+              </a:ln>
+            </p:spPr>
+            <p:style>
+              <a:lnRef idx="2">
+                <a:schemeClr val="accent1">
+                  <a:shade val="50000"/>
+                </a:schemeClr>
+              </a:lnRef>
+              <a:fillRef idx="1">
+                <a:schemeClr val="accent1"/>
+              </a:fillRef>
+              <a:effectRef idx="0">
+                <a:schemeClr val="accent1"/>
+              </a:effectRef>
+              <a:fontRef idx="minor">
+                <a:schemeClr val="lt1"/>
+              </a:fontRef>
+            </p:style>
+            <p:txBody>
+              <a:bodyPr rtlCol="0" anchor="ctr"/>
+              <a:lstStyle/>
+              <a:p>
+                <a:pPr algn="ctr"/>
+                <a:r>
+                  <a:rPr lang="en-US" altLang="ja-JP" sz="1400" smtClean="0">
+                    <a:solidFill>
+                      <a:srgbClr val="3E4057"/>
+                    </a:solidFill>
+                    <a:latin typeface="Meiryo" charset="-128"/>
+                    <a:ea typeface="Meiryo" charset="-128"/>
+                    <a:cs typeface="Meiryo" charset="-128"/>
+                  </a:rPr>
+                  <a:t>Mixin</a:t>
+                </a:r>
+                <a:r>
+                  <a:rPr kumimoji="1" lang="en-US" altLang="ja-JP" smtClean="0">
+                    <a:solidFill>
+                      <a:srgbClr val="3E4057"/>
+                    </a:solidFill>
+                    <a:latin typeface="Meiryo" charset="-128"/>
+                    <a:ea typeface="Meiryo" charset="-128"/>
+                    <a:cs typeface="Meiryo" charset="-128"/>
+                  </a:rPr>
+                  <a:t> C</a:t>
+                </a:r>
+                <a:endParaRPr lang="en-US" altLang="ja-JP" sz="1100" smtClean="0">
+                  <a:solidFill>
+                    <a:srgbClr val="3E4057"/>
+                  </a:solidFill>
+                  <a:latin typeface="Meiryo" charset="-128"/>
+                  <a:ea typeface="Meiryo" charset="-128"/>
+                  <a:cs typeface="Meiryo" charset="-128"/>
+                </a:endParaRPr>
+              </a:p>
+            </p:txBody>
+          </p:sp>
+          <p:cxnSp>
+            <p:nvCxnSpPr>
+              <p:cNvPr id="18" name="直線矢印コネクタ 17"/>
+              <p:cNvCxnSpPr/>
+              <p:nvPr/>
+            </p:nvCxnSpPr>
+            <p:spPr>
+              <a:xfrm>
+                <a:off x="6083935" y="5342951"/>
+                <a:ext cx="999034" cy="578330"/>
+              </a:xfrm>
+              <a:prstGeom prst="straightConnector1">
+                <a:avLst/>
+              </a:prstGeom>
+              <a:ln w="38100">
+                <a:solidFill>
+                  <a:schemeClr val="accent6">
+                    <a:lumMod val="75000"/>
+                  </a:schemeClr>
+                </a:solidFill>
+                <a:tailEnd type="triangle"/>
+              </a:ln>
+            </p:spPr>
+            <p:style>
+              <a:lnRef idx="1">
+                <a:schemeClr val="accent1"/>
+              </a:lnRef>
+              <a:fillRef idx="0">
+                <a:schemeClr val="accent1"/>
+              </a:fillRef>
+              <a:effectRef idx="0">
+                <a:schemeClr val="accent1"/>
+              </a:effectRef>
+              <a:fontRef idx="minor">
+                <a:schemeClr val="tx1"/>
+              </a:fontRef>
+            </p:style>
+          </p:cxnSp>
+          <p:sp>
+            <p:nvSpPr>
+              <p:cNvPr id="19" name="角丸四角形 18"/>
+              <p:cNvSpPr/>
+              <p:nvPr/>
+            </p:nvSpPr>
+            <p:spPr>
+              <a:xfrm>
+                <a:off x="7505939" y="4998209"/>
+                <a:ext cx="1152128" cy="344742"/>
+              </a:xfrm>
+              <a:prstGeom prst="roundRect">
+                <a:avLst/>
+              </a:prstGeom>
+              <a:solidFill>
+                <a:schemeClr val="accent3">
+                  <a:lumMod val="20000"/>
+                  <a:lumOff val="80000"/>
+                </a:schemeClr>
+              </a:solidFill>
+              <a:ln>
+                <a:solidFill>
+                  <a:schemeClr val="accent6">
+                    <a:lumMod val="75000"/>
+                  </a:schemeClr>
+                </a:solidFill>
+              </a:ln>
+            </p:spPr>
+            <p:style>
+              <a:lnRef idx="2">
+                <a:schemeClr val="accent1">
+                  <a:shade val="50000"/>
+                </a:schemeClr>
+              </a:lnRef>
+              <a:fillRef idx="1">
+                <a:schemeClr val="accent1"/>
+              </a:fillRef>
+              <a:effectRef idx="0">
+                <a:schemeClr val="accent1"/>
+              </a:effectRef>
+              <a:fontRef idx="minor">
+                <a:schemeClr val="lt1"/>
+              </a:fontRef>
+            </p:style>
+            <p:txBody>
+              <a:bodyPr rtlCol="0" anchor="ctr"/>
+              <a:lstStyle/>
+              <a:p>
+                <a:pPr algn="ctr"/>
+                <a:r>
+                  <a:rPr lang="en-US" altLang="ja-JP" sz="1400" smtClean="0">
+                    <a:solidFill>
+                      <a:srgbClr val="3E4057"/>
+                    </a:solidFill>
+                    <a:latin typeface="Meiryo" charset="-128"/>
+                    <a:ea typeface="Meiryo" charset="-128"/>
+                    <a:cs typeface="Meiryo" charset="-128"/>
+                  </a:rPr>
+                  <a:t>Mixin</a:t>
+                </a:r>
+                <a:r>
+                  <a:rPr kumimoji="1" lang="en-US" altLang="ja-JP" smtClean="0">
+                    <a:solidFill>
+                      <a:srgbClr val="3E4057"/>
+                    </a:solidFill>
+                    <a:latin typeface="Meiryo" charset="-128"/>
+                    <a:ea typeface="Meiryo" charset="-128"/>
+                    <a:cs typeface="Meiryo" charset="-128"/>
+                  </a:rPr>
+                  <a:t> D</a:t>
+                </a:r>
+                <a:endParaRPr lang="en-US" altLang="ja-JP" sz="1100" smtClean="0">
+                  <a:solidFill>
+                    <a:srgbClr val="3E4057"/>
+                  </a:solidFill>
+                  <a:latin typeface="Meiryo" charset="-128"/>
+                  <a:ea typeface="Meiryo" charset="-128"/>
+                  <a:cs typeface="Meiryo" charset="-128"/>
+                </a:endParaRPr>
+              </a:p>
+            </p:txBody>
+          </p:sp>
+          <p:cxnSp>
+            <p:nvCxnSpPr>
+              <p:cNvPr id="20" name="直線矢印コネクタ 19"/>
+              <p:cNvCxnSpPr/>
+              <p:nvPr/>
+            </p:nvCxnSpPr>
+            <p:spPr>
+              <a:xfrm flipH="1">
+                <a:off x="7082969" y="5342951"/>
+                <a:ext cx="999034" cy="578330"/>
+              </a:xfrm>
+              <a:prstGeom prst="straightConnector1">
+                <a:avLst/>
+              </a:prstGeom>
+              <a:ln w="38100">
+                <a:solidFill>
+                  <a:schemeClr val="accent6">
+                    <a:lumMod val="75000"/>
+                  </a:schemeClr>
+                </a:solidFill>
+                <a:tailEnd type="triangle"/>
+              </a:ln>
+            </p:spPr>
+            <p:style>
+              <a:lnRef idx="1">
+                <a:schemeClr val="accent1"/>
+              </a:lnRef>
+              <a:fillRef idx="0">
+                <a:schemeClr val="accent1"/>
+              </a:fillRef>
+              <a:effectRef idx="0">
+                <a:schemeClr val="accent1"/>
+              </a:effectRef>
+              <a:fontRef idx="minor">
+                <a:schemeClr val="tx1"/>
+              </a:fontRef>
+            </p:style>
+          </p:cxnSp>
+        </p:grpSp>
+        <p:cxnSp>
+          <p:nvCxnSpPr>
+            <p:cNvPr id="9" name="直線矢印コネクタ 8"/>
+            <p:cNvCxnSpPr/>
+            <p:nvPr/>
+          </p:nvCxnSpPr>
+          <p:spPr>
+            <a:xfrm flipH="1">
+              <a:off x="6939186" y="3645562"/>
+              <a:ext cx="999034" cy="315581"/>
+            </a:xfrm>
+            <a:prstGeom prst="straightConnector1">
+              <a:avLst/>
+            </a:prstGeom>
+            <a:ln>
+              <a:prstDash val="dash"/>
+              <a:tailEnd type="triangle"/>
+            </a:ln>
+          </p:spPr>
+          <p:style>
+            <a:lnRef idx="1">
+              <a:schemeClr val="accent1"/>
+            </a:lnRef>
+            <a:fillRef idx="0">
+              <a:schemeClr val="accent1"/>
+            </a:fillRef>
+            <a:effectRef idx="0">
+              <a:schemeClr val="accent1"/>
+            </a:effectRef>
+            <a:fontRef idx="minor">
+              <a:schemeClr val="tx1"/>
+            </a:fontRef>
+          </p:style>
+        </p:cxnSp>
+        <p:cxnSp>
+          <p:nvCxnSpPr>
+            <p:cNvPr id="10" name="曲線コネクタ 9"/>
+            <p:cNvCxnSpPr/>
+            <p:nvPr/>
+          </p:nvCxnSpPr>
+          <p:spPr>
+            <a:xfrm rot="5400000" flipH="1" flipV="1">
+              <a:off x="6751673" y="5185604"/>
+              <a:ext cx="1393485" cy="361302"/>
+            </a:xfrm>
+            <a:prstGeom prst="curvedConnector3">
+              <a:avLst>
+                <a:gd name="adj1" fmla="val 1459"/>
+              </a:avLst>
+            </a:prstGeom>
+            <a:ln>
+              <a:prstDash val="dash"/>
+              <a:tailEnd type="triangle"/>
+            </a:ln>
+          </p:spPr>
+          <p:style>
+            <a:lnRef idx="1">
+              <a:schemeClr val="accent1"/>
+            </a:lnRef>
+            <a:fillRef idx="0">
+              <a:schemeClr val="accent1"/>
+            </a:fillRef>
+            <a:effectRef idx="0">
+              <a:schemeClr val="accent1"/>
+            </a:effectRef>
+            <a:fontRef idx="minor">
+              <a:schemeClr val="tx1"/>
+            </a:fontRef>
+          </p:style>
+        </p:cxnSp>
+        <p:cxnSp>
+          <p:nvCxnSpPr>
+            <p:cNvPr id="11" name="曲線コネクタ 10"/>
+            <p:cNvCxnSpPr/>
+            <p:nvPr/>
+          </p:nvCxnSpPr>
+          <p:spPr>
+            <a:xfrm rot="16200000" flipV="1">
+              <a:off x="5484591" y="5298280"/>
+              <a:ext cx="1468418" cy="61016"/>
+            </a:xfrm>
+            <a:prstGeom prst="curvedConnector3">
+              <a:avLst>
+                <a:gd name="adj1" fmla="val -329"/>
+              </a:avLst>
+            </a:prstGeom>
+            <a:ln>
+              <a:prstDash val="dash"/>
+              <a:tailEnd type="triangle"/>
+            </a:ln>
+          </p:spPr>
+          <p:style>
+            <a:lnRef idx="1">
+              <a:schemeClr val="accent1"/>
+            </a:lnRef>
+            <a:fillRef idx="0">
+              <a:schemeClr val="accent1"/>
+            </a:fillRef>
+            <a:effectRef idx="0">
+              <a:schemeClr val="accent1"/>
+            </a:effectRef>
+            <a:fontRef idx="minor">
+              <a:schemeClr val="tx1"/>
+            </a:fontRef>
+          </p:style>
+        </p:cxnSp>
+        <p:sp>
+          <p:nvSpPr>
+            <p:cNvPr id="12" name="コンテンツ プレースホルダー 2"/>
+            <p:cNvSpPr txBox="1">
+              <a:spLocks/>
+            </p:cNvSpPr>
+            <p:nvPr/>
+          </p:nvSpPr>
+          <p:spPr>
+            <a:xfrm>
+              <a:off x="7809812" y="3500938"/>
+              <a:ext cx="1173864" cy="285801"/>
+            </a:xfrm>
+            <a:prstGeom prst="rect">
+              <a:avLst/>
+            </a:prstGeom>
+          </p:spPr>
+          <p:txBody>
+            <a:bodyPr vert="horz" lIns="91440" tIns="45720" rIns="91440" bIns="45720" rtlCol="0" anchor="ctr">
+              <a:normAutofit fontScale="62500" lnSpcReduction="20000"/>
+            </a:bodyPr>
+            <a:lstStyle>
+              <a:lvl1pPr marL="342900" indent="-342900" algn="l" defTabSz="914400" rtl="0" eaLnBrk="1" latinLnBrk="0" hangingPunct="1">
+                <a:spcBef>
+                  <a:spcPct val="20000"/>
+                </a:spcBef>
+                <a:buFont typeface="Arial" panose="020B0604020202020204" pitchFamily="34" charset="0"/>
+                <a:buChar char="•"/>
+                <a:defRPr kumimoji="1" sz="3200" kern="1200">
+                  <a:solidFill>
+                    <a:srgbClr val="3E4057"/>
+                  </a:solidFill>
+                  <a:latin typeface="メイリオ" panose="020B0604030504040204" pitchFamily="50" charset="-128"/>
+                  <a:ea typeface="メイリオ" panose="020B0604030504040204" pitchFamily="50" charset="-128"/>
+                  <a:cs typeface="メイリオ" panose="020B0604030504040204" pitchFamily="50" charset="-128"/>
+                </a:defRPr>
+              </a:lvl1pPr>
+              <a:lvl2pPr marL="742950" indent="-285750" algn="l" defTabSz="914400" rtl="0" eaLnBrk="1" latinLnBrk="0" hangingPunct="1">
+                <a:spcBef>
+                  <a:spcPct val="20000"/>
+                </a:spcBef>
+                <a:buFont typeface="Arial" panose="020B0604020202020204" pitchFamily="34" charset="0"/>
+                <a:buChar char="–"/>
+                <a:defRPr kumimoji="1" sz="2800" kern="1200">
+                  <a:solidFill>
+                    <a:srgbClr val="3E4057"/>
+                  </a:solidFill>
+                  <a:latin typeface="メイリオ" panose="020B0604030504040204" pitchFamily="50" charset="-128"/>
+                  <a:ea typeface="メイリオ" panose="020B0604030504040204" pitchFamily="50" charset="-128"/>
+                  <a:cs typeface="メイリオ" panose="020B0604030504040204" pitchFamily="50" charset="-128"/>
+                </a:defRPr>
+              </a:lvl2pPr>
+              <a:lvl3pPr marL="1143000" indent="-228600" algn="l" defTabSz="914400" rtl="0" eaLnBrk="1" latinLnBrk="0" hangingPunct="1">
+                <a:spcBef>
+                  <a:spcPct val="20000"/>
+                </a:spcBef>
+                <a:buFont typeface="Arial" panose="020B0604020202020204" pitchFamily="34" charset="0"/>
+                <a:buChar char="•"/>
+                <a:defRPr kumimoji="1" sz="2400" kern="1200">
+                  <a:solidFill>
+                    <a:srgbClr val="3E4057"/>
+                  </a:solidFill>
+                  <a:latin typeface="メイリオ" panose="020B0604030504040204" pitchFamily="50" charset="-128"/>
+                  <a:ea typeface="メイリオ" panose="020B0604030504040204" pitchFamily="50" charset="-128"/>
+                  <a:cs typeface="メイリオ" panose="020B0604030504040204" pitchFamily="50" charset="-128"/>
+                </a:defRPr>
+              </a:lvl3pPr>
+              <a:lvl4pPr marL="1600200" indent="-228600" algn="l" defTabSz="914400" rtl="0" eaLnBrk="1" latinLnBrk="0" hangingPunct="1">
+                <a:spcBef>
+                  <a:spcPct val="20000"/>
+                </a:spcBef>
+                <a:buFont typeface="Arial" panose="020B0604020202020204" pitchFamily="34" charset="0"/>
+                <a:buChar char="–"/>
+                <a:defRPr kumimoji="1" sz="2000" kern="1200">
+                  <a:solidFill>
+                    <a:srgbClr val="3E4057"/>
+                  </a:solidFill>
+                  <a:latin typeface="メイリオ" panose="020B0604030504040204" pitchFamily="50" charset="-128"/>
+                  <a:ea typeface="メイリオ" panose="020B0604030504040204" pitchFamily="50" charset="-128"/>
+                  <a:cs typeface="メイリオ" panose="020B0604030504040204" pitchFamily="50" charset="-128"/>
+                </a:defRPr>
+              </a:lvl4pPr>
+              <a:lvl5pPr marL="2057400" indent="-228600" algn="l" defTabSz="914400" rtl="0" eaLnBrk="1" latinLnBrk="0" hangingPunct="1">
+                <a:spcBef>
+                  <a:spcPct val="20000"/>
+                </a:spcBef>
+                <a:buFont typeface="Arial" panose="020B0604020202020204" pitchFamily="34" charset="0"/>
+                <a:buChar char="»"/>
+                <a:defRPr kumimoji="1" sz="2000" kern="1200">
+                  <a:solidFill>
+                    <a:srgbClr val="3E4057"/>
+                  </a:solidFill>
+                  <a:latin typeface="メイリオ" panose="020B0604030504040204" pitchFamily="50" charset="-128"/>
+                  <a:ea typeface="メイリオ" panose="020B0604030504040204" pitchFamily="50" charset="-128"/>
+                  <a:cs typeface="メイリオ" panose="020B0604030504040204" pitchFamily="50" charset="-128"/>
+                </a:defRPr>
+              </a:lvl5pPr>
+              <a:lvl6pPr marL="2514600" indent="-228600" algn="l" defTabSz="914400" rtl="0" eaLnBrk="1" latinLnBrk="0" hangingPunct="1">
+                <a:spcBef>
+                  <a:spcPct val="20000"/>
+                </a:spcBef>
+                <a:buFont typeface="Arial" panose="020B0604020202020204" pitchFamily="34" charset="0"/>
+                <a:buChar char="•"/>
+                <a:defRPr kumimoji="1" sz="2000" kern="1200">
+                  <a:solidFill>
+                    <a:schemeClr val="tx1"/>
+                  </a:solidFill>
+                  <a:latin typeface="+mn-lt"/>
+                  <a:ea typeface="+mn-ea"/>
+                  <a:cs typeface="+mn-cs"/>
+                </a:defRPr>
+              </a:lvl6pPr>
+              <a:lvl7pPr marL="2971800" indent="-228600" algn="l" defTabSz="914400" rtl="0" eaLnBrk="1" latinLnBrk="0" hangingPunct="1">
+                <a:spcBef>
+                  <a:spcPct val="20000"/>
+                </a:spcBef>
+                <a:buFont typeface="Arial" panose="020B0604020202020204" pitchFamily="34" charset="0"/>
+                <a:buChar char="•"/>
+                <a:defRPr kumimoji="1" sz="2000" kern="1200">
+                  <a:solidFill>
+                    <a:schemeClr val="tx1"/>
+                  </a:solidFill>
+                  <a:latin typeface="+mn-lt"/>
+                  <a:ea typeface="+mn-ea"/>
+                  <a:cs typeface="+mn-cs"/>
+                </a:defRPr>
+              </a:lvl7pPr>
+              <a:lvl8pPr marL="3429000" indent="-228600" algn="l" defTabSz="914400" rtl="0" eaLnBrk="1" latinLnBrk="0" hangingPunct="1">
+                <a:spcBef>
+                  <a:spcPct val="20000"/>
+                </a:spcBef>
+                <a:buFont typeface="Arial" panose="020B0604020202020204" pitchFamily="34" charset="0"/>
+                <a:buChar char="•"/>
+                <a:defRPr kumimoji="1" sz="2000" kern="1200">
+                  <a:solidFill>
+                    <a:schemeClr val="tx1"/>
+                  </a:solidFill>
+                  <a:latin typeface="+mn-lt"/>
+                  <a:ea typeface="+mn-ea"/>
+                  <a:cs typeface="+mn-cs"/>
+                </a:defRPr>
+              </a:lvl8pPr>
+              <a:lvl9pPr marL="3886200" indent="-228600" algn="l" defTabSz="914400" rtl="0" eaLnBrk="1" latinLnBrk="0" hangingPunct="1">
+                <a:spcBef>
+                  <a:spcPct val="20000"/>
+                </a:spcBef>
+                <a:buFont typeface="Arial" panose="020B0604020202020204" pitchFamily="34" charset="0"/>
+                <a:buChar char="•"/>
+                <a:defRPr kumimoji="1" sz="2000" kern="1200">
+                  <a:solidFill>
+                    <a:schemeClr val="tx1"/>
+                  </a:solidFill>
+                  <a:latin typeface="+mn-lt"/>
+                  <a:ea typeface="+mn-ea"/>
+                  <a:cs typeface="+mn-cs"/>
+                </a:defRPr>
+              </a:lvl9pPr>
+            </a:lstStyle>
+            <a:p>
+              <a:pPr marL="0" indent="0" algn="ctr">
+                <a:buFont typeface="Arial" panose="020B0604020202020204" pitchFamily="34" charset="0"/>
+                <a:buNone/>
+              </a:pPr>
+              <a:r>
+                <a:rPr lang="ja-JP" altLang="en-US" sz="2400" smtClean="0"/>
+                <a:t>単一継承</a:t>
+              </a:r>
+              <a:endParaRPr lang="en-US" altLang="ja-JP" sz="2400" dirty="0"/>
+            </a:p>
+          </p:txBody>
+        </p:sp>
+        <p:sp>
+          <p:nvSpPr>
+            <p:cNvPr id="13" name="コンテンツ プレースホルダー 2"/>
+            <p:cNvSpPr txBox="1">
+              <a:spLocks/>
+            </p:cNvSpPr>
+            <p:nvPr/>
+          </p:nvSpPr>
+          <p:spPr>
+            <a:xfrm>
+              <a:off x="6188292" y="5922044"/>
+              <a:ext cx="1173864" cy="285801"/>
+            </a:xfrm>
+            <a:prstGeom prst="rect">
+              <a:avLst/>
+            </a:prstGeom>
+          </p:spPr>
+          <p:txBody>
+            <a:bodyPr vert="horz" lIns="91440" tIns="45720" rIns="91440" bIns="45720" rtlCol="0" anchor="ctr">
+              <a:normAutofit fontScale="62500" lnSpcReduction="20000"/>
+            </a:bodyPr>
+            <a:lstStyle>
+              <a:lvl1pPr marL="342900" indent="-342900" algn="l" defTabSz="914400" rtl="0" eaLnBrk="1" latinLnBrk="0" hangingPunct="1">
+                <a:spcBef>
+                  <a:spcPct val="20000"/>
+                </a:spcBef>
+                <a:buFont typeface="Arial" panose="020B0604020202020204" pitchFamily="34" charset="0"/>
+                <a:buChar char="•"/>
+                <a:defRPr kumimoji="1" sz="3200" kern="1200">
+                  <a:solidFill>
+                    <a:srgbClr val="3E4057"/>
+                  </a:solidFill>
+                  <a:latin typeface="メイリオ" panose="020B0604030504040204" pitchFamily="50" charset="-128"/>
+                  <a:ea typeface="メイリオ" panose="020B0604030504040204" pitchFamily="50" charset="-128"/>
+                  <a:cs typeface="メイリオ" panose="020B0604030504040204" pitchFamily="50" charset="-128"/>
+                </a:defRPr>
+              </a:lvl1pPr>
+              <a:lvl2pPr marL="742950" indent="-285750" algn="l" defTabSz="914400" rtl="0" eaLnBrk="1" latinLnBrk="0" hangingPunct="1">
+                <a:spcBef>
+                  <a:spcPct val="20000"/>
+                </a:spcBef>
+                <a:buFont typeface="Arial" panose="020B0604020202020204" pitchFamily="34" charset="0"/>
+                <a:buChar char="–"/>
+                <a:defRPr kumimoji="1" sz="2800" kern="1200">
+                  <a:solidFill>
+                    <a:srgbClr val="3E4057"/>
+                  </a:solidFill>
+                  <a:latin typeface="メイリオ" panose="020B0604030504040204" pitchFamily="50" charset="-128"/>
+                  <a:ea typeface="メイリオ" panose="020B0604030504040204" pitchFamily="50" charset="-128"/>
+                  <a:cs typeface="メイリオ" panose="020B0604030504040204" pitchFamily="50" charset="-128"/>
+                </a:defRPr>
+              </a:lvl2pPr>
+              <a:lvl3pPr marL="1143000" indent="-228600" algn="l" defTabSz="914400" rtl="0" eaLnBrk="1" latinLnBrk="0" hangingPunct="1">
+                <a:spcBef>
+                  <a:spcPct val="20000"/>
+                </a:spcBef>
+                <a:buFont typeface="Arial" panose="020B0604020202020204" pitchFamily="34" charset="0"/>
+                <a:buChar char="•"/>
+                <a:defRPr kumimoji="1" sz="2400" kern="1200">
+                  <a:solidFill>
+                    <a:srgbClr val="3E4057"/>
+                  </a:solidFill>
+                  <a:latin typeface="メイリオ" panose="020B0604030504040204" pitchFamily="50" charset="-128"/>
+                  <a:ea typeface="メイリオ" panose="020B0604030504040204" pitchFamily="50" charset="-128"/>
+                  <a:cs typeface="メイリオ" panose="020B0604030504040204" pitchFamily="50" charset="-128"/>
+                </a:defRPr>
+              </a:lvl3pPr>
+              <a:lvl4pPr marL="1600200" indent="-228600" algn="l" defTabSz="914400" rtl="0" eaLnBrk="1" latinLnBrk="0" hangingPunct="1">
+                <a:spcBef>
+                  <a:spcPct val="20000"/>
+                </a:spcBef>
+                <a:buFont typeface="Arial" panose="020B0604020202020204" pitchFamily="34" charset="0"/>
+                <a:buChar char="–"/>
+                <a:defRPr kumimoji="1" sz="2000" kern="1200">
+                  <a:solidFill>
+                    <a:srgbClr val="3E4057"/>
+                  </a:solidFill>
+                  <a:latin typeface="メイリオ" panose="020B0604030504040204" pitchFamily="50" charset="-128"/>
+                  <a:ea typeface="メイリオ" panose="020B0604030504040204" pitchFamily="50" charset="-128"/>
+                  <a:cs typeface="メイリオ" panose="020B0604030504040204" pitchFamily="50" charset="-128"/>
+                </a:defRPr>
+              </a:lvl4pPr>
+              <a:lvl5pPr marL="2057400" indent="-228600" algn="l" defTabSz="914400" rtl="0" eaLnBrk="1" latinLnBrk="0" hangingPunct="1">
+                <a:spcBef>
+                  <a:spcPct val="20000"/>
+                </a:spcBef>
+                <a:buFont typeface="Arial" panose="020B0604020202020204" pitchFamily="34" charset="0"/>
+                <a:buChar char="»"/>
+                <a:defRPr kumimoji="1" sz="2000" kern="1200">
+                  <a:solidFill>
+                    <a:srgbClr val="3E4057"/>
+                  </a:solidFill>
+                  <a:latin typeface="メイリオ" panose="020B0604030504040204" pitchFamily="50" charset="-128"/>
+                  <a:ea typeface="メイリオ" panose="020B0604030504040204" pitchFamily="50" charset="-128"/>
+                  <a:cs typeface="メイリオ" panose="020B0604030504040204" pitchFamily="50" charset="-128"/>
+                </a:defRPr>
+              </a:lvl5pPr>
+              <a:lvl6pPr marL="2514600" indent="-228600" algn="l" defTabSz="914400" rtl="0" eaLnBrk="1" latinLnBrk="0" hangingPunct="1">
+                <a:spcBef>
+                  <a:spcPct val="20000"/>
+                </a:spcBef>
+                <a:buFont typeface="Arial" panose="020B0604020202020204" pitchFamily="34" charset="0"/>
+                <a:buChar char="•"/>
+                <a:defRPr kumimoji="1" sz="2000" kern="1200">
+                  <a:solidFill>
+                    <a:schemeClr val="tx1"/>
+                  </a:solidFill>
+                  <a:latin typeface="+mn-lt"/>
+                  <a:ea typeface="+mn-ea"/>
+                  <a:cs typeface="+mn-cs"/>
+                </a:defRPr>
+              </a:lvl6pPr>
+              <a:lvl7pPr marL="2971800" indent="-228600" algn="l" defTabSz="914400" rtl="0" eaLnBrk="1" latinLnBrk="0" hangingPunct="1">
+                <a:spcBef>
+                  <a:spcPct val="20000"/>
+                </a:spcBef>
+                <a:buFont typeface="Arial" panose="020B0604020202020204" pitchFamily="34" charset="0"/>
+                <a:buChar char="•"/>
+                <a:defRPr kumimoji="1" sz="2000" kern="1200">
+                  <a:solidFill>
+                    <a:schemeClr val="tx1"/>
+                  </a:solidFill>
+                  <a:latin typeface="+mn-lt"/>
+                  <a:ea typeface="+mn-ea"/>
+                  <a:cs typeface="+mn-cs"/>
+                </a:defRPr>
+              </a:lvl7pPr>
+              <a:lvl8pPr marL="3429000" indent="-228600" algn="l" defTabSz="914400" rtl="0" eaLnBrk="1" latinLnBrk="0" hangingPunct="1">
+                <a:spcBef>
+                  <a:spcPct val="20000"/>
+                </a:spcBef>
+                <a:buFont typeface="Arial" panose="020B0604020202020204" pitchFamily="34" charset="0"/>
+                <a:buChar char="•"/>
+                <a:defRPr kumimoji="1" sz="2000" kern="1200">
+                  <a:solidFill>
+                    <a:schemeClr val="tx1"/>
+                  </a:solidFill>
+                  <a:latin typeface="+mn-lt"/>
+                  <a:ea typeface="+mn-ea"/>
+                  <a:cs typeface="+mn-cs"/>
+                </a:defRPr>
+              </a:lvl8pPr>
+              <a:lvl9pPr marL="3886200" indent="-228600" algn="l" defTabSz="914400" rtl="0" eaLnBrk="1" latinLnBrk="0" hangingPunct="1">
+                <a:spcBef>
+                  <a:spcPct val="20000"/>
+                </a:spcBef>
+                <a:buFont typeface="Arial" panose="020B0604020202020204" pitchFamily="34" charset="0"/>
+                <a:buChar char="•"/>
+                <a:defRPr kumimoji="1" sz="2000" kern="1200">
+                  <a:solidFill>
+                    <a:schemeClr val="tx1"/>
+                  </a:solidFill>
+                  <a:latin typeface="+mn-lt"/>
+                  <a:ea typeface="+mn-ea"/>
+                  <a:cs typeface="+mn-cs"/>
+                </a:defRPr>
+              </a:lvl9pPr>
+            </a:lstStyle>
+            <a:p>
+              <a:pPr marL="0" indent="0" algn="ctr">
+                <a:buFont typeface="Arial" panose="020B0604020202020204" pitchFamily="34" charset="0"/>
+                <a:buNone/>
+              </a:pPr>
+              <a:r>
+                <a:rPr lang="ja-JP" altLang="en-US" sz="2400" smtClean="0"/>
+                <a:t>多重継承</a:t>
+              </a:r>
+              <a:endParaRPr lang="en-US" altLang="ja-JP" sz="2400" dirty="0"/>
+            </a:p>
+          </p:txBody>
+        </p:sp>
+      </p:grpSp>
+    </p:spTree>
+    <p:extLst>
+      <p:ext uri="{BB962C8B-B14F-4D97-AF65-F5344CB8AC3E}">
+        <p14:creationId xmlns:p14="http://schemas.microsoft.com/office/powerpoint/2010/main" val="1236544422"/>
+      </p:ext>
+    </p:extLst>
+  </p:cSld>
+  <p:clrMapOvr>
+    <a:masterClrMapping/>
+  </p:clrMapOvr>
+  <p:timing>
+    <p:tnLst>
+      <p:par>
+        <p:cTn id="1" dur="indefinite" restart="never" nodeType="tmRoot"/>
+      </p:par>
+    </p:tnLst>
+  </p:timing>
 </p:sld>
 </file>
 
@@ -7635,4 +16850,265 @@
   <a:objectDefaults/>
   <a:extraClrSchemeLst/>
 </a:theme>
+</file>
+
+<file path=ppt/theme/theme3.xml><?xml version="1.0" encoding="utf-8"?>
+<a:theme xmlns:a="http://schemas.openxmlformats.org/drawingml/2006/main" name="ホワイト">
+  <a:themeElements>
+    <a:clrScheme name="Office">
+      <a:dk1>
+        <a:sysClr val="windowText" lastClr="000000"/>
+      </a:dk1>
+      <a:lt1>
+        <a:sysClr val="window" lastClr="FFFFFF"/>
+      </a:lt1>
+      <a:dk2>
+        <a:srgbClr val="44546A"/>
+      </a:dk2>
+      <a:lt2>
+        <a:srgbClr val="E7E6E6"/>
+      </a:lt2>
+      <a:accent1>
+        <a:srgbClr val="5B9BD5"/>
+      </a:accent1>
+      <a:accent2>
+        <a:srgbClr val="ED7D31"/>
+      </a:accent2>
+      <a:accent3>
+        <a:srgbClr val="A5A5A5"/>
+      </a:accent3>
+      <a:accent4>
+        <a:srgbClr val="FFC000"/>
+      </a:accent4>
+      <a:accent5>
+        <a:srgbClr val="4472C4"/>
+      </a:accent5>
+      <a:accent6>
+        <a:srgbClr val="70AD47"/>
+      </a:accent6>
+      <a:hlink>
+        <a:srgbClr val="0563C1"/>
+      </a:hlink>
+      <a:folHlink>
+        <a:srgbClr val="954F72"/>
+      </a:folHlink>
+    </a:clrScheme>
+    <a:fontScheme name="Office">
+      <a:majorFont>
+        <a:latin typeface="Yu Gothic Light" panose="020F0302020204030204"/>
+        <a:ea typeface=""/>
+        <a:cs typeface=""/>
+        <a:font script="Jpan" typeface="Yu Gothic Light"/>
+        <a:font script="Hang" typeface="맑은 고딕"/>
+        <a:font script="Hans" typeface="DengXian Light"/>
+        <a:font script="Hant" typeface="新細明體"/>
+        <a:font script="Arab" typeface="Times New Roman"/>
+        <a:font script="Hebr" typeface="Times New Roman"/>
+        <a:font script="Thai" typeface="Angsana New"/>
+        <a:font script="Ethi" typeface="Nyala"/>
+        <a:font script="Beng" typeface="Vrinda"/>
+        <a:font script="Gujr" typeface="Shruti"/>
+        <a:font script="Khmr" typeface="MoolBoran"/>
+        <a:font script="Knda" typeface="Tunga"/>
+        <a:font script="Guru" typeface="Raavi"/>
+        <a:font script="Cans" typeface="Euphemia"/>
+        <a:font script="Cher" typeface="Plantagenet Cherokee"/>
+        <a:font script="Yiii" typeface="Microsoft Yi Baiti"/>
+        <a:font script="Tibt" typeface="Microsoft Himalaya"/>
+        <a:font script="Thaa" typeface="MV Boli"/>
+        <a:font script="Deva" typeface="Mangal"/>
+        <a:font script="Telu" typeface="Gautami"/>
+        <a:font script="Taml" typeface="Latha"/>
+        <a:font script="Syrc" typeface="Estrangelo Edessa"/>
+        <a:font script="Orya" typeface="Kalinga"/>
+        <a:font script="Mlym" typeface="Kartika"/>
+        <a:font script="Laoo" typeface="DokChampa"/>
+        <a:font script="Sinh" typeface="Iskoola Pota"/>
+        <a:font script="Mong" typeface="Mongolian Baiti"/>
+        <a:font script="Viet" typeface="Times New Roman"/>
+        <a:font script="Uigh" typeface="Microsoft Uighur"/>
+        <a:font script="Geor" typeface="Sylfaen"/>
+      </a:majorFont>
+      <a:minorFont>
+        <a:latin typeface="Yu Gothic" panose="020F0502020204030204"/>
+        <a:ea typeface=""/>
+        <a:cs typeface=""/>
+        <a:font script="Jpan" typeface="Yu Gothic"/>
+        <a:font script="Hang" typeface="맑은 고딕"/>
+        <a:font script="Hans" typeface="DengXian"/>
+        <a:font script="Hant" typeface="新細明體"/>
+        <a:font script="Arab" typeface="Arial"/>
+        <a:font script="Hebr" typeface="Arial"/>
+        <a:font script="Thai" typeface="Cordia New"/>
+        <a:font script="Ethi" typeface="Nyala"/>
+        <a:font script="Beng" typeface="Vrinda"/>
+        <a:font script="Gujr" typeface="Shruti"/>
+        <a:font script="Khmr" typeface="DaunPenh"/>
+        <a:font script="Knda" typeface="Tunga"/>
+        <a:font script="Guru" typeface="Raavi"/>
+        <a:font script="Cans" typeface="Euphemia"/>
+        <a:font script="Cher" typeface="Plantagenet Cherokee"/>
+        <a:font script="Yiii" typeface="Microsoft Yi Baiti"/>
+        <a:font script="Tibt" typeface="Microsoft Himalaya"/>
+        <a:font script="Thaa" typeface="MV Boli"/>
+        <a:font script="Deva" typeface="Mangal"/>
+        <a:font script="Telu" typeface="Gautami"/>
+        <a:font script="Taml" typeface="Latha"/>
+        <a:font script="Syrc" typeface="Estrangelo Edessa"/>
+        <a:font script="Orya" typeface="Kalinga"/>
+        <a:font script="Mlym" typeface="Kartika"/>
+        <a:font script="Laoo" typeface="DokChampa"/>
+        <a:font script="Sinh" typeface="Iskoola Pota"/>
+        <a:font script="Mong" typeface="Mongolian Baiti"/>
+        <a:font script="Viet" typeface="Arial"/>
+        <a:font script="Uigh" typeface="Microsoft Uighur"/>
+        <a:font script="Geor" typeface="Sylfaen"/>
+      </a:minorFont>
+    </a:fontScheme>
+    <a:fmtScheme name="Office">
+      <a:fillStyleLst>
+        <a:solidFill>
+          <a:schemeClr val="phClr"/>
+        </a:solidFill>
+        <a:gradFill rotWithShape="1">
+          <a:gsLst>
+            <a:gs pos="0">
+              <a:schemeClr val="phClr">
+                <a:lumMod val="110000"/>
+                <a:satMod val="105000"/>
+                <a:tint val="67000"/>
+              </a:schemeClr>
+            </a:gs>
+            <a:gs pos="50000">
+              <a:schemeClr val="phClr">
+                <a:lumMod val="105000"/>
+                <a:satMod val="103000"/>
+                <a:tint val="73000"/>
+              </a:schemeClr>
+            </a:gs>
+            <a:gs pos="100000">
+              <a:schemeClr val="phClr">
+                <a:lumMod val="105000"/>
+                <a:satMod val="109000"/>
+                <a:tint val="81000"/>
+              </a:schemeClr>
+            </a:gs>
+          </a:gsLst>
+          <a:lin ang="5400000" scaled="0"/>
+        </a:gradFill>
+        <a:gradFill rotWithShape="1">
+          <a:gsLst>
+            <a:gs pos="0">
+              <a:schemeClr val="phClr">
+                <a:satMod val="103000"/>
+                <a:lumMod val="102000"/>
+                <a:tint val="94000"/>
+              </a:schemeClr>
+            </a:gs>
+            <a:gs pos="50000">
+              <a:schemeClr val="phClr">
+                <a:satMod val="110000"/>
+                <a:lumMod val="100000"/>
+                <a:shade val="100000"/>
+              </a:schemeClr>
+            </a:gs>
+            <a:gs pos="100000">
+              <a:schemeClr val="phClr">
+                <a:lumMod val="99000"/>
+                <a:satMod val="120000"/>
+                <a:shade val="78000"/>
+              </a:schemeClr>
+            </a:gs>
+          </a:gsLst>
+          <a:lin ang="5400000" scaled="0"/>
+        </a:gradFill>
+      </a:fillStyleLst>
+      <a:lnStyleLst>
+        <a:ln w="6350" cap="flat" cmpd="sng" algn="ctr">
+          <a:solidFill>
+            <a:schemeClr val="phClr"/>
+          </a:solidFill>
+          <a:prstDash val="solid"/>
+          <a:miter lim="800000"/>
+        </a:ln>
+        <a:ln w="12700" cap="flat" cmpd="sng" algn="ctr">
+          <a:solidFill>
+            <a:schemeClr val="phClr"/>
+          </a:solidFill>
+          <a:prstDash val="solid"/>
+          <a:miter lim="800000"/>
+        </a:ln>
+        <a:ln w="19050" cap="flat" cmpd="sng" algn="ctr">
+          <a:solidFill>
+            <a:schemeClr val="phClr"/>
+          </a:solidFill>
+          <a:prstDash val="solid"/>
+          <a:miter lim="800000"/>
+        </a:ln>
+      </a:lnStyleLst>
+      <a:effectStyleLst>
+        <a:effectStyle>
+          <a:effectLst/>
+        </a:effectStyle>
+        <a:effectStyle>
+          <a:effectLst/>
+        </a:effectStyle>
+        <a:effectStyle>
+          <a:effectLst>
+            <a:outerShdw blurRad="57150" dist="19050" dir="5400000" algn="ctr" rotWithShape="0">
+              <a:srgbClr val="000000">
+                <a:alpha val="63000"/>
+              </a:srgbClr>
+            </a:outerShdw>
+          </a:effectLst>
+        </a:effectStyle>
+      </a:effectStyleLst>
+      <a:bgFillStyleLst>
+        <a:solidFill>
+          <a:schemeClr val="phClr"/>
+        </a:solidFill>
+        <a:solidFill>
+          <a:schemeClr val="phClr">
+            <a:tint val="95000"/>
+            <a:satMod val="170000"/>
+          </a:schemeClr>
+        </a:solidFill>
+        <a:gradFill rotWithShape="1">
+          <a:gsLst>
+            <a:gs pos="0">
+              <a:schemeClr val="phClr">
+                <a:tint val="93000"/>
+                <a:satMod val="150000"/>
+                <a:shade val="98000"/>
+                <a:lumMod val="102000"/>
+              </a:schemeClr>
+            </a:gs>
+            <a:gs pos="50000">
+              <a:schemeClr val="phClr">
+                <a:tint val="98000"/>
+                <a:satMod val="130000"/>
+                <a:shade val="90000"/>
+                <a:lumMod val="103000"/>
+              </a:schemeClr>
+            </a:gs>
+            <a:gs pos="100000">
+              <a:schemeClr val="phClr">
+                <a:shade val="63000"/>
+                <a:satMod val="120000"/>
+              </a:schemeClr>
+            </a:gs>
+          </a:gsLst>
+          <a:lin ang="5400000" scaled="0"/>
+        </a:gradFill>
+      </a:bgFillStyleLst>
+    </a:fmtScheme>
+  </a:themeElements>
+  <a:objectDefaults/>
+  <a:extraClrSchemeLst/>
+  <a:extLst>
+    <a:ext uri="{05A4C25C-085E-4340-85A3-A5531E510DB2}">
+      <thm15:themeFamily xmlns:thm15="http://schemas.microsoft.com/office/thememl/2012/main" name="Office Theme" id="{62F939B6-93AF-4DB8-9C6B-D6C7DFDC589F}" vid="{4A3C46E8-61CC-4603-A589-7422A47A8E4A}"/>
+    </a:ext>
+  </a:extLst>
+</a:theme>
 </file>
--- a/typescript/typescript_mixins.pptx
+++ b/typescript/typescript_mixins.pptx
@@ -8857,11 +8857,7 @@
           <a:p>
             <a:r>
               <a:rPr lang="ja-JP" altLang="en-US" smtClean="0"/>
-              <a:t>多重</a:t>
-            </a:r>
-            <a:r>
-              <a:rPr lang="ja-JP" altLang="en-US" smtClean="0"/>
-              <a:t>継承</a:t>
+              <a:t>多重継承</a:t>
             </a:r>
             <a:endParaRPr kumimoji="1" lang="ja-JP" altLang="en-US"/>
           </a:p>
@@ -10265,11 +10261,7 @@
             </a:r>
             <a:r>
               <a:rPr lang="ja-JP" altLang="en-US" sz="2400"/>
-              <a:t>多重継承を</a:t>
-            </a:r>
-            <a:r>
-              <a:rPr lang="ja-JP" altLang="en-US" sz="2400"/>
-              <a:t>行う</a:t>
+              <a:t>多重継承を行う</a:t>
             </a:r>
             <a:r>
               <a:rPr lang="ja-JP" altLang="en-US" sz="2400" smtClean="0"/>
@@ -11948,14 +11940,6 @@
                 </a:rPr>
                 <a:t>11</a:t>
               </a:r>
-              <a:endParaRPr kumimoji="1" lang="en-US" altLang="ja-JP" sz="2000" smtClean="0">
-                <a:solidFill>
-                  <a:srgbClr val="3E4057"/>
-                </a:solidFill>
-                <a:latin typeface="Andale Mono" charset="0"/>
-                <a:ea typeface="Andale Mono" charset="0"/>
-                <a:cs typeface="Andale Mono" charset="0"/>
-              </a:endParaRPr>
             </a:p>
           </p:txBody>
         </p:sp>
@@ -13045,14 +13029,6 @@
                 </a:rPr>
                 <a:t>13</a:t>
               </a:r>
-              <a:endParaRPr kumimoji="1" lang="en-US" altLang="ja-JP" sz="2000" smtClean="0">
-                <a:solidFill>
-                  <a:srgbClr val="3E4057"/>
-                </a:solidFill>
-                <a:latin typeface="Andale Mono" charset="0"/>
-                <a:ea typeface="Andale Mono" charset="0"/>
-                <a:cs typeface="Andale Mono" charset="0"/>
-              </a:endParaRPr>
             </a:p>
             <a:p>
               <a:r>
@@ -13209,14 +13185,6 @@
                 </a:rPr>
                 <a:t>25</a:t>
               </a:r>
-              <a:endParaRPr kumimoji="1" lang="en-US" altLang="ja-JP" sz="2000" smtClean="0">
-                <a:solidFill>
-                  <a:srgbClr val="3E4057"/>
-                </a:solidFill>
-                <a:latin typeface="Andale Mono" charset="0"/>
-                <a:ea typeface="Andale Mono" charset="0"/>
-                <a:cs typeface="Andale Mono" charset="0"/>
-              </a:endParaRPr>
             </a:p>
           </p:txBody>
         </p:sp>
@@ -14705,14 +14673,6 @@
                 </a:rPr>
                 <a:t>13</a:t>
               </a:r>
-              <a:endParaRPr kumimoji="1" lang="en-US" altLang="ja-JP" sz="1300" smtClean="0">
-                <a:solidFill>
-                  <a:srgbClr val="3E4057"/>
-                </a:solidFill>
-                <a:latin typeface="Andale Mono" charset="0"/>
-                <a:ea typeface="Andale Mono" charset="0"/>
-                <a:cs typeface="Andale Mono" charset="0"/>
-              </a:endParaRPr>
             </a:p>
             <a:p>
               <a:r>
@@ -14869,14 +14829,6 @@
                 </a:rPr>
                 <a:t>25</a:t>
               </a:r>
-              <a:endParaRPr kumimoji="1" lang="en-US" altLang="ja-JP" sz="1300" smtClean="0">
-                <a:solidFill>
-                  <a:srgbClr val="3E4057"/>
-                </a:solidFill>
-                <a:latin typeface="Andale Mono" charset="0"/>
-                <a:ea typeface="Andale Mono" charset="0"/>
-                <a:cs typeface="Andale Mono" charset="0"/>
-              </a:endParaRPr>
             </a:p>
           </p:txBody>
         </p:sp>

--- a/typescript/typescript_mixins.pptx
+++ b/typescript/typescript_mixins.pptx
@@ -7360,7 +7360,7 @@
             </a:r>
             <a:r>
               <a:rPr kumimoji="1" lang="en-US" altLang="ja-JP" sz="6000" smtClean="0"/>
-              <a:t>Mixin</a:t>
+              <a:t>Mixins</a:t>
             </a:r>
             <a:endParaRPr kumimoji="1" lang="ja-JP" altLang="en-US" sz="6000" dirty="0"/>
           </a:p>
@@ -7509,7 +7509,7 @@
           <a:p>
             <a:r>
               <a:rPr lang="en-US" altLang="ja-JP" smtClean="0"/>
-              <a:t>Mixin </a:t>
+              <a:t>Mixins </a:t>
             </a:r>
             <a:r>
               <a:rPr lang="ja-JP" altLang="en-US" sz="2800" smtClean="0"/>
@@ -7561,7 +7561,7 @@
         <p:spPr>
           <a:xfrm>
             <a:off x="457200" y="3068960"/>
-            <a:ext cx="8229600" cy="1070905"/>
+            <a:ext cx="8229600" cy="2664296"/>
           </a:xfrm>
           <a:prstGeom prst="rect">
             <a:avLst/>
@@ -7747,6 +7747,31 @@
             <a:r>
               <a:rPr lang="ja-JP" altLang="en-US" sz="2400" smtClean="0"/>
               <a:t>方法</a:t>
+            </a:r>
+            <a:endParaRPr lang="en-US" altLang="ja-JP" sz="2400" smtClean="0"/>
+          </a:p>
+          <a:p>
+            <a:pPr marL="0" indent="0" algn="ctr">
+              <a:buFont typeface="Arial" panose="020B0604020202020204" pitchFamily="34" charset="0"/>
+              <a:buNone/>
+            </a:pPr>
+            <a:endParaRPr lang="en-US" altLang="ja-JP" sz="2400" smtClean="0"/>
+          </a:p>
+          <a:p>
+            <a:pPr marL="0" indent="0" algn="ctr">
+              <a:buFont typeface="Arial" panose="020B0604020202020204" pitchFamily="34" charset="0"/>
+              <a:buNone/>
+            </a:pPr>
+            <a:endParaRPr lang="en-US" altLang="ja-JP" sz="2400" smtClean="0"/>
+          </a:p>
+          <a:p>
+            <a:pPr marL="0" indent="0" algn="ctr">
+              <a:buFont typeface="Arial" panose="020B0604020202020204" pitchFamily="34" charset="0"/>
+              <a:buNone/>
+            </a:pPr>
+            <a:r>
+              <a:rPr lang="ja-JP" altLang="en-US" sz="2400" smtClean="0"/>
+              <a:t>キーワード：クラスの継承（単一・多重）</a:t>
             </a:r>
             <a:endParaRPr lang="en-US" altLang="ja-JP" sz="2400" dirty="0"/>
           </a:p>
@@ -9518,7 +9543,9 @@
             </a:prstGeom>
             <a:ln w="38100">
               <a:solidFill>
-                <a:srgbClr val="3E4057"/>
+                <a:schemeClr val="accent6">
+                  <a:lumMod val="75000"/>
+                </a:schemeClr>
               </a:solidFill>
               <a:tailEnd type="triangle"/>
             </a:ln>
@@ -9806,7 +9833,19 @@
             </a:r>
             <a:r>
               <a:rPr kumimoji="1" lang="ja-JP" altLang="en-US" sz="2400" smtClean="0"/>
-              <a:t>のクラスから機能を継承できる</a:t>
+              <a:t>の</a:t>
+            </a:r>
+            <a:r>
+              <a:rPr kumimoji="1" lang="ja-JP" altLang="en-US" sz="2400" smtClean="0"/>
+              <a:t>クラス</a:t>
+            </a:r>
+            <a:r>
+              <a:rPr lang="ja-JP" altLang="en-US" sz="2400" smtClean="0"/>
+              <a:t>の</a:t>
+            </a:r>
+            <a:r>
+              <a:rPr kumimoji="1" lang="ja-JP" altLang="en-US" sz="2400" smtClean="0"/>
+              <a:t>機能を取り入れ可能</a:t>
             </a:r>
             <a:endParaRPr kumimoji="1" lang="en-US" altLang="ja-JP" sz="2400" smtClean="0"/>
           </a:p>
@@ -10026,8 +10065,8 @@
           <a:lstStyle/>
           <a:p>
             <a:r>
-              <a:rPr lang="en-US" altLang="ja-JP"/>
-              <a:t>Mixin </a:t>
+              <a:rPr lang="en-US" altLang="ja-JP" smtClean="0"/>
+              <a:t>Mixins </a:t>
             </a:r>
             <a:r>
               <a:rPr lang="ja-JP" altLang="en-US" sz="2800"/>
@@ -10039,7 +10078,7 @@
             </a:r>
             <a:r>
               <a:rPr lang="ja-JP" altLang="en-US" smtClean="0"/>
-              <a:t>詳細</a:t>
+              <a:t>特徴</a:t>
             </a:r>
             <a:endParaRPr kumimoji="1" lang="ja-JP" altLang="en-US"/>
           </a:p>
@@ -10285,21 +10324,13 @@
             </a:r>
             <a:r>
               <a:rPr lang="ja-JP" altLang="en-US" sz="2400" smtClean="0"/>
-              <a:t>は</a:t>
-            </a:r>
-            <a:r>
-              <a:rPr lang="ja-JP" altLang="en-US" sz="2400" smtClean="0">
-                <a:solidFill>
-                  <a:srgbClr val="32B490"/>
-                </a:solidFill>
-              </a:rPr>
-              <a:t>抽象クラス</a:t>
-            </a:r>
-            <a:endParaRPr lang="en-US" altLang="ja-JP" sz="2400" smtClean="0">
-              <a:solidFill>
-                <a:srgbClr val="32B490"/>
-              </a:solidFill>
-            </a:endParaRPr>
+              <a:t>は抽象</a:t>
+            </a:r>
+            <a:r>
+              <a:rPr lang="ja-JP" altLang="en-US" sz="2400" smtClean="0"/>
+              <a:t>クラスのように振る舞う</a:t>
+            </a:r>
+            <a:endParaRPr lang="en-US" altLang="ja-JP" sz="2400" smtClean="0"/>
           </a:p>
           <a:p>
             <a:pPr>
@@ -10401,7 +10432,7 @@
         </p:nvGrpSpPr>
         <p:grpSpPr>
           <a:xfrm>
-            <a:off x="5364088" y="3300820"/>
+            <a:off x="5364088" y="3789040"/>
             <a:ext cx="3619588" cy="2907025"/>
             <a:chOff x="5364088" y="3300820"/>
             <a:chExt cx="3619588" cy="2907025"/>
@@ -11536,7 +11567,18 @@
                   <a:ea typeface="Andale Mono" charset="0"/>
                   <a:cs typeface="Andale Mono" charset="0"/>
                 </a:rPr>
-                <a:t>alert(”Hello!”);</a:t>
+                <a:t>alert(“Hello</a:t>
+              </a:r>
+              <a:r>
+                <a:rPr lang="en-US" altLang="ja-JP" sz="2000" b="1" smtClean="0">
+                  <a:solidFill>
+                    <a:srgbClr val="3E4057"/>
+                  </a:solidFill>
+                  <a:latin typeface="Andale Mono" charset="0"/>
+                  <a:ea typeface="Andale Mono" charset="0"/>
+                  <a:cs typeface="Andale Mono" charset="0"/>
+                </a:rPr>
+                <a:t>!”);</a:t>
               </a:r>
               <a:endParaRPr lang="en-US" altLang="ja-JP" sz="2000" b="1">
                 <a:solidFill>
@@ -13950,10 +13992,10 @@
                   <a:ea typeface="Andale Mono" charset="0"/>
                   <a:cs typeface="Andale Mono" charset="0"/>
                 </a:rPr>
-                <a:t>	</a:t>
-              </a:r>
-              <a:r>
-                <a:rPr lang="en-US" altLang="ja-JP" sz="1300" b="1">
+                <a:t> </a:t>
+              </a:r>
+              <a:r>
+                <a:rPr lang="en-US" altLang="ja-JP" sz="1300" smtClean="0">
                   <a:solidFill>
                     <a:srgbClr val="3E4057"/>
                   </a:solidFill>
@@ -13961,10 +14003,10 @@
                   <a:ea typeface="Andale Mono" charset="0"/>
                   <a:cs typeface="Andale Mono" charset="0"/>
                 </a:rPr>
-                <a:t>public hello() </a:t>
-              </a:r>
-              <a:r>
-                <a:rPr lang="en-US" altLang="ja-JP" sz="1300">
+                <a:t>   </a:t>
+              </a:r>
+              <a:r>
+                <a:rPr lang="en-US" altLang="ja-JP" sz="1300" b="1" smtClean="0">
                   <a:solidFill>
                     <a:srgbClr val="3E4057"/>
                   </a:solidFill>
@@ -13972,12 +14014,10 @@
                   <a:ea typeface="Andale Mono" charset="0"/>
                   <a:cs typeface="Andale Mono" charset="0"/>
                 </a:rPr>
-                <a:t>{</a:t>
-              </a:r>
-            </a:p>
-            <a:p>
-              <a:r>
-                <a:rPr lang="en-US" altLang="ja-JP" sz="1300">
+                <a:t>public </a:t>
+              </a:r>
+              <a:r>
+                <a:rPr lang="en-US" altLang="ja-JP" sz="1300" b="1">
                   <a:solidFill>
                     <a:srgbClr val="3E4057"/>
                   </a:solidFill>
@@ -13985,10 +14025,10 @@
                   <a:ea typeface="Andale Mono" charset="0"/>
                   <a:cs typeface="Andale Mono" charset="0"/>
                 </a:rPr>
-                <a:t>		</a:t>
-              </a:r>
-              <a:r>
-                <a:rPr lang="en-US" altLang="ja-JP" sz="1300" b="1">
+                <a:t>hello() </a:t>
+              </a:r>
+              <a:r>
+                <a:rPr lang="en-US" altLang="ja-JP" sz="1300">
                   <a:solidFill>
                     <a:srgbClr val="3E4057"/>
                   </a:solidFill>
@@ -13996,7 +14036,7 @@
                   <a:ea typeface="Andale Mono" charset="0"/>
                   <a:cs typeface="Andale Mono" charset="0"/>
                 </a:rPr>
-                <a:t>alert(”Hello!”);</a:t>
+                <a:t>{</a:t>
               </a:r>
             </a:p>
             <a:p>
@@ -14009,12 +14049,10 @@
                   <a:ea typeface="Andale Mono" charset="0"/>
                   <a:cs typeface="Andale Mono" charset="0"/>
                 </a:rPr>
-                <a:t>	}</a:t>
-              </a:r>
-            </a:p>
-            <a:p>
-              <a:r>
-                <a:rPr lang="en-US" altLang="ja-JP" sz="1300">
+                <a:t> </a:t>
+              </a:r>
+              <a:r>
+                <a:rPr lang="en-US" altLang="ja-JP" sz="1300" smtClean="0">
                   <a:solidFill>
                     <a:srgbClr val="3E4057"/>
                   </a:solidFill>
@@ -14022,10 +14060,65 @@
                   <a:ea typeface="Andale Mono" charset="0"/>
                   <a:cs typeface="Andale Mono" charset="0"/>
                 </a:rPr>
-                <a:t>}</a:t>
+                <a:t>       </a:t>
+              </a:r>
+              <a:r>
+                <a:rPr lang="en-US" altLang="ja-JP" sz="1300" b="1" smtClean="0">
+                  <a:solidFill>
+                    <a:srgbClr val="3E4057"/>
+                  </a:solidFill>
+                  <a:latin typeface="Andale Mono" charset="0"/>
+                  <a:ea typeface="Andale Mono" charset="0"/>
+                  <a:cs typeface="Andale Mono" charset="0"/>
+                </a:rPr>
+                <a:t>alert</a:t>
+              </a:r>
+              <a:r>
+                <a:rPr lang="en-US" altLang="ja-JP" sz="1300" b="1">
+                  <a:solidFill>
+                    <a:srgbClr val="3E4057"/>
+                  </a:solidFill>
+                  <a:latin typeface="Andale Mono" charset="0"/>
+                  <a:ea typeface="Andale Mono" charset="0"/>
+                  <a:cs typeface="Andale Mono" charset="0"/>
+                </a:rPr>
+                <a:t>(”Hello!”);</a:t>
               </a:r>
             </a:p>
             <a:p>
+              <a:r>
+                <a:rPr lang="en-US" altLang="ja-JP" sz="1300">
+                  <a:solidFill>
+                    <a:srgbClr val="3E4057"/>
+                  </a:solidFill>
+                  <a:latin typeface="Andale Mono" charset="0"/>
+                  <a:ea typeface="Andale Mono" charset="0"/>
+                  <a:cs typeface="Andale Mono" charset="0"/>
+                </a:rPr>
+                <a:t> </a:t>
+              </a:r>
+              <a:r>
+                <a:rPr lang="en-US" altLang="ja-JP" sz="1300" smtClean="0">
+                  <a:solidFill>
+                    <a:srgbClr val="3E4057"/>
+                  </a:solidFill>
+                  <a:latin typeface="Andale Mono" charset="0"/>
+                  <a:ea typeface="Andale Mono" charset="0"/>
+                  <a:cs typeface="Andale Mono" charset="0"/>
+                </a:rPr>
+                <a:t>   </a:t>
+              </a:r>
+              <a:r>
+                <a:rPr lang="en-US" altLang="ja-JP" sz="1300" smtClean="0">
+                  <a:solidFill>
+                    <a:srgbClr val="3E4057"/>
+                  </a:solidFill>
+                  <a:latin typeface="Andale Mono" charset="0"/>
+                  <a:ea typeface="Andale Mono" charset="0"/>
+                  <a:cs typeface="Andale Mono" charset="0"/>
+                </a:rPr>
+                <a:t>}</a:t>
+              </a:r>
               <a:endParaRPr lang="en-US" altLang="ja-JP" sz="1300">
                 <a:solidFill>
                   <a:srgbClr val="3E4057"/>
@@ -14045,118 +14138,11 @@
                   <a:ea typeface="Andale Mono" charset="0"/>
                   <a:cs typeface="Andale Mono" charset="0"/>
                 </a:rPr>
-                <a:t>class </a:t>
-              </a:r>
-              <a:r>
-                <a:rPr lang="en-US" altLang="ja-JP" sz="1300" b="1">
-                  <a:solidFill>
-                    <a:srgbClr val="3E4057"/>
-                  </a:solidFill>
-                  <a:latin typeface="Andale Mono" charset="0"/>
-                  <a:ea typeface="Andale Mono" charset="0"/>
-                  <a:cs typeface="Andale Mono" charset="0"/>
-                </a:rPr>
-                <a:t>MixinC</a:t>
-              </a:r>
-              <a:r>
-                <a:rPr lang="en-US" altLang="ja-JP" sz="1300">
-                  <a:solidFill>
-                    <a:srgbClr val="3E4057"/>
-                  </a:solidFill>
-                  <a:latin typeface="Andale Mono" charset="0"/>
-                  <a:ea typeface="Andale Mono" charset="0"/>
-                  <a:cs typeface="Andale Mono" charset="0"/>
-                </a:rPr>
-                <a:t> {</a:t>
+                <a:t>}</a:t>
               </a:r>
             </a:p>
             <a:p>
-              <a:r>
-                <a:rPr lang="en-US" altLang="ja-JP" sz="1300">
-                  <a:solidFill>
-                    <a:srgbClr val="3E4057"/>
-                  </a:solidFill>
-                  <a:latin typeface="Andale Mono" charset="0"/>
-                  <a:ea typeface="Andale Mono" charset="0"/>
-                  <a:cs typeface="Andale Mono" charset="0"/>
-                </a:rPr>
-                <a:t>	</a:t>
-              </a:r>
-              <a:r>
-                <a:rPr lang="en-US" altLang="ja-JP" sz="1300" b="1">
-                  <a:solidFill>
-                    <a:srgbClr val="3E4057"/>
-                  </a:solidFill>
-                  <a:latin typeface="Andale Mono" charset="0"/>
-                  <a:ea typeface="Andale Mono" charset="0"/>
-                  <a:cs typeface="Andale Mono" charset="0"/>
-                </a:rPr>
-                <a:t>public bye()</a:t>
-              </a:r>
-              <a:r>
-                <a:rPr lang="en-US" altLang="ja-JP" sz="1300">
-                  <a:solidFill>
-                    <a:srgbClr val="3E4057"/>
-                  </a:solidFill>
-                  <a:latin typeface="Andale Mono" charset="0"/>
-                  <a:ea typeface="Andale Mono" charset="0"/>
-                  <a:cs typeface="Andale Mono" charset="0"/>
-                </a:rPr>
-                <a:t>{</a:t>
-              </a:r>
-            </a:p>
-            <a:p>
-              <a:r>
-                <a:rPr lang="en-US" altLang="ja-JP" sz="1300">
-                  <a:solidFill>
-                    <a:srgbClr val="3E4057"/>
-                  </a:solidFill>
-                  <a:latin typeface="Andale Mono" charset="0"/>
-                  <a:ea typeface="Andale Mono" charset="0"/>
-                  <a:cs typeface="Andale Mono" charset="0"/>
-                </a:rPr>
-                <a:t>		</a:t>
-              </a:r>
-              <a:r>
-                <a:rPr lang="en-US" altLang="ja-JP" sz="1300" b="1">
-                  <a:solidFill>
-                    <a:srgbClr val="3E4057"/>
-                  </a:solidFill>
-                  <a:latin typeface="Andale Mono" charset="0"/>
-                  <a:ea typeface="Andale Mono" charset="0"/>
-                  <a:cs typeface="Andale Mono" charset="0"/>
-                </a:rPr>
-                <a:t>alert(“Bye!”);</a:t>
-              </a:r>
-            </a:p>
-            <a:p>
-              <a:r>
-                <a:rPr lang="en-US" altLang="ja-JP" sz="1300">
-                  <a:solidFill>
-                    <a:srgbClr val="3E4057"/>
-                  </a:solidFill>
-                  <a:latin typeface="Andale Mono" charset="0"/>
-                  <a:ea typeface="Andale Mono" charset="0"/>
-                  <a:cs typeface="Andale Mono" charset="0"/>
-                </a:rPr>
-                <a:t>	}</a:t>
-              </a:r>
-            </a:p>
-            <a:p>
-              <a:r>
-                <a:rPr lang="en-US" altLang="ja-JP" sz="1300">
-                  <a:solidFill>
-                    <a:srgbClr val="3E4057"/>
-                  </a:solidFill>
-                  <a:latin typeface="Andale Mono" charset="0"/>
-                  <a:ea typeface="Andale Mono" charset="0"/>
-                  <a:cs typeface="Andale Mono" charset="0"/>
-                </a:rPr>
-                <a:t>}</a:t>
-              </a:r>
-            </a:p>
-            <a:p>
-              <a:endParaRPr lang="en-US" altLang="ja-JP" sz="1300" b="1">
+              <a:endParaRPr lang="en-US" altLang="ja-JP" sz="1300">
                 <a:solidFill>
                   <a:srgbClr val="3E4057"/>
                 </a:solidFill>
@@ -14167,7 +14153,7 @@
             </a:p>
             <a:p>
               <a:r>
-                <a:rPr lang="en-US" altLang="ja-JP" sz="1300" b="1" smtClean="0">
+                <a:rPr lang="en-US" altLang="ja-JP" sz="1300">
                   <a:solidFill>
                     <a:srgbClr val="3E4057"/>
                   </a:solidFill>
@@ -14175,10 +14161,10 @@
                   <a:ea typeface="Andale Mono" charset="0"/>
                   <a:cs typeface="Andale Mono" charset="0"/>
                 </a:rPr>
-                <a:t>class A implements MixinB, MixinC </a:t>
-              </a:r>
-              <a:r>
-                <a:rPr lang="en-US" altLang="ja-JP" sz="1300" smtClean="0">
+                <a:t>class </a:t>
+              </a:r>
+              <a:r>
+                <a:rPr lang="en-US" altLang="ja-JP" sz="1300" b="1">
                   <a:solidFill>
                     <a:srgbClr val="3E4057"/>
                   </a:solidFill>
@@ -14186,10 +14172,8 @@
                   <a:ea typeface="Andale Mono" charset="0"/>
                   <a:cs typeface="Andale Mono" charset="0"/>
                 </a:rPr>
-                <a:t>{</a:t>
-              </a:r>
-            </a:p>
-            <a:p>
+                <a:t>MixinC</a:t>
+              </a:r>
               <a:r>
                 <a:rPr lang="en-US" altLang="ja-JP" sz="1300">
                   <a:solidFill>
@@ -14199,8 +14183,10 @@
                   <a:ea typeface="Andale Mono" charset="0"/>
                   <a:cs typeface="Andale Mono" charset="0"/>
                 </a:rPr>
-                <a:t>	</a:t>
-              </a:r>
+                <a:t> {</a:t>
+              </a:r>
+            </a:p>
+            <a:p>
               <a:r>
                 <a:rPr lang="en-US" altLang="ja-JP" sz="1300" smtClean="0">
                   <a:solidFill>
@@ -14210,10 +14196,10 @@
                   <a:ea typeface="Andale Mono" charset="0"/>
                   <a:cs typeface="Andale Mono" charset="0"/>
                 </a:rPr>
-                <a:t>// MixinB, MixinC </a:t>
-              </a:r>
-              <a:r>
-                <a:rPr lang="ja-JP" altLang="en-US" sz="1300" smtClean="0">
+                <a:t>    </a:t>
+              </a:r>
+              <a:r>
+                <a:rPr lang="en-US" altLang="ja-JP" sz="1300" b="1" smtClean="0">
                   <a:solidFill>
                     <a:srgbClr val="3E4057"/>
                   </a:solidFill>
@@ -14221,9 +14207,79 @@
                   <a:ea typeface="Andale Mono" charset="0"/>
                   <a:cs typeface="Andale Mono" charset="0"/>
                 </a:rPr>
-                <a:t>のメンバを宣言</a:t>
-              </a:r>
-              <a:endParaRPr lang="en-US" altLang="ja-JP" sz="1300" smtClean="0">
+                <a:t>public </a:t>
+              </a:r>
+              <a:r>
+                <a:rPr lang="en-US" altLang="ja-JP" sz="1300" b="1">
+                  <a:solidFill>
+                    <a:srgbClr val="3E4057"/>
+                  </a:solidFill>
+                  <a:latin typeface="Andale Mono" charset="0"/>
+                  <a:ea typeface="Andale Mono" charset="0"/>
+                  <a:cs typeface="Andale Mono" charset="0"/>
+                </a:rPr>
+                <a:t>bye()</a:t>
+              </a:r>
+              <a:r>
+                <a:rPr lang="en-US" altLang="ja-JP" sz="1300">
+                  <a:solidFill>
+                    <a:srgbClr val="3E4057"/>
+                  </a:solidFill>
+                  <a:latin typeface="Andale Mono" charset="0"/>
+                  <a:ea typeface="Andale Mono" charset="0"/>
+                  <a:cs typeface="Andale Mono" charset="0"/>
+                </a:rPr>
+                <a:t>{</a:t>
+              </a:r>
+            </a:p>
+            <a:p>
+              <a:r>
+                <a:rPr lang="en-US" altLang="ja-JP" sz="1300" smtClean="0">
+                  <a:solidFill>
+                    <a:srgbClr val="3E4057"/>
+                  </a:solidFill>
+                  <a:latin typeface="Andale Mono" charset="0"/>
+                  <a:ea typeface="Andale Mono" charset="0"/>
+                  <a:cs typeface="Andale Mono" charset="0"/>
+                </a:rPr>
+                <a:t>        </a:t>
+              </a:r>
+              <a:r>
+                <a:rPr lang="en-US" altLang="ja-JP" sz="1300" b="1" smtClean="0">
+                  <a:solidFill>
+                    <a:srgbClr val="3E4057"/>
+                  </a:solidFill>
+                  <a:latin typeface="Andale Mono" charset="0"/>
+                  <a:ea typeface="Andale Mono" charset="0"/>
+                  <a:cs typeface="Andale Mono" charset="0"/>
+                </a:rPr>
+                <a:t>alert</a:t>
+              </a:r>
+              <a:r>
+                <a:rPr lang="en-US" altLang="ja-JP" sz="1300" b="1">
+                  <a:solidFill>
+                    <a:srgbClr val="3E4057"/>
+                  </a:solidFill>
+                  <a:latin typeface="Andale Mono" charset="0"/>
+                  <a:ea typeface="Andale Mono" charset="0"/>
+                  <a:cs typeface="Andale Mono" charset="0"/>
+                </a:rPr>
+                <a:t>(“Bye!”);</a:t>
+              </a:r>
+            </a:p>
+            <a:p>
+              <a:r>
+                <a:rPr lang="en-US" altLang="ja-JP" sz="1300" smtClean="0">
+                  <a:solidFill>
+                    <a:srgbClr val="3E4057"/>
+                  </a:solidFill>
+                  <a:latin typeface="Andale Mono" charset="0"/>
+                  <a:ea typeface="Andale Mono" charset="0"/>
+                  <a:cs typeface="Andale Mono" charset="0"/>
+                </a:rPr>
+                <a:t>    }</a:t>
+              </a:r>
+              <a:endParaRPr lang="en-US" altLang="ja-JP" sz="1300">
                 <a:solidFill>
                   <a:srgbClr val="3E4057"/>
                 </a:solidFill>
@@ -14234,7 +14290,7 @@
             </a:p>
             <a:p>
               <a:r>
-                <a:rPr kumimoji="1" lang="en-US" altLang="ja-JP" sz="1300" smtClean="0">
+                <a:rPr lang="en-US" altLang="ja-JP" sz="1300">
                   <a:solidFill>
                     <a:srgbClr val="3E4057"/>
                   </a:solidFill>
@@ -14242,10 +14298,22 @@
                   <a:ea typeface="Andale Mono" charset="0"/>
                   <a:cs typeface="Andale Mono" charset="0"/>
                 </a:rPr>
-                <a:t>	</a:t>
-              </a:r>
-              <a:r>
-                <a:rPr kumimoji="1" lang="en-US" altLang="ja-JP" sz="1300" b="1" smtClean="0">
+                <a:t>}</a:t>
+              </a:r>
+            </a:p>
+            <a:p>
+              <a:endParaRPr lang="en-US" altLang="ja-JP" sz="1300" b="1">
+                <a:solidFill>
+                  <a:srgbClr val="3E4057"/>
+                </a:solidFill>
+                <a:latin typeface="Andale Mono" charset="0"/>
+                <a:ea typeface="Andale Mono" charset="0"/>
+                <a:cs typeface="Andale Mono" charset="0"/>
+              </a:endParaRPr>
+            </a:p>
+            <a:p>
+              <a:r>
+                <a:rPr lang="en-US" altLang="ja-JP" sz="1300" b="1" smtClean="0">
                   <a:solidFill>
                     <a:srgbClr val="3E4057"/>
                   </a:solidFill>
@@ -14253,12 +14321,10 @@
                   <a:ea typeface="Andale Mono" charset="0"/>
                   <a:cs typeface="Andale Mono" charset="0"/>
                 </a:rPr>
-                <a:t>hello:() =&gt; void;</a:t>
-              </a:r>
-            </a:p>
-            <a:p>
-              <a:r>
-                <a:rPr lang="en-US" altLang="ja-JP" sz="1300" b="1">
+                <a:t>class A implements MixinB, MixinC </a:t>
+              </a:r>
+              <a:r>
+                <a:rPr lang="en-US" altLang="ja-JP" sz="1300" smtClean="0">
                   <a:solidFill>
                     <a:srgbClr val="3E4057"/>
                   </a:solidFill>
@@ -14266,10 +14332,12 @@
                   <a:ea typeface="Andale Mono" charset="0"/>
                   <a:cs typeface="Andale Mono" charset="0"/>
                 </a:rPr>
-                <a:t>	</a:t>
-              </a:r>
-              <a:r>
-                <a:rPr lang="en-US" altLang="ja-JP" sz="1300" b="1" smtClean="0">
+                <a:t>{</a:t>
+              </a:r>
+            </a:p>
+            <a:p>
+              <a:r>
+                <a:rPr lang="en-US" altLang="ja-JP" sz="1300" smtClean="0">
                   <a:solidFill>
                     <a:srgbClr val="3E4057"/>
                   </a:solidFill>
@@ -14277,7 +14345,96 @@
                   <a:ea typeface="Andale Mono" charset="0"/>
                   <a:cs typeface="Andale Mono" charset="0"/>
                 </a:rPr>
-                <a:t>bye:() =&gt; void;</a:t>
+                <a:t>    // </a:t>
+              </a:r>
+              <a:r>
+                <a:rPr lang="en-US" altLang="ja-JP" sz="1300" smtClean="0">
+                  <a:solidFill>
+                    <a:srgbClr val="3E4057"/>
+                  </a:solidFill>
+                  <a:latin typeface="Andale Mono" charset="0"/>
+                  <a:ea typeface="Andale Mono" charset="0"/>
+                  <a:cs typeface="Andale Mono" charset="0"/>
+                </a:rPr>
+                <a:t>MixinB, MixinC </a:t>
+              </a:r>
+              <a:r>
+                <a:rPr lang="ja-JP" altLang="en-US" sz="1300" smtClean="0">
+                  <a:solidFill>
+                    <a:srgbClr val="3E4057"/>
+                  </a:solidFill>
+                  <a:latin typeface="Andale Mono" charset="0"/>
+                  <a:ea typeface="Andale Mono" charset="0"/>
+                  <a:cs typeface="Andale Mono" charset="0"/>
+                </a:rPr>
+                <a:t>のメンバを宣言</a:t>
+              </a:r>
+              <a:endParaRPr lang="en-US" altLang="ja-JP" sz="1300" smtClean="0">
+                <a:solidFill>
+                  <a:srgbClr val="3E4057"/>
+                </a:solidFill>
+                <a:latin typeface="Andale Mono" charset="0"/>
+                <a:ea typeface="Andale Mono" charset="0"/>
+                <a:cs typeface="Andale Mono" charset="0"/>
+              </a:endParaRPr>
+            </a:p>
+            <a:p>
+              <a:r>
+                <a:rPr kumimoji="1" lang="en-US" altLang="ja-JP" sz="1300" smtClean="0">
+                  <a:solidFill>
+                    <a:srgbClr val="3E4057"/>
+                  </a:solidFill>
+                  <a:latin typeface="Andale Mono" charset="0"/>
+                  <a:ea typeface="Andale Mono" charset="0"/>
+                  <a:cs typeface="Andale Mono" charset="0"/>
+                </a:rPr>
+                <a:t>    </a:t>
+              </a:r>
+              <a:r>
+                <a:rPr kumimoji="1" lang="en-US" altLang="ja-JP" sz="1300" b="1" smtClean="0">
+                  <a:solidFill>
+                    <a:srgbClr val="3E4057"/>
+                  </a:solidFill>
+                  <a:latin typeface="Andale Mono" charset="0"/>
+                  <a:ea typeface="Andale Mono" charset="0"/>
+                  <a:cs typeface="Andale Mono" charset="0"/>
+                </a:rPr>
+                <a:t>hello</a:t>
+              </a:r>
+              <a:r>
+                <a:rPr kumimoji="1" lang="en-US" altLang="ja-JP" sz="1300" b="1" smtClean="0">
+                  <a:solidFill>
+                    <a:srgbClr val="3E4057"/>
+                  </a:solidFill>
+                  <a:latin typeface="Andale Mono" charset="0"/>
+                  <a:ea typeface="Andale Mono" charset="0"/>
+                  <a:cs typeface="Andale Mono" charset="0"/>
+                </a:rPr>
+                <a:t>:() =&gt; void;</a:t>
+              </a:r>
+            </a:p>
+            <a:p>
+              <a:r>
+                <a:rPr lang="en-US" altLang="ja-JP" sz="1300" b="1" smtClean="0">
+                  <a:solidFill>
+                    <a:srgbClr val="3E4057"/>
+                  </a:solidFill>
+                  <a:latin typeface="Andale Mono" charset="0"/>
+                  <a:ea typeface="Andale Mono" charset="0"/>
+                  <a:cs typeface="Andale Mono" charset="0"/>
+                </a:rPr>
+                <a:t>    bye</a:t>
+              </a:r>
+              <a:r>
+                <a:rPr lang="en-US" altLang="ja-JP" sz="1300" b="1" smtClean="0">
+                  <a:solidFill>
+                    <a:srgbClr val="3E4057"/>
+                  </a:solidFill>
+                  <a:latin typeface="Andale Mono" charset="0"/>
+                  <a:ea typeface="Andale Mono" charset="0"/>
+                  <a:cs typeface="Andale Mono" charset="0"/>
+                </a:rPr>
+                <a:t>:() =&gt; void;</a:t>
               </a:r>
               <a:endParaRPr kumimoji="1" lang="en-US" altLang="ja-JP" sz="1300" b="1">
                 <a:solidFill>
@@ -15020,11 +15177,32 @@
             </a:pPr>
             <a:r>
               <a:rPr lang="en-US" altLang="ja-JP" sz="2400" smtClean="0"/>
-              <a:t>Mixin </a:t>
+              <a:t>Mixins </a:t>
             </a:r>
             <a:r>
               <a:rPr lang="ja-JP" altLang="en-US" sz="2400" smtClean="0"/>
-              <a:t>クラスは抽象クラス</a:t>
+              <a:t>クラスは抽象</a:t>
+            </a:r>
+            <a:r>
+              <a:rPr lang="ja-JP" altLang="en-US" sz="2400" smtClean="0"/>
+              <a:t>クラス</a:t>
+            </a:r>
+            <a:endParaRPr lang="en-US" altLang="ja-JP" sz="2400" smtClean="0"/>
+          </a:p>
+          <a:p>
+            <a:pPr marL="0" indent="0">
+              <a:lnSpc>
+                <a:spcPct val="150000"/>
+              </a:lnSpc>
+              <a:buNone/>
+            </a:pPr>
+            <a:r>
+              <a:rPr lang="ja-JP" altLang="en-US" sz="2400"/>
+              <a:t>　</a:t>
+            </a:r>
+            <a:r>
+              <a:rPr lang="ja-JP" altLang="en-US" sz="2400" smtClean="0"/>
+              <a:t>のように振る舞う</a:t>
             </a:r>
             <a:endParaRPr lang="en-US" altLang="ja-JP" sz="2400" smtClean="0"/>
           </a:p>
@@ -15246,7 +15424,7 @@
             </a:pPr>
             <a:r>
               <a:rPr lang="en-US" altLang="ja-JP" sz="2400" smtClean="0"/>
-              <a:t>Mixin </a:t>
+              <a:t>Mixins </a:t>
             </a:r>
             <a:r>
               <a:rPr lang="ja-JP" altLang="en-US" sz="2400" smtClean="0"/>
